--- a/presentazione_imad.pptx
+++ b/presentazione_imad.pptx
@@ -13,17 +13,17 @@
     <p:sldId id="258" r:id="rId4"/>
     <p:sldId id="260" r:id="rId5"/>
     <p:sldId id="261" r:id="rId6"/>
-    <p:sldId id="266" r:id="rId7"/>
-    <p:sldId id="267" r:id="rId8"/>
-    <p:sldId id="268" r:id="rId9"/>
-    <p:sldId id="269" r:id="rId10"/>
-    <p:sldId id="270" r:id="rId11"/>
-    <p:sldId id="281" r:id="rId12"/>
-    <p:sldId id="271" r:id="rId13"/>
-    <p:sldId id="272" r:id="rId14"/>
-    <p:sldId id="278" r:id="rId15"/>
-    <p:sldId id="279" r:id="rId16"/>
-    <p:sldId id="280" r:id="rId17"/>
+    <p:sldId id="282" r:id="rId7"/>
+    <p:sldId id="266" r:id="rId8"/>
+    <p:sldId id="267" r:id="rId9"/>
+    <p:sldId id="268" r:id="rId10"/>
+    <p:sldId id="269" r:id="rId11"/>
+    <p:sldId id="270" r:id="rId12"/>
+    <p:sldId id="281" r:id="rId13"/>
+    <p:sldId id="271" r:id="rId14"/>
+    <p:sldId id="272" r:id="rId15"/>
+    <p:sldId id="278" r:id="rId16"/>
+    <p:sldId id="279" r:id="rId17"/>
   </p:sldIdLst>
   <p:sldSz cx="12192000" cy="6858000"/>
   <p:notesSz cx="6858000" cy="9144000"/>
@@ -212,7 +212,7 @@
           <a:p>
             <a:fld id="{7BD18282-EB19-435E-9AF0-4FCC595C3971}" type="datetimeFigureOut">
               <a:rPr lang="it-IT" smtClean="0"/>
-              <a:t>30/04/2019</a:t>
+              <a:t>06/05/2019</a:t>
             </a:fld>
             <a:endParaRPr lang="it-IT"/>
           </a:p>
@@ -668,7 +668,7 @@
             <a:fld id="{B61BEF0D-F0BB-DE4B-95CE-6DB70DBA9567}" type="datetimeFigureOut">
               <a:rPr lang="en-US" smtClean="0"/>
               <a:pPr/>
-              <a:t>4/30/2019</a:t>
+              <a:t>5/6/2019</a:t>
             </a:fld>
             <a:endParaRPr lang="en-US" dirty="0"/>
           </a:p>
@@ -1008,7 +1008,7 @@
             <a:fld id="{B61BEF0D-F0BB-DE4B-95CE-6DB70DBA9567}" type="datetimeFigureOut">
               <a:rPr lang="en-US" smtClean="0"/>
               <a:pPr/>
-              <a:t>4/30/2019</a:t>
+              <a:t>5/6/2019</a:t>
             </a:fld>
             <a:endParaRPr lang="en-US" dirty="0"/>
           </a:p>
@@ -1411,7 +1411,7 @@
             <a:fld id="{B61BEF0D-F0BB-DE4B-95CE-6DB70DBA9567}" type="datetimeFigureOut">
               <a:rPr lang="en-US" smtClean="0"/>
               <a:pPr/>
-              <a:t>4/30/2019</a:t>
+              <a:t>5/6/2019</a:t>
             </a:fld>
             <a:endParaRPr lang="en-US" dirty="0"/>
           </a:p>
@@ -1749,7 +1749,7 @@
             <a:fld id="{B61BEF0D-F0BB-DE4B-95CE-6DB70DBA9567}" type="datetimeFigureOut">
               <a:rPr lang="en-US" smtClean="0"/>
               <a:pPr/>
-              <a:t>4/30/2019</a:t>
+              <a:t>5/6/2019</a:t>
             </a:fld>
             <a:endParaRPr lang="en-US" dirty="0"/>
           </a:p>
@@ -2071,7 +2071,7 @@
             <a:fld id="{B61BEF0D-F0BB-DE4B-95CE-6DB70DBA9567}" type="datetimeFigureOut">
               <a:rPr lang="en-US" smtClean="0"/>
               <a:pPr/>
-              <a:t>4/30/2019</a:t>
+              <a:t>5/6/2019</a:t>
             </a:fld>
             <a:endParaRPr lang="en-US" dirty="0"/>
           </a:p>
@@ -2469,7 +2469,7 @@
             <a:fld id="{B61BEF0D-F0BB-DE4B-95CE-6DB70DBA9567}" type="datetimeFigureOut">
               <a:rPr lang="en-US" smtClean="0"/>
               <a:pPr/>
-              <a:t>4/30/2019</a:t>
+              <a:t>5/6/2019</a:t>
             </a:fld>
             <a:endParaRPr lang="en-US" dirty="0"/>
           </a:p>
@@ -2728,7 +2728,7 @@
             <a:fld id="{B61BEF0D-F0BB-DE4B-95CE-6DB70DBA9567}" type="datetimeFigureOut">
               <a:rPr lang="en-US" smtClean="0"/>
               <a:pPr/>
-              <a:t>4/30/2019</a:t>
+              <a:t>5/6/2019</a:t>
             </a:fld>
             <a:endParaRPr lang="en-US" dirty="0"/>
           </a:p>
@@ -2992,7 +2992,7 @@
             <a:fld id="{B61BEF0D-F0BB-DE4B-95CE-6DB70DBA9567}" type="datetimeFigureOut">
               <a:rPr lang="en-US" smtClean="0"/>
               <a:pPr/>
-              <a:t>4/30/2019</a:t>
+              <a:t>5/6/2019</a:t>
             </a:fld>
             <a:endParaRPr lang="en-US" dirty="0"/>
           </a:p>
@@ -3256,7 +3256,7 @@
             <a:fld id="{B61BEF0D-F0BB-DE4B-95CE-6DB70DBA9567}" type="datetimeFigureOut">
               <a:rPr lang="en-US" smtClean="0"/>
               <a:pPr/>
-              <a:t>4/30/2019</a:t>
+              <a:t>5/6/2019</a:t>
             </a:fld>
             <a:endParaRPr lang="en-US" dirty="0"/>
           </a:p>
@@ -3587,7 +3587,7 @@
             <a:fld id="{B61BEF0D-F0BB-DE4B-95CE-6DB70DBA9567}" type="datetimeFigureOut">
               <a:rPr lang="en-US" smtClean="0"/>
               <a:pPr/>
-              <a:t>4/30/2019</a:t>
+              <a:t>5/6/2019</a:t>
             </a:fld>
             <a:endParaRPr lang="en-US" dirty="0"/>
           </a:p>
@@ -3912,7 +3912,7 @@
             <a:fld id="{B61BEF0D-F0BB-DE4B-95CE-6DB70DBA9567}" type="datetimeFigureOut">
               <a:rPr lang="en-US" smtClean="0"/>
               <a:pPr/>
-              <a:t>4/30/2019</a:t>
+              <a:t>5/6/2019</a:t>
             </a:fld>
             <a:endParaRPr lang="en-US" dirty="0"/>
           </a:p>
@@ -4371,7 +4371,7 @@
             <a:fld id="{B61BEF0D-F0BB-DE4B-95CE-6DB70DBA9567}" type="datetimeFigureOut">
               <a:rPr lang="en-US" smtClean="0"/>
               <a:pPr/>
-              <a:t>4/30/2019</a:t>
+              <a:t>5/6/2019</a:t>
             </a:fld>
             <a:endParaRPr lang="en-US" dirty="0"/>
           </a:p>
@@ -4578,7 +4578,7 @@
             <a:fld id="{B61BEF0D-F0BB-DE4B-95CE-6DB70DBA9567}" type="datetimeFigureOut">
               <a:rPr lang="en-US" smtClean="0"/>
               <a:pPr/>
-              <a:t>4/30/2019</a:t>
+              <a:t>5/6/2019</a:t>
             </a:fld>
             <a:endParaRPr lang="en-US" dirty="0"/>
           </a:p>
@@ -4757,7 +4757,7 @@
             <a:fld id="{B61BEF0D-F0BB-DE4B-95CE-6DB70DBA9567}" type="datetimeFigureOut">
               <a:rPr lang="en-US" smtClean="0"/>
               <a:pPr/>
-              <a:t>4/30/2019</a:t>
+              <a:t>5/6/2019</a:t>
             </a:fld>
             <a:endParaRPr lang="en-US" dirty="0"/>
           </a:p>
@@ -5092,7 +5092,7 @@
             <a:fld id="{B61BEF0D-F0BB-DE4B-95CE-6DB70DBA9567}" type="datetimeFigureOut">
               <a:rPr lang="en-US" smtClean="0"/>
               <a:pPr/>
-              <a:t>4/30/2019</a:t>
+              <a:t>5/6/2019</a:t>
             </a:fld>
             <a:endParaRPr lang="en-US" dirty="0"/>
           </a:p>
@@ -5439,7 +5439,7 @@
             <a:fld id="{B61BEF0D-F0BB-DE4B-95CE-6DB70DBA9567}" type="datetimeFigureOut">
               <a:rPr lang="en-US" smtClean="0"/>
               <a:pPr/>
-              <a:t>4/30/2019</a:t>
+              <a:t>5/6/2019</a:t>
             </a:fld>
             <a:endParaRPr lang="en-US" dirty="0"/>
           </a:p>
@@ -7558,7 +7558,7 @@
             <a:fld id="{B61BEF0D-F0BB-DE4B-95CE-6DB70DBA9567}" type="datetimeFigureOut">
               <a:rPr lang="en-US" smtClean="0"/>
               <a:pPr/>
-              <a:t>4/30/2019</a:t>
+              <a:t>5/6/2019</a:t>
             </a:fld>
             <a:endParaRPr lang="en-US" dirty="0"/>
           </a:p>
@@ -8202,6 +8202,285 @@
           <p:cNvPr id="2" name="Titolo 1">
             <a:extLst>
               <a:ext uri="{FF2B5EF4-FFF2-40B4-BE49-F238E27FC236}">
+                <a16:creationId xmlns:a16="http://schemas.microsoft.com/office/drawing/2014/main" id="{75692C91-ACBE-42C4-89F3-C412B205A92D}"/>
+              </a:ext>
+            </a:extLst>
+          </p:cNvPr>
+          <p:cNvSpPr>
+            <a:spLocks noGrp="1"/>
+          </p:cNvSpPr>
+          <p:nvPr>
+            <p:ph type="title"/>
+          </p:nvPr>
+        </p:nvSpPr>
+        <p:spPr>
+          <a:xfrm>
+            <a:off x="1046019" y="942108"/>
+            <a:ext cx="3256550" cy="4969113"/>
+          </a:xfrm>
+        </p:spPr>
+        <p:txBody>
+          <a:bodyPr anchor="ctr">
+            <a:normAutofit/>
+          </a:bodyPr>
+          <a:lstStyle/>
+          <a:p>
+            <a:r>
+              <a:rPr lang="it-IT" sz="2800" dirty="0">
+                <a:solidFill>
+                  <a:schemeClr val="tx2">
+                    <a:lumMod val="75000"/>
+                  </a:schemeClr>
+                </a:solidFill>
+              </a:rPr>
+              <a:t>Test </a:t>
+            </a:r>
+            <a:r>
+              <a:rPr lang="it-IT" sz="2800" dirty="0" err="1">
+                <a:solidFill>
+                  <a:schemeClr val="tx2">
+                    <a:lumMod val="75000"/>
+                  </a:schemeClr>
+                </a:solidFill>
+              </a:rPr>
+              <a:t>Crossvalidazione</a:t>
+            </a:r>
+            <a:endParaRPr lang="it-IT" sz="2800" dirty="0">
+              <a:solidFill>
+                <a:schemeClr val="tx2">
+                  <a:lumMod val="75000"/>
+                </a:schemeClr>
+              </a:solidFill>
+            </a:endParaRPr>
+          </a:p>
+        </p:txBody>
+      </p:sp>
+      <p:sp>
+        <p:nvSpPr>
+          <p:cNvPr id="3" name="Segnaposto contenuto 2">
+            <a:extLst>
+              <a:ext uri="{FF2B5EF4-FFF2-40B4-BE49-F238E27FC236}">
+                <a16:creationId xmlns:a16="http://schemas.microsoft.com/office/drawing/2014/main" id="{44D74B6D-0E31-4A45-B899-3F6D520FBA02}"/>
+              </a:ext>
+            </a:extLst>
+          </p:cNvPr>
+          <p:cNvSpPr>
+            <a:spLocks noGrp="1"/>
+          </p:cNvSpPr>
+          <p:nvPr>
+            <p:ph idx="1"/>
+          </p:nvPr>
+        </p:nvSpPr>
+        <p:spPr>
+          <a:xfrm>
+            <a:off x="5049062" y="942108"/>
+            <a:ext cx="6455549" cy="4969114"/>
+          </a:xfrm>
+        </p:spPr>
+        <p:txBody>
+          <a:bodyPr anchor="ctr">
+            <a:normAutofit/>
+          </a:bodyPr>
+          <a:lstStyle/>
+          <a:p>
+            <a:r>
+              <a:rPr lang="it-IT" dirty="0">
+                <a:solidFill>
+                  <a:schemeClr val="tx2">
+                    <a:lumMod val="75000"/>
+                  </a:schemeClr>
+                </a:solidFill>
+              </a:rPr>
+              <a:t>SSR_validazione1=2.690702704454648e+03</a:t>
+            </a:r>
+          </a:p>
+          <a:p>
+            <a:r>
+              <a:rPr lang="it-IT" dirty="0">
+                <a:solidFill>
+                  <a:schemeClr val="tx2">
+                    <a:lumMod val="75000"/>
+                  </a:schemeClr>
+                </a:solidFill>
+              </a:rPr>
+              <a:t>SSR_validazione2=2.643407321690734e+03</a:t>
+            </a:r>
+          </a:p>
+          <a:p>
+            <a:r>
+              <a:rPr lang="it-IT" dirty="0">
+                <a:solidFill>
+                  <a:schemeClr val="tx2">
+                    <a:lumMod val="75000"/>
+                  </a:schemeClr>
+                </a:solidFill>
+              </a:rPr>
+              <a:t>SSR_validazione3=2.219020979113283e+03</a:t>
+            </a:r>
+          </a:p>
+          <a:p>
+            <a:r>
+              <a:rPr lang="it-IT" dirty="0">
+                <a:solidFill>
+                  <a:schemeClr val="tx2">
+                    <a:lumMod val="75000"/>
+                  </a:schemeClr>
+                </a:solidFill>
+              </a:rPr>
+              <a:t>SSR_validazione4=2.200418241788850e+03</a:t>
+            </a:r>
+          </a:p>
+          <a:p>
+            <a:r>
+              <a:rPr lang="it-IT" dirty="0">
+                <a:solidFill>
+                  <a:schemeClr val="tx2">
+                    <a:lumMod val="75000"/>
+                  </a:schemeClr>
+                </a:solidFill>
+              </a:rPr>
+              <a:t>SSR_validazione5=2.017679275347757e+03</a:t>
+            </a:r>
+          </a:p>
+          <a:p>
+            <a:r>
+              <a:rPr lang="it-IT" dirty="0">
+                <a:solidFill>
+                  <a:schemeClr val="tx2">
+                    <a:lumMod val="75000"/>
+                  </a:schemeClr>
+                </a:solidFill>
+              </a:rPr>
+              <a:t>SSR_validazione6=1.805393099955096e+03</a:t>
+            </a:r>
+          </a:p>
+          <a:p>
+            <a:r>
+              <a:rPr lang="it-IT" dirty="0">
+                <a:solidFill>
+                  <a:schemeClr val="tx2">
+                    <a:lumMod val="75000"/>
+                  </a:schemeClr>
+                </a:solidFill>
+              </a:rPr>
+              <a:t>SSR_validazione7=1.769498868846897e+03</a:t>
+            </a:r>
+          </a:p>
+          <a:p>
+            <a:r>
+              <a:rPr lang="it-IT" dirty="0">
+                <a:solidFill>
+                  <a:schemeClr val="tx2">
+                    <a:lumMod val="75000"/>
+                  </a:schemeClr>
+                </a:solidFill>
+              </a:rPr>
+              <a:t>SSR_validazione8=1.663295154995127e+03</a:t>
+            </a:r>
+          </a:p>
+          <a:p>
+            <a:r>
+              <a:rPr lang="it-IT" dirty="0">
+                <a:solidFill>
+                  <a:schemeClr val="tx2">
+                    <a:lumMod val="75000"/>
+                  </a:schemeClr>
+                </a:solidFill>
+              </a:rPr>
+              <a:t>SSR_validazione9=1.580822498587686e+03</a:t>
+            </a:r>
+          </a:p>
+          <a:p>
+            <a:r>
+              <a:rPr lang="it-IT" b="1" i="1" dirty="0">
+                <a:solidFill>
+                  <a:schemeClr val="tx2">
+                    <a:lumMod val="75000"/>
+                  </a:schemeClr>
+                </a:solidFill>
+              </a:rPr>
+              <a:t>SSR_validazione10=1.403247353207679e+03</a:t>
+            </a:r>
+          </a:p>
+          <a:p>
+            <a:r>
+              <a:rPr lang="it-IT" dirty="0">
+                <a:solidFill>
+                  <a:schemeClr val="tx2">
+                    <a:lumMod val="75000"/>
+                  </a:schemeClr>
+                </a:solidFill>
+              </a:rPr>
+              <a:t>SSR_validazione11=1.434188888459938e+03</a:t>
+            </a:r>
+          </a:p>
+          <a:p>
+            <a:r>
+              <a:rPr lang="it-IT" dirty="0">
+                <a:solidFill>
+                  <a:schemeClr val="tx2">
+                    <a:lumMod val="75000"/>
+                  </a:schemeClr>
+                </a:solidFill>
+              </a:rPr>
+              <a:t>SSR_validazione12=1.416279005807706e+03</a:t>
+            </a:r>
+          </a:p>
+          <a:p>
+            <a:endParaRPr lang="it-IT" dirty="0">
+              <a:solidFill>
+                <a:schemeClr val="tx2">
+                  <a:lumMod val="75000"/>
+                </a:schemeClr>
+              </a:solidFill>
+            </a:endParaRPr>
+          </a:p>
+          <a:p>
+            <a:endParaRPr lang="it-IT" dirty="0">
+              <a:solidFill>
+                <a:schemeClr val="tx2">
+                  <a:lumMod val="75000"/>
+                </a:schemeClr>
+              </a:solidFill>
+            </a:endParaRPr>
+          </a:p>
+        </p:txBody>
+      </p:sp>
+    </p:spTree>
+    <p:extLst>
+      <p:ext uri="{BB962C8B-B14F-4D97-AF65-F5344CB8AC3E}">
+        <p14:creationId xmlns:p14="http://schemas.microsoft.com/office/powerpoint/2010/main" val="3497711419"/>
+      </p:ext>
+    </p:extLst>
+  </p:cSld>
+  <p:clrMapOvr>
+    <a:masterClrMapping/>
+  </p:clrMapOvr>
+</p:sld>
+</file>
+
+<file path=ppt/slides/slide11.xml><?xml version="1.0" encoding="utf-8"?>
+<p:sld xmlns:a="http://schemas.openxmlformats.org/drawingml/2006/main" xmlns:r="http://schemas.openxmlformats.org/officeDocument/2006/relationships" xmlns:p="http://schemas.openxmlformats.org/presentationml/2006/main">
+  <p:cSld>
+    <p:spTree>
+      <p:nvGrpSpPr>
+        <p:cNvPr id="1" name=""/>
+        <p:cNvGrpSpPr/>
+        <p:nvPr/>
+      </p:nvGrpSpPr>
+      <p:grpSpPr>
+        <a:xfrm>
+          <a:off x="0" y="0"/>
+          <a:ext cx="0" cy="0"/>
+          <a:chOff x="0" y="0"/>
+          <a:chExt cx="0" cy="0"/>
+        </a:xfrm>
+      </p:grpSpPr>
+      <p:sp>
+        <p:nvSpPr>
+          <p:cNvPr id="2" name="Titolo 1">
+            <a:extLst>
+              <a:ext uri="{FF2B5EF4-FFF2-40B4-BE49-F238E27FC236}">
                 <a16:creationId xmlns:a16="http://schemas.microsoft.com/office/drawing/2014/main" id="{CF6A2104-B41B-47E0-8D61-41722B1F832C}"/>
               </a:ext>
             </a:extLst>
@@ -8293,7 +8572,7 @@
 </p:sld>
 </file>
 
-<file path=ppt/slides/slide11.xml><?xml version="1.0" encoding="utf-8"?>
+<file path=ppt/slides/slide12.xml><?xml version="1.0" encoding="utf-8"?>
 <p:sld xmlns:a="http://schemas.openxmlformats.org/drawingml/2006/main" xmlns:r="http://schemas.openxmlformats.org/officeDocument/2006/relationships" xmlns:p="http://schemas.openxmlformats.org/presentationml/2006/main">
   <p:cSld>
     <p:spTree>
@@ -8328,7 +8607,7 @@
         </p:nvSpPr>
         <p:spPr>
           <a:xfrm>
-            <a:off x="2271720" y="508207"/>
+            <a:off x="2271717" y="726293"/>
             <a:ext cx="8911687" cy="1280890"/>
           </a:xfrm>
         </p:spPr>
@@ -8346,19 +8625,17 @@
       </p:sp>
       <p:pic>
         <p:nvPicPr>
-          <p:cNvPr id="5" name="Segnaposto contenuto 4" descr="Figure 5">
+          <p:cNvPr id="7" name="Immagine 6" descr="Immagine che contiene mappa, testo&#10;&#10;Descrizione generata automaticamente">
             <a:extLst>
               <a:ext uri="{FF2B5EF4-FFF2-40B4-BE49-F238E27FC236}">
-                <a16:creationId xmlns:a16="http://schemas.microsoft.com/office/drawing/2014/main" id="{79E765B1-D68D-4490-9E6D-A82E55F51638}"/>
+                <a16:creationId xmlns:a16="http://schemas.microsoft.com/office/drawing/2014/main" id="{DA930656-DE83-4351-8E90-CE712FD5F725}"/>
               </a:ext>
             </a:extLst>
           </p:cNvPr>
           <p:cNvPicPr>
-            <a:picLocks noGrp="1" noChangeAspect="1"/>
+            <a:picLocks noChangeAspect="1"/>
           </p:cNvPicPr>
-          <p:nvPr>
-            <p:ph idx="1"/>
-          </p:nvPr>
+          <p:nvPr/>
         </p:nvPicPr>
         <p:blipFill>
           <a:blip r:embed="rId2"/>
@@ -8368,9 +8645,12 @@
         </p:blipFill>
         <p:spPr>
           <a:xfrm>
-            <a:off x="2271720" y="1905000"/>
-            <a:ext cx="8757351" cy="4714522"/>
+            <a:off x="3207514" y="1586064"/>
+            <a:ext cx="7046271" cy="5015775"/>
           </a:xfrm>
+          <a:prstGeom prst="rect">
+            <a:avLst/>
+          </a:prstGeom>
         </p:spPr>
       </p:pic>
     </p:spTree>
@@ -8386,7 +8666,7 @@
 </p:sld>
 </file>
 
-<file path=ppt/slides/slide12.xml><?xml version="1.0" encoding="utf-8"?>
+<file path=ppt/slides/slide13.xml><?xml version="1.0" encoding="utf-8"?>
 <p:sld xmlns:a="http://schemas.openxmlformats.org/drawingml/2006/main" xmlns:r="http://schemas.openxmlformats.org/officeDocument/2006/relationships" xmlns:p="http://schemas.openxmlformats.org/presentationml/2006/main">
   <p:cSld>
     <p:bg>
@@ -9770,7 +10050,7 @@
 </p:sld>
 </file>
 
-<file path=ppt/slides/slide13.xml><?xml version="1.0" encoding="utf-8"?>
+<file path=ppt/slides/slide14.xml><?xml version="1.0" encoding="utf-8"?>
 <p:sld xmlns:a="http://schemas.openxmlformats.org/drawingml/2006/main" xmlns:r="http://schemas.openxmlformats.org/officeDocument/2006/relationships" xmlns:p="http://schemas.openxmlformats.org/presentationml/2006/main">
   <p:cSld>
     <p:spTree>
@@ -9871,10 +10151,10 @@
       </p:sp>
       <p:pic>
         <p:nvPicPr>
-          <p:cNvPr id="9" name="Segnaposto contenuto 6" descr="Figure 4">
+          <p:cNvPr id="4" name="Immagine 3">
             <a:extLst>
               <a:ext uri="{FF2B5EF4-FFF2-40B4-BE49-F238E27FC236}">
-                <a16:creationId xmlns:a16="http://schemas.microsoft.com/office/drawing/2014/main" id="{C51F32B9-126E-409E-95FD-54785957CAAE}"/>
+                <a16:creationId xmlns:a16="http://schemas.microsoft.com/office/drawing/2014/main" id="{405DD0C6-7664-4C63-8556-89E33663F6FD}"/>
               </a:ext>
             </a:extLst>
           </p:cNvPr>
@@ -9891,8 +10171,8 @@
         </p:blipFill>
         <p:spPr>
           <a:xfrm>
-            <a:off x="4765847" y="293659"/>
-            <a:ext cx="7044312" cy="6273841"/>
+            <a:off x="4784745" y="791271"/>
+            <a:ext cx="7119501" cy="5339626"/>
           </a:xfrm>
           <a:prstGeom prst="rect">
             <a:avLst/>
@@ -9912,7 +10192,7 @@
 </p:sld>
 </file>
 
-<file path=ppt/slides/slide14.xml><?xml version="1.0" encoding="utf-8"?>
+<file path=ppt/slides/slide15.xml><?xml version="1.0" encoding="utf-8"?>
 <p:sld xmlns:a="http://schemas.openxmlformats.org/drawingml/2006/main" xmlns:r="http://schemas.openxmlformats.org/officeDocument/2006/relationships" xmlns:p="http://schemas.openxmlformats.org/presentationml/2006/main">
   <p:cSld>
     <p:spTree>
@@ -9947,7 +10227,7 @@
         </p:nvSpPr>
         <p:spPr>
           <a:xfrm>
-            <a:off x="2589212" y="1166219"/>
+            <a:off x="2589210" y="1392855"/>
             <a:ext cx="8915399" cy="2262781"/>
           </a:xfrm>
         </p:spPr>
@@ -9989,7 +10269,7 @@
         </p:nvSpPr>
         <p:spPr>
           <a:xfrm>
-            <a:off x="2589211" y="4114924"/>
+            <a:off x="2589211" y="4333754"/>
             <a:ext cx="8915399" cy="1126283"/>
           </a:xfrm>
         </p:spPr>
@@ -10005,17 +10285,8 @@
                   </a:schemeClr>
                 </a:solidFill>
               </a:rPr>
-              <a:t>La funzione finale prende in input i tre vettori (nell’ordine: giorno dell’anno, giorno della settimana, serie temporale) e restituisce la predizione dei 365 valori serie temporale.</a:t>
-            </a:r>
-          </a:p>
-          <a:p>
-            <a:endParaRPr lang="it-IT" dirty="0">
-              <a:solidFill>
-                <a:schemeClr val="tx2">
-                  <a:lumMod val="75000"/>
-                </a:schemeClr>
-              </a:solidFill>
-            </a:endParaRPr>
+              <a:t>La funzione finale prende in input 2 scalari (giorno dell’anno, giorno della settimana) e restituisce la predizione del consumo energetico.</a:t>
+            </a:r>
           </a:p>
         </p:txBody>
       </p:sp>
@@ -10032,7 +10303,7 @@
 </p:sld>
 </file>
 
-<file path=ppt/slides/slide15.xml><?xml version="1.0" encoding="utf-8"?>
+<file path=ppt/slides/slide16.xml><?xml version="1.0" encoding="utf-8"?>
 <p:sld xmlns:a="http://schemas.openxmlformats.org/drawingml/2006/main" xmlns:r="http://schemas.openxmlformats.org/officeDocument/2006/relationships" xmlns:p="http://schemas.openxmlformats.org/presentationml/2006/main">
   <p:cSld>
     <p:spTree>
@@ -10111,19 +10382,35 @@
             </a:r>
             <a:r>
               <a:rPr lang="it-IT" dirty="0"/>
-              <a:t>: stima del trend dell’anno in input </a:t>
+              <a:t>: stima del trend dei 2 anni</a:t>
             </a:r>
           </a:p>
           <a:p>
             <a:r>
               <a:rPr lang="it-IT" dirty="0"/>
-              <a:t>Predizione attraverso il modello dell’anno successivo</a:t>
+              <a:t>Identificazione del modello sui dati dei 2 anni forniti</a:t>
+            </a:r>
+          </a:p>
+          <a:p>
+            <a:r>
+              <a:rPr lang="it-IT" dirty="0" err="1"/>
+              <a:t>Meshgrid</a:t>
+            </a:r>
+            <a:r>
+              <a:rPr lang="it-IT" dirty="0"/>
+              <a:t> per generare matrice contente tutte le possibili combinazioni giorno anno - giorno settimana</a:t>
             </a:r>
           </a:p>
           <a:p>
             <a:r>
               <a:rPr lang="it-IT" dirty="0"/>
               <a:t>Trend: estensione dell’ultimo valore del trend che viene sommato ai dati di previsione</a:t>
+            </a:r>
+          </a:p>
+          <a:p>
+            <a:r>
+              <a:rPr lang="it-IT" dirty="0"/>
+              <a:t>Il dato di previsione viene letto dalla matrice con indici passati alla funzione</a:t>
             </a:r>
           </a:p>
         </p:txBody>
@@ -10132,99 +10419,6 @@
     <p:extLst>
       <p:ext uri="{BB962C8B-B14F-4D97-AF65-F5344CB8AC3E}">
         <p14:creationId xmlns:p14="http://schemas.microsoft.com/office/powerpoint/2010/main" val="2626863997"/>
-      </p:ext>
-    </p:extLst>
-  </p:cSld>
-  <p:clrMapOvr>
-    <a:masterClrMapping/>
-  </p:clrMapOvr>
-</p:sld>
-</file>
-
-<file path=ppt/slides/slide16.xml><?xml version="1.0" encoding="utf-8"?>
-<p:sld xmlns:a="http://schemas.openxmlformats.org/drawingml/2006/main" xmlns:r="http://schemas.openxmlformats.org/officeDocument/2006/relationships" xmlns:p="http://schemas.openxmlformats.org/presentationml/2006/main">
-  <p:cSld>
-    <p:spTree>
-      <p:nvGrpSpPr>
-        <p:cNvPr id="1" name=""/>
-        <p:cNvGrpSpPr/>
-        <p:nvPr/>
-      </p:nvGrpSpPr>
-      <p:grpSpPr>
-        <a:xfrm>
-          <a:off x="0" y="0"/>
-          <a:ext cx="0" cy="0"/>
-          <a:chOff x="0" y="0"/>
-          <a:chExt cx="0" cy="0"/>
-        </a:xfrm>
-      </p:grpSpPr>
-      <p:sp>
-        <p:nvSpPr>
-          <p:cNvPr id="2" name="Titolo 1">
-            <a:extLst>
-              <a:ext uri="{FF2B5EF4-FFF2-40B4-BE49-F238E27FC236}">
-                <a16:creationId xmlns:a16="http://schemas.microsoft.com/office/drawing/2014/main" id="{1B127FC9-B8F8-47AE-8CE3-8FDEC1D02AE9}"/>
-              </a:ext>
-            </a:extLst>
-          </p:cNvPr>
-          <p:cNvSpPr>
-            <a:spLocks noGrp="1"/>
-          </p:cNvSpPr>
-          <p:nvPr>
-            <p:ph type="title"/>
-          </p:nvPr>
-        </p:nvSpPr>
-        <p:spPr>
-          <a:xfrm>
-            <a:off x="2384669" y="451741"/>
-            <a:ext cx="8911687" cy="1280890"/>
-          </a:xfrm>
-        </p:spPr>
-        <p:txBody>
-          <a:bodyPr/>
-          <a:lstStyle/>
-          <a:p>
-            <a:pPr algn="ctr"/>
-            <a:r>
-              <a:rPr lang="it-IT" dirty="0"/>
-              <a:t>Predizione </a:t>
-            </a:r>
-          </a:p>
-        </p:txBody>
-      </p:sp>
-      <p:pic>
-        <p:nvPicPr>
-          <p:cNvPr id="11" name="Segnaposto contenuto 10" descr="Figure 1">
-            <a:extLst>
-              <a:ext uri="{FF2B5EF4-FFF2-40B4-BE49-F238E27FC236}">
-                <a16:creationId xmlns:a16="http://schemas.microsoft.com/office/drawing/2014/main" id="{694847D0-11B7-4DCB-AD64-643BA0D5E312}"/>
-              </a:ext>
-            </a:extLst>
-          </p:cNvPr>
-          <p:cNvPicPr>
-            <a:picLocks noGrp="1" noChangeAspect="1"/>
-          </p:cNvPicPr>
-          <p:nvPr>
-            <p:ph idx="1"/>
-          </p:nvPr>
-        </p:nvPicPr>
-        <p:blipFill>
-          <a:blip r:embed="rId2"/>
-          <a:stretch>
-            <a:fillRect/>
-          </a:stretch>
-        </p:blipFill>
-        <p:spPr>
-          <a:xfrm>
-            <a:off x="1653353" y="1214945"/>
-            <a:ext cx="9643003" cy="5191314"/>
-          </a:xfrm>
-        </p:spPr>
-      </p:pic>
-    </p:spTree>
-    <p:extLst>
-      <p:ext uri="{BB962C8B-B14F-4D97-AF65-F5344CB8AC3E}">
-        <p14:creationId xmlns:p14="http://schemas.microsoft.com/office/powerpoint/2010/main" val="931309600"/>
       </p:ext>
     </p:extLst>
   </p:cSld>
@@ -10415,10 +10609,10 @@
       </p:sp>
       <p:pic>
         <p:nvPicPr>
-          <p:cNvPr id="20" name="Immagine 19" descr="Figure 1">
+          <p:cNvPr id="4" name="Immagine 3">
             <a:extLst>
               <a:ext uri="{FF2B5EF4-FFF2-40B4-BE49-F238E27FC236}">
-                <a16:creationId xmlns:a16="http://schemas.microsoft.com/office/drawing/2014/main" id="{45589C2E-728C-4900-B612-5832ADCA0A37}"/>
+                <a16:creationId xmlns:a16="http://schemas.microsoft.com/office/drawing/2014/main" id="{C9600DBF-2D0A-4D65-9FB8-B9D3BCA72CBB}"/>
               </a:ext>
             </a:extLst>
           </p:cNvPr>
@@ -10435,8 +10629,8 @@
         </p:blipFill>
         <p:spPr>
           <a:xfrm>
-            <a:off x="4948727" y="273354"/>
-            <a:ext cx="6875680" cy="6119356"/>
+            <a:off x="4299502" y="614820"/>
+            <a:ext cx="7504479" cy="5628359"/>
           </a:xfrm>
           <a:prstGeom prst="rect">
             <a:avLst/>
@@ -10610,10 +10804,10 @@
       </p:sp>
       <p:pic>
         <p:nvPicPr>
-          <p:cNvPr id="57" name="Immagine 56" descr="Figure 2">
+          <p:cNvPr id="4" name="Immagine 3">
             <a:extLst>
               <a:ext uri="{FF2B5EF4-FFF2-40B4-BE49-F238E27FC236}">
-                <a16:creationId xmlns:a16="http://schemas.microsoft.com/office/drawing/2014/main" id="{E0B270DE-F777-4040-87F2-96C01AFB4780}"/>
+                <a16:creationId xmlns:a16="http://schemas.microsoft.com/office/drawing/2014/main" id="{AD3E3923-B826-45E2-B6CC-7221C35D1759}"/>
               </a:ext>
             </a:extLst>
           </p:cNvPr>
@@ -10622,15 +10816,16 @@
           </p:cNvPicPr>
           <p:nvPr/>
         </p:nvPicPr>
-        <p:blipFill rotWithShape="1">
+        <p:blipFill>
           <a:blip r:embed="rId2"/>
-          <a:srcRect t="15123"/>
-          <a:stretch/>
+          <a:stretch>
+            <a:fillRect/>
+          </a:stretch>
         </p:blipFill>
         <p:spPr>
           <a:xfrm>
-            <a:off x="4467648" y="466822"/>
-            <a:ext cx="7522369" cy="5682442"/>
+            <a:off x="4634643" y="745386"/>
+            <a:ext cx="7156303" cy="5367227"/>
           </a:xfrm>
           <a:prstGeom prst="rect">
             <a:avLst/>
@@ -12152,6 +12347,18 @@
             </a:r>
           </a:p>
           <a:p>
+            <a:pPr marL="0" indent="0" algn="just">
+              <a:buNone/>
+            </a:pPr>
+            <a:endParaRPr lang="it-IT" i="1" dirty="0"/>
+          </a:p>
+          <a:p>
+            <a:pPr marL="0" indent="0" algn="just">
+              <a:buNone/>
+            </a:pPr>
+            <a:endParaRPr lang="it-IT" i="1" dirty="0"/>
+          </a:p>
+          <a:p>
             <a:pPr algn="just"/>
             <a:endParaRPr lang="it-IT" dirty="0"/>
           </a:p>
@@ -12162,76 +12369,6 @@
             <a:endParaRPr lang="it-IT" sz="3600" dirty="0">
               <a:latin typeface="+mj-lt"/>
             </a:endParaRPr>
-          </a:p>
-        </p:txBody>
-      </p:sp>
-      <p:sp>
-        <p:nvSpPr>
-          <p:cNvPr id="4" name="Rettangolo 3">
-            <a:extLst>
-              <a:ext uri="{FF2B5EF4-FFF2-40B4-BE49-F238E27FC236}">
-                <a16:creationId xmlns:a16="http://schemas.microsoft.com/office/drawing/2014/main" id="{EA935BE5-7E87-427A-BBE6-22FD432CFFEF}"/>
-              </a:ext>
-            </a:extLst>
-          </p:cNvPr>
-          <p:cNvSpPr/>
-          <p:nvPr/>
-        </p:nvSpPr>
-        <p:spPr>
-          <a:xfrm>
-            <a:off x="2589212" y="3112423"/>
-            <a:ext cx="5190102" cy="1200329"/>
-          </a:xfrm>
-          <a:prstGeom prst="rect">
-            <a:avLst/>
-          </a:prstGeom>
-        </p:spPr>
-        <p:txBody>
-          <a:bodyPr wrap="square">
-            <a:spAutoFit/>
-          </a:bodyPr>
-          <a:lstStyle/>
-          <a:p>
-            <a:r>
-              <a:rPr lang="it-IT" sz="3600" dirty="0"/>
-              <a:t>Modello Periodicità Annuale</a:t>
-            </a:r>
-          </a:p>
-        </p:txBody>
-      </p:sp>
-      <p:sp>
-        <p:nvSpPr>
-          <p:cNvPr id="6" name="Rettangolo 5">
-            <a:extLst>
-              <a:ext uri="{FF2B5EF4-FFF2-40B4-BE49-F238E27FC236}">
-                <a16:creationId xmlns:a16="http://schemas.microsoft.com/office/drawing/2014/main" id="{F89FA818-2537-40DD-9C21-9B1CAD4A8038}"/>
-              </a:ext>
-            </a:extLst>
-          </p:cNvPr>
-          <p:cNvSpPr/>
-          <p:nvPr/>
-        </p:nvSpPr>
-        <p:spPr>
-          <a:xfrm>
-            <a:off x="2384028" y="4566697"/>
-            <a:ext cx="6295313" cy="369332"/>
-          </a:xfrm>
-          <a:prstGeom prst="rect">
-            <a:avLst/>
-          </a:prstGeom>
-        </p:spPr>
-        <p:txBody>
-          <a:bodyPr wrap="none">
-            <a:spAutoFit/>
-          </a:bodyPr>
-          <a:lstStyle/>
-          <a:p>
-            <a:pPr algn="just"/>
-            <a:r>
-              <a:rPr lang="it-IT" i="1" dirty="0"/>
-              <a:t>Si sono sviluppati 12 modelli annuali, fino 24 armoniche</a:t>
-            </a:r>
-            <a:endParaRPr lang="it-IT" dirty="0"/>
           </a:p>
         </p:txBody>
       </p:sp>
@@ -12267,6 +12404,388 @@
           </a:p>
         </p:txBody>
       </p:sp>
+      <p:sp>
+        <p:nvSpPr>
+          <p:cNvPr id="5" name="Rettangolo 4">
+            <a:extLst>
+              <a:ext uri="{FF2B5EF4-FFF2-40B4-BE49-F238E27FC236}">
+                <a16:creationId xmlns:a16="http://schemas.microsoft.com/office/drawing/2014/main" id="{6C40EBFC-FF43-4550-A85D-7E43FB567E8C}"/>
+              </a:ext>
+            </a:extLst>
+          </p:cNvPr>
+          <p:cNvSpPr/>
+          <p:nvPr/>
+        </p:nvSpPr>
+        <p:spPr>
+          <a:xfrm>
+            <a:off x="2589211" y="3356471"/>
+            <a:ext cx="7256493" cy="1384995"/>
+          </a:xfrm>
+          <a:prstGeom prst="rect">
+            <a:avLst/>
+          </a:prstGeom>
+        </p:spPr>
+        <p:txBody>
+          <a:bodyPr wrap="square">
+            <a:spAutoFit/>
+          </a:bodyPr>
+          <a:lstStyle/>
+          <a:p>
+            <a:r>
+              <a:rPr lang="it-IT" sz="1400" dirty="0" err="1">
+                <a:solidFill>
+                  <a:srgbClr val="000000"/>
+                </a:solidFill>
+                <a:latin typeface="Courier New" panose="02070309020205020404" pitchFamily="49" charset="0"/>
+              </a:rPr>
+              <a:t>Phi_settimanale</a:t>
+            </a:r>
+            <a:r>
+              <a:rPr lang="it-IT" sz="1400" dirty="0">
+                <a:solidFill>
+                  <a:srgbClr val="000000"/>
+                </a:solidFill>
+                <a:latin typeface="Courier New" panose="02070309020205020404" pitchFamily="49" charset="0"/>
+              </a:rPr>
+              <a:t> = [cos(</a:t>
+            </a:r>
+            <a:r>
+              <a:rPr lang="it-IT" sz="1400" dirty="0" err="1">
+                <a:solidFill>
+                  <a:srgbClr val="000000"/>
+                </a:solidFill>
+                <a:latin typeface="Courier New" panose="02070309020205020404" pitchFamily="49" charset="0"/>
+              </a:rPr>
+              <a:t>w_settimanale</a:t>
+            </a:r>
+            <a:r>
+              <a:rPr lang="it-IT" sz="1400" dirty="0">
+                <a:solidFill>
+                  <a:srgbClr val="000000"/>
+                </a:solidFill>
+                <a:latin typeface="Courier New" panose="02070309020205020404" pitchFamily="49" charset="0"/>
+              </a:rPr>
+              <a:t>*</a:t>
+            </a:r>
+            <a:r>
+              <a:rPr lang="it-IT" sz="1400" dirty="0" err="1">
+                <a:solidFill>
+                  <a:srgbClr val="000000"/>
+                </a:solidFill>
+                <a:latin typeface="Courier New" panose="02070309020205020404" pitchFamily="49" charset="0"/>
+              </a:rPr>
+              <a:t>giorni_settimana_modello</a:t>
+            </a:r>
+            <a:r>
+              <a:rPr lang="it-IT" sz="1400" dirty="0">
+                <a:solidFill>
+                  <a:srgbClr val="000000"/>
+                </a:solidFill>
+                <a:latin typeface="Courier New" panose="02070309020205020404" pitchFamily="49" charset="0"/>
+              </a:rPr>
+              <a:t>) </a:t>
+            </a:r>
+            <a:r>
+              <a:rPr lang="it-IT" sz="1400" dirty="0">
+                <a:solidFill>
+                  <a:srgbClr val="0000FF"/>
+                </a:solidFill>
+                <a:latin typeface="Courier New" panose="02070309020205020404" pitchFamily="49" charset="0"/>
+              </a:rPr>
+              <a:t>...</a:t>
+            </a:r>
+            <a:endParaRPr lang="it-IT" sz="1400" dirty="0">
+              <a:solidFill>
+                <a:srgbClr val="000000"/>
+              </a:solidFill>
+              <a:latin typeface="Courier New" panose="02070309020205020404" pitchFamily="49" charset="0"/>
+            </a:endParaRPr>
+          </a:p>
+          <a:p>
+            <a:r>
+              <a:rPr lang="it-IT" sz="1400" dirty="0">
+                <a:solidFill>
+                  <a:srgbClr val="000000"/>
+                </a:solidFill>
+                <a:latin typeface="Courier New" panose="02070309020205020404" pitchFamily="49" charset="0"/>
+              </a:rPr>
+              <a:t>	sin(</a:t>
+            </a:r>
+            <a:r>
+              <a:rPr lang="it-IT" sz="1400" dirty="0" err="1">
+                <a:solidFill>
+                  <a:srgbClr val="000000"/>
+                </a:solidFill>
+                <a:latin typeface="Courier New" panose="02070309020205020404" pitchFamily="49" charset="0"/>
+              </a:rPr>
+              <a:t>w_settimanale</a:t>
+            </a:r>
+            <a:r>
+              <a:rPr lang="it-IT" sz="1400" dirty="0">
+                <a:solidFill>
+                  <a:srgbClr val="000000"/>
+                </a:solidFill>
+                <a:latin typeface="Courier New" panose="02070309020205020404" pitchFamily="49" charset="0"/>
+              </a:rPr>
+              <a:t>*</a:t>
+            </a:r>
+            <a:r>
+              <a:rPr lang="it-IT" sz="1400" dirty="0" err="1">
+                <a:solidFill>
+                  <a:srgbClr val="000000"/>
+                </a:solidFill>
+                <a:latin typeface="Courier New" panose="02070309020205020404" pitchFamily="49" charset="0"/>
+              </a:rPr>
+              <a:t>giorni_settimana_modello</a:t>
+            </a:r>
+            <a:r>
+              <a:rPr lang="it-IT" sz="1400" dirty="0">
+                <a:solidFill>
+                  <a:srgbClr val="000000"/>
+                </a:solidFill>
+                <a:latin typeface="Courier New" panose="02070309020205020404" pitchFamily="49" charset="0"/>
+              </a:rPr>
+              <a:t>) </a:t>
+            </a:r>
+            <a:r>
+              <a:rPr lang="it-IT" sz="1400" dirty="0">
+                <a:solidFill>
+                  <a:srgbClr val="0000FF"/>
+                </a:solidFill>
+                <a:latin typeface="Courier New" panose="02070309020205020404" pitchFamily="49" charset="0"/>
+              </a:rPr>
+              <a:t>...</a:t>
+            </a:r>
+          </a:p>
+          <a:p>
+            <a:r>
+              <a:rPr lang="it-IT" sz="1400" dirty="0">
+                <a:solidFill>
+                  <a:srgbClr val="000000"/>
+                </a:solidFill>
+                <a:latin typeface="Courier New" panose="02070309020205020404" pitchFamily="49" charset="0"/>
+              </a:rPr>
+              <a:t>    cos(2*</a:t>
+            </a:r>
+            <a:r>
+              <a:rPr lang="it-IT" sz="1400" dirty="0" err="1">
+                <a:solidFill>
+                  <a:srgbClr val="000000"/>
+                </a:solidFill>
+                <a:latin typeface="Courier New" panose="02070309020205020404" pitchFamily="49" charset="0"/>
+              </a:rPr>
+              <a:t>w_settimanale</a:t>
+            </a:r>
+            <a:r>
+              <a:rPr lang="it-IT" sz="1400" dirty="0">
+                <a:solidFill>
+                  <a:srgbClr val="000000"/>
+                </a:solidFill>
+                <a:latin typeface="Courier New" panose="02070309020205020404" pitchFamily="49" charset="0"/>
+              </a:rPr>
+              <a:t>*</a:t>
+            </a:r>
+            <a:r>
+              <a:rPr lang="it-IT" sz="1400" dirty="0" err="1">
+                <a:solidFill>
+                  <a:srgbClr val="000000"/>
+                </a:solidFill>
+                <a:latin typeface="Courier New" panose="02070309020205020404" pitchFamily="49" charset="0"/>
+              </a:rPr>
+              <a:t>giorni_settimana_modello</a:t>
+            </a:r>
+            <a:r>
+              <a:rPr lang="it-IT" sz="1400" dirty="0">
+                <a:solidFill>
+                  <a:srgbClr val="000000"/>
+                </a:solidFill>
+                <a:latin typeface="Courier New" panose="02070309020205020404" pitchFamily="49" charset="0"/>
+              </a:rPr>
+              <a:t>) </a:t>
+            </a:r>
+            <a:r>
+              <a:rPr lang="it-IT" sz="1400" dirty="0">
+                <a:solidFill>
+                  <a:srgbClr val="0000FF"/>
+                </a:solidFill>
+                <a:latin typeface="Courier New" panose="02070309020205020404" pitchFamily="49" charset="0"/>
+              </a:rPr>
+              <a:t>...</a:t>
+            </a:r>
+            <a:endParaRPr lang="it-IT" sz="1400" dirty="0">
+              <a:solidFill>
+                <a:srgbClr val="000000"/>
+              </a:solidFill>
+              <a:latin typeface="Courier New" panose="02070309020205020404" pitchFamily="49" charset="0"/>
+            </a:endParaRPr>
+          </a:p>
+          <a:p>
+            <a:r>
+              <a:rPr lang="it-IT" sz="1400" dirty="0">
+                <a:solidFill>
+                  <a:srgbClr val="000000"/>
+                </a:solidFill>
+                <a:latin typeface="Courier New" panose="02070309020205020404" pitchFamily="49" charset="0"/>
+              </a:rPr>
+              <a:t>	sin(2*</a:t>
+            </a:r>
+            <a:r>
+              <a:rPr lang="it-IT" sz="1400" dirty="0" err="1">
+                <a:solidFill>
+                  <a:srgbClr val="000000"/>
+                </a:solidFill>
+                <a:latin typeface="Courier New" panose="02070309020205020404" pitchFamily="49" charset="0"/>
+              </a:rPr>
+              <a:t>w_settimanale</a:t>
+            </a:r>
+            <a:r>
+              <a:rPr lang="it-IT" sz="1400" dirty="0">
+                <a:solidFill>
+                  <a:srgbClr val="000000"/>
+                </a:solidFill>
+                <a:latin typeface="Courier New" panose="02070309020205020404" pitchFamily="49" charset="0"/>
+              </a:rPr>
+              <a:t>*</a:t>
+            </a:r>
+            <a:r>
+              <a:rPr lang="it-IT" sz="1400" dirty="0" err="1">
+                <a:solidFill>
+                  <a:srgbClr val="000000"/>
+                </a:solidFill>
+                <a:latin typeface="Courier New" panose="02070309020205020404" pitchFamily="49" charset="0"/>
+              </a:rPr>
+              <a:t>giorni_settimana_modello</a:t>
+            </a:r>
+            <a:r>
+              <a:rPr lang="it-IT" sz="1400" dirty="0">
+                <a:solidFill>
+                  <a:srgbClr val="000000"/>
+                </a:solidFill>
+                <a:latin typeface="Courier New" panose="02070309020205020404" pitchFamily="49" charset="0"/>
+              </a:rPr>
+              <a:t>) </a:t>
+            </a:r>
+            <a:r>
+              <a:rPr lang="it-IT" sz="1400" dirty="0">
+                <a:solidFill>
+                  <a:srgbClr val="0000FF"/>
+                </a:solidFill>
+                <a:latin typeface="Courier New" panose="02070309020205020404" pitchFamily="49" charset="0"/>
+              </a:rPr>
+              <a:t>...</a:t>
+            </a:r>
+          </a:p>
+          <a:p>
+            <a:r>
+              <a:rPr lang="it-IT" sz="1400" dirty="0">
+                <a:solidFill>
+                  <a:srgbClr val="000000"/>
+                </a:solidFill>
+                <a:latin typeface="Courier New" panose="02070309020205020404" pitchFamily="49" charset="0"/>
+              </a:rPr>
+              <a:t>    cos(3*</a:t>
+            </a:r>
+            <a:r>
+              <a:rPr lang="it-IT" sz="1400" dirty="0" err="1">
+                <a:solidFill>
+                  <a:srgbClr val="000000"/>
+                </a:solidFill>
+                <a:latin typeface="Courier New" panose="02070309020205020404" pitchFamily="49" charset="0"/>
+              </a:rPr>
+              <a:t>w_settimanale</a:t>
+            </a:r>
+            <a:r>
+              <a:rPr lang="it-IT" sz="1400" dirty="0">
+                <a:solidFill>
+                  <a:srgbClr val="000000"/>
+                </a:solidFill>
+                <a:latin typeface="Courier New" panose="02070309020205020404" pitchFamily="49" charset="0"/>
+              </a:rPr>
+              <a:t>*</a:t>
+            </a:r>
+            <a:r>
+              <a:rPr lang="it-IT" sz="1400" dirty="0" err="1">
+                <a:solidFill>
+                  <a:srgbClr val="000000"/>
+                </a:solidFill>
+                <a:latin typeface="Courier New" panose="02070309020205020404" pitchFamily="49" charset="0"/>
+              </a:rPr>
+              <a:t>giorni_settimana_modello</a:t>
+            </a:r>
+            <a:r>
+              <a:rPr lang="it-IT" sz="1400" dirty="0">
+                <a:solidFill>
+                  <a:srgbClr val="000000"/>
+                </a:solidFill>
+                <a:latin typeface="Courier New" panose="02070309020205020404" pitchFamily="49" charset="0"/>
+              </a:rPr>
+              <a:t>) </a:t>
+            </a:r>
+            <a:r>
+              <a:rPr lang="it-IT" sz="1400" dirty="0">
+                <a:solidFill>
+                  <a:srgbClr val="0000FF"/>
+                </a:solidFill>
+                <a:latin typeface="Courier New" panose="02070309020205020404" pitchFamily="49" charset="0"/>
+              </a:rPr>
+              <a:t>...</a:t>
+            </a:r>
+            <a:endParaRPr lang="it-IT" sz="1400" dirty="0">
+              <a:solidFill>
+                <a:srgbClr val="000000"/>
+              </a:solidFill>
+              <a:latin typeface="Courier New" panose="02070309020205020404" pitchFamily="49" charset="0"/>
+            </a:endParaRPr>
+          </a:p>
+          <a:p>
+            <a:r>
+              <a:rPr lang="it-IT" sz="1400" dirty="0">
+                <a:solidFill>
+                  <a:srgbClr val="000000"/>
+                </a:solidFill>
+                <a:latin typeface="Courier New" panose="02070309020205020404" pitchFamily="49" charset="0"/>
+              </a:rPr>
+              <a:t>	sin(3*</a:t>
+            </a:r>
+            <a:r>
+              <a:rPr lang="it-IT" sz="1400" dirty="0" err="1">
+                <a:solidFill>
+                  <a:srgbClr val="000000"/>
+                </a:solidFill>
+                <a:latin typeface="Courier New" panose="02070309020205020404" pitchFamily="49" charset="0"/>
+              </a:rPr>
+              <a:t>w_settimanale</a:t>
+            </a:r>
+            <a:r>
+              <a:rPr lang="it-IT" sz="1400" dirty="0">
+                <a:solidFill>
+                  <a:srgbClr val="000000"/>
+                </a:solidFill>
+                <a:latin typeface="Courier New" panose="02070309020205020404" pitchFamily="49" charset="0"/>
+              </a:rPr>
+              <a:t>*</a:t>
+            </a:r>
+            <a:r>
+              <a:rPr lang="it-IT" sz="1400" dirty="0" err="1">
+                <a:solidFill>
+                  <a:srgbClr val="000000"/>
+                </a:solidFill>
+                <a:latin typeface="Courier New" panose="02070309020205020404" pitchFamily="49" charset="0"/>
+              </a:rPr>
+              <a:t>giorni_settimana_modello</a:t>
+            </a:r>
+            <a:r>
+              <a:rPr lang="it-IT" sz="1400" dirty="0">
+                <a:solidFill>
+                  <a:srgbClr val="000000"/>
+                </a:solidFill>
+                <a:latin typeface="Courier New" panose="02070309020205020404" pitchFamily="49" charset="0"/>
+              </a:rPr>
+              <a:t>)];</a:t>
+            </a:r>
+          </a:p>
+        </p:txBody>
+      </p:sp>
     </p:spTree>
     <p:extLst>
       <p:ext uri="{BB962C8B-B14F-4D97-AF65-F5344CB8AC3E}">
@@ -12281,6 +12800,1113 @@
 </file>
 
 <file path=ppt/slides/slide6.xml><?xml version="1.0" encoding="utf-8"?>
+<p:sld xmlns:a="http://schemas.openxmlformats.org/drawingml/2006/main" xmlns:r="http://schemas.openxmlformats.org/officeDocument/2006/relationships" xmlns:p="http://schemas.openxmlformats.org/presentationml/2006/main">
+  <p:cSld>
+    <p:spTree>
+      <p:nvGrpSpPr>
+        <p:cNvPr id="1" name=""/>
+        <p:cNvGrpSpPr/>
+        <p:nvPr/>
+      </p:nvGrpSpPr>
+      <p:grpSpPr>
+        <a:xfrm>
+          <a:off x="0" y="0"/>
+          <a:ext cx="0" cy="0"/>
+          <a:chOff x="0" y="0"/>
+          <a:chExt cx="0" cy="0"/>
+        </a:xfrm>
+      </p:grpSpPr>
+      <p:sp>
+        <p:nvSpPr>
+          <p:cNvPr id="4" name="Rettangolo 3">
+            <a:extLst>
+              <a:ext uri="{FF2B5EF4-FFF2-40B4-BE49-F238E27FC236}">
+                <a16:creationId xmlns:a16="http://schemas.microsoft.com/office/drawing/2014/main" id="{EA935BE5-7E87-427A-BBE6-22FD432CFFEF}"/>
+              </a:ext>
+            </a:extLst>
+          </p:cNvPr>
+          <p:cNvSpPr/>
+          <p:nvPr/>
+        </p:nvSpPr>
+        <p:spPr>
+          <a:xfrm>
+            <a:off x="2347271" y="658393"/>
+            <a:ext cx="6804544" cy="646331"/>
+          </a:xfrm>
+          <a:prstGeom prst="rect">
+            <a:avLst/>
+          </a:prstGeom>
+        </p:spPr>
+        <p:txBody>
+          <a:bodyPr wrap="square">
+            <a:spAutoFit/>
+          </a:bodyPr>
+          <a:lstStyle/>
+          <a:p>
+            <a:r>
+              <a:rPr lang="it-IT" sz="3600" dirty="0"/>
+              <a:t>Modello Periodicità Annuale</a:t>
+            </a:r>
+          </a:p>
+        </p:txBody>
+      </p:sp>
+      <p:sp>
+        <p:nvSpPr>
+          <p:cNvPr id="6" name="Rettangolo 5">
+            <a:extLst>
+              <a:ext uri="{FF2B5EF4-FFF2-40B4-BE49-F238E27FC236}">
+                <a16:creationId xmlns:a16="http://schemas.microsoft.com/office/drawing/2014/main" id="{F89FA818-2537-40DD-9C21-9B1CAD4A8038}"/>
+              </a:ext>
+            </a:extLst>
+          </p:cNvPr>
+          <p:cNvSpPr/>
+          <p:nvPr/>
+        </p:nvSpPr>
+        <p:spPr>
+          <a:xfrm>
+            <a:off x="2347271" y="1612482"/>
+            <a:ext cx="6295313" cy="369332"/>
+          </a:xfrm>
+          <a:prstGeom prst="rect">
+            <a:avLst/>
+          </a:prstGeom>
+        </p:spPr>
+        <p:txBody>
+          <a:bodyPr wrap="none">
+            <a:spAutoFit/>
+          </a:bodyPr>
+          <a:lstStyle/>
+          <a:p>
+            <a:pPr algn="just"/>
+            <a:r>
+              <a:rPr lang="it-IT" i="1" dirty="0"/>
+              <a:t>Si sono sviluppati 12 modelli annuali, fino 24 armoniche</a:t>
+            </a:r>
+            <a:endParaRPr lang="it-IT" dirty="0"/>
+          </a:p>
+        </p:txBody>
+      </p:sp>
+      <p:sp>
+        <p:nvSpPr>
+          <p:cNvPr id="7" name="CasellaDiTesto 6">
+            <a:extLst>
+              <a:ext uri="{FF2B5EF4-FFF2-40B4-BE49-F238E27FC236}">
+                <a16:creationId xmlns:a16="http://schemas.microsoft.com/office/drawing/2014/main" id="{3B208BEB-B3BA-4CED-9CA8-01A1135AAC14}"/>
+              </a:ext>
+            </a:extLst>
+          </p:cNvPr>
+          <p:cNvSpPr txBox="1"/>
+          <p:nvPr/>
+        </p:nvSpPr>
+        <p:spPr>
+          <a:xfrm>
+            <a:off x="4135902" y="5401994"/>
+            <a:ext cx="45719" cy="369332"/>
+          </a:xfrm>
+          <a:prstGeom prst="rect">
+            <a:avLst/>
+          </a:prstGeom>
+          <a:noFill/>
+        </p:spPr>
+        <p:txBody>
+          <a:bodyPr wrap="square" rtlCol="0">
+            <a:spAutoFit/>
+          </a:bodyPr>
+          <a:lstStyle/>
+          <a:p>
+            <a:endParaRPr lang="it-IT" dirty="0"/>
+          </a:p>
+        </p:txBody>
+      </p:sp>
+      <p:sp>
+        <p:nvSpPr>
+          <p:cNvPr id="12" name="Rettangolo 11">
+            <a:extLst>
+              <a:ext uri="{FF2B5EF4-FFF2-40B4-BE49-F238E27FC236}">
+                <a16:creationId xmlns:a16="http://schemas.microsoft.com/office/drawing/2014/main" id="{377A5B8B-2516-44D5-A963-37FAA3452EDE}"/>
+              </a:ext>
+            </a:extLst>
+          </p:cNvPr>
+          <p:cNvSpPr/>
+          <p:nvPr/>
+        </p:nvSpPr>
+        <p:spPr>
+          <a:xfrm>
+            <a:off x="2347271" y="3092702"/>
+            <a:ext cx="9724996" cy="2246769"/>
+          </a:xfrm>
+          <a:prstGeom prst="rect">
+            <a:avLst/>
+          </a:prstGeom>
+        </p:spPr>
+        <p:txBody>
+          <a:bodyPr wrap="square">
+            <a:spAutoFit/>
+          </a:bodyPr>
+          <a:lstStyle/>
+          <a:p>
+            <a:r>
+              <a:rPr lang="it-IT" sz="1400" dirty="0" err="1">
+                <a:solidFill>
+                  <a:srgbClr val="000000"/>
+                </a:solidFill>
+                <a:latin typeface="Courier New" panose="02070309020205020404" pitchFamily="49" charset="0"/>
+              </a:rPr>
+              <a:t>Phi_annuale</a:t>
+            </a:r>
+            <a:r>
+              <a:rPr lang="it-IT" sz="1400" dirty="0">
+                <a:solidFill>
+                  <a:srgbClr val="000000"/>
+                </a:solidFill>
+                <a:latin typeface="Courier New" panose="02070309020205020404" pitchFamily="49" charset="0"/>
+              </a:rPr>
+              <a:t> = [cos(</a:t>
+            </a:r>
+            <a:r>
+              <a:rPr lang="it-IT" sz="1400" dirty="0" err="1">
+                <a:solidFill>
+                  <a:srgbClr val="000000"/>
+                </a:solidFill>
+                <a:latin typeface="Courier New" panose="02070309020205020404" pitchFamily="49" charset="0"/>
+              </a:rPr>
+              <a:t>w_annuale</a:t>
+            </a:r>
+            <a:r>
+              <a:rPr lang="it-IT" sz="1400" dirty="0">
+                <a:solidFill>
+                  <a:srgbClr val="000000"/>
+                </a:solidFill>
+                <a:latin typeface="Courier New" panose="02070309020205020404" pitchFamily="49" charset="0"/>
+              </a:rPr>
+              <a:t>*</a:t>
+            </a:r>
+            <a:r>
+              <a:rPr lang="it-IT" sz="1400" dirty="0" err="1">
+                <a:solidFill>
+                  <a:srgbClr val="000000"/>
+                </a:solidFill>
+                <a:latin typeface="Courier New" panose="02070309020205020404" pitchFamily="49" charset="0"/>
+              </a:rPr>
+              <a:t>giorni_anno_modello</a:t>
+            </a:r>
+            <a:r>
+              <a:rPr lang="it-IT" sz="1400" dirty="0">
+                <a:solidFill>
+                  <a:srgbClr val="000000"/>
+                </a:solidFill>
+                <a:latin typeface="Courier New" panose="02070309020205020404" pitchFamily="49" charset="0"/>
+              </a:rPr>
+              <a:t>)sin(</a:t>
+            </a:r>
+            <a:r>
+              <a:rPr lang="it-IT" sz="1400" dirty="0" err="1">
+                <a:solidFill>
+                  <a:srgbClr val="000000"/>
+                </a:solidFill>
+                <a:latin typeface="Courier New" panose="02070309020205020404" pitchFamily="49" charset="0"/>
+              </a:rPr>
+              <a:t>w_annuale</a:t>
+            </a:r>
+            <a:r>
+              <a:rPr lang="it-IT" sz="1400" dirty="0">
+                <a:solidFill>
+                  <a:srgbClr val="000000"/>
+                </a:solidFill>
+                <a:latin typeface="Courier New" panose="02070309020205020404" pitchFamily="49" charset="0"/>
+              </a:rPr>
+              <a:t>*</a:t>
+            </a:r>
+            <a:r>
+              <a:rPr lang="it-IT" sz="1400" dirty="0" err="1">
+                <a:solidFill>
+                  <a:srgbClr val="000000"/>
+                </a:solidFill>
+                <a:latin typeface="Courier New" panose="02070309020205020404" pitchFamily="49" charset="0"/>
+              </a:rPr>
+              <a:t>giorni_anno_modello</a:t>
+            </a:r>
+            <a:r>
+              <a:rPr lang="it-IT" sz="1400" dirty="0">
+                <a:solidFill>
+                  <a:srgbClr val="000000"/>
+                </a:solidFill>
+                <a:latin typeface="Courier New" panose="02070309020205020404" pitchFamily="49" charset="0"/>
+              </a:rPr>
+              <a:t>) </a:t>
+            </a:r>
+            <a:r>
+              <a:rPr lang="it-IT" sz="1400" dirty="0">
+                <a:solidFill>
+                  <a:srgbClr val="0000FF"/>
+                </a:solidFill>
+                <a:latin typeface="Courier New" panose="02070309020205020404" pitchFamily="49" charset="0"/>
+              </a:rPr>
+              <a:t>...</a:t>
+            </a:r>
+            <a:r>
+              <a:rPr lang="it-IT" sz="1400" dirty="0">
+                <a:solidFill>
+                  <a:srgbClr val="228B22"/>
+                </a:solidFill>
+                <a:latin typeface="Courier New" panose="02070309020205020404" pitchFamily="49" charset="0"/>
+              </a:rPr>
+              <a:t> </a:t>
+            </a:r>
+          </a:p>
+          <a:p>
+            <a:r>
+              <a:rPr lang="it-IT" sz="1400" dirty="0">
+                <a:solidFill>
+                  <a:srgbClr val="000000"/>
+                </a:solidFill>
+                <a:latin typeface="Courier New" panose="02070309020205020404" pitchFamily="49" charset="0"/>
+              </a:rPr>
+              <a:t>    cos(2*</a:t>
+            </a:r>
+            <a:r>
+              <a:rPr lang="it-IT" sz="1400" dirty="0" err="1">
+                <a:solidFill>
+                  <a:srgbClr val="000000"/>
+                </a:solidFill>
+                <a:latin typeface="Courier New" panose="02070309020205020404" pitchFamily="49" charset="0"/>
+              </a:rPr>
+              <a:t>w_annuale</a:t>
+            </a:r>
+            <a:r>
+              <a:rPr lang="it-IT" sz="1400" dirty="0">
+                <a:solidFill>
+                  <a:srgbClr val="000000"/>
+                </a:solidFill>
+                <a:latin typeface="Courier New" panose="02070309020205020404" pitchFamily="49" charset="0"/>
+              </a:rPr>
+              <a:t>*</a:t>
+            </a:r>
+            <a:r>
+              <a:rPr lang="it-IT" sz="1400" dirty="0" err="1">
+                <a:solidFill>
+                  <a:srgbClr val="000000"/>
+                </a:solidFill>
+                <a:latin typeface="Courier New" panose="02070309020205020404" pitchFamily="49" charset="0"/>
+              </a:rPr>
+              <a:t>giorni_anno_modello</a:t>
+            </a:r>
+            <a:r>
+              <a:rPr lang="it-IT" sz="1400" dirty="0">
+                <a:solidFill>
+                  <a:srgbClr val="000000"/>
+                </a:solidFill>
+                <a:latin typeface="Courier New" panose="02070309020205020404" pitchFamily="49" charset="0"/>
+              </a:rPr>
+              <a:t>)sin(2*</a:t>
+            </a:r>
+            <a:r>
+              <a:rPr lang="it-IT" sz="1400" dirty="0" err="1">
+                <a:solidFill>
+                  <a:srgbClr val="000000"/>
+                </a:solidFill>
+                <a:latin typeface="Courier New" panose="02070309020205020404" pitchFamily="49" charset="0"/>
+              </a:rPr>
+              <a:t>w_annuale</a:t>
+            </a:r>
+            <a:r>
+              <a:rPr lang="it-IT" sz="1400" dirty="0">
+                <a:solidFill>
+                  <a:srgbClr val="000000"/>
+                </a:solidFill>
+                <a:latin typeface="Courier New" panose="02070309020205020404" pitchFamily="49" charset="0"/>
+              </a:rPr>
+              <a:t>*</a:t>
+            </a:r>
+            <a:r>
+              <a:rPr lang="it-IT" sz="1400" dirty="0" err="1">
+                <a:solidFill>
+                  <a:srgbClr val="000000"/>
+                </a:solidFill>
+                <a:latin typeface="Courier New" panose="02070309020205020404" pitchFamily="49" charset="0"/>
+              </a:rPr>
+              <a:t>giorni_anno_modello</a:t>
+            </a:r>
+            <a:r>
+              <a:rPr lang="it-IT" sz="1400" dirty="0">
+                <a:solidFill>
+                  <a:srgbClr val="000000"/>
+                </a:solidFill>
+                <a:latin typeface="Courier New" panose="02070309020205020404" pitchFamily="49" charset="0"/>
+              </a:rPr>
+              <a:t>) </a:t>
+            </a:r>
+            <a:r>
+              <a:rPr lang="it-IT" sz="1400" dirty="0">
+                <a:solidFill>
+                  <a:srgbClr val="0000FF"/>
+                </a:solidFill>
+                <a:latin typeface="Courier New" panose="02070309020205020404" pitchFamily="49" charset="0"/>
+              </a:rPr>
+              <a:t>...</a:t>
+            </a:r>
+            <a:r>
+              <a:rPr lang="it-IT" sz="1400" dirty="0">
+                <a:solidFill>
+                  <a:srgbClr val="228B22"/>
+                </a:solidFill>
+                <a:latin typeface="Courier New" panose="02070309020205020404" pitchFamily="49" charset="0"/>
+              </a:rPr>
+              <a:t> </a:t>
+            </a:r>
+          </a:p>
+          <a:p>
+            <a:r>
+              <a:rPr lang="it-IT" sz="1400" dirty="0">
+                <a:solidFill>
+                  <a:srgbClr val="000000"/>
+                </a:solidFill>
+                <a:latin typeface="Courier New" panose="02070309020205020404" pitchFamily="49" charset="0"/>
+              </a:rPr>
+              <a:t>    cos(3*</a:t>
+            </a:r>
+            <a:r>
+              <a:rPr lang="it-IT" sz="1400" dirty="0" err="1">
+                <a:solidFill>
+                  <a:srgbClr val="000000"/>
+                </a:solidFill>
+                <a:latin typeface="Courier New" panose="02070309020205020404" pitchFamily="49" charset="0"/>
+              </a:rPr>
+              <a:t>w_annuale</a:t>
+            </a:r>
+            <a:r>
+              <a:rPr lang="it-IT" sz="1400" dirty="0">
+                <a:solidFill>
+                  <a:srgbClr val="000000"/>
+                </a:solidFill>
+                <a:latin typeface="Courier New" panose="02070309020205020404" pitchFamily="49" charset="0"/>
+              </a:rPr>
+              <a:t>*</a:t>
+            </a:r>
+            <a:r>
+              <a:rPr lang="it-IT" sz="1400" dirty="0" err="1">
+                <a:solidFill>
+                  <a:srgbClr val="000000"/>
+                </a:solidFill>
+                <a:latin typeface="Courier New" panose="02070309020205020404" pitchFamily="49" charset="0"/>
+              </a:rPr>
+              <a:t>giorni_anno_modello</a:t>
+            </a:r>
+            <a:r>
+              <a:rPr lang="it-IT" sz="1400" dirty="0">
+                <a:solidFill>
+                  <a:srgbClr val="000000"/>
+                </a:solidFill>
+                <a:latin typeface="Courier New" panose="02070309020205020404" pitchFamily="49" charset="0"/>
+              </a:rPr>
+              <a:t>) sin(3*</a:t>
+            </a:r>
+            <a:r>
+              <a:rPr lang="it-IT" sz="1400" dirty="0" err="1">
+                <a:solidFill>
+                  <a:srgbClr val="000000"/>
+                </a:solidFill>
+                <a:latin typeface="Courier New" panose="02070309020205020404" pitchFamily="49" charset="0"/>
+              </a:rPr>
+              <a:t>w_annuale</a:t>
+            </a:r>
+            <a:r>
+              <a:rPr lang="it-IT" sz="1400" dirty="0">
+                <a:solidFill>
+                  <a:srgbClr val="000000"/>
+                </a:solidFill>
+                <a:latin typeface="Courier New" panose="02070309020205020404" pitchFamily="49" charset="0"/>
+              </a:rPr>
+              <a:t>*</a:t>
+            </a:r>
+            <a:r>
+              <a:rPr lang="it-IT" sz="1400" dirty="0" err="1">
+                <a:solidFill>
+                  <a:srgbClr val="000000"/>
+                </a:solidFill>
+                <a:latin typeface="Courier New" panose="02070309020205020404" pitchFamily="49" charset="0"/>
+              </a:rPr>
+              <a:t>giorni_anno_modello</a:t>
+            </a:r>
+            <a:r>
+              <a:rPr lang="it-IT" sz="1400" dirty="0">
+                <a:solidFill>
+                  <a:srgbClr val="000000"/>
+                </a:solidFill>
+                <a:latin typeface="Courier New" panose="02070309020205020404" pitchFamily="49" charset="0"/>
+              </a:rPr>
+              <a:t>) </a:t>
+            </a:r>
+            <a:r>
+              <a:rPr lang="it-IT" sz="1400" dirty="0">
+                <a:solidFill>
+                  <a:srgbClr val="0000FF"/>
+                </a:solidFill>
+                <a:latin typeface="Courier New" panose="02070309020205020404" pitchFamily="49" charset="0"/>
+              </a:rPr>
+              <a:t>...</a:t>
+            </a:r>
+          </a:p>
+          <a:p>
+            <a:r>
+              <a:rPr lang="it-IT" sz="1400" dirty="0">
+                <a:solidFill>
+                  <a:srgbClr val="000000"/>
+                </a:solidFill>
+                <a:latin typeface="Courier New" panose="02070309020205020404" pitchFamily="49" charset="0"/>
+              </a:rPr>
+              <a:t>    cos(4*</a:t>
+            </a:r>
+            <a:r>
+              <a:rPr lang="it-IT" sz="1400" dirty="0" err="1">
+                <a:solidFill>
+                  <a:srgbClr val="000000"/>
+                </a:solidFill>
+                <a:latin typeface="Courier New" panose="02070309020205020404" pitchFamily="49" charset="0"/>
+              </a:rPr>
+              <a:t>w_annuale</a:t>
+            </a:r>
+            <a:r>
+              <a:rPr lang="it-IT" sz="1400" dirty="0">
+                <a:solidFill>
+                  <a:srgbClr val="000000"/>
+                </a:solidFill>
+                <a:latin typeface="Courier New" panose="02070309020205020404" pitchFamily="49" charset="0"/>
+              </a:rPr>
+              <a:t>*</a:t>
+            </a:r>
+            <a:r>
+              <a:rPr lang="it-IT" sz="1400" dirty="0" err="1">
+                <a:solidFill>
+                  <a:srgbClr val="000000"/>
+                </a:solidFill>
+                <a:latin typeface="Courier New" panose="02070309020205020404" pitchFamily="49" charset="0"/>
+              </a:rPr>
+              <a:t>giorni_anno_modello</a:t>
+            </a:r>
+            <a:r>
+              <a:rPr lang="it-IT" sz="1400" dirty="0">
+                <a:solidFill>
+                  <a:srgbClr val="000000"/>
+                </a:solidFill>
+                <a:latin typeface="Courier New" panose="02070309020205020404" pitchFamily="49" charset="0"/>
+              </a:rPr>
+              <a:t>) sin(4*</a:t>
+            </a:r>
+            <a:r>
+              <a:rPr lang="it-IT" sz="1400" dirty="0" err="1">
+                <a:solidFill>
+                  <a:srgbClr val="000000"/>
+                </a:solidFill>
+                <a:latin typeface="Courier New" panose="02070309020205020404" pitchFamily="49" charset="0"/>
+              </a:rPr>
+              <a:t>w_annuale</a:t>
+            </a:r>
+            <a:r>
+              <a:rPr lang="it-IT" sz="1400" dirty="0">
+                <a:solidFill>
+                  <a:srgbClr val="000000"/>
+                </a:solidFill>
+                <a:latin typeface="Courier New" panose="02070309020205020404" pitchFamily="49" charset="0"/>
+              </a:rPr>
+              <a:t>*</a:t>
+            </a:r>
+            <a:r>
+              <a:rPr lang="it-IT" sz="1400" dirty="0" err="1">
+                <a:solidFill>
+                  <a:srgbClr val="000000"/>
+                </a:solidFill>
+                <a:latin typeface="Courier New" panose="02070309020205020404" pitchFamily="49" charset="0"/>
+              </a:rPr>
+              <a:t>giorni_anno_modello</a:t>
+            </a:r>
+            <a:r>
+              <a:rPr lang="it-IT" sz="1400" dirty="0">
+                <a:solidFill>
+                  <a:srgbClr val="000000"/>
+                </a:solidFill>
+                <a:latin typeface="Courier New" panose="02070309020205020404" pitchFamily="49" charset="0"/>
+              </a:rPr>
+              <a:t>) </a:t>
+            </a:r>
+            <a:r>
+              <a:rPr lang="it-IT" sz="1400" dirty="0">
+                <a:solidFill>
+                  <a:srgbClr val="0000FF"/>
+                </a:solidFill>
+                <a:latin typeface="Courier New" panose="02070309020205020404" pitchFamily="49" charset="0"/>
+              </a:rPr>
+              <a:t>...</a:t>
+            </a:r>
+          </a:p>
+          <a:p>
+            <a:r>
+              <a:rPr lang="it-IT" sz="1400" dirty="0">
+                <a:solidFill>
+                  <a:srgbClr val="000000"/>
+                </a:solidFill>
+                <a:latin typeface="Courier New" panose="02070309020205020404" pitchFamily="49" charset="0"/>
+              </a:rPr>
+              <a:t>    cos(5*</a:t>
+            </a:r>
+            <a:r>
+              <a:rPr lang="it-IT" sz="1400" dirty="0" err="1">
+                <a:solidFill>
+                  <a:srgbClr val="000000"/>
+                </a:solidFill>
+                <a:latin typeface="Courier New" panose="02070309020205020404" pitchFamily="49" charset="0"/>
+              </a:rPr>
+              <a:t>w_annuale</a:t>
+            </a:r>
+            <a:r>
+              <a:rPr lang="it-IT" sz="1400" dirty="0">
+                <a:solidFill>
+                  <a:srgbClr val="000000"/>
+                </a:solidFill>
+                <a:latin typeface="Courier New" panose="02070309020205020404" pitchFamily="49" charset="0"/>
+              </a:rPr>
+              <a:t>*</a:t>
+            </a:r>
+            <a:r>
+              <a:rPr lang="it-IT" sz="1400" dirty="0" err="1">
+                <a:solidFill>
+                  <a:srgbClr val="000000"/>
+                </a:solidFill>
+                <a:latin typeface="Courier New" panose="02070309020205020404" pitchFamily="49" charset="0"/>
+              </a:rPr>
+              <a:t>giorni_anno_modello</a:t>
+            </a:r>
+            <a:r>
+              <a:rPr lang="it-IT" sz="1400" dirty="0">
+                <a:solidFill>
+                  <a:srgbClr val="000000"/>
+                </a:solidFill>
+                <a:latin typeface="Courier New" panose="02070309020205020404" pitchFamily="49" charset="0"/>
+              </a:rPr>
+              <a:t>) sin(5*</a:t>
+            </a:r>
+            <a:r>
+              <a:rPr lang="it-IT" sz="1400" dirty="0" err="1">
+                <a:solidFill>
+                  <a:srgbClr val="000000"/>
+                </a:solidFill>
+                <a:latin typeface="Courier New" panose="02070309020205020404" pitchFamily="49" charset="0"/>
+              </a:rPr>
+              <a:t>w_annuale</a:t>
+            </a:r>
+            <a:r>
+              <a:rPr lang="it-IT" sz="1400" dirty="0">
+                <a:solidFill>
+                  <a:srgbClr val="000000"/>
+                </a:solidFill>
+                <a:latin typeface="Courier New" panose="02070309020205020404" pitchFamily="49" charset="0"/>
+              </a:rPr>
+              <a:t>*</a:t>
+            </a:r>
+            <a:r>
+              <a:rPr lang="it-IT" sz="1400" dirty="0" err="1">
+                <a:solidFill>
+                  <a:srgbClr val="000000"/>
+                </a:solidFill>
+                <a:latin typeface="Courier New" panose="02070309020205020404" pitchFamily="49" charset="0"/>
+              </a:rPr>
+              <a:t>giorni_anno_modello</a:t>
+            </a:r>
+            <a:r>
+              <a:rPr lang="it-IT" sz="1400" dirty="0">
+                <a:solidFill>
+                  <a:srgbClr val="000000"/>
+                </a:solidFill>
+                <a:latin typeface="Courier New" panose="02070309020205020404" pitchFamily="49" charset="0"/>
+              </a:rPr>
+              <a:t>) </a:t>
+            </a:r>
+            <a:r>
+              <a:rPr lang="it-IT" sz="1400" dirty="0">
+                <a:solidFill>
+                  <a:srgbClr val="0000FF"/>
+                </a:solidFill>
+                <a:latin typeface="Courier New" panose="02070309020205020404" pitchFamily="49" charset="0"/>
+              </a:rPr>
+              <a:t>...</a:t>
+            </a:r>
+          </a:p>
+          <a:p>
+            <a:r>
+              <a:rPr lang="it-IT" sz="1400" dirty="0">
+                <a:solidFill>
+                  <a:srgbClr val="000000"/>
+                </a:solidFill>
+                <a:latin typeface="Courier New" panose="02070309020205020404" pitchFamily="49" charset="0"/>
+              </a:rPr>
+              <a:t>    cos(6*</a:t>
+            </a:r>
+            <a:r>
+              <a:rPr lang="it-IT" sz="1400" dirty="0" err="1">
+                <a:solidFill>
+                  <a:srgbClr val="000000"/>
+                </a:solidFill>
+                <a:latin typeface="Courier New" panose="02070309020205020404" pitchFamily="49" charset="0"/>
+              </a:rPr>
+              <a:t>w_annuale</a:t>
+            </a:r>
+            <a:r>
+              <a:rPr lang="it-IT" sz="1400" dirty="0">
+                <a:solidFill>
+                  <a:srgbClr val="000000"/>
+                </a:solidFill>
+                <a:latin typeface="Courier New" panose="02070309020205020404" pitchFamily="49" charset="0"/>
+              </a:rPr>
+              <a:t>*</a:t>
+            </a:r>
+            <a:r>
+              <a:rPr lang="it-IT" sz="1400" dirty="0" err="1">
+                <a:solidFill>
+                  <a:srgbClr val="000000"/>
+                </a:solidFill>
+                <a:latin typeface="Courier New" panose="02070309020205020404" pitchFamily="49" charset="0"/>
+              </a:rPr>
+              <a:t>giorni_anno_modello</a:t>
+            </a:r>
+            <a:r>
+              <a:rPr lang="it-IT" sz="1400" dirty="0">
+                <a:solidFill>
+                  <a:srgbClr val="000000"/>
+                </a:solidFill>
+                <a:latin typeface="Courier New" panose="02070309020205020404" pitchFamily="49" charset="0"/>
+              </a:rPr>
+              <a:t>) sin(6*</a:t>
+            </a:r>
+            <a:r>
+              <a:rPr lang="it-IT" sz="1400" dirty="0" err="1">
+                <a:solidFill>
+                  <a:srgbClr val="000000"/>
+                </a:solidFill>
+                <a:latin typeface="Courier New" panose="02070309020205020404" pitchFamily="49" charset="0"/>
+              </a:rPr>
+              <a:t>w_annuale</a:t>
+            </a:r>
+            <a:r>
+              <a:rPr lang="it-IT" sz="1400" dirty="0">
+                <a:solidFill>
+                  <a:srgbClr val="000000"/>
+                </a:solidFill>
+                <a:latin typeface="Courier New" panose="02070309020205020404" pitchFamily="49" charset="0"/>
+              </a:rPr>
+              <a:t>*</a:t>
+            </a:r>
+            <a:r>
+              <a:rPr lang="it-IT" sz="1400" dirty="0" err="1">
+                <a:solidFill>
+                  <a:srgbClr val="000000"/>
+                </a:solidFill>
+                <a:latin typeface="Courier New" panose="02070309020205020404" pitchFamily="49" charset="0"/>
+              </a:rPr>
+              <a:t>giorni_anno_modello</a:t>
+            </a:r>
+            <a:r>
+              <a:rPr lang="it-IT" sz="1400" dirty="0">
+                <a:solidFill>
+                  <a:srgbClr val="000000"/>
+                </a:solidFill>
+                <a:latin typeface="Courier New" panose="02070309020205020404" pitchFamily="49" charset="0"/>
+              </a:rPr>
+              <a:t>) </a:t>
+            </a:r>
+            <a:r>
+              <a:rPr lang="it-IT" sz="1400" dirty="0">
+                <a:solidFill>
+                  <a:srgbClr val="0000FF"/>
+                </a:solidFill>
+                <a:latin typeface="Courier New" panose="02070309020205020404" pitchFamily="49" charset="0"/>
+              </a:rPr>
+              <a:t>...</a:t>
+            </a:r>
+          </a:p>
+          <a:p>
+            <a:r>
+              <a:rPr lang="it-IT" sz="1400" dirty="0">
+                <a:solidFill>
+                  <a:srgbClr val="000000"/>
+                </a:solidFill>
+                <a:latin typeface="Courier New" panose="02070309020205020404" pitchFamily="49" charset="0"/>
+              </a:rPr>
+              <a:t>    cos(7*</a:t>
+            </a:r>
+            <a:r>
+              <a:rPr lang="it-IT" sz="1400" dirty="0" err="1">
+                <a:solidFill>
+                  <a:srgbClr val="000000"/>
+                </a:solidFill>
+                <a:latin typeface="Courier New" panose="02070309020205020404" pitchFamily="49" charset="0"/>
+              </a:rPr>
+              <a:t>w_annuale</a:t>
+            </a:r>
+            <a:r>
+              <a:rPr lang="it-IT" sz="1400" dirty="0">
+                <a:solidFill>
+                  <a:srgbClr val="000000"/>
+                </a:solidFill>
+                <a:latin typeface="Courier New" panose="02070309020205020404" pitchFamily="49" charset="0"/>
+              </a:rPr>
+              <a:t>*</a:t>
+            </a:r>
+            <a:r>
+              <a:rPr lang="it-IT" sz="1400" dirty="0" err="1">
+                <a:solidFill>
+                  <a:srgbClr val="000000"/>
+                </a:solidFill>
+                <a:latin typeface="Courier New" panose="02070309020205020404" pitchFamily="49" charset="0"/>
+              </a:rPr>
+              <a:t>giorni_anno_modello</a:t>
+            </a:r>
+            <a:r>
+              <a:rPr lang="it-IT" sz="1400" dirty="0">
+                <a:solidFill>
+                  <a:srgbClr val="000000"/>
+                </a:solidFill>
+                <a:latin typeface="Courier New" panose="02070309020205020404" pitchFamily="49" charset="0"/>
+              </a:rPr>
+              <a:t>) sin(7*</a:t>
+            </a:r>
+            <a:r>
+              <a:rPr lang="it-IT" sz="1400" dirty="0" err="1">
+                <a:solidFill>
+                  <a:srgbClr val="000000"/>
+                </a:solidFill>
+                <a:latin typeface="Courier New" panose="02070309020205020404" pitchFamily="49" charset="0"/>
+              </a:rPr>
+              <a:t>w_annuale</a:t>
+            </a:r>
+            <a:r>
+              <a:rPr lang="it-IT" sz="1400" dirty="0">
+                <a:solidFill>
+                  <a:srgbClr val="000000"/>
+                </a:solidFill>
+                <a:latin typeface="Courier New" panose="02070309020205020404" pitchFamily="49" charset="0"/>
+              </a:rPr>
+              <a:t>*</a:t>
+            </a:r>
+            <a:r>
+              <a:rPr lang="it-IT" sz="1400" dirty="0" err="1">
+                <a:solidFill>
+                  <a:srgbClr val="000000"/>
+                </a:solidFill>
+                <a:latin typeface="Courier New" panose="02070309020205020404" pitchFamily="49" charset="0"/>
+              </a:rPr>
+              <a:t>giorni_anno_modello</a:t>
+            </a:r>
+            <a:r>
+              <a:rPr lang="it-IT" sz="1400" dirty="0">
+                <a:solidFill>
+                  <a:srgbClr val="000000"/>
+                </a:solidFill>
+                <a:latin typeface="Courier New" panose="02070309020205020404" pitchFamily="49" charset="0"/>
+              </a:rPr>
+              <a:t>) </a:t>
+            </a:r>
+            <a:r>
+              <a:rPr lang="it-IT" sz="1400" dirty="0">
+                <a:solidFill>
+                  <a:srgbClr val="0000FF"/>
+                </a:solidFill>
+                <a:latin typeface="Courier New" panose="02070309020205020404" pitchFamily="49" charset="0"/>
+              </a:rPr>
+              <a:t>...</a:t>
+            </a:r>
+          </a:p>
+          <a:p>
+            <a:r>
+              <a:rPr lang="it-IT" sz="1400" dirty="0">
+                <a:solidFill>
+                  <a:srgbClr val="000000"/>
+                </a:solidFill>
+                <a:latin typeface="Courier New" panose="02070309020205020404" pitchFamily="49" charset="0"/>
+              </a:rPr>
+              <a:t>    cos(8*</a:t>
+            </a:r>
+            <a:r>
+              <a:rPr lang="it-IT" sz="1400" dirty="0" err="1">
+                <a:solidFill>
+                  <a:srgbClr val="000000"/>
+                </a:solidFill>
+                <a:latin typeface="Courier New" panose="02070309020205020404" pitchFamily="49" charset="0"/>
+              </a:rPr>
+              <a:t>w_annuale</a:t>
+            </a:r>
+            <a:r>
+              <a:rPr lang="it-IT" sz="1400" dirty="0">
+                <a:solidFill>
+                  <a:srgbClr val="000000"/>
+                </a:solidFill>
+                <a:latin typeface="Courier New" panose="02070309020205020404" pitchFamily="49" charset="0"/>
+              </a:rPr>
+              <a:t>*</a:t>
+            </a:r>
+            <a:r>
+              <a:rPr lang="it-IT" sz="1400" dirty="0" err="1">
+                <a:solidFill>
+                  <a:srgbClr val="000000"/>
+                </a:solidFill>
+                <a:latin typeface="Courier New" panose="02070309020205020404" pitchFamily="49" charset="0"/>
+              </a:rPr>
+              <a:t>giorni_anno_modello</a:t>
+            </a:r>
+            <a:r>
+              <a:rPr lang="it-IT" sz="1400" dirty="0">
+                <a:solidFill>
+                  <a:srgbClr val="000000"/>
+                </a:solidFill>
+                <a:latin typeface="Courier New" panose="02070309020205020404" pitchFamily="49" charset="0"/>
+              </a:rPr>
+              <a:t>) sin(8*</a:t>
+            </a:r>
+            <a:r>
+              <a:rPr lang="it-IT" sz="1400" dirty="0" err="1">
+                <a:solidFill>
+                  <a:srgbClr val="000000"/>
+                </a:solidFill>
+                <a:latin typeface="Courier New" panose="02070309020205020404" pitchFamily="49" charset="0"/>
+              </a:rPr>
+              <a:t>w_annuale</a:t>
+            </a:r>
+            <a:r>
+              <a:rPr lang="it-IT" sz="1400" dirty="0">
+                <a:solidFill>
+                  <a:srgbClr val="000000"/>
+                </a:solidFill>
+                <a:latin typeface="Courier New" panose="02070309020205020404" pitchFamily="49" charset="0"/>
+              </a:rPr>
+              <a:t>*</a:t>
+            </a:r>
+            <a:r>
+              <a:rPr lang="it-IT" sz="1400" dirty="0" err="1">
+                <a:solidFill>
+                  <a:srgbClr val="000000"/>
+                </a:solidFill>
+                <a:latin typeface="Courier New" panose="02070309020205020404" pitchFamily="49" charset="0"/>
+              </a:rPr>
+              <a:t>giorni_anno_modello</a:t>
+            </a:r>
+            <a:r>
+              <a:rPr lang="it-IT" sz="1400" dirty="0">
+                <a:solidFill>
+                  <a:srgbClr val="000000"/>
+                </a:solidFill>
+                <a:latin typeface="Courier New" panose="02070309020205020404" pitchFamily="49" charset="0"/>
+              </a:rPr>
+              <a:t>) </a:t>
+            </a:r>
+            <a:r>
+              <a:rPr lang="it-IT" sz="1400" dirty="0">
+                <a:solidFill>
+                  <a:srgbClr val="0000FF"/>
+                </a:solidFill>
+                <a:latin typeface="Courier New" panose="02070309020205020404" pitchFamily="49" charset="0"/>
+              </a:rPr>
+              <a:t>...</a:t>
+            </a:r>
+            <a:r>
+              <a:rPr lang="it-IT" sz="1400" dirty="0">
+                <a:solidFill>
+                  <a:srgbClr val="228B22"/>
+                </a:solidFill>
+                <a:latin typeface="Courier New" panose="02070309020205020404" pitchFamily="49" charset="0"/>
+              </a:rPr>
+              <a:t> </a:t>
+            </a:r>
+          </a:p>
+          <a:p>
+            <a:r>
+              <a:rPr lang="it-IT" sz="1400" dirty="0">
+                <a:solidFill>
+                  <a:srgbClr val="000000"/>
+                </a:solidFill>
+                <a:latin typeface="Courier New" panose="02070309020205020404" pitchFamily="49" charset="0"/>
+              </a:rPr>
+              <a:t>    cos(9*</a:t>
+            </a:r>
+            <a:r>
+              <a:rPr lang="it-IT" sz="1400" dirty="0" err="1">
+                <a:solidFill>
+                  <a:srgbClr val="000000"/>
+                </a:solidFill>
+                <a:latin typeface="Courier New" panose="02070309020205020404" pitchFamily="49" charset="0"/>
+              </a:rPr>
+              <a:t>w_annuale</a:t>
+            </a:r>
+            <a:r>
+              <a:rPr lang="it-IT" sz="1400" dirty="0">
+                <a:solidFill>
+                  <a:srgbClr val="000000"/>
+                </a:solidFill>
+                <a:latin typeface="Courier New" panose="02070309020205020404" pitchFamily="49" charset="0"/>
+              </a:rPr>
+              <a:t>*</a:t>
+            </a:r>
+            <a:r>
+              <a:rPr lang="it-IT" sz="1400" dirty="0" err="1">
+                <a:solidFill>
+                  <a:srgbClr val="000000"/>
+                </a:solidFill>
+                <a:latin typeface="Courier New" panose="02070309020205020404" pitchFamily="49" charset="0"/>
+              </a:rPr>
+              <a:t>giorni_anno_modello</a:t>
+            </a:r>
+            <a:r>
+              <a:rPr lang="it-IT" sz="1400" dirty="0">
+                <a:solidFill>
+                  <a:srgbClr val="000000"/>
+                </a:solidFill>
+                <a:latin typeface="Courier New" panose="02070309020205020404" pitchFamily="49" charset="0"/>
+              </a:rPr>
+              <a:t>) sin(9*</a:t>
+            </a:r>
+            <a:r>
+              <a:rPr lang="it-IT" sz="1400" dirty="0" err="1">
+                <a:solidFill>
+                  <a:srgbClr val="000000"/>
+                </a:solidFill>
+                <a:latin typeface="Courier New" panose="02070309020205020404" pitchFamily="49" charset="0"/>
+              </a:rPr>
+              <a:t>w_annuale</a:t>
+            </a:r>
+            <a:r>
+              <a:rPr lang="it-IT" sz="1400" dirty="0">
+                <a:solidFill>
+                  <a:srgbClr val="000000"/>
+                </a:solidFill>
+                <a:latin typeface="Courier New" panose="02070309020205020404" pitchFamily="49" charset="0"/>
+              </a:rPr>
+              <a:t>*</a:t>
+            </a:r>
+            <a:r>
+              <a:rPr lang="it-IT" sz="1400" dirty="0" err="1">
+                <a:solidFill>
+                  <a:srgbClr val="000000"/>
+                </a:solidFill>
+                <a:latin typeface="Courier New" panose="02070309020205020404" pitchFamily="49" charset="0"/>
+              </a:rPr>
+              <a:t>giorni_anno_modello</a:t>
+            </a:r>
+            <a:r>
+              <a:rPr lang="it-IT" sz="1400" dirty="0">
+                <a:solidFill>
+                  <a:srgbClr val="000000"/>
+                </a:solidFill>
+                <a:latin typeface="Courier New" panose="02070309020205020404" pitchFamily="49" charset="0"/>
+              </a:rPr>
+              <a:t>) </a:t>
+            </a:r>
+            <a:r>
+              <a:rPr lang="it-IT" sz="1400" dirty="0">
+                <a:solidFill>
+                  <a:srgbClr val="0000FF"/>
+                </a:solidFill>
+                <a:latin typeface="Courier New" panose="02070309020205020404" pitchFamily="49" charset="0"/>
+              </a:rPr>
+              <a:t>...</a:t>
+            </a:r>
+          </a:p>
+          <a:p>
+            <a:r>
+              <a:rPr lang="it-IT" sz="1400" dirty="0">
+                <a:solidFill>
+                  <a:srgbClr val="000000"/>
+                </a:solidFill>
+                <a:latin typeface="Courier New" panose="02070309020205020404" pitchFamily="49" charset="0"/>
+              </a:rPr>
+              <a:t>    cos(10*</a:t>
+            </a:r>
+            <a:r>
+              <a:rPr lang="it-IT" sz="1400" dirty="0" err="1">
+                <a:solidFill>
+                  <a:srgbClr val="000000"/>
+                </a:solidFill>
+                <a:latin typeface="Courier New" panose="02070309020205020404" pitchFamily="49" charset="0"/>
+              </a:rPr>
+              <a:t>w_annuale</a:t>
+            </a:r>
+            <a:r>
+              <a:rPr lang="it-IT" sz="1400" dirty="0">
+                <a:solidFill>
+                  <a:srgbClr val="000000"/>
+                </a:solidFill>
+                <a:latin typeface="Courier New" panose="02070309020205020404" pitchFamily="49" charset="0"/>
+              </a:rPr>
+              <a:t>*</a:t>
+            </a:r>
+            <a:r>
+              <a:rPr lang="it-IT" sz="1400" dirty="0" err="1">
+                <a:solidFill>
+                  <a:srgbClr val="000000"/>
+                </a:solidFill>
+                <a:latin typeface="Courier New" panose="02070309020205020404" pitchFamily="49" charset="0"/>
+              </a:rPr>
+              <a:t>giorni_anno_modello</a:t>
+            </a:r>
+            <a:r>
+              <a:rPr lang="it-IT" sz="1400" dirty="0">
+                <a:solidFill>
+                  <a:srgbClr val="000000"/>
+                </a:solidFill>
+                <a:latin typeface="Courier New" panose="02070309020205020404" pitchFamily="49" charset="0"/>
+              </a:rPr>
+              <a:t>) sin(10*</a:t>
+            </a:r>
+            <a:r>
+              <a:rPr lang="it-IT" sz="1400" dirty="0" err="1">
+                <a:solidFill>
+                  <a:srgbClr val="000000"/>
+                </a:solidFill>
+                <a:latin typeface="Courier New" panose="02070309020205020404" pitchFamily="49" charset="0"/>
+              </a:rPr>
+              <a:t>w_annuale</a:t>
+            </a:r>
+            <a:r>
+              <a:rPr lang="it-IT" sz="1400" dirty="0">
+                <a:solidFill>
+                  <a:srgbClr val="000000"/>
+                </a:solidFill>
+                <a:latin typeface="Courier New" panose="02070309020205020404" pitchFamily="49" charset="0"/>
+              </a:rPr>
+              <a:t>*</a:t>
+            </a:r>
+            <a:r>
+              <a:rPr lang="it-IT" sz="1400" dirty="0" err="1">
+                <a:solidFill>
+                  <a:srgbClr val="000000"/>
+                </a:solidFill>
+                <a:latin typeface="Courier New" panose="02070309020205020404" pitchFamily="49" charset="0"/>
+              </a:rPr>
+              <a:t>giorni_anno_modello</a:t>
+            </a:r>
+            <a:r>
+              <a:rPr lang="it-IT" sz="1400" dirty="0">
+                <a:solidFill>
+                  <a:srgbClr val="000000"/>
+                </a:solidFill>
+                <a:latin typeface="Courier New" panose="02070309020205020404" pitchFamily="49" charset="0"/>
+              </a:rPr>
+              <a:t>)];</a:t>
+            </a:r>
+          </a:p>
+        </p:txBody>
+      </p:sp>
+    </p:spTree>
+    <p:extLst>
+      <p:ext uri="{BB962C8B-B14F-4D97-AF65-F5344CB8AC3E}">
+        <p14:creationId xmlns:p14="http://schemas.microsoft.com/office/powerpoint/2010/main" val="431352291"/>
+      </p:ext>
+    </p:extLst>
+  </p:cSld>
+  <p:clrMapOvr>
+    <a:masterClrMapping/>
+  </p:clrMapOvr>
+</p:sld>
+</file>
+
+<file path=ppt/slides/slide7.xml><?xml version="1.0" encoding="utf-8"?>
 <p:sld xmlns:a="http://schemas.openxmlformats.org/drawingml/2006/main" xmlns:r="http://schemas.openxmlformats.org/officeDocument/2006/relationships" xmlns:p="http://schemas.openxmlformats.org/presentationml/2006/main">
   <p:cSld>
     <p:bg>
@@ -13678,7 +15304,7 @@
 </p:sld>
 </file>
 
-<file path=ppt/slides/slide7.xml><?xml version="1.0" encoding="utf-8"?>
+<file path=ppt/slides/slide8.xml><?xml version="1.0" encoding="utf-8"?>
 <p:sld xmlns:a="http://schemas.openxmlformats.org/drawingml/2006/main" xmlns:r="http://schemas.openxmlformats.org/officeDocument/2006/relationships" xmlns:p="http://schemas.openxmlformats.org/presentationml/2006/main">
   <p:cSld>
     <p:spTree>
@@ -13803,7 +15429,7 @@
 </p:sld>
 </file>
 
-<file path=ppt/slides/slide8.xml><?xml version="1.0" encoding="utf-8"?>
+<file path=ppt/slides/slide9.xml><?xml version="1.0" encoding="utf-8"?>
 <p:sld xmlns:a="http://schemas.openxmlformats.org/drawingml/2006/main" xmlns:r="http://schemas.openxmlformats.org/officeDocument/2006/relationships" xmlns:p="http://schemas.openxmlformats.org/presentationml/2006/main">
   <p:cSld>
     <p:spTree>
@@ -14047,285 +15673,6 @@
     <p:extLst>
       <p:ext uri="{BB962C8B-B14F-4D97-AF65-F5344CB8AC3E}">
         <p14:creationId xmlns:p14="http://schemas.microsoft.com/office/powerpoint/2010/main" val="4021418944"/>
-      </p:ext>
-    </p:extLst>
-  </p:cSld>
-  <p:clrMapOvr>
-    <a:masterClrMapping/>
-  </p:clrMapOvr>
-</p:sld>
-</file>
-
-<file path=ppt/slides/slide9.xml><?xml version="1.0" encoding="utf-8"?>
-<p:sld xmlns:a="http://schemas.openxmlformats.org/drawingml/2006/main" xmlns:r="http://schemas.openxmlformats.org/officeDocument/2006/relationships" xmlns:p="http://schemas.openxmlformats.org/presentationml/2006/main">
-  <p:cSld>
-    <p:spTree>
-      <p:nvGrpSpPr>
-        <p:cNvPr id="1" name=""/>
-        <p:cNvGrpSpPr/>
-        <p:nvPr/>
-      </p:nvGrpSpPr>
-      <p:grpSpPr>
-        <a:xfrm>
-          <a:off x="0" y="0"/>
-          <a:ext cx="0" cy="0"/>
-          <a:chOff x="0" y="0"/>
-          <a:chExt cx="0" cy="0"/>
-        </a:xfrm>
-      </p:grpSpPr>
-      <p:sp>
-        <p:nvSpPr>
-          <p:cNvPr id="2" name="Titolo 1">
-            <a:extLst>
-              <a:ext uri="{FF2B5EF4-FFF2-40B4-BE49-F238E27FC236}">
-                <a16:creationId xmlns:a16="http://schemas.microsoft.com/office/drawing/2014/main" id="{75692C91-ACBE-42C4-89F3-C412B205A92D}"/>
-              </a:ext>
-            </a:extLst>
-          </p:cNvPr>
-          <p:cNvSpPr>
-            <a:spLocks noGrp="1"/>
-          </p:cNvSpPr>
-          <p:nvPr>
-            <p:ph type="title"/>
-          </p:nvPr>
-        </p:nvSpPr>
-        <p:spPr>
-          <a:xfrm>
-            <a:off x="1046019" y="942108"/>
-            <a:ext cx="3256550" cy="4969113"/>
-          </a:xfrm>
-        </p:spPr>
-        <p:txBody>
-          <a:bodyPr anchor="ctr">
-            <a:normAutofit/>
-          </a:bodyPr>
-          <a:lstStyle/>
-          <a:p>
-            <a:r>
-              <a:rPr lang="it-IT" sz="2800" dirty="0">
-                <a:solidFill>
-                  <a:schemeClr val="tx2">
-                    <a:lumMod val="75000"/>
-                  </a:schemeClr>
-                </a:solidFill>
-              </a:rPr>
-              <a:t>Test </a:t>
-            </a:r>
-            <a:r>
-              <a:rPr lang="it-IT" sz="2800" dirty="0" err="1">
-                <a:solidFill>
-                  <a:schemeClr val="tx2">
-                    <a:lumMod val="75000"/>
-                  </a:schemeClr>
-                </a:solidFill>
-              </a:rPr>
-              <a:t>Crossvalidazione</a:t>
-            </a:r>
-            <a:endParaRPr lang="it-IT" sz="2800" dirty="0">
-              <a:solidFill>
-                <a:schemeClr val="tx2">
-                  <a:lumMod val="75000"/>
-                </a:schemeClr>
-              </a:solidFill>
-            </a:endParaRPr>
-          </a:p>
-        </p:txBody>
-      </p:sp>
-      <p:sp>
-        <p:nvSpPr>
-          <p:cNvPr id="3" name="Segnaposto contenuto 2">
-            <a:extLst>
-              <a:ext uri="{FF2B5EF4-FFF2-40B4-BE49-F238E27FC236}">
-                <a16:creationId xmlns:a16="http://schemas.microsoft.com/office/drawing/2014/main" id="{44D74B6D-0E31-4A45-B899-3F6D520FBA02}"/>
-              </a:ext>
-            </a:extLst>
-          </p:cNvPr>
-          <p:cNvSpPr>
-            <a:spLocks noGrp="1"/>
-          </p:cNvSpPr>
-          <p:nvPr>
-            <p:ph idx="1"/>
-          </p:nvPr>
-        </p:nvSpPr>
-        <p:spPr>
-          <a:xfrm>
-            <a:off x="5049062" y="942108"/>
-            <a:ext cx="6455549" cy="4969114"/>
-          </a:xfrm>
-        </p:spPr>
-        <p:txBody>
-          <a:bodyPr anchor="ctr">
-            <a:normAutofit/>
-          </a:bodyPr>
-          <a:lstStyle/>
-          <a:p>
-            <a:r>
-              <a:rPr lang="it-IT" dirty="0">
-                <a:solidFill>
-                  <a:schemeClr val="tx2">
-                    <a:lumMod val="75000"/>
-                  </a:schemeClr>
-                </a:solidFill>
-              </a:rPr>
-              <a:t>SSR_validazione1=2.690702704454648e+03</a:t>
-            </a:r>
-          </a:p>
-          <a:p>
-            <a:r>
-              <a:rPr lang="it-IT" dirty="0">
-                <a:solidFill>
-                  <a:schemeClr val="tx2">
-                    <a:lumMod val="75000"/>
-                  </a:schemeClr>
-                </a:solidFill>
-              </a:rPr>
-              <a:t>SSR_validazione2=2.643407321690734e+03</a:t>
-            </a:r>
-          </a:p>
-          <a:p>
-            <a:r>
-              <a:rPr lang="it-IT" dirty="0">
-                <a:solidFill>
-                  <a:schemeClr val="tx2">
-                    <a:lumMod val="75000"/>
-                  </a:schemeClr>
-                </a:solidFill>
-              </a:rPr>
-              <a:t>SSR_validazione3=2.219020979113283e+03</a:t>
-            </a:r>
-          </a:p>
-          <a:p>
-            <a:r>
-              <a:rPr lang="it-IT" dirty="0">
-                <a:solidFill>
-                  <a:schemeClr val="tx2">
-                    <a:lumMod val="75000"/>
-                  </a:schemeClr>
-                </a:solidFill>
-              </a:rPr>
-              <a:t>SSR_validazione4=2.200418241788850e+03</a:t>
-            </a:r>
-          </a:p>
-          <a:p>
-            <a:r>
-              <a:rPr lang="it-IT" dirty="0">
-                <a:solidFill>
-                  <a:schemeClr val="tx2">
-                    <a:lumMod val="75000"/>
-                  </a:schemeClr>
-                </a:solidFill>
-              </a:rPr>
-              <a:t>SSR_validazione5=2.017679275347757e+03</a:t>
-            </a:r>
-          </a:p>
-          <a:p>
-            <a:r>
-              <a:rPr lang="it-IT" dirty="0">
-                <a:solidFill>
-                  <a:schemeClr val="tx2">
-                    <a:lumMod val="75000"/>
-                  </a:schemeClr>
-                </a:solidFill>
-              </a:rPr>
-              <a:t>SSR_validazione6=1.805393099955096e+03</a:t>
-            </a:r>
-          </a:p>
-          <a:p>
-            <a:r>
-              <a:rPr lang="it-IT" dirty="0">
-                <a:solidFill>
-                  <a:schemeClr val="tx2">
-                    <a:lumMod val="75000"/>
-                  </a:schemeClr>
-                </a:solidFill>
-              </a:rPr>
-              <a:t>SSR_validazione7=1.769498868846897e+03</a:t>
-            </a:r>
-          </a:p>
-          <a:p>
-            <a:r>
-              <a:rPr lang="it-IT" dirty="0">
-                <a:solidFill>
-                  <a:schemeClr val="tx2">
-                    <a:lumMod val="75000"/>
-                  </a:schemeClr>
-                </a:solidFill>
-              </a:rPr>
-              <a:t>SSR_validazione8=1.663295154995127e+03</a:t>
-            </a:r>
-          </a:p>
-          <a:p>
-            <a:r>
-              <a:rPr lang="it-IT" dirty="0">
-                <a:solidFill>
-                  <a:schemeClr val="tx2">
-                    <a:lumMod val="75000"/>
-                  </a:schemeClr>
-                </a:solidFill>
-              </a:rPr>
-              <a:t>SSR_validazione9=1.580822498587686e+03</a:t>
-            </a:r>
-          </a:p>
-          <a:p>
-            <a:r>
-              <a:rPr lang="it-IT" b="1" i="1" dirty="0">
-                <a:solidFill>
-                  <a:schemeClr val="tx2">
-                    <a:lumMod val="75000"/>
-                  </a:schemeClr>
-                </a:solidFill>
-              </a:rPr>
-              <a:t>SSR_validazione10=1.403247353207679e+03</a:t>
-            </a:r>
-          </a:p>
-          <a:p>
-            <a:r>
-              <a:rPr lang="it-IT" dirty="0">
-                <a:solidFill>
-                  <a:schemeClr val="tx2">
-                    <a:lumMod val="75000"/>
-                  </a:schemeClr>
-                </a:solidFill>
-              </a:rPr>
-              <a:t>SSR_validazione11=1.434188888459938e+03</a:t>
-            </a:r>
-          </a:p>
-          <a:p>
-            <a:r>
-              <a:rPr lang="it-IT" dirty="0">
-                <a:solidFill>
-                  <a:schemeClr val="tx2">
-                    <a:lumMod val="75000"/>
-                  </a:schemeClr>
-                </a:solidFill>
-              </a:rPr>
-              <a:t>SSR_validazione12=1.416279005807706e+03</a:t>
-            </a:r>
-          </a:p>
-          <a:p>
-            <a:endParaRPr lang="it-IT" dirty="0">
-              <a:solidFill>
-                <a:schemeClr val="tx2">
-                  <a:lumMod val="75000"/>
-                </a:schemeClr>
-              </a:solidFill>
-            </a:endParaRPr>
-          </a:p>
-          <a:p>
-            <a:endParaRPr lang="it-IT" dirty="0">
-              <a:solidFill>
-                <a:schemeClr val="tx2">
-                  <a:lumMod val="75000"/>
-                </a:schemeClr>
-              </a:solidFill>
-            </a:endParaRPr>
-          </a:p>
-        </p:txBody>
-      </p:sp>
-    </p:spTree>
-    <p:extLst>
-      <p:ext uri="{BB962C8B-B14F-4D97-AF65-F5344CB8AC3E}">
-        <p14:creationId xmlns:p14="http://schemas.microsoft.com/office/powerpoint/2010/main" val="3497711419"/>
       </p:ext>
     </p:extLst>
   </p:cSld>

--- a/presentazione_imad.pptx
+++ b/presentazione_imad.pptx
@@ -5,7 +5,7 @@
     <p:sldMasterId id="2147483716" r:id="rId1"/>
   </p:sldMasterIdLst>
   <p:notesMasterIdLst>
-    <p:notesMasterId r:id="rId18"/>
+    <p:notesMasterId r:id="rId21"/>
   </p:notesMasterIdLst>
   <p:sldIdLst>
     <p:sldId id="256" r:id="rId2"/>
@@ -19,11 +19,14 @@
     <p:sldId id="268" r:id="rId10"/>
     <p:sldId id="269" r:id="rId11"/>
     <p:sldId id="270" r:id="rId12"/>
-    <p:sldId id="281" r:id="rId13"/>
-    <p:sldId id="271" r:id="rId14"/>
-    <p:sldId id="272" r:id="rId15"/>
-    <p:sldId id="278" r:id="rId16"/>
-    <p:sldId id="279" r:id="rId17"/>
+    <p:sldId id="283" r:id="rId13"/>
+    <p:sldId id="281" r:id="rId14"/>
+    <p:sldId id="271" r:id="rId15"/>
+    <p:sldId id="284" r:id="rId16"/>
+    <p:sldId id="285" r:id="rId17"/>
+    <p:sldId id="272" r:id="rId18"/>
+    <p:sldId id="278" r:id="rId19"/>
+    <p:sldId id="279" r:id="rId20"/>
   </p:sldIdLst>
   <p:sldSz cx="12192000" cy="6858000"/>
   <p:notesSz cx="6858000" cy="9144000"/>
@@ -212,7 +215,7 @@
           <a:p>
             <a:fld id="{7BD18282-EB19-435E-9AF0-4FCC595C3971}" type="datetimeFigureOut">
               <a:rPr lang="it-IT" smtClean="0"/>
-              <a:t>06/05/2019</a:t>
+              <a:t>09/05/2019</a:t>
             </a:fld>
             <a:endParaRPr lang="it-IT"/>
           </a:p>
@@ -668,7 +671,7 @@
             <a:fld id="{B61BEF0D-F0BB-DE4B-95CE-6DB70DBA9567}" type="datetimeFigureOut">
               <a:rPr lang="en-US" smtClean="0"/>
               <a:pPr/>
-              <a:t>5/6/2019</a:t>
+              <a:t>5/9/2019</a:t>
             </a:fld>
             <a:endParaRPr lang="en-US" dirty="0"/>
           </a:p>
@@ -1008,7 +1011,7 @@
             <a:fld id="{B61BEF0D-F0BB-DE4B-95CE-6DB70DBA9567}" type="datetimeFigureOut">
               <a:rPr lang="en-US" smtClean="0"/>
               <a:pPr/>
-              <a:t>5/6/2019</a:t>
+              <a:t>5/9/2019</a:t>
             </a:fld>
             <a:endParaRPr lang="en-US" dirty="0"/>
           </a:p>
@@ -1411,7 +1414,7 @@
             <a:fld id="{B61BEF0D-F0BB-DE4B-95CE-6DB70DBA9567}" type="datetimeFigureOut">
               <a:rPr lang="en-US" smtClean="0"/>
               <a:pPr/>
-              <a:t>5/6/2019</a:t>
+              <a:t>5/9/2019</a:t>
             </a:fld>
             <a:endParaRPr lang="en-US" dirty="0"/>
           </a:p>
@@ -1749,7 +1752,7 @@
             <a:fld id="{B61BEF0D-F0BB-DE4B-95CE-6DB70DBA9567}" type="datetimeFigureOut">
               <a:rPr lang="en-US" smtClean="0"/>
               <a:pPr/>
-              <a:t>5/6/2019</a:t>
+              <a:t>5/9/2019</a:t>
             </a:fld>
             <a:endParaRPr lang="en-US" dirty="0"/>
           </a:p>
@@ -2071,7 +2074,7 @@
             <a:fld id="{B61BEF0D-F0BB-DE4B-95CE-6DB70DBA9567}" type="datetimeFigureOut">
               <a:rPr lang="en-US" smtClean="0"/>
               <a:pPr/>
-              <a:t>5/6/2019</a:t>
+              <a:t>5/9/2019</a:t>
             </a:fld>
             <a:endParaRPr lang="en-US" dirty="0"/>
           </a:p>
@@ -2469,7 +2472,7 @@
             <a:fld id="{B61BEF0D-F0BB-DE4B-95CE-6DB70DBA9567}" type="datetimeFigureOut">
               <a:rPr lang="en-US" smtClean="0"/>
               <a:pPr/>
-              <a:t>5/6/2019</a:t>
+              <a:t>5/9/2019</a:t>
             </a:fld>
             <a:endParaRPr lang="en-US" dirty="0"/>
           </a:p>
@@ -2728,7 +2731,7 @@
             <a:fld id="{B61BEF0D-F0BB-DE4B-95CE-6DB70DBA9567}" type="datetimeFigureOut">
               <a:rPr lang="en-US" smtClean="0"/>
               <a:pPr/>
-              <a:t>5/6/2019</a:t>
+              <a:t>5/9/2019</a:t>
             </a:fld>
             <a:endParaRPr lang="en-US" dirty="0"/>
           </a:p>
@@ -2992,7 +2995,7 @@
             <a:fld id="{B61BEF0D-F0BB-DE4B-95CE-6DB70DBA9567}" type="datetimeFigureOut">
               <a:rPr lang="en-US" smtClean="0"/>
               <a:pPr/>
-              <a:t>5/6/2019</a:t>
+              <a:t>5/9/2019</a:t>
             </a:fld>
             <a:endParaRPr lang="en-US" dirty="0"/>
           </a:p>
@@ -3256,7 +3259,7 @@
             <a:fld id="{B61BEF0D-F0BB-DE4B-95CE-6DB70DBA9567}" type="datetimeFigureOut">
               <a:rPr lang="en-US" smtClean="0"/>
               <a:pPr/>
-              <a:t>5/6/2019</a:t>
+              <a:t>5/9/2019</a:t>
             </a:fld>
             <a:endParaRPr lang="en-US" dirty="0"/>
           </a:p>
@@ -3587,7 +3590,7 @@
             <a:fld id="{B61BEF0D-F0BB-DE4B-95CE-6DB70DBA9567}" type="datetimeFigureOut">
               <a:rPr lang="en-US" smtClean="0"/>
               <a:pPr/>
-              <a:t>5/6/2019</a:t>
+              <a:t>5/9/2019</a:t>
             </a:fld>
             <a:endParaRPr lang="en-US" dirty="0"/>
           </a:p>
@@ -3912,7 +3915,7 @@
             <a:fld id="{B61BEF0D-F0BB-DE4B-95CE-6DB70DBA9567}" type="datetimeFigureOut">
               <a:rPr lang="en-US" smtClean="0"/>
               <a:pPr/>
-              <a:t>5/6/2019</a:t>
+              <a:t>5/9/2019</a:t>
             </a:fld>
             <a:endParaRPr lang="en-US" dirty="0"/>
           </a:p>
@@ -4371,7 +4374,7 @@
             <a:fld id="{B61BEF0D-F0BB-DE4B-95CE-6DB70DBA9567}" type="datetimeFigureOut">
               <a:rPr lang="en-US" smtClean="0"/>
               <a:pPr/>
-              <a:t>5/6/2019</a:t>
+              <a:t>5/9/2019</a:t>
             </a:fld>
             <a:endParaRPr lang="en-US" dirty="0"/>
           </a:p>
@@ -4578,7 +4581,7 @@
             <a:fld id="{B61BEF0D-F0BB-DE4B-95CE-6DB70DBA9567}" type="datetimeFigureOut">
               <a:rPr lang="en-US" smtClean="0"/>
               <a:pPr/>
-              <a:t>5/6/2019</a:t>
+              <a:t>5/9/2019</a:t>
             </a:fld>
             <a:endParaRPr lang="en-US" dirty="0"/>
           </a:p>
@@ -4757,7 +4760,7 @@
             <a:fld id="{B61BEF0D-F0BB-DE4B-95CE-6DB70DBA9567}" type="datetimeFigureOut">
               <a:rPr lang="en-US" smtClean="0"/>
               <a:pPr/>
-              <a:t>5/6/2019</a:t>
+              <a:t>5/9/2019</a:t>
             </a:fld>
             <a:endParaRPr lang="en-US" dirty="0"/>
           </a:p>
@@ -5092,7 +5095,7 @@
             <a:fld id="{B61BEF0D-F0BB-DE4B-95CE-6DB70DBA9567}" type="datetimeFigureOut">
               <a:rPr lang="en-US" smtClean="0"/>
               <a:pPr/>
-              <a:t>5/6/2019</a:t>
+              <a:t>5/9/2019</a:t>
             </a:fld>
             <a:endParaRPr lang="en-US" dirty="0"/>
           </a:p>
@@ -5439,7 +5442,7 @@
             <a:fld id="{B61BEF0D-F0BB-DE4B-95CE-6DB70DBA9567}" type="datetimeFigureOut">
               <a:rPr lang="en-US" smtClean="0"/>
               <a:pPr/>
-              <a:t>5/6/2019</a:t>
+              <a:t>5/9/2019</a:t>
             </a:fld>
             <a:endParaRPr lang="en-US" dirty="0"/>
           </a:p>
@@ -7558,7 +7561,7 @@
             <a:fld id="{B61BEF0D-F0BB-DE4B-95CE-6DB70DBA9567}" type="datetimeFigureOut">
               <a:rPr lang="en-US" smtClean="0"/>
               <a:pPr/>
-              <a:t>5/6/2019</a:t>
+              <a:t>5/9/2019</a:t>
             </a:fld>
             <a:endParaRPr lang="en-US" dirty="0"/>
           </a:p>
@@ -8607,7 +8610,7 @@
         </p:nvSpPr>
         <p:spPr>
           <a:xfrm>
-            <a:off x="2271717" y="726293"/>
+            <a:off x="1640156" y="413677"/>
             <a:ext cx="8911687" cy="1280890"/>
           </a:xfrm>
         </p:spPr>
@@ -8618,17 +8621,17 @@
             <a:pPr algn="ctr"/>
             <a:r>
               <a:rPr lang="it-IT" dirty="0"/>
-              <a:t>Superficie Modello Finale</a:t>
+              <a:t>Plot 3D dati di validazione</a:t>
             </a:r>
           </a:p>
         </p:txBody>
       </p:sp>
       <p:pic>
         <p:nvPicPr>
-          <p:cNvPr id="7" name="Immagine 6" descr="Immagine che contiene mappa, testo&#10;&#10;Descrizione generata automaticamente">
+          <p:cNvPr id="5" name="Immagine 4" descr="Immagine che contiene testo, mappa, documento&#10;&#10;Descrizione generata automaticamente">
             <a:extLst>
               <a:ext uri="{FF2B5EF4-FFF2-40B4-BE49-F238E27FC236}">
-                <a16:creationId xmlns:a16="http://schemas.microsoft.com/office/drawing/2014/main" id="{DA930656-DE83-4351-8E90-CE712FD5F725}"/>
+                <a16:creationId xmlns:a16="http://schemas.microsoft.com/office/drawing/2014/main" id="{027E09CC-229E-4BC4-8F02-DC017675701B}"/>
               </a:ext>
             </a:extLst>
           </p:cNvPr>
@@ -8645,8 +8648,102 @@
         </p:blipFill>
         <p:spPr>
           <a:xfrm>
-            <a:off x="3207514" y="1586064"/>
-            <a:ext cx="7046271" cy="5015775"/>
+            <a:off x="509001" y="1281723"/>
+            <a:ext cx="11173998" cy="5447324"/>
+          </a:xfrm>
+          <a:prstGeom prst="rect">
+            <a:avLst/>
+          </a:prstGeom>
+        </p:spPr>
+      </p:pic>
+    </p:spTree>
+    <p:extLst>
+      <p:ext uri="{BB962C8B-B14F-4D97-AF65-F5344CB8AC3E}">
+        <p14:creationId xmlns:p14="http://schemas.microsoft.com/office/powerpoint/2010/main" val="1001633232"/>
+      </p:ext>
+    </p:extLst>
+  </p:cSld>
+  <p:clrMapOvr>
+    <a:masterClrMapping/>
+  </p:clrMapOvr>
+</p:sld>
+</file>
+
+<file path=ppt/slides/slide13.xml><?xml version="1.0" encoding="utf-8"?>
+<p:sld xmlns:a="http://schemas.openxmlformats.org/drawingml/2006/main" xmlns:r="http://schemas.openxmlformats.org/officeDocument/2006/relationships" xmlns:p="http://schemas.openxmlformats.org/presentationml/2006/main">
+  <p:cSld>
+    <p:spTree>
+      <p:nvGrpSpPr>
+        <p:cNvPr id="1" name=""/>
+        <p:cNvGrpSpPr/>
+        <p:nvPr/>
+      </p:nvGrpSpPr>
+      <p:grpSpPr>
+        <a:xfrm>
+          <a:off x="0" y="0"/>
+          <a:ext cx="0" cy="0"/>
+          <a:chOff x="0" y="0"/>
+          <a:chExt cx="0" cy="0"/>
+        </a:xfrm>
+      </p:grpSpPr>
+      <p:sp>
+        <p:nvSpPr>
+          <p:cNvPr id="2" name="Titolo 1">
+            <a:extLst>
+              <a:ext uri="{FF2B5EF4-FFF2-40B4-BE49-F238E27FC236}">
+                <a16:creationId xmlns:a16="http://schemas.microsoft.com/office/drawing/2014/main" id="{3C68C612-538C-491B-9F10-421BD44A8F81}"/>
+              </a:ext>
+            </a:extLst>
+          </p:cNvPr>
+          <p:cNvSpPr>
+            <a:spLocks noGrp="1"/>
+          </p:cNvSpPr>
+          <p:nvPr>
+            <p:ph type="title"/>
+          </p:nvPr>
+        </p:nvSpPr>
+        <p:spPr>
+          <a:xfrm>
+            <a:off x="1640156" y="413677"/>
+            <a:ext cx="8911687" cy="1280890"/>
+          </a:xfrm>
+        </p:spPr>
+        <p:txBody>
+          <a:bodyPr/>
+          <a:lstStyle/>
+          <a:p>
+            <a:pPr algn="ctr"/>
+            <a:r>
+              <a:rPr lang="it-IT" dirty="0"/>
+              <a:t>Superficie Modello Finale</a:t>
+            </a:r>
+          </a:p>
+        </p:txBody>
+      </p:sp>
+      <p:pic>
+        <p:nvPicPr>
+          <p:cNvPr id="4" name="Immagine 3" descr="Immagine che contiene mappa, testo&#10;&#10;Descrizione generata automaticamente">
+            <a:extLst>
+              <a:ext uri="{FF2B5EF4-FFF2-40B4-BE49-F238E27FC236}">
+                <a16:creationId xmlns:a16="http://schemas.microsoft.com/office/drawing/2014/main" id="{3EA17297-27EA-4065-B46A-9B3DDFEE83B3}"/>
+              </a:ext>
+            </a:extLst>
+          </p:cNvPr>
+          <p:cNvPicPr>
+            <a:picLocks noChangeAspect="1"/>
+          </p:cNvPicPr>
+          <p:nvPr/>
+        </p:nvPicPr>
+        <p:blipFill>
+          <a:blip r:embed="rId2"/>
+          <a:stretch>
+            <a:fillRect/>
+          </a:stretch>
+        </p:blipFill>
+        <p:spPr>
+          <a:xfrm>
+            <a:off x="549081" y="1297355"/>
+            <a:ext cx="11093838" cy="5408246"/>
           </a:xfrm>
           <a:prstGeom prst="rect">
             <a:avLst/>
@@ -8666,7 +8763,7 @@
 </p:sld>
 </file>
 
-<file path=ppt/slides/slide13.xml><?xml version="1.0" encoding="utf-8"?>
+<file path=ppt/slides/slide14.xml><?xml version="1.0" encoding="utf-8"?>
 <p:sld xmlns:a="http://schemas.openxmlformats.org/drawingml/2006/main" xmlns:r="http://schemas.openxmlformats.org/officeDocument/2006/relationships" xmlns:p="http://schemas.openxmlformats.org/presentationml/2006/main">
   <p:cSld>
     <p:bg>
@@ -10050,7 +10147,317 @@
 </p:sld>
 </file>
 
-<file path=ppt/slides/slide14.xml><?xml version="1.0" encoding="utf-8"?>
+<file path=ppt/slides/slide15.xml><?xml version="1.0" encoding="utf-8"?>
+<p:sld xmlns:a="http://schemas.openxmlformats.org/drawingml/2006/main" xmlns:r="http://schemas.openxmlformats.org/officeDocument/2006/relationships" xmlns:p="http://schemas.openxmlformats.org/presentationml/2006/main">
+  <p:cSld>
+    <p:spTree>
+      <p:nvGrpSpPr>
+        <p:cNvPr id="1" name=""/>
+        <p:cNvGrpSpPr/>
+        <p:nvPr/>
+      </p:nvGrpSpPr>
+      <p:grpSpPr>
+        <a:xfrm>
+          <a:off x="0" y="0"/>
+          <a:ext cx="0" cy="0"/>
+          <a:chOff x="0" y="0"/>
+          <a:chExt cx="0" cy="0"/>
+        </a:xfrm>
+      </p:grpSpPr>
+      <p:sp>
+        <p:nvSpPr>
+          <p:cNvPr id="14" name="Titolo 13">
+            <a:extLst>
+              <a:ext uri="{FF2B5EF4-FFF2-40B4-BE49-F238E27FC236}">
+                <a16:creationId xmlns:a16="http://schemas.microsoft.com/office/drawing/2014/main" id="{AC7E08AF-F2DC-44B3-A8FD-F737E8D865B0}"/>
+              </a:ext>
+            </a:extLst>
+          </p:cNvPr>
+          <p:cNvSpPr>
+            <a:spLocks noGrp="1"/>
+          </p:cNvSpPr>
+          <p:nvPr>
+            <p:ph type="title"/>
+          </p:nvPr>
+        </p:nvSpPr>
+        <p:spPr>
+          <a:xfrm>
+            <a:off x="649226" y="1420393"/>
+            <a:ext cx="3650279" cy="1259894"/>
+          </a:xfrm>
+        </p:spPr>
+        <p:txBody>
+          <a:bodyPr>
+            <a:normAutofit/>
+          </a:bodyPr>
+          <a:lstStyle/>
+          <a:p>
+            <a:r>
+              <a:rPr lang="it-IT" dirty="0"/>
+              <a:t>Istogramma degli errori</a:t>
+            </a:r>
+          </a:p>
+        </p:txBody>
+      </p:sp>
+      <p:sp>
+        <p:nvSpPr>
+          <p:cNvPr id="3" name="Segnaposto contenuto 2">
+            <a:extLst>
+              <a:ext uri="{FF2B5EF4-FFF2-40B4-BE49-F238E27FC236}">
+                <a16:creationId xmlns:a16="http://schemas.microsoft.com/office/drawing/2014/main" id="{3C70B373-822A-444E-98F4-1A3F59158569}"/>
+              </a:ext>
+            </a:extLst>
+          </p:cNvPr>
+          <p:cNvSpPr>
+            <a:spLocks noGrp="1"/>
+          </p:cNvSpPr>
+          <p:nvPr>
+            <p:ph idx="1"/>
+          </p:nvPr>
+        </p:nvSpPr>
+        <p:spPr>
+          <a:xfrm>
+            <a:off x="649226" y="2805333"/>
+            <a:ext cx="3650278" cy="3759253"/>
+          </a:xfrm>
+        </p:spPr>
+        <p:txBody>
+          <a:bodyPr>
+            <a:normAutofit/>
+          </a:bodyPr>
+          <a:lstStyle/>
+          <a:p>
+            <a:r>
+              <a:rPr lang="it-IT" sz="1700" dirty="0"/>
+              <a:t>L’istogramma evidenzia la concentrazione degli errori attorno allo zero</a:t>
+            </a:r>
+          </a:p>
+          <a:p>
+            <a:r>
+              <a:rPr lang="it-IT" sz="1700" dirty="0"/>
+              <a:t>Si nota una zona «anomala» tra -6 e -10 che rappresenta gli errori riscontrati in corrispondenza delle </a:t>
+            </a:r>
+            <a:r>
+              <a:rPr lang="it-IT" sz="1700" dirty="0" err="1"/>
+              <a:t>festivitá</a:t>
+            </a:r>
+            <a:endParaRPr lang="it-IT" sz="1700" dirty="0"/>
+          </a:p>
+          <a:p>
+            <a:endParaRPr lang="it-IT" sz="1700" dirty="0"/>
+          </a:p>
+        </p:txBody>
+      </p:sp>
+      <p:pic>
+        <p:nvPicPr>
+          <p:cNvPr id="9" name="Immagine 8">
+            <a:extLst>
+              <a:ext uri="{FF2B5EF4-FFF2-40B4-BE49-F238E27FC236}">
+                <a16:creationId xmlns:a16="http://schemas.microsoft.com/office/drawing/2014/main" id="{6AC213CB-20EC-4361-8713-6C4409CE2236}"/>
+              </a:ext>
+            </a:extLst>
+          </p:cNvPr>
+          <p:cNvPicPr>
+            <a:picLocks noChangeAspect="1"/>
+          </p:cNvPicPr>
+          <p:nvPr/>
+        </p:nvPicPr>
+        <p:blipFill>
+          <a:blip r:embed="rId2"/>
+          <a:stretch>
+            <a:fillRect/>
+          </a:stretch>
+        </p:blipFill>
+        <p:spPr>
+          <a:xfrm>
+            <a:off x="4701081" y="790575"/>
+            <a:ext cx="7298231" cy="5473673"/>
+          </a:xfrm>
+          <a:prstGeom prst="rect">
+            <a:avLst/>
+          </a:prstGeom>
+        </p:spPr>
+      </p:pic>
+    </p:spTree>
+    <p:extLst>
+      <p:ext uri="{BB962C8B-B14F-4D97-AF65-F5344CB8AC3E}">
+        <p14:creationId xmlns:p14="http://schemas.microsoft.com/office/powerpoint/2010/main" val="1637178281"/>
+      </p:ext>
+    </p:extLst>
+  </p:cSld>
+  <p:clrMapOvr>
+    <a:masterClrMapping/>
+  </p:clrMapOvr>
+</p:sld>
+</file>
+
+<file path=ppt/slides/slide16.xml><?xml version="1.0" encoding="utf-8"?>
+<p:sld xmlns:a="http://schemas.openxmlformats.org/drawingml/2006/main" xmlns:r="http://schemas.openxmlformats.org/officeDocument/2006/relationships" xmlns:p="http://schemas.openxmlformats.org/presentationml/2006/main">
+  <p:cSld>
+    <p:spTree>
+      <p:nvGrpSpPr>
+        <p:cNvPr id="1" name=""/>
+        <p:cNvGrpSpPr/>
+        <p:nvPr/>
+      </p:nvGrpSpPr>
+      <p:grpSpPr>
+        <a:xfrm>
+          <a:off x="0" y="0"/>
+          <a:ext cx="0" cy="0"/>
+          <a:chOff x="0" y="0"/>
+          <a:chExt cx="0" cy="0"/>
+        </a:xfrm>
+      </p:grpSpPr>
+      <p:sp>
+        <p:nvSpPr>
+          <p:cNvPr id="14" name="Titolo 13">
+            <a:extLst>
+              <a:ext uri="{FF2B5EF4-FFF2-40B4-BE49-F238E27FC236}">
+                <a16:creationId xmlns:a16="http://schemas.microsoft.com/office/drawing/2014/main" id="{AC7E08AF-F2DC-44B3-A8FD-F737E8D865B0}"/>
+              </a:ext>
+            </a:extLst>
+          </p:cNvPr>
+          <p:cNvSpPr>
+            <a:spLocks noGrp="1"/>
+          </p:cNvSpPr>
+          <p:nvPr>
+            <p:ph type="title"/>
+          </p:nvPr>
+        </p:nvSpPr>
+        <p:spPr>
+          <a:xfrm>
+            <a:off x="649226" y="1420393"/>
+            <a:ext cx="3650279" cy="1259894"/>
+          </a:xfrm>
+        </p:spPr>
+        <p:txBody>
+          <a:bodyPr>
+            <a:normAutofit/>
+          </a:bodyPr>
+          <a:lstStyle/>
+          <a:p>
+            <a:r>
+              <a:rPr lang="it-IT" dirty="0"/>
+              <a:t>Plot dell’epsilon</a:t>
+            </a:r>
+          </a:p>
+        </p:txBody>
+      </p:sp>
+      <p:sp>
+        <p:nvSpPr>
+          <p:cNvPr id="3" name="Segnaposto contenuto 2">
+            <a:extLst>
+              <a:ext uri="{FF2B5EF4-FFF2-40B4-BE49-F238E27FC236}">
+                <a16:creationId xmlns:a16="http://schemas.microsoft.com/office/drawing/2014/main" id="{3C70B373-822A-444E-98F4-1A3F59158569}"/>
+              </a:ext>
+            </a:extLst>
+          </p:cNvPr>
+          <p:cNvSpPr>
+            <a:spLocks noGrp="1"/>
+          </p:cNvSpPr>
+          <p:nvPr>
+            <p:ph idx="1"/>
+          </p:nvPr>
+        </p:nvSpPr>
+        <p:spPr>
+          <a:xfrm>
+            <a:off x="649227" y="2680287"/>
+            <a:ext cx="3650278" cy="3759253"/>
+          </a:xfrm>
+        </p:spPr>
+        <p:txBody>
+          <a:bodyPr>
+            <a:normAutofit/>
+          </a:bodyPr>
+          <a:lstStyle/>
+          <a:p>
+            <a:r>
+              <a:rPr lang="it-IT" sz="1700" dirty="0"/>
+              <a:t>Nel grafico evidenziamo i principali periodi festivi: </a:t>
+            </a:r>
+          </a:p>
+          <a:p>
+            <a:r>
+              <a:rPr lang="it-IT" b="1" dirty="0">
+                <a:solidFill>
+                  <a:srgbClr val="0000FF"/>
+                </a:solidFill>
+              </a:rPr>
+              <a:t>PASQUA</a:t>
+            </a:r>
+          </a:p>
+          <a:p>
+            <a:r>
+              <a:rPr lang="it-IT" b="1" dirty="0">
+                <a:solidFill>
+                  <a:srgbClr val="FFCC00"/>
+                </a:solidFill>
+              </a:rPr>
+              <a:t>FERRAGOSTO</a:t>
+            </a:r>
+          </a:p>
+          <a:p>
+            <a:r>
+              <a:rPr lang="it-IT" b="1" dirty="0">
+                <a:solidFill>
+                  <a:srgbClr val="FF0000"/>
+                </a:solidFill>
+              </a:rPr>
+              <a:t>NATALE</a:t>
+            </a:r>
+          </a:p>
+          <a:p>
+            <a:pPr marL="0" indent="0">
+              <a:buNone/>
+            </a:pPr>
+            <a:endParaRPr lang="it-IT" sz="1700" dirty="0"/>
+          </a:p>
+        </p:txBody>
+      </p:sp>
+      <p:pic>
+        <p:nvPicPr>
+          <p:cNvPr id="4" name="Immagine 3">
+            <a:extLst>
+              <a:ext uri="{FF2B5EF4-FFF2-40B4-BE49-F238E27FC236}">
+                <a16:creationId xmlns:a16="http://schemas.microsoft.com/office/drawing/2014/main" id="{32BD97F1-67F5-4800-8AD3-505F317D1F05}"/>
+              </a:ext>
+            </a:extLst>
+          </p:cNvPr>
+          <p:cNvPicPr>
+            <a:picLocks noChangeAspect="1"/>
+          </p:cNvPicPr>
+          <p:nvPr/>
+        </p:nvPicPr>
+        <p:blipFill>
+          <a:blip r:embed="rId2"/>
+          <a:stretch>
+            <a:fillRect/>
+          </a:stretch>
+        </p:blipFill>
+        <p:spPr>
+          <a:xfrm>
+            <a:off x="4666229" y="776407"/>
+            <a:ext cx="7073581" cy="5305186"/>
+          </a:xfrm>
+          <a:prstGeom prst="rect">
+            <a:avLst/>
+          </a:prstGeom>
+        </p:spPr>
+      </p:pic>
+    </p:spTree>
+    <p:extLst>
+      <p:ext uri="{BB962C8B-B14F-4D97-AF65-F5344CB8AC3E}">
+        <p14:creationId xmlns:p14="http://schemas.microsoft.com/office/powerpoint/2010/main" val="3315024760"/>
+      </p:ext>
+    </p:extLst>
+  </p:cSld>
+  <p:clrMapOvr>
+    <a:masterClrMapping/>
+  </p:clrMapOvr>
+</p:sld>
+</file>
+
+<file path=ppt/slides/slide17.xml><?xml version="1.0" encoding="utf-8"?>
 <p:sld xmlns:a="http://schemas.openxmlformats.org/drawingml/2006/main" xmlns:r="http://schemas.openxmlformats.org/officeDocument/2006/relationships" xmlns:p="http://schemas.openxmlformats.org/presentationml/2006/main">
   <p:cSld>
     <p:spTree>
@@ -10120,7 +10527,7 @@
         </p:nvSpPr>
         <p:spPr>
           <a:xfrm>
-            <a:off x="649225" y="2453641"/>
+            <a:off x="649226" y="2524733"/>
             <a:ext cx="3650278" cy="3759253"/>
           </a:xfrm>
         </p:spPr>
@@ -10132,19 +10539,21 @@
           <a:p>
             <a:r>
               <a:rPr lang="it-IT" sz="1700" dirty="0"/>
-              <a:t>Osservando il plot dei dati si nota che in certi periodi dell’anno si sono registrati dei dati distanti dalle altre osservazioni disponibili..</a:t>
+              <a:t>Si è provato a creare un modello sui dati, escludendo le festività, ma dai test non si è osservato un netto miglioramento.</a:t>
             </a:r>
           </a:p>
           <a:p>
             <a:r>
               <a:rPr lang="it-IT" sz="1700" dirty="0"/>
-              <a:t>Si è ipotizzato che questi dati possano essersi registrati in periodi di festività.</a:t>
-            </a:r>
-          </a:p>
-          <a:p>
+              <a:t>Analizzando nuovamente l’istogramma, infatti, si nota che gli errori di </a:t>
+            </a:r>
+            <a:r>
+              <a:rPr lang="it-IT" sz="1700" dirty="0" err="1"/>
+              <a:t>entitá</a:t>
+            </a:r>
             <a:r>
               <a:rPr lang="it-IT" sz="1700" dirty="0"/>
-              <a:t>Si è provato a creare un modello sui dati, escludendo le festività, ma dai test non si è osservato un netto miglioramento.</a:t>
+              <a:t> rilevante sono quelli meno frequenti</a:t>
             </a:r>
           </a:p>
         </p:txBody>
@@ -10171,7 +10580,7 @@
         </p:blipFill>
         <p:spPr>
           <a:xfrm>
-            <a:off x="4784745" y="791271"/>
+            <a:off x="4823822" y="759187"/>
             <a:ext cx="7119501" cy="5339626"/>
           </a:xfrm>
           <a:prstGeom prst="rect">
@@ -10192,7 +10601,7 @@
 </p:sld>
 </file>
 
-<file path=ppt/slides/slide15.xml><?xml version="1.0" encoding="utf-8"?>
+<file path=ppt/slides/slide18.xml><?xml version="1.0" encoding="utf-8"?>
 <p:sld xmlns:a="http://schemas.openxmlformats.org/drawingml/2006/main" xmlns:r="http://schemas.openxmlformats.org/officeDocument/2006/relationships" xmlns:p="http://schemas.openxmlformats.org/presentationml/2006/main">
   <p:cSld>
     <p:spTree>
@@ -10303,7 +10712,7 @@
 </p:sld>
 </file>
 
-<file path=ppt/slides/slide16.xml><?xml version="1.0" encoding="utf-8"?>
+<file path=ppt/slides/slide19.xml><?xml version="1.0" encoding="utf-8"?>
 <p:sld xmlns:a="http://schemas.openxmlformats.org/drawingml/2006/main" xmlns:r="http://schemas.openxmlformats.org/officeDocument/2006/relationships" xmlns:p="http://schemas.openxmlformats.org/presentationml/2006/main">
   <p:cSld>
     <p:spTree>

--- a/presentazione_imad.pptx
+++ b/presentazione_imad.pptx
@@ -2,31 +2,32 @@
 <file path=ppt/presentation.xml><?xml version="1.0" encoding="utf-8"?>
 <p:presentation xmlns:a="http://schemas.openxmlformats.org/drawingml/2006/main" xmlns:r="http://schemas.openxmlformats.org/officeDocument/2006/relationships" xmlns:p="http://schemas.openxmlformats.org/presentationml/2006/main" autoCompressPictures="0">
   <p:sldMasterIdLst>
-    <p:sldMasterId id="2147483859" r:id="rId1"/>
+    <p:sldMasterId id="2147484264" r:id="rId1"/>
+    <p:sldMasterId id="2147484597" r:id="rId2"/>
   </p:sldMasterIdLst>
   <p:notesMasterIdLst>
-    <p:notesMasterId r:id="rId21"/>
+    <p:notesMasterId r:id="rId22"/>
   </p:notesMasterIdLst>
   <p:sldIdLst>
-    <p:sldId id="256" r:id="rId2"/>
-    <p:sldId id="257" r:id="rId3"/>
-    <p:sldId id="258" r:id="rId4"/>
-    <p:sldId id="260" r:id="rId5"/>
-    <p:sldId id="261" r:id="rId6"/>
-    <p:sldId id="282" r:id="rId7"/>
-    <p:sldId id="266" r:id="rId8"/>
-    <p:sldId id="267" r:id="rId9"/>
-    <p:sldId id="268" r:id="rId10"/>
-    <p:sldId id="269" r:id="rId11"/>
-    <p:sldId id="270" r:id="rId12"/>
-    <p:sldId id="283" r:id="rId13"/>
-    <p:sldId id="281" r:id="rId14"/>
-    <p:sldId id="271" r:id="rId15"/>
-    <p:sldId id="284" r:id="rId16"/>
-    <p:sldId id="285" r:id="rId17"/>
-    <p:sldId id="272" r:id="rId18"/>
-    <p:sldId id="278" r:id="rId19"/>
-    <p:sldId id="279" r:id="rId20"/>
+    <p:sldId id="256" r:id="rId3"/>
+    <p:sldId id="257" r:id="rId4"/>
+    <p:sldId id="258" r:id="rId5"/>
+    <p:sldId id="260" r:id="rId6"/>
+    <p:sldId id="261" r:id="rId7"/>
+    <p:sldId id="282" r:id="rId8"/>
+    <p:sldId id="266" r:id="rId9"/>
+    <p:sldId id="267" r:id="rId10"/>
+    <p:sldId id="268" r:id="rId11"/>
+    <p:sldId id="269" r:id="rId12"/>
+    <p:sldId id="270" r:id="rId13"/>
+    <p:sldId id="283" r:id="rId14"/>
+    <p:sldId id="281" r:id="rId15"/>
+    <p:sldId id="271" r:id="rId16"/>
+    <p:sldId id="284" r:id="rId17"/>
+    <p:sldId id="285" r:id="rId18"/>
+    <p:sldId id="272" r:id="rId19"/>
+    <p:sldId id="278" r:id="rId20"/>
+    <p:sldId id="279" r:id="rId21"/>
   </p:sldIdLst>
   <p:sldSz cx="12192000" cy="6858000"/>
   <p:notesSz cx="6858000" cy="9144000"/>
@@ -34,7 +35,7 @@
     <a:defPPr>
       <a:defRPr lang="en-US"/>
     </a:defPPr>
-    <a:lvl1pPr marL="0" algn="l" defTabSz="457200" rtl="0" eaLnBrk="1" latinLnBrk="0" hangingPunct="1">
+    <a:lvl1pPr marL="0" algn="l" defTabSz="914400" rtl="0" eaLnBrk="1" latinLnBrk="0" hangingPunct="1">
       <a:defRPr sz="1800" kern="1200">
         <a:solidFill>
           <a:schemeClr val="tx1"/>
@@ -44,7 +45,7 @@
         <a:cs typeface="+mn-cs"/>
       </a:defRPr>
     </a:lvl1pPr>
-    <a:lvl2pPr marL="457200" algn="l" defTabSz="457200" rtl="0" eaLnBrk="1" latinLnBrk="0" hangingPunct="1">
+    <a:lvl2pPr marL="457200" algn="l" defTabSz="914400" rtl="0" eaLnBrk="1" latinLnBrk="0" hangingPunct="1">
       <a:defRPr sz="1800" kern="1200">
         <a:solidFill>
           <a:schemeClr val="tx1"/>
@@ -54,7 +55,7 @@
         <a:cs typeface="+mn-cs"/>
       </a:defRPr>
     </a:lvl2pPr>
-    <a:lvl3pPr marL="914400" algn="l" defTabSz="457200" rtl="0" eaLnBrk="1" latinLnBrk="0" hangingPunct="1">
+    <a:lvl3pPr marL="914400" algn="l" defTabSz="914400" rtl="0" eaLnBrk="1" latinLnBrk="0" hangingPunct="1">
       <a:defRPr sz="1800" kern="1200">
         <a:solidFill>
           <a:schemeClr val="tx1"/>
@@ -64,7 +65,7 @@
         <a:cs typeface="+mn-cs"/>
       </a:defRPr>
     </a:lvl3pPr>
-    <a:lvl4pPr marL="1371600" algn="l" defTabSz="457200" rtl="0" eaLnBrk="1" latinLnBrk="0" hangingPunct="1">
+    <a:lvl4pPr marL="1371600" algn="l" defTabSz="914400" rtl="0" eaLnBrk="1" latinLnBrk="0" hangingPunct="1">
       <a:defRPr sz="1800" kern="1200">
         <a:solidFill>
           <a:schemeClr val="tx1"/>
@@ -74,7 +75,7 @@
         <a:cs typeface="+mn-cs"/>
       </a:defRPr>
     </a:lvl4pPr>
-    <a:lvl5pPr marL="1828800" algn="l" defTabSz="457200" rtl="0" eaLnBrk="1" latinLnBrk="0" hangingPunct="1">
+    <a:lvl5pPr marL="1828800" algn="l" defTabSz="914400" rtl="0" eaLnBrk="1" latinLnBrk="0" hangingPunct="1">
       <a:defRPr sz="1800" kern="1200">
         <a:solidFill>
           <a:schemeClr val="tx1"/>
@@ -84,7 +85,7 @@
         <a:cs typeface="+mn-cs"/>
       </a:defRPr>
     </a:lvl5pPr>
-    <a:lvl6pPr marL="2286000" algn="l" defTabSz="457200" rtl="0" eaLnBrk="1" latinLnBrk="0" hangingPunct="1">
+    <a:lvl6pPr marL="2286000" algn="l" defTabSz="914400" rtl="0" eaLnBrk="1" latinLnBrk="0" hangingPunct="1">
       <a:defRPr sz="1800" kern="1200">
         <a:solidFill>
           <a:schemeClr val="tx1"/>
@@ -94,7 +95,7 @@
         <a:cs typeface="+mn-cs"/>
       </a:defRPr>
     </a:lvl6pPr>
-    <a:lvl7pPr marL="2743200" algn="l" defTabSz="457200" rtl="0" eaLnBrk="1" latinLnBrk="0" hangingPunct="1">
+    <a:lvl7pPr marL="2743200" algn="l" defTabSz="914400" rtl="0" eaLnBrk="1" latinLnBrk="0" hangingPunct="1">
       <a:defRPr sz="1800" kern="1200">
         <a:solidFill>
           <a:schemeClr val="tx1"/>
@@ -104,7 +105,7 @@
         <a:cs typeface="+mn-cs"/>
       </a:defRPr>
     </a:lvl7pPr>
-    <a:lvl8pPr marL="3200400" algn="l" defTabSz="457200" rtl="0" eaLnBrk="1" latinLnBrk="0" hangingPunct="1">
+    <a:lvl8pPr marL="3200400" algn="l" defTabSz="914400" rtl="0" eaLnBrk="1" latinLnBrk="0" hangingPunct="1">
       <a:defRPr sz="1800" kern="1200">
         <a:solidFill>
           <a:schemeClr val="tx1"/>
@@ -114,7 +115,7 @@
         <a:cs typeface="+mn-cs"/>
       </a:defRPr>
     </a:lvl8pPr>
-    <a:lvl9pPr marL="3657600" algn="l" defTabSz="457200" rtl="0" eaLnBrk="1" latinLnBrk="0" hangingPunct="1">
+    <a:lvl9pPr marL="3657600" algn="l" defTabSz="914400" rtl="0" eaLnBrk="1" latinLnBrk="0" hangingPunct="1">
       <a:defRPr sz="1800" kern="1200">
         <a:solidFill>
           <a:schemeClr val="tx1"/>
@@ -499,6 +500,757 @@
           <a:chExt cx="0" cy="0"/>
         </a:xfrm>
       </p:grpSpPr>
+      <p:sp>
+        <p:nvSpPr>
+          <p:cNvPr id="2" name="Title 1"/>
+          <p:cNvSpPr>
+            <a:spLocks noGrp="1"/>
+          </p:cNvSpPr>
+          <p:nvPr>
+            <p:ph type="ctrTitle"/>
+          </p:nvPr>
+        </p:nvSpPr>
+        <p:spPr>
+          <a:xfrm>
+            <a:off x="1524000" y="1124530"/>
+            <a:ext cx="9144000" cy="2387600"/>
+          </a:xfrm>
+        </p:spPr>
+        <p:txBody>
+          <a:bodyPr anchor="b">
+            <a:normAutofit/>
+          </a:bodyPr>
+          <a:lstStyle>
+            <a:lvl1pPr algn="ctr">
+              <a:defRPr sz="6000"/>
+            </a:lvl1pPr>
+          </a:lstStyle>
+          <a:p>
+            <a:r>
+              <a:rPr lang="it-IT"/>
+              <a:t>Fare clic per modificare lo stile del titolo dello schema</a:t>
+            </a:r>
+            <a:endParaRPr lang="en-US" dirty="0"/>
+          </a:p>
+        </p:txBody>
+      </p:sp>
+      <p:sp>
+        <p:nvSpPr>
+          <p:cNvPr id="3" name="Subtitle 2"/>
+          <p:cNvSpPr>
+            <a:spLocks noGrp="1"/>
+          </p:cNvSpPr>
+          <p:nvPr>
+            <p:ph type="subTitle" idx="1"/>
+          </p:nvPr>
+        </p:nvSpPr>
+        <p:spPr>
+          <a:xfrm>
+            <a:off x="1524000" y="3602038"/>
+            <a:ext cx="9144000" cy="1655762"/>
+          </a:xfrm>
+        </p:spPr>
+        <p:txBody>
+          <a:bodyPr>
+            <a:normAutofit/>
+          </a:bodyPr>
+          <a:lstStyle>
+            <a:lvl1pPr marL="0" indent="0" algn="ctr">
+              <a:buNone/>
+              <a:defRPr sz="2400">
+                <a:solidFill>
+                  <a:schemeClr val="tx1">
+                    <a:lumMod val="75000"/>
+                    <a:lumOff val="25000"/>
+                  </a:schemeClr>
+                </a:solidFill>
+              </a:defRPr>
+            </a:lvl1pPr>
+            <a:lvl2pPr marL="457200" indent="0" algn="ctr">
+              <a:buNone/>
+              <a:defRPr sz="2800"/>
+            </a:lvl2pPr>
+            <a:lvl3pPr marL="914400" indent="0" algn="ctr">
+              <a:buNone/>
+              <a:defRPr sz="2400"/>
+            </a:lvl3pPr>
+            <a:lvl4pPr marL="1371600" indent="0" algn="ctr">
+              <a:buNone/>
+              <a:defRPr sz="2000"/>
+            </a:lvl4pPr>
+            <a:lvl5pPr marL="1828800" indent="0" algn="ctr">
+              <a:buNone/>
+              <a:defRPr sz="2000"/>
+            </a:lvl5pPr>
+            <a:lvl6pPr marL="2286000" indent="0" algn="ctr">
+              <a:buNone/>
+              <a:defRPr sz="2000"/>
+            </a:lvl6pPr>
+            <a:lvl7pPr marL="2743200" indent="0" algn="ctr">
+              <a:buNone/>
+              <a:defRPr sz="2000"/>
+            </a:lvl7pPr>
+            <a:lvl8pPr marL="3200400" indent="0" algn="ctr">
+              <a:buNone/>
+              <a:defRPr sz="2000"/>
+            </a:lvl8pPr>
+            <a:lvl9pPr marL="3657600" indent="0" algn="ctr">
+              <a:buNone/>
+              <a:defRPr sz="2000"/>
+            </a:lvl9pPr>
+          </a:lstStyle>
+          <a:p>
+            <a:r>
+              <a:rPr lang="it-IT"/>
+              <a:t>Fare clic per modificare lo stile del sottotitolo dello schema</a:t>
+            </a:r>
+            <a:endParaRPr lang="en-US" dirty="0"/>
+          </a:p>
+        </p:txBody>
+      </p:sp>
+      <p:sp>
+        <p:nvSpPr>
+          <p:cNvPr id="4" name="Date Placeholder 3"/>
+          <p:cNvSpPr>
+            <a:spLocks noGrp="1"/>
+          </p:cNvSpPr>
+          <p:nvPr>
+            <p:ph type="dt" sz="half" idx="10"/>
+          </p:nvPr>
+        </p:nvSpPr>
+        <p:spPr/>
+        <p:txBody>
+          <a:bodyPr/>
+          <a:lstStyle/>
+          <a:p>
+            <a:fld id="{B61BEF0D-F0BB-DE4B-95CE-6DB70DBA9567}" type="datetimeFigureOut">
+              <a:rPr lang="en-US" smtClean="0"/>
+              <a:pPr/>
+              <a:t>5/9/2019</a:t>
+            </a:fld>
+            <a:endParaRPr lang="en-US" dirty="0"/>
+          </a:p>
+        </p:txBody>
+      </p:sp>
+      <p:sp>
+        <p:nvSpPr>
+          <p:cNvPr id="5" name="Footer Placeholder 4"/>
+          <p:cNvSpPr>
+            <a:spLocks noGrp="1"/>
+          </p:cNvSpPr>
+          <p:nvPr>
+            <p:ph type="ftr" sz="quarter" idx="11"/>
+          </p:nvPr>
+        </p:nvSpPr>
+        <p:spPr/>
+        <p:txBody>
+          <a:bodyPr/>
+          <a:lstStyle/>
+          <a:p>
+            <a:endParaRPr lang="en-US" dirty="0"/>
+          </a:p>
+        </p:txBody>
+      </p:sp>
+      <p:sp>
+        <p:nvSpPr>
+          <p:cNvPr id="6" name="Slide Number Placeholder 5"/>
+          <p:cNvSpPr>
+            <a:spLocks noGrp="1"/>
+          </p:cNvSpPr>
+          <p:nvPr>
+            <p:ph type="sldNum" sz="quarter" idx="12"/>
+          </p:nvPr>
+        </p:nvSpPr>
+        <p:spPr/>
+        <p:txBody>
+          <a:bodyPr/>
+          <a:lstStyle/>
+          <a:p>
+            <a:fld id="{D57F1E4F-1CFF-5643-939E-217C01CDF565}" type="slidenum">
+              <a:rPr lang="en-US" smtClean="0"/>
+              <a:pPr/>
+              <a:t>‹N›</a:t>
+            </a:fld>
+            <a:endParaRPr lang="en-US" dirty="0"/>
+          </a:p>
+        </p:txBody>
+      </p:sp>
+    </p:spTree>
+    <p:extLst>
+      <p:ext uri="{BB962C8B-B14F-4D97-AF65-F5344CB8AC3E}">
+        <p14:creationId xmlns:p14="http://schemas.microsoft.com/office/powerpoint/2010/main" val="3413574312"/>
+      </p:ext>
+    </p:extLst>
+  </p:cSld>
+  <p:clrMapOvr>
+    <a:masterClrMapping/>
+  </p:clrMapOvr>
+  <mc:AlternateContent xmlns:mc="http://schemas.openxmlformats.org/markup-compatibility/2006" xmlns:p14="http://schemas.microsoft.com/office/powerpoint/2010/main">
+    <mc:Choice Requires="p14">
+      <p:transition spd="med" p14:dur="700">
+        <p:fade/>
+      </p:transition>
+    </mc:Choice>
+    <mc:Fallback xmlns="">
+      <p:transition spd="med">
+        <p:fade/>
+      </p:transition>
+    </mc:Fallback>
+  </mc:AlternateContent>
+</p:sldLayout>
+</file>
+
+<file path=ppt/slideLayouts/slideLayout10.xml><?xml version="1.0" encoding="utf-8"?>
+<p:sldLayout xmlns:a="http://schemas.openxmlformats.org/drawingml/2006/main" xmlns:r="http://schemas.openxmlformats.org/officeDocument/2006/relationships" xmlns:p="http://schemas.openxmlformats.org/presentationml/2006/main" type="vertTx" preserve="1">
+  <p:cSld name="Titolo e testo verticale">
+    <p:spTree>
+      <p:nvGrpSpPr>
+        <p:cNvPr id="1" name=""/>
+        <p:cNvGrpSpPr/>
+        <p:nvPr/>
+      </p:nvGrpSpPr>
+      <p:grpSpPr>
+        <a:xfrm>
+          <a:off x="0" y="0"/>
+          <a:ext cx="0" cy="0"/>
+          <a:chOff x="0" y="0"/>
+          <a:chExt cx="0" cy="0"/>
+        </a:xfrm>
+      </p:grpSpPr>
+      <p:sp>
+        <p:nvSpPr>
+          <p:cNvPr id="2" name="Title 1"/>
+          <p:cNvSpPr>
+            <a:spLocks noGrp="1"/>
+          </p:cNvSpPr>
+          <p:nvPr>
+            <p:ph type="title"/>
+          </p:nvPr>
+        </p:nvSpPr>
+        <p:spPr/>
+        <p:txBody>
+          <a:bodyPr/>
+          <a:lstStyle/>
+          <a:p>
+            <a:r>
+              <a:rPr lang="it-IT"/>
+              <a:t>Fare clic per modificare lo stile del titolo dello schema</a:t>
+            </a:r>
+            <a:endParaRPr lang="en-US"/>
+          </a:p>
+        </p:txBody>
+      </p:sp>
+      <p:sp>
+        <p:nvSpPr>
+          <p:cNvPr id="3" name="Vertical Text Placeholder 2"/>
+          <p:cNvSpPr>
+            <a:spLocks noGrp="1"/>
+          </p:cNvSpPr>
+          <p:nvPr>
+            <p:ph type="body" orient="vert" idx="1"/>
+          </p:nvPr>
+        </p:nvSpPr>
+        <p:spPr/>
+        <p:txBody>
+          <a:bodyPr vert="eaVert"/>
+          <a:lstStyle/>
+          <a:p>
+            <a:pPr lvl="0"/>
+            <a:r>
+              <a:rPr lang="it-IT"/>
+              <a:t>Fare clic per modificare gli stili del testo dello schema</a:t>
+            </a:r>
+          </a:p>
+          <a:p>
+            <a:pPr lvl="1"/>
+            <a:r>
+              <a:rPr lang="it-IT"/>
+              <a:t>Secondo livello</a:t>
+            </a:r>
+          </a:p>
+          <a:p>
+            <a:pPr lvl="2"/>
+            <a:r>
+              <a:rPr lang="it-IT"/>
+              <a:t>Terzo livello</a:t>
+            </a:r>
+          </a:p>
+          <a:p>
+            <a:pPr lvl="3"/>
+            <a:r>
+              <a:rPr lang="it-IT"/>
+              <a:t>Quarto livello</a:t>
+            </a:r>
+          </a:p>
+          <a:p>
+            <a:pPr lvl="4"/>
+            <a:r>
+              <a:rPr lang="it-IT"/>
+              <a:t>Quinto livello</a:t>
+            </a:r>
+            <a:endParaRPr lang="en-US" dirty="0"/>
+          </a:p>
+        </p:txBody>
+      </p:sp>
+      <p:sp>
+        <p:nvSpPr>
+          <p:cNvPr id="4" name="Date Placeholder 3"/>
+          <p:cNvSpPr>
+            <a:spLocks noGrp="1"/>
+          </p:cNvSpPr>
+          <p:nvPr>
+            <p:ph type="dt" sz="half" idx="10"/>
+          </p:nvPr>
+        </p:nvSpPr>
+        <p:spPr/>
+        <p:txBody>
+          <a:bodyPr/>
+          <a:lstStyle/>
+          <a:p>
+            <a:fld id="{B61BEF0D-F0BB-DE4B-95CE-6DB70DBA9567}" type="datetimeFigureOut">
+              <a:rPr lang="en-US" smtClean="0"/>
+              <a:pPr/>
+              <a:t>5/9/2019</a:t>
+            </a:fld>
+            <a:endParaRPr lang="en-US" dirty="0"/>
+          </a:p>
+        </p:txBody>
+      </p:sp>
+      <p:sp>
+        <p:nvSpPr>
+          <p:cNvPr id="5" name="Footer Placeholder 4"/>
+          <p:cNvSpPr>
+            <a:spLocks noGrp="1"/>
+          </p:cNvSpPr>
+          <p:nvPr>
+            <p:ph type="ftr" sz="quarter" idx="11"/>
+          </p:nvPr>
+        </p:nvSpPr>
+        <p:spPr/>
+        <p:txBody>
+          <a:bodyPr/>
+          <a:lstStyle/>
+          <a:p>
+            <a:endParaRPr lang="en-US" dirty="0"/>
+          </a:p>
+        </p:txBody>
+      </p:sp>
+      <p:sp>
+        <p:nvSpPr>
+          <p:cNvPr id="6" name="Slide Number Placeholder 5"/>
+          <p:cNvSpPr>
+            <a:spLocks noGrp="1"/>
+          </p:cNvSpPr>
+          <p:nvPr>
+            <p:ph type="sldNum" sz="quarter" idx="12"/>
+          </p:nvPr>
+        </p:nvSpPr>
+        <p:spPr/>
+        <p:txBody>
+          <a:bodyPr/>
+          <a:lstStyle/>
+          <a:p>
+            <a:fld id="{D57F1E4F-1CFF-5643-939E-217C01CDF565}" type="slidenum">
+              <a:rPr lang="en-US" smtClean="0"/>
+              <a:pPr/>
+              <a:t>‹N›</a:t>
+            </a:fld>
+            <a:endParaRPr lang="en-US" dirty="0"/>
+          </a:p>
+        </p:txBody>
+      </p:sp>
+    </p:spTree>
+    <p:extLst>
+      <p:ext uri="{BB962C8B-B14F-4D97-AF65-F5344CB8AC3E}">
+        <p14:creationId xmlns:p14="http://schemas.microsoft.com/office/powerpoint/2010/main" val="3337438073"/>
+      </p:ext>
+    </p:extLst>
+  </p:cSld>
+  <p:clrMapOvr>
+    <a:masterClrMapping/>
+  </p:clrMapOvr>
+</p:sldLayout>
+</file>
+
+<file path=ppt/slideLayouts/slideLayout11.xml><?xml version="1.0" encoding="utf-8"?>
+<p:sldLayout xmlns:a="http://schemas.openxmlformats.org/drawingml/2006/main" xmlns:r="http://schemas.openxmlformats.org/officeDocument/2006/relationships" xmlns:p="http://schemas.openxmlformats.org/presentationml/2006/main" type="vertTitleAndTx" preserve="1">
+  <p:cSld name="1_Titolo e testo verticale">
+    <p:spTree>
+      <p:nvGrpSpPr>
+        <p:cNvPr id="1" name=""/>
+        <p:cNvGrpSpPr/>
+        <p:nvPr/>
+      </p:nvGrpSpPr>
+      <p:grpSpPr>
+        <a:xfrm>
+          <a:off x="0" y="0"/>
+          <a:ext cx="0" cy="0"/>
+          <a:chOff x="0" y="0"/>
+          <a:chExt cx="0" cy="0"/>
+        </a:xfrm>
+      </p:grpSpPr>
+      <p:sp>
+        <p:nvSpPr>
+          <p:cNvPr id="2" name="Vertical Title 1"/>
+          <p:cNvSpPr>
+            <a:spLocks noGrp="1"/>
+          </p:cNvSpPr>
+          <p:nvPr>
+            <p:ph type="title" orient="vert"/>
+          </p:nvPr>
+        </p:nvSpPr>
+        <p:spPr>
+          <a:xfrm>
+            <a:off x="8724900" y="360362"/>
+            <a:ext cx="2628900" cy="5811838"/>
+          </a:xfrm>
+        </p:spPr>
+        <p:txBody>
+          <a:bodyPr vert="eaVert"/>
+          <a:lstStyle/>
+          <a:p>
+            <a:r>
+              <a:rPr lang="it-IT"/>
+              <a:t>Fare clic per modificare lo stile del titolo dello schema</a:t>
+            </a:r>
+            <a:endParaRPr lang="en-US"/>
+          </a:p>
+        </p:txBody>
+      </p:sp>
+      <p:sp>
+        <p:nvSpPr>
+          <p:cNvPr id="3" name="Vertical Text Placeholder 2"/>
+          <p:cNvSpPr>
+            <a:spLocks noGrp="1"/>
+          </p:cNvSpPr>
+          <p:nvPr>
+            <p:ph type="body" orient="vert" idx="1"/>
+          </p:nvPr>
+        </p:nvSpPr>
+        <p:spPr>
+          <a:xfrm>
+            <a:off x="838200" y="360362"/>
+            <a:ext cx="7734300" cy="5811837"/>
+          </a:xfrm>
+        </p:spPr>
+        <p:txBody>
+          <a:bodyPr vert="eaVert"/>
+          <a:lstStyle/>
+          <a:p>
+            <a:pPr lvl="0"/>
+            <a:r>
+              <a:rPr lang="it-IT"/>
+              <a:t>Fare clic per modificare gli stili del testo dello schema</a:t>
+            </a:r>
+          </a:p>
+          <a:p>
+            <a:pPr lvl="1"/>
+            <a:r>
+              <a:rPr lang="it-IT"/>
+              <a:t>Secondo livello</a:t>
+            </a:r>
+          </a:p>
+          <a:p>
+            <a:pPr lvl="2"/>
+            <a:r>
+              <a:rPr lang="it-IT"/>
+              <a:t>Terzo livello</a:t>
+            </a:r>
+          </a:p>
+          <a:p>
+            <a:pPr lvl="3"/>
+            <a:r>
+              <a:rPr lang="it-IT"/>
+              <a:t>Quarto livello</a:t>
+            </a:r>
+          </a:p>
+          <a:p>
+            <a:pPr lvl="4"/>
+            <a:r>
+              <a:rPr lang="it-IT"/>
+              <a:t>Quinto livello</a:t>
+            </a:r>
+            <a:endParaRPr lang="en-US"/>
+          </a:p>
+        </p:txBody>
+      </p:sp>
+      <p:sp>
+        <p:nvSpPr>
+          <p:cNvPr id="4" name="Date Placeholder 3"/>
+          <p:cNvSpPr>
+            <a:spLocks noGrp="1"/>
+          </p:cNvSpPr>
+          <p:nvPr>
+            <p:ph type="dt" sz="half" idx="10"/>
+          </p:nvPr>
+        </p:nvSpPr>
+        <p:spPr/>
+        <p:txBody>
+          <a:bodyPr/>
+          <a:lstStyle/>
+          <a:p>
+            <a:fld id="{B61BEF0D-F0BB-DE4B-95CE-6DB70DBA9567}" type="datetimeFigureOut">
+              <a:rPr lang="en-US" smtClean="0"/>
+              <a:pPr/>
+              <a:t>5/9/2019</a:t>
+            </a:fld>
+            <a:endParaRPr lang="en-US" dirty="0"/>
+          </a:p>
+        </p:txBody>
+      </p:sp>
+      <p:sp>
+        <p:nvSpPr>
+          <p:cNvPr id="5" name="Footer Placeholder 4"/>
+          <p:cNvSpPr>
+            <a:spLocks noGrp="1"/>
+          </p:cNvSpPr>
+          <p:nvPr>
+            <p:ph type="ftr" sz="quarter" idx="11"/>
+          </p:nvPr>
+        </p:nvSpPr>
+        <p:spPr/>
+        <p:txBody>
+          <a:bodyPr/>
+          <a:lstStyle/>
+          <a:p>
+            <a:endParaRPr lang="en-US" dirty="0"/>
+          </a:p>
+        </p:txBody>
+      </p:sp>
+      <p:sp>
+        <p:nvSpPr>
+          <p:cNvPr id="6" name="Slide Number Placeholder 5"/>
+          <p:cNvSpPr>
+            <a:spLocks noGrp="1"/>
+          </p:cNvSpPr>
+          <p:nvPr>
+            <p:ph type="sldNum" sz="quarter" idx="12"/>
+          </p:nvPr>
+        </p:nvSpPr>
+        <p:spPr/>
+        <p:txBody>
+          <a:bodyPr/>
+          <a:lstStyle/>
+          <a:p>
+            <a:fld id="{D57F1E4F-1CFF-5643-939E-217C01CDF565}" type="slidenum">
+              <a:rPr lang="en-US" smtClean="0"/>
+              <a:pPr/>
+              <a:t>‹N›</a:t>
+            </a:fld>
+            <a:endParaRPr lang="en-US" dirty="0"/>
+          </a:p>
+        </p:txBody>
+      </p:sp>
+    </p:spTree>
+    <p:extLst>
+      <p:ext uri="{BB962C8B-B14F-4D97-AF65-F5344CB8AC3E}">
+        <p14:creationId xmlns:p14="http://schemas.microsoft.com/office/powerpoint/2010/main" val="2223394958"/>
+      </p:ext>
+    </p:extLst>
+  </p:cSld>
+  <p:clrMapOvr>
+    <a:masterClrMapping/>
+  </p:clrMapOvr>
+</p:sldLayout>
+</file>
+
+<file path=ppt/slideLayouts/slideLayout12.xml><?xml version="1.0" encoding="utf-8"?>
+<p:sldLayout xmlns:a="http://schemas.openxmlformats.org/drawingml/2006/main" xmlns:r="http://schemas.openxmlformats.org/officeDocument/2006/relationships" xmlns:p="http://schemas.openxmlformats.org/presentationml/2006/main">
+  <p:cSld name="1_Scheda nome">
+    <p:spTree>
+      <p:nvGrpSpPr>
+        <p:cNvPr id="1" name=""/>
+        <p:cNvGrpSpPr/>
+        <p:nvPr/>
+      </p:nvGrpSpPr>
+      <p:grpSpPr>
+        <a:xfrm>
+          <a:off x="0" y="0"/>
+          <a:ext cx="0" cy="0"/>
+          <a:chOff x="0" y="0"/>
+          <a:chExt cx="0" cy="0"/>
+        </a:xfrm>
+      </p:grpSpPr>
+      <p:sp>
+        <p:nvSpPr>
+          <p:cNvPr id="2" name="Title 1"/>
+          <p:cNvSpPr>
+            <a:spLocks noGrp="1"/>
+          </p:cNvSpPr>
+          <p:nvPr>
+            <p:ph type="title"/>
+          </p:nvPr>
+        </p:nvSpPr>
+        <p:spPr>
+          <a:xfrm>
+            <a:off x="2589213" y="2438400"/>
+            <a:ext cx="8915400" cy="2724845"/>
+          </a:xfrm>
+        </p:spPr>
+        <p:txBody>
+          <a:bodyPr anchor="b">
+            <a:normAutofit/>
+          </a:bodyPr>
+          <a:lstStyle>
+            <a:lvl1pPr algn="l">
+              <a:defRPr sz="4800" b="0"/>
+            </a:lvl1pPr>
+          </a:lstStyle>
+          <a:p>
+            <a:r>
+              <a:rPr lang="it-IT"/>
+              <a:t>Fare clic per modificare lo stile del titolo dello schema</a:t>
+            </a:r>
+            <a:endParaRPr lang="en-US" dirty="0"/>
+          </a:p>
+        </p:txBody>
+      </p:sp>
+      <p:sp>
+        <p:nvSpPr>
+          <p:cNvPr id="4" name="Text Placeholder 3"/>
+          <p:cNvSpPr>
+            <a:spLocks noGrp="1"/>
+          </p:cNvSpPr>
+          <p:nvPr>
+            <p:ph type="body" sz="half" idx="2"/>
+          </p:nvPr>
+        </p:nvSpPr>
+        <p:spPr>
+          <a:xfrm>
+            <a:off x="2589213" y="5181600"/>
+            <a:ext cx="8915400" cy="729622"/>
+          </a:xfrm>
+        </p:spPr>
+        <p:txBody>
+          <a:bodyPr vert="horz" lIns="91440" tIns="45720" rIns="91440" bIns="45720" rtlCol="0" anchor="t">
+            <a:normAutofit/>
+          </a:bodyPr>
+          <a:lstStyle>
+            <a:lvl1pPr>
+              <a:buNone/>
+              <a:defRPr lang="en-US">
+                <a:solidFill>
+                  <a:schemeClr val="tx1">
+                    <a:lumMod val="65000"/>
+                    <a:lumOff val="35000"/>
+                  </a:schemeClr>
+                </a:solidFill>
+              </a:defRPr>
+            </a:lvl1pPr>
+          </a:lstStyle>
+          <a:p>
+            <a:pPr marL="0" lvl="0" indent="0">
+              <a:buNone/>
+            </a:pPr>
+            <a:r>
+              <a:rPr lang="it-IT"/>
+              <a:t>Fare clic per modificare gli stili del testo dello schema</a:t>
+            </a:r>
+          </a:p>
+        </p:txBody>
+      </p:sp>
+      <p:sp>
+        <p:nvSpPr>
+          <p:cNvPr id="5" name="Date Placeholder 4"/>
+          <p:cNvSpPr>
+            <a:spLocks noGrp="1"/>
+          </p:cNvSpPr>
+          <p:nvPr>
+            <p:ph type="dt" sz="half" idx="10"/>
+          </p:nvPr>
+        </p:nvSpPr>
+        <p:spPr/>
+        <p:txBody>
+          <a:bodyPr/>
+          <a:lstStyle/>
+          <a:p>
+            <a:fld id="{B61BEF0D-F0BB-DE4B-95CE-6DB70DBA9567}" type="datetimeFigureOut">
+              <a:rPr lang="en-US" smtClean="0"/>
+              <a:pPr/>
+              <a:t>5/9/2019</a:t>
+            </a:fld>
+            <a:endParaRPr lang="en-US" dirty="0"/>
+          </a:p>
+        </p:txBody>
+      </p:sp>
+      <p:sp>
+        <p:nvSpPr>
+          <p:cNvPr id="6" name="Footer Placeholder 5"/>
+          <p:cNvSpPr>
+            <a:spLocks noGrp="1"/>
+          </p:cNvSpPr>
+          <p:nvPr>
+            <p:ph type="ftr" sz="quarter" idx="11"/>
+          </p:nvPr>
+        </p:nvSpPr>
+        <p:spPr/>
+        <p:txBody>
+          <a:bodyPr/>
+          <a:lstStyle/>
+          <a:p>
+            <a:endParaRPr lang="en-US" dirty="0"/>
+          </a:p>
+        </p:txBody>
+      </p:sp>
+      <p:sp>
+        <p:nvSpPr>
+          <p:cNvPr id="7" name="Slide Number Placeholder 6"/>
+          <p:cNvSpPr>
+            <a:spLocks noGrp="1"/>
+          </p:cNvSpPr>
+          <p:nvPr>
+            <p:ph type="sldNum" sz="quarter" idx="12"/>
+          </p:nvPr>
+        </p:nvSpPr>
+        <p:spPr>
+          <a:xfrm>
+            <a:off x="531812" y="4983087"/>
+            <a:ext cx="779767" cy="365125"/>
+          </a:xfrm>
+        </p:spPr>
+        <p:txBody>
+          <a:bodyPr/>
+          <a:lstStyle/>
+          <a:p>
+            <a:fld id="{D57F1E4F-1CFF-5643-939E-217C01CDF565}" type="slidenum">
+              <a:rPr lang="en-US" smtClean="0"/>
+              <a:pPr/>
+              <a:t>‹N›</a:t>
+            </a:fld>
+            <a:endParaRPr lang="en-US" dirty="0"/>
+          </a:p>
+        </p:txBody>
+      </p:sp>
+    </p:spTree>
+    <p:extLst>
+      <p:ext uri="{BB962C8B-B14F-4D97-AF65-F5344CB8AC3E}">
+        <p14:creationId xmlns:p14="http://schemas.microsoft.com/office/powerpoint/2010/main" val="3826264886"/>
+      </p:ext>
+    </p:extLst>
+  </p:cSld>
+  <p:clrMapOvr>
+    <a:masterClrMapping/>
+  </p:clrMapOvr>
+</p:sldLayout>
+</file>
+
+<file path=ppt/slideLayouts/slideLayout13.xml><?xml version="1.0" encoding="utf-8"?>
+<p:sldLayout xmlns:a="http://schemas.openxmlformats.org/drawingml/2006/main" xmlns:r="http://schemas.openxmlformats.org/officeDocument/2006/relationships" xmlns:p="http://schemas.openxmlformats.org/presentationml/2006/main" type="title" preserve="1">
+  <p:cSld name="Diapositiva titolo">
+    <p:spTree>
+      <p:nvGrpSpPr>
+        <p:cNvPr id="1" name=""/>
+        <p:cNvGrpSpPr/>
+        <p:nvPr/>
+      </p:nvGrpSpPr>
+      <p:grpSpPr>
+        <a:xfrm>
+          <a:off x="0" y="0"/>
+          <a:ext cx="0" cy="0"/>
+          <a:chOff x="0" y="0"/>
+          <a:chExt cx="0" cy="0"/>
+        </a:xfrm>
+      </p:grpSpPr>
       <p:pic>
         <p:nvPicPr>
           <p:cNvPr id="7" name="Picture 6" descr="C0-HD-BTM.png"/>
@@ -715,7 +1467,7 @@
     </p:spTree>
     <p:extLst>
       <p:ext uri="{BB962C8B-B14F-4D97-AF65-F5344CB8AC3E}">
-        <p14:creationId xmlns:p14="http://schemas.microsoft.com/office/powerpoint/2010/main" val="2421462782"/>
+        <p14:creationId xmlns:p14="http://schemas.microsoft.com/office/powerpoint/2010/main" val="821005086"/>
       </p:ext>
     </p:extLst>
   </p:cSld>
@@ -725,7 +1477,1994 @@
 </p:sldLayout>
 </file>
 
-<file path=ppt/slideLayouts/slideLayout10.xml><?xml version="1.0" encoding="utf-8"?>
+<file path=ppt/slideLayouts/slideLayout14.xml><?xml version="1.0" encoding="utf-8"?>
+<p:sldLayout xmlns:a="http://schemas.openxmlformats.org/drawingml/2006/main" xmlns:r="http://schemas.openxmlformats.org/officeDocument/2006/relationships" xmlns:p="http://schemas.openxmlformats.org/presentationml/2006/main" type="obj" preserve="1">
+  <p:cSld name="Titolo e contenuto">
+    <p:spTree>
+      <p:nvGrpSpPr>
+        <p:cNvPr id="1" name=""/>
+        <p:cNvGrpSpPr/>
+        <p:nvPr/>
+      </p:nvGrpSpPr>
+      <p:grpSpPr>
+        <a:xfrm>
+          <a:off x="0" y="0"/>
+          <a:ext cx="0" cy="0"/>
+          <a:chOff x="0" y="0"/>
+          <a:chExt cx="0" cy="0"/>
+        </a:xfrm>
+      </p:grpSpPr>
+      <p:sp>
+        <p:nvSpPr>
+          <p:cNvPr id="2" name="Title 1"/>
+          <p:cNvSpPr>
+            <a:spLocks noGrp="1"/>
+          </p:cNvSpPr>
+          <p:nvPr>
+            <p:ph type="title"/>
+          </p:nvPr>
+        </p:nvSpPr>
+        <p:spPr/>
+        <p:txBody>
+          <a:bodyPr/>
+          <a:lstStyle/>
+          <a:p>
+            <a:r>
+              <a:rPr lang="it-IT"/>
+              <a:t>Fare clic per modificare lo stile del titolo dello schema</a:t>
+            </a:r>
+            <a:endParaRPr lang="en-US" dirty="0"/>
+          </a:p>
+        </p:txBody>
+      </p:sp>
+      <p:sp>
+        <p:nvSpPr>
+          <p:cNvPr id="3" name="Content Placeholder 2"/>
+          <p:cNvSpPr>
+            <a:spLocks noGrp="1"/>
+          </p:cNvSpPr>
+          <p:nvPr>
+            <p:ph idx="1"/>
+          </p:nvPr>
+        </p:nvSpPr>
+        <p:spPr/>
+        <p:txBody>
+          <a:bodyPr/>
+          <a:lstStyle/>
+          <a:p>
+            <a:pPr lvl="0"/>
+            <a:r>
+              <a:rPr lang="it-IT"/>
+              <a:t>Fare clic per modificare gli stili del testo dello schema</a:t>
+            </a:r>
+          </a:p>
+          <a:p>
+            <a:pPr lvl="1"/>
+            <a:r>
+              <a:rPr lang="it-IT"/>
+              <a:t>Secondo livello</a:t>
+            </a:r>
+          </a:p>
+          <a:p>
+            <a:pPr lvl="2"/>
+            <a:r>
+              <a:rPr lang="it-IT"/>
+              <a:t>Terzo livello</a:t>
+            </a:r>
+          </a:p>
+          <a:p>
+            <a:pPr lvl="3"/>
+            <a:r>
+              <a:rPr lang="it-IT"/>
+              <a:t>Quarto livello</a:t>
+            </a:r>
+          </a:p>
+          <a:p>
+            <a:pPr lvl="4"/>
+            <a:r>
+              <a:rPr lang="it-IT"/>
+              <a:t>Quinto livello</a:t>
+            </a:r>
+            <a:endParaRPr lang="en-US" dirty="0"/>
+          </a:p>
+        </p:txBody>
+      </p:sp>
+      <p:sp>
+        <p:nvSpPr>
+          <p:cNvPr id="4" name="Date Placeholder 3"/>
+          <p:cNvSpPr>
+            <a:spLocks noGrp="1"/>
+          </p:cNvSpPr>
+          <p:nvPr>
+            <p:ph type="dt" sz="half" idx="10"/>
+          </p:nvPr>
+        </p:nvSpPr>
+        <p:spPr/>
+        <p:txBody>
+          <a:bodyPr/>
+          <a:lstStyle/>
+          <a:p>
+            <a:fld id="{B61BEF0D-F0BB-DE4B-95CE-6DB70DBA9567}" type="datetimeFigureOut">
+              <a:rPr lang="en-US" smtClean="0"/>
+              <a:pPr/>
+              <a:t>5/9/2019</a:t>
+            </a:fld>
+            <a:endParaRPr lang="en-US" dirty="0"/>
+          </a:p>
+        </p:txBody>
+      </p:sp>
+      <p:sp>
+        <p:nvSpPr>
+          <p:cNvPr id="5" name="Footer Placeholder 4"/>
+          <p:cNvSpPr>
+            <a:spLocks noGrp="1"/>
+          </p:cNvSpPr>
+          <p:nvPr>
+            <p:ph type="ftr" sz="quarter" idx="11"/>
+          </p:nvPr>
+        </p:nvSpPr>
+        <p:spPr/>
+        <p:txBody>
+          <a:bodyPr/>
+          <a:lstStyle/>
+          <a:p>
+            <a:endParaRPr lang="en-US" dirty="0"/>
+          </a:p>
+        </p:txBody>
+      </p:sp>
+      <p:sp>
+        <p:nvSpPr>
+          <p:cNvPr id="6" name="Slide Number Placeholder 5"/>
+          <p:cNvSpPr>
+            <a:spLocks noGrp="1"/>
+          </p:cNvSpPr>
+          <p:nvPr>
+            <p:ph type="sldNum" sz="quarter" idx="12"/>
+          </p:nvPr>
+        </p:nvSpPr>
+        <p:spPr/>
+        <p:txBody>
+          <a:bodyPr/>
+          <a:lstStyle/>
+          <a:p>
+            <a:fld id="{D57F1E4F-1CFF-5643-939E-217C01CDF565}" type="slidenum">
+              <a:rPr lang="en-US" smtClean="0"/>
+              <a:pPr/>
+              <a:t>‹N›</a:t>
+            </a:fld>
+            <a:endParaRPr lang="en-US" dirty="0"/>
+          </a:p>
+        </p:txBody>
+      </p:sp>
+    </p:spTree>
+    <p:extLst>
+      <p:ext uri="{BB962C8B-B14F-4D97-AF65-F5344CB8AC3E}">
+        <p14:creationId xmlns:p14="http://schemas.microsoft.com/office/powerpoint/2010/main" val="782442584"/>
+      </p:ext>
+    </p:extLst>
+  </p:cSld>
+  <p:clrMapOvr>
+    <a:masterClrMapping/>
+  </p:clrMapOvr>
+</p:sldLayout>
+</file>
+
+<file path=ppt/slideLayouts/slideLayout15.xml><?xml version="1.0" encoding="utf-8"?>
+<p:sldLayout xmlns:a="http://schemas.openxmlformats.org/drawingml/2006/main" xmlns:r="http://schemas.openxmlformats.org/officeDocument/2006/relationships" xmlns:p="http://schemas.openxmlformats.org/presentationml/2006/main" showMasterSp="0" type="secHead" preserve="1">
+  <p:cSld name="Intestazione sezione">
+    <p:spTree>
+      <p:nvGrpSpPr>
+        <p:cNvPr id="1" name=""/>
+        <p:cNvGrpSpPr/>
+        <p:nvPr/>
+      </p:nvGrpSpPr>
+      <p:grpSpPr>
+        <a:xfrm>
+          <a:off x="0" y="0"/>
+          <a:ext cx="0" cy="0"/>
+          <a:chOff x="0" y="0"/>
+          <a:chExt cx="0" cy="0"/>
+        </a:xfrm>
+      </p:grpSpPr>
+      <p:pic>
+        <p:nvPicPr>
+          <p:cNvPr id="9" name="Picture 8" descr="C0-HD-BTM.png"/>
+          <p:cNvPicPr>
+            <a:picLocks noChangeAspect="1"/>
+          </p:cNvPicPr>
+          <p:nvPr/>
+        </p:nvPicPr>
+        <p:blipFill>
+          <a:blip r:embed="rId2">
+            <a:extLst>
+              <a:ext uri="{28A0092B-C50C-407E-A947-70E740481C1C}">
+                <a14:useLocalDpi xmlns:a14="http://schemas.microsoft.com/office/drawing/2010/main" val="0"/>
+              </a:ext>
+            </a:extLst>
+          </a:blip>
+          <a:stretch>
+            <a:fillRect/>
+          </a:stretch>
+        </p:blipFill>
+        <p:spPr>
+          <a:xfrm>
+            <a:off x="0" y="4375150"/>
+            <a:ext cx="12192000" cy="2482850"/>
+          </a:xfrm>
+          <a:prstGeom prst="rect">
+            <a:avLst/>
+          </a:prstGeom>
+        </p:spPr>
+      </p:pic>
+      <p:sp>
+        <p:nvSpPr>
+          <p:cNvPr id="2" name="Title 1"/>
+          <p:cNvSpPr>
+            <a:spLocks noGrp="1"/>
+          </p:cNvSpPr>
+          <p:nvPr>
+            <p:ph type="title"/>
+          </p:nvPr>
+        </p:nvSpPr>
+        <p:spPr>
+          <a:xfrm>
+            <a:off x="685800" y="753533"/>
+            <a:ext cx="10820399" cy="2801935"/>
+          </a:xfrm>
+        </p:spPr>
+        <p:txBody>
+          <a:bodyPr anchor="b">
+            <a:normAutofit/>
+          </a:bodyPr>
+          <a:lstStyle>
+            <a:lvl1pPr algn="r">
+              <a:defRPr sz="4000"/>
+            </a:lvl1pPr>
+          </a:lstStyle>
+          <a:p>
+            <a:r>
+              <a:rPr lang="it-IT"/>
+              <a:t>Fare clic per modificare lo stile del titolo dello schema</a:t>
+            </a:r>
+            <a:endParaRPr lang="en-US" dirty="0"/>
+          </a:p>
+        </p:txBody>
+      </p:sp>
+      <p:sp>
+        <p:nvSpPr>
+          <p:cNvPr id="3" name="Text Placeholder 2"/>
+          <p:cNvSpPr>
+            <a:spLocks noGrp="1"/>
+          </p:cNvSpPr>
+          <p:nvPr>
+            <p:ph type="body" idx="1"/>
+          </p:nvPr>
+        </p:nvSpPr>
+        <p:spPr>
+          <a:xfrm>
+            <a:off x="1024467" y="3641725"/>
+            <a:ext cx="10490200" cy="955675"/>
+          </a:xfrm>
+        </p:spPr>
+        <p:txBody>
+          <a:bodyPr>
+            <a:normAutofit/>
+          </a:bodyPr>
+          <a:lstStyle>
+            <a:lvl1pPr marL="0" indent="0" algn="r">
+              <a:buNone/>
+              <a:defRPr sz="2200">
+                <a:solidFill>
+                  <a:schemeClr val="tx1">
+                    <a:tint val="75000"/>
+                  </a:schemeClr>
+                </a:solidFill>
+              </a:defRPr>
+            </a:lvl1pPr>
+            <a:lvl2pPr marL="457200" indent="0">
+              <a:buNone/>
+              <a:defRPr sz="2000">
+                <a:solidFill>
+                  <a:schemeClr val="tx1">
+                    <a:tint val="75000"/>
+                  </a:schemeClr>
+                </a:solidFill>
+              </a:defRPr>
+            </a:lvl2pPr>
+            <a:lvl3pPr marL="914400" indent="0">
+              <a:buNone/>
+              <a:defRPr sz="1800">
+                <a:solidFill>
+                  <a:schemeClr val="tx1">
+                    <a:tint val="75000"/>
+                  </a:schemeClr>
+                </a:solidFill>
+              </a:defRPr>
+            </a:lvl3pPr>
+            <a:lvl4pPr marL="1371600" indent="0">
+              <a:buNone/>
+              <a:defRPr sz="1600">
+                <a:solidFill>
+                  <a:schemeClr val="tx1">
+                    <a:tint val="75000"/>
+                  </a:schemeClr>
+                </a:solidFill>
+              </a:defRPr>
+            </a:lvl4pPr>
+            <a:lvl5pPr marL="1828800" indent="0">
+              <a:buNone/>
+              <a:defRPr sz="1600">
+                <a:solidFill>
+                  <a:schemeClr val="tx1">
+                    <a:tint val="75000"/>
+                  </a:schemeClr>
+                </a:solidFill>
+              </a:defRPr>
+            </a:lvl5pPr>
+            <a:lvl6pPr marL="2286000" indent="0">
+              <a:buNone/>
+              <a:defRPr sz="1600">
+                <a:solidFill>
+                  <a:schemeClr val="tx1">
+                    <a:tint val="75000"/>
+                  </a:schemeClr>
+                </a:solidFill>
+              </a:defRPr>
+            </a:lvl6pPr>
+            <a:lvl7pPr marL="2743200" indent="0">
+              <a:buNone/>
+              <a:defRPr sz="1600">
+                <a:solidFill>
+                  <a:schemeClr val="tx1">
+                    <a:tint val="75000"/>
+                  </a:schemeClr>
+                </a:solidFill>
+              </a:defRPr>
+            </a:lvl7pPr>
+            <a:lvl8pPr marL="3200400" indent="0">
+              <a:buNone/>
+              <a:defRPr sz="1600">
+                <a:solidFill>
+                  <a:schemeClr val="tx1">
+                    <a:tint val="75000"/>
+                  </a:schemeClr>
+                </a:solidFill>
+              </a:defRPr>
+            </a:lvl8pPr>
+            <a:lvl9pPr marL="3657600" indent="0">
+              <a:buNone/>
+              <a:defRPr sz="1600">
+                <a:solidFill>
+                  <a:schemeClr val="tx1">
+                    <a:tint val="75000"/>
+                  </a:schemeClr>
+                </a:solidFill>
+              </a:defRPr>
+            </a:lvl9pPr>
+          </a:lstStyle>
+          <a:p>
+            <a:pPr lvl="0"/>
+            <a:r>
+              <a:rPr lang="it-IT"/>
+              <a:t>Fare clic per modificare gli stili del testo dello schema</a:t>
+            </a:r>
+          </a:p>
+        </p:txBody>
+      </p:sp>
+      <p:sp>
+        <p:nvSpPr>
+          <p:cNvPr id="4" name="Date Placeholder 3"/>
+          <p:cNvSpPr>
+            <a:spLocks noGrp="1"/>
+          </p:cNvSpPr>
+          <p:nvPr>
+            <p:ph type="dt" sz="half" idx="10"/>
+          </p:nvPr>
+        </p:nvSpPr>
+        <p:spPr>
+          <a:xfrm>
+            <a:off x="7814452" y="381000"/>
+            <a:ext cx="2910840" cy="365125"/>
+          </a:xfrm>
+        </p:spPr>
+        <p:txBody>
+          <a:bodyPr/>
+          <a:lstStyle>
+            <a:lvl1pPr algn="r">
+              <a:defRPr/>
+            </a:lvl1pPr>
+          </a:lstStyle>
+          <a:p>
+            <a:fld id="{B61BEF0D-F0BB-DE4B-95CE-6DB70DBA9567}" type="datetimeFigureOut">
+              <a:rPr lang="en-US" smtClean="0"/>
+              <a:pPr/>
+              <a:t>5/9/2019</a:t>
+            </a:fld>
+            <a:endParaRPr lang="en-US" dirty="0"/>
+          </a:p>
+        </p:txBody>
+      </p:sp>
+      <p:sp>
+        <p:nvSpPr>
+          <p:cNvPr id="5" name="Footer Placeholder 4"/>
+          <p:cNvSpPr>
+            <a:spLocks noGrp="1"/>
+          </p:cNvSpPr>
+          <p:nvPr>
+            <p:ph type="ftr" sz="quarter" idx="11"/>
+          </p:nvPr>
+        </p:nvSpPr>
+        <p:spPr>
+          <a:xfrm>
+            <a:off x="685800" y="381001"/>
+            <a:ext cx="6991492" cy="364065"/>
+          </a:xfrm>
+        </p:spPr>
+        <p:txBody>
+          <a:bodyPr/>
+          <a:lstStyle/>
+          <a:p>
+            <a:endParaRPr lang="en-US" dirty="0"/>
+          </a:p>
+        </p:txBody>
+      </p:sp>
+      <p:sp>
+        <p:nvSpPr>
+          <p:cNvPr id="6" name="Slide Number Placeholder 5"/>
+          <p:cNvSpPr>
+            <a:spLocks noGrp="1"/>
+          </p:cNvSpPr>
+          <p:nvPr>
+            <p:ph type="sldNum" sz="quarter" idx="12"/>
+          </p:nvPr>
+        </p:nvSpPr>
+        <p:spPr>
+          <a:xfrm>
+            <a:off x="10862452" y="381000"/>
+            <a:ext cx="643748" cy="365125"/>
+          </a:xfrm>
+        </p:spPr>
+        <p:txBody>
+          <a:bodyPr/>
+          <a:lstStyle/>
+          <a:p>
+            <a:fld id="{D57F1E4F-1CFF-5643-939E-217C01CDF565}" type="slidenum">
+              <a:rPr lang="en-US" smtClean="0"/>
+              <a:pPr/>
+              <a:t>‹N›</a:t>
+            </a:fld>
+            <a:endParaRPr lang="en-US" dirty="0"/>
+          </a:p>
+        </p:txBody>
+      </p:sp>
+    </p:spTree>
+    <p:extLst>
+      <p:ext uri="{BB962C8B-B14F-4D97-AF65-F5344CB8AC3E}">
+        <p14:creationId xmlns:p14="http://schemas.microsoft.com/office/powerpoint/2010/main" val="3214991418"/>
+      </p:ext>
+    </p:extLst>
+  </p:cSld>
+  <p:clrMapOvr>
+    <a:masterClrMapping/>
+  </p:clrMapOvr>
+</p:sldLayout>
+</file>
+
+<file path=ppt/slideLayouts/slideLayout16.xml><?xml version="1.0" encoding="utf-8"?>
+<p:sldLayout xmlns:a="http://schemas.openxmlformats.org/drawingml/2006/main" xmlns:r="http://schemas.openxmlformats.org/officeDocument/2006/relationships" xmlns:p="http://schemas.openxmlformats.org/presentationml/2006/main" type="twoObj" preserve="1">
+  <p:cSld name="Due contenuti">
+    <p:spTree>
+      <p:nvGrpSpPr>
+        <p:cNvPr id="1" name=""/>
+        <p:cNvGrpSpPr/>
+        <p:nvPr/>
+      </p:nvGrpSpPr>
+      <p:grpSpPr>
+        <a:xfrm>
+          <a:off x="0" y="0"/>
+          <a:ext cx="0" cy="0"/>
+          <a:chOff x="0" y="0"/>
+          <a:chExt cx="0" cy="0"/>
+        </a:xfrm>
+      </p:grpSpPr>
+      <p:sp>
+        <p:nvSpPr>
+          <p:cNvPr id="2" name="Title 1"/>
+          <p:cNvSpPr>
+            <a:spLocks noGrp="1"/>
+          </p:cNvSpPr>
+          <p:nvPr>
+            <p:ph type="title"/>
+          </p:nvPr>
+        </p:nvSpPr>
+        <p:spPr/>
+        <p:txBody>
+          <a:bodyPr/>
+          <a:lstStyle/>
+          <a:p>
+            <a:r>
+              <a:rPr lang="it-IT"/>
+              <a:t>Fare clic per modificare lo stile del titolo dello schema</a:t>
+            </a:r>
+            <a:endParaRPr lang="en-US" dirty="0"/>
+          </a:p>
+        </p:txBody>
+      </p:sp>
+      <p:sp>
+        <p:nvSpPr>
+          <p:cNvPr id="3" name="Content Placeholder 2"/>
+          <p:cNvSpPr>
+            <a:spLocks noGrp="1"/>
+          </p:cNvSpPr>
+          <p:nvPr>
+            <p:ph sz="half" idx="1"/>
+          </p:nvPr>
+        </p:nvSpPr>
+        <p:spPr>
+          <a:xfrm>
+            <a:off x="685800" y="2194559"/>
+            <a:ext cx="5334000" cy="4024125"/>
+          </a:xfrm>
+        </p:spPr>
+        <p:txBody>
+          <a:bodyPr/>
+          <a:lstStyle/>
+          <a:p>
+            <a:pPr lvl="0"/>
+            <a:r>
+              <a:rPr lang="it-IT"/>
+              <a:t>Fare clic per modificare gli stili del testo dello schema</a:t>
+            </a:r>
+          </a:p>
+          <a:p>
+            <a:pPr lvl="1"/>
+            <a:r>
+              <a:rPr lang="it-IT"/>
+              <a:t>Secondo livello</a:t>
+            </a:r>
+          </a:p>
+          <a:p>
+            <a:pPr lvl="2"/>
+            <a:r>
+              <a:rPr lang="it-IT"/>
+              <a:t>Terzo livello</a:t>
+            </a:r>
+          </a:p>
+          <a:p>
+            <a:pPr lvl="3"/>
+            <a:r>
+              <a:rPr lang="it-IT"/>
+              <a:t>Quarto livello</a:t>
+            </a:r>
+          </a:p>
+          <a:p>
+            <a:pPr lvl="4"/>
+            <a:r>
+              <a:rPr lang="it-IT"/>
+              <a:t>Quinto livello</a:t>
+            </a:r>
+            <a:endParaRPr lang="en-US" dirty="0"/>
+          </a:p>
+        </p:txBody>
+      </p:sp>
+      <p:sp>
+        <p:nvSpPr>
+          <p:cNvPr id="4" name="Content Placeholder 3"/>
+          <p:cNvSpPr>
+            <a:spLocks noGrp="1"/>
+          </p:cNvSpPr>
+          <p:nvPr>
+            <p:ph sz="half" idx="2"/>
+          </p:nvPr>
+        </p:nvSpPr>
+        <p:spPr>
+          <a:xfrm>
+            <a:off x="6172200" y="2194559"/>
+            <a:ext cx="5334000" cy="4024125"/>
+          </a:xfrm>
+        </p:spPr>
+        <p:txBody>
+          <a:bodyPr/>
+          <a:lstStyle/>
+          <a:p>
+            <a:pPr lvl="0"/>
+            <a:r>
+              <a:rPr lang="it-IT"/>
+              <a:t>Fare clic per modificare gli stili del testo dello schema</a:t>
+            </a:r>
+          </a:p>
+          <a:p>
+            <a:pPr lvl="1"/>
+            <a:r>
+              <a:rPr lang="it-IT"/>
+              <a:t>Secondo livello</a:t>
+            </a:r>
+          </a:p>
+          <a:p>
+            <a:pPr lvl="2"/>
+            <a:r>
+              <a:rPr lang="it-IT"/>
+              <a:t>Terzo livello</a:t>
+            </a:r>
+          </a:p>
+          <a:p>
+            <a:pPr lvl="3"/>
+            <a:r>
+              <a:rPr lang="it-IT"/>
+              <a:t>Quarto livello</a:t>
+            </a:r>
+          </a:p>
+          <a:p>
+            <a:pPr lvl="4"/>
+            <a:r>
+              <a:rPr lang="it-IT"/>
+              <a:t>Quinto livello</a:t>
+            </a:r>
+            <a:endParaRPr lang="en-US" dirty="0"/>
+          </a:p>
+        </p:txBody>
+      </p:sp>
+      <p:sp>
+        <p:nvSpPr>
+          <p:cNvPr id="5" name="Date Placeholder 4"/>
+          <p:cNvSpPr>
+            <a:spLocks noGrp="1"/>
+          </p:cNvSpPr>
+          <p:nvPr>
+            <p:ph type="dt" sz="half" idx="10"/>
+          </p:nvPr>
+        </p:nvSpPr>
+        <p:spPr/>
+        <p:txBody>
+          <a:bodyPr/>
+          <a:lstStyle/>
+          <a:p>
+            <a:fld id="{B61BEF0D-F0BB-DE4B-95CE-6DB70DBA9567}" type="datetimeFigureOut">
+              <a:rPr lang="en-US" smtClean="0"/>
+              <a:pPr/>
+              <a:t>5/9/2019</a:t>
+            </a:fld>
+            <a:endParaRPr lang="en-US" dirty="0"/>
+          </a:p>
+        </p:txBody>
+      </p:sp>
+      <p:sp>
+        <p:nvSpPr>
+          <p:cNvPr id="6" name="Footer Placeholder 5"/>
+          <p:cNvSpPr>
+            <a:spLocks noGrp="1"/>
+          </p:cNvSpPr>
+          <p:nvPr>
+            <p:ph type="ftr" sz="quarter" idx="11"/>
+          </p:nvPr>
+        </p:nvSpPr>
+        <p:spPr/>
+        <p:txBody>
+          <a:bodyPr/>
+          <a:lstStyle/>
+          <a:p>
+            <a:endParaRPr lang="en-US" dirty="0"/>
+          </a:p>
+        </p:txBody>
+      </p:sp>
+      <p:sp>
+        <p:nvSpPr>
+          <p:cNvPr id="7" name="Slide Number Placeholder 6"/>
+          <p:cNvSpPr>
+            <a:spLocks noGrp="1"/>
+          </p:cNvSpPr>
+          <p:nvPr>
+            <p:ph type="sldNum" sz="quarter" idx="12"/>
+          </p:nvPr>
+        </p:nvSpPr>
+        <p:spPr/>
+        <p:txBody>
+          <a:bodyPr/>
+          <a:lstStyle/>
+          <a:p>
+            <a:fld id="{D57F1E4F-1CFF-5643-939E-217C01CDF565}" type="slidenum">
+              <a:rPr lang="en-US" smtClean="0"/>
+              <a:pPr/>
+              <a:t>‹N›</a:t>
+            </a:fld>
+            <a:endParaRPr lang="en-US" dirty="0"/>
+          </a:p>
+        </p:txBody>
+      </p:sp>
+    </p:spTree>
+    <p:extLst>
+      <p:ext uri="{BB962C8B-B14F-4D97-AF65-F5344CB8AC3E}">
+        <p14:creationId xmlns:p14="http://schemas.microsoft.com/office/powerpoint/2010/main" val="1913331286"/>
+      </p:ext>
+    </p:extLst>
+  </p:cSld>
+  <p:clrMapOvr>
+    <a:masterClrMapping/>
+  </p:clrMapOvr>
+</p:sldLayout>
+</file>
+
+<file path=ppt/slideLayouts/slideLayout17.xml><?xml version="1.0" encoding="utf-8"?>
+<p:sldLayout xmlns:a="http://schemas.openxmlformats.org/drawingml/2006/main" xmlns:r="http://schemas.openxmlformats.org/officeDocument/2006/relationships" xmlns:p="http://schemas.openxmlformats.org/presentationml/2006/main" type="twoTxTwoObj" preserve="1">
+  <p:cSld name="Confronto">
+    <p:spTree>
+      <p:nvGrpSpPr>
+        <p:cNvPr id="1" name=""/>
+        <p:cNvGrpSpPr/>
+        <p:nvPr/>
+      </p:nvGrpSpPr>
+      <p:grpSpPr>
+        <a:xfrm>
+          <a:off x="0" y="0"/>
+          <a:ext cx="0" cy="0"/>
+          <a:chOff x="0" y="0"/>
+          <a:chExt cx="0" cy="0"/>
+        </a:xfrm>
+      </p:grpSpPr>
+      <p:sp>
+        <p:nvSpPr>
+          <p:cNvPr id="2" name="Title 1"/>
+          <p:cNvSpPr>
+            <a:spLocks noGrp="1"/>
+          </p:cNvSpPr>
+          <p:nvPr>
+            <p:ph type="title"/>
+          </p:nvPr>
+        </p:nvSpPr>
+        <p:spPr>
+          <a:xfrm>
+            <a:off x="2895600" y="762000"/>
+            <a:ext cx="8610600" cy="1295400"/>
+          </a:xfrm>
+        </p:spPr>
+        <p:txBody>
+          <a:bodyPr/>
+          <a:lstStyle/>
+          <a:p>
+            <a:r>
+              <a:rPr lang="it-IT"/>
+              <a:t>Fare clic per modificare lo stile del titolo dello schema</a:t>
+            </a:r>
+            <a:endParaRPr lang="en-US" dirty="0"/>
+          </a:p>
+        </p:txBody>
+      </p:sp>
+      <p:sp>
+        <p:nvSpPr>
+          <p:cNvPr id="3" name="Text Placeholder 2"/>
+          <p:cNvSpPr>
+            <a:spLocks noGrp="1"/>
+          </p:cNvSpPr>
+          <p:nvPr>
+            <p:ph type="body" idx="1"/>
+          </p:nvPr>
+        </p:nvSpPr>
+        <p:spPr>
+          <a:xfrm>
+            <a:off x="914409" y="2183802"/>
+            <a:ext cx="5079991" cy="823912"/>
+          </a:xfrm>
+        </p:spPr>
+        <p:txBody>
+          <a:bodyPr anchor="b">
+            <a:normAutofit/>
+          </a:bodyPr>
+          <a:lstStyle>
+            <a:lvl1pPr marL="0" indent="0">
+              <a:buNone/>
+              <a:defRPr sz="2800" b="0">
+                <a:solidFill>
+                  <a:schemeClr val="tx1"/>
+                </a:solidFill>
+              </a:defRPr>
+            </a:lvl1pPr>
+            <a:lvl2pPr marL="457200" indent="0">
+              <a:buNone/>
+              <a:defRPr sz="2000" b="1"/>
+            </a:lvl2pPr>
+            <a:lvl3pPr marL="914400" indent="0">
+              <a:buNone/>
+              <a:defRPr sz="1800" b="1"/>
+            </a:lvl3pPr>
+            <a:lvl4pPr marL="1371600" indent="0">
+              <a:buNone/>
+              <a:defRPr sz="1600" b="1"/>
+            </a:lvl4pPr>
+            <a:lvl5pPr marL="1828800" indent="0">
+              <a:buNone/>
+              <a:defRPr sz="1600" b="1"/>
+            </a:lvl5pPr>
+            <a:lvl6pPr marL="2286000" indent="0">
+              <a:buNone/>
+              <a:defRPr sz="1600" b="1"/>
+            </a:lvl6pPr>
+            <a:lvl7pPr marL="2743200" indent="0">
+              <a:buNone/>
+              <a:defRPr sz="1600" b="1"/>
+            </a:lvl7pPr>
+            <a:lvl8pPr marL="3200400" indent="0">
+              <a:buNone/>
+              <a:defRPr sz="1600" b="1"/>
+            </a:lvl8pPr>
+            <a:lvl9pPr marL="3657600" indent="0">
+              <a:buNone/>
+              <a:defRPr sz="1600" b="1"/>
+            </a:lvl9pPr>
+          </a:lstStyle>
+          <a:p>
+            <a:pPr lvl="0"/>
+            <a:r>
+              <a:rPr lang="it-IT"/>
+              <a:t>Fare clic per modificare gli stili del testo dello schema</a:t>
+            </a:r>
+          </a:p>
+        </p:txBody>
+      </p:sp>
+      <p:sp>
+        <p:nvSpPr>
+          <p:cNvPr id="4" name="Content Placeholder 3"/>
+          <p:cNvSpPr>
+            <a:spLocks noGrp="1"/>
+          </p:cNvSpPr>
+          <p:nvPr>
+            <p:ph sz="half" idx="2"/>
+          </p:nvPr>
+        </p:nvSpPr>
+        <p:spPr>
+          <a:xfrm>
+            <a:off x="685800" y="3132666"/>
+            <a:ext cx="5311775" cy="3086019"/>
+          </a:xfrm>
+        </p:spPr>
+        <p:txBody>
+          <a:bodyPr/>
+          <a:lstStyle/>
+          <a:p>
+            <a:pPr lvl="0"/>
+            <a:r>
+              <a:rPr lang="it-IT"/>
+              <a:t>Fare clic per modificare gli stili del testo dello schema</a:t>
+            </a:r>
+          </a:p>
+          <a:p>
+            <a:pPr lvl="1"/>
+            <a:r>
+              <a:rPr lang="it-IT"/>
+              <a:t>Secondo livello</a:t>
+            </a:r>
+          </a:p>
+          <a:p>
+            <a:pPr lvl="2"/>
+            <a:r>
+              <a:rPr lang="it-IT"/>
+              <a:t>Terzo livello</a:t>
+            </a:r>
+          </a:p>
+          <a:p>
+            <a:pPr lvl="3"/>
+            <a:r>
+              <a:rPr lang="it-IT"/>
+              <a:t>Quarto livello</a:t>
+            </a:r>
+          </a:p>
+          <a:p>
+            <a:pPr lvl="4"/>
+            <a:r>
+              <a:rPr lang="it-IT"/>
+              <a:t>Quinto livello</a:t>
+            </a:r>
+            <a:endParaRPr lang="en-US" dirty="0"/>
+          </a:p>
+        </p:txBody>
+      </p:sp>
+      <p:sp>
+        <p:nvSpPr>
+          <p:cNvPr id="5" name="Text Placeholder 4"/>
+          <p:cNvSpPr>
+            <a:spLocks noGrp="1"/>
+          </p:cNvSpPr>
+          <p:nvPr>
+            <p:ph type="body" sz="quarter" idx="3"/>
+          </p:nvPr>
+        </p:nvSpPr>
+        <p:spPr>
+          <a:xfrm>
+            <a:off x="6400800" y="2183802"/>
+            <a:ext cx="5105400" cy="823912"/>
+          </a:xfrm>
+        </p:spPr>
+        <p:txBody>
+          <a:bodyPr anchor="b">
+            <a:normAutofit/>
+          </a:bodyPr>
+          <a:lstStyle>
+            <a:lvl1pPr marL="0" indent="0">
+              <a:buNone/>
+              <a:defRPr sz="2800" b="0">
+                <a:solidFill>
+                  <a:schemeClr val="tx1"/>
+                </a:solidFill>
+              </a:defRPr>
+            </a:lvl1pPr>
+            <a:lvl2pPr marL="457200" indent="0">
+              <a:buNone/>
+              <a:defRPr sz="2000" b="1"/>
+            </a:lvl2pPr>
+            <a:lvl3pPr marL="914400" indent="0">
+              <a:buNone/>
+              <a:defRPr sz="1800" b="1"/>
+            </a:lvl3pPr>
+            <a:lvl4pPr marL="1371600" indent="0">
+              <a:buNone/>
+              <a:defRPr sz="1600" b="1"/>
+            </a:lvl4pPr>
+            <a:lvl5pPr marL="1828800" indent="0">
+              <a:buNone/>
+              <a:defRPr sz="1600" b="1"/>
+            </a:lvl5pPr>
+            <a:lvl6pPr marL="2286000" indent="0">
+              <a:buNone/>
+              <a:defRPr sz="1600" b="1"/>
+            </a:lvl6pPr>
+            <a:lvl7pPr marL="2743200" indent="0">
+              <a:buNone/>
+              <a:defRPr sz="1600" b="1"/>
+            </a:lvl7pPr>
+            <a:lvl8pPr marL="3200400" indent="0">
+              <a:buNone/>
+              <a:defRPr sz="1600" b="1"/>
+            </a:lvl8pPr>
+            <a:lvl9pPr marL="3657600" indent="0">
+              <a:buNone/>
+              <a:defRPr sz="1600" b="1"/>
+            </a:lvl9pPr>
+          </a:lstStyle>
+          <a:p>
+            <a:pPr lvl="0"/>
+            <a:r>
+              <a:rPr lang="it-IT"/>
+              <a:t>Fare clic per modificare gli stili del testo dello schema</a:t>
+            </a:r>
+          </a:p>
+        </p:txBody>
+      </p:sp>
+      <p:sp>
+        <p:nvSpPr>
+          <p:cNvPr id="6" name="Content Placeholder 5"/>
+          <p:cNvSpPr>
+            <a:spLocks noGrp="1"/>
+          </p:cNvSpPr>
+          <p:nvPr>
+            <p:ph sz="quarter" idx="4"/>
+          </p:nvPr>
+        </p:nvSpPr>
+        <p:spPr>
+          <a:xfrm>
+            <a:off x="6172200" y="3132666"/>
+            <a:ext cx="5334000" cy="3086019"/>
+          </a:xfrm>
+        </p:spPr>
+        <p:txBody>
+          <a:bodyPr/>
+          <a:lstStyle/>
+          <a:p>
+            <a:pPr lvl="0"/>
+            <a:r>
+              <a:rPr lang="it-IT"/>
+              <a:t>Fare clic per modificare gli stili del testo dello schema</a:t>
+            </a:r>
+          </a:p>
+          <a:p>
+            <a:pPr lvl="1"/>
+            <a:r>
+              <a:rPr lang="it-IT"/>
+              <a:t>Secondo livello</a:t>
+            </a:r>
+          </a:p>
+          <a:p>
+            <a:pPr lvl="2"/>
+            <a:r>
+              <a:rPr lang="it-IT"/>
+              <a:t>Terzo livello</a:t>
+            </a:r>
+          </a:p>
+          <a:p>
+            <a:pPr lvl="3"/>
+            <a:r>
+              <a:rPr lang="it-IT"/>
+              <a:t>Quarto livello</a:t>
+            </a:r>
+          </a:p>
+          <a:p>
+            <a:pPr lvl="4"/>
+            <a:r>
+              <a:rPr lang="it-IT"/>
+              <a:t>Quinto livello</a:t>
+            </a:r>
+            <a:endParaRPr lang="en-US" dirty="0"/>
+          </a:p>
+        </p:txBody>
+      </p:sp>
+      <p:sp>
+        <p:nvSpPr>
+          <p:cNvPr id="7" name="Date Placeholder 6"/>
+          <p:cNvSpPr>
+            <a:spLocks noGrp="1"/>
+          </p:cNvSpPr>
+          <p:nvPr>
+            <p:ph type="dt" sz="half" idx="10"/>
+          </p:nvPr>
+        </p:nvSpPr>
+        <p:spPr/>
+        <p:txBody>
+          <a:bodyPr/>
+          <a:lstStyle/>
+          <a:p>
+            <a:fld id="{B61BEF0D-F0BB-DE4B-95CE-6DB70DBA9567}" type="datetimeFigureOut">
+              <a:rPr lang="en-US" smtClean="0"/>
+              <a:pPr/>
+              <a:t>5/9/2019</a:t>
+            </a:fld>
+            <a:endParaRPr lang="en-US" dirty="0"/>
+          </a:p>
+        </p:txBody>
+      </p:sp>
+      <p:sp>
+        <p:nvSpPr>
+          <p:cNvPr id="8" name="Footer Placeholder 7"/>
+          <p:cNvSpPr>
+            <a:spLocks noGrp="1"/>
+          </p:cNvSpPr>
+          <p:nvPr>
+            <p:ph type="ftr" sz="quarter" idx="11"/>
+          </p:nvPr>
+        </p:nvSpPr>
+        <p:spPr/>
+        <p:txBody>
+          <a:bodyPr/>
+          <a:lstStyle/>
+          <a:p>
+            <a:endParaRPr lang="en-US" dirty="0"/>
+          </a:p>
+        </p:txBody>
+      </p:sp>
+      <p:sp>
+        <p:nvSpPr>
+          <p:cNvPr id="9" name="Slide Number Placeholder 8"/>
+          <p:cNvSpPr>
+            <a:spLocks noGrp="1"/>
+          </p:cNvSpPr>
+          <p:nvPr>
+            <p:ph type="sldNum" sz="quarter" idx="12"/>
+          </p:nvPr>
+        </p:nvSpPr>
+        <p:spPr/>
+        <p:txBody>
+          <a:bodyPr/>
+          <a:lstStyle/>
+          <a:p>
+            <a:fld id="{D57F1E4F-1CFF-5643-939E-217C01CDF565}" type="slidenum">
+              <a:rPr lang="en-US" smtClean="0"/>
+              <a:pPr/>
+              <a:t>‹N›</a:t>
+            </a:fld>
+            <a:endParaRPr lang="en-US" dirty="0"/>
+          </a:p>
+        </p:txBody>
+      </p:sp>
+    </p:spTree>
+    <p:extLst>
+      <p:ext uri="{BB962C8B-B14F-4D97-AF65-F5344CB8AC3E}">
+        <p14:creationId xmlns:p14="http://schemas.microsoft.com/office/powerpoint/2010/main" val="110064133"/>
+      </p:ext>
+    </p:extLst>
+  </p:cSld>
+  <p:clrMapOvr>
+    <a:masterClrMapping/>
+  </p:clrMapOvr>
+</p:sldLayout>
+</file>
+
+<file path=ppt/slideLayouts/slideLayout18.xml><?xml version="1.0" encoding="utf-8"?>
+<p:sldLayout xmlns:a="http://schemas.openxmlformats.org/drawingml/2006/main" xmlns:r="http://schemas.openxmlformats.org/officeDocument/2006/relationships" xmlns:p="http://schemas.openxmlformats.org/presentationml/2006/main" type="titleOnly" preserve="1">
+  <p:cSld name="Solo titolo">
+    <p:spTree>
+      <p:nvGrpSpPr>
+        <p:cNvPr id="1" name=""/>
+        <p:cNvGrpSpPr/>
+        <p:nvPr/>
+      </p:nvGrpSpPr>
+      <p:grpSpPr>
+        <a:xfrm>
+          <a:off x="0" y="0"/>
+          <a:ext cx="0" cy="0"/>
+          <a:chOff x="0" y="0"/>
+          <a:chExt cx="0" cy="0"/>
+        </a:xfrm>
+      </p:grpSpPr>
+      <p:sp>
+        <p:nvSpPr>
+          <p:cNvPr id="2" name="Title 1"/>
+          <p:cNvSpPr>
+            <a:spLocks noGrp="1"/>
+          </p:cNvSpPr>
+          <p:nvPr>
+            <p:ph type="title"/>
+          </p:nvPr>
+        </p:nvSpPr>
+        <p:spPr/>
+        <p:txBody>
+          <a:bodyPr/>
+          <a:lstStyle/>
+          <a:p>
+            <a:r>
+              <a:rPr lang="it-IT"/>
+              <a:t>Fare clic per modificare lo stile del titolo dello schema</a:t>
+            </a:r>
+            <a:endParaRPr lang="en-US" dirty="0"/>
+          </a:p>
+        </p:txBody>
+      </p:sp>
+      <p:sp>
+        <p:nvSpPr>
+          <p:cNvPr id="3" name="Date Placeholder 2"/>
+          <p:cNvSpPr>
+            <a:spLocks noGrp="1"/>
+          </p:cNvSpPr>
+          <p:nvPr>
+            <p:ph type="dt" sz="half" idx="10"/>
+          </p:nvPr>
+        </p:nvSpPr>
+        <p:spPr/>
+        <p:txBody>
+          <a:bodyPr/>
+          <a:lstStyle/>
+          <a:p>
+            <a:fld id="{B61BEF0D-F0BB-DE4B-95CE-6DB70DBA9567}" type="datetimeFigureOut">
+              <a:rPr lang="en-US" smtClean="0"/>
+              <a:pPr/>
+              <a:t>5/9/2019</a:t>
+            </a:fld>
+            <a:endParaRPr lang="en-US" dirty="0"/>
+          </a:p>
+        </p:txBody>
+      </p:sp>
+      <p:sp>
+        <p:nvSpPr>
+          <p:cNvPr id="4" name="Footer Placeholder 3"/>
+          <p:cNvSpPr>
+            <a:spLocks noGrp="1"/>
+          </p:cNvSpPr>
+          <p:nvPr>
+            <p:ph type="ftr" sz="quarter" idx="11"/>
+          </p:nvPr>
+        </p:nvSpPr>
+        <p:spPr/>
+        <p:txBody>
+          <a:bodyPr/>
+          <a:lstStyle/>
+          <a:p>
+            <a:endParaRPr lang="en-US" dirty="0"/>
+          </a:p>
+        </p:txBody>
+      </p:sp>
+      <p:sp>
+        <p:nvSpPr>
+          <p:cNvPr id="5" name="Slide Number Placeholder 4"/>
+          <p:cNvSpPr>
+            <a:spLocks noGrp="1"/>
+          </p:cNvSpPr>
+          <p:nvPr>
+            <p:ph type="sldNum" sz="quarter" idx="12"/>
+          </p:nvPr>
+        </p:nvSpPr>
+        <p:spPr/>
+        <p:txBody>
+          <a:bodyPr/>
+          <a:lstStyle/>
+          <a:p>
+            <a:fld id="{D57F1E4F-1CFF-5643-939E-217C01CDF565}" type="slidenum">
+              <a:rPr lang="en-US" smtClean="0"/>
+              <a:pPr/>
+              <a:t>‹N›</a:t>
+            </a:fld>
+            <a:endParaRPr lang="en-US" dirty="0"/>
+          </a:p>
+        </p:txBody>
+      </p:sp>
+    </p:spTree>
+    <p:extLst>
+      <p:ext uri="{BB962C8B-B14F-4D97-AF65-F5344CB8AC3E}">
+        <p14:creationId xmlns:p14="http://schemas.microsoft.com/office/powerpoint/2010/main" val="4250476636"/>
+      </p:ext>
+    </p:extLst>
+  </p:cSld>
+  <p:clrMapOvr>
+    <a:masterClrMapping/>
+  </p:clrMapOvr>
+</p:sldLayout>
+</file>
+
+<file path=ppt/slideLayouts/slideLayout19.xml><?xml version="1.0" encoding="utf-8"?>
+<p:sldLayout xmlns:a="http://schemas.openxmlformats.org/drawingml/2006/main" xmlns:r="http://schemas.openxmlformats.org/officeDocument/2006/relationships" xmlns:p="http://schemas.openxmlformats.org/presentationml/2006/main" type="blank" preserve="1">
+  <p:cSld name="Vuota">
+    <p:spTree>
+      <p:nvGrpSpPr>
+        <p:cNvPr id="1" name=""/>
+        <p:cNvGrpSpPr/>
+        <p:nvPr/>
+      </p:nvGrpSpPr>
+      <p:grpSpPr>
+        <a:xfrm>
+          <a:off x="0" y="0"/>
+          <a:ext cx="0" cy="0"/>
+          <a:chOff x="0" y="0"/>
+          <a:chExt cx="0" cy="0"/>
+        </a:xfrm>
+      </p:grpSpPr>
+      <p:sp>
+        <p:nvSpPr>
+          <p:cNvPr id="2" name="Date Placeholder 1"/>
+          <p:cNvSpPr>
+            <a:spLocks noGrp="1"/>
+          </p:cNvSpPr>
+          <p:nvPr>
+            <p:ph type="dt" sz="half" idx="10"/>
+          </p:nvPr>
+        </p:nvSpPr>
+        <p:spPr/>
+        <p:txBody>
+          <a:bodyPr/>
+          <a:lstStyle/>
+          <a:p>
+            <a:fld id="{B61BEF0D-F0BB-DE4B-95CE-6DB70DBA9567}" type="datetimeFigureOut">
+              <a:rPr lang="en-US" smtClean="0"/>
+              <a:pPr/>
+              <a:t>5/9/2019</a:t>
+            </a:fld>
+            <a:endParaRPr lang="en-US" dirty="0"/>
+          </a:p>
+        </p:txBody>
+      </p:sp>
+      <p:sp>
+        <p:nvSpPr>
+          <p:cNvPr id="3" name="Footer Placeholder 2"/>
+          <p:cNvSpPr>
+            <a:spLocks noGrp="1"/>
+          </p:cNvSpPr>
+          <p:nvPr>
+            <p:ph type="ftr" sz="quarter" idx="11"/>
+          </p:nvPr>
+        </p:nvSpPr>
+        <p:spPr/>
+        <p:txBody>
+          <a:bodyPr/>
+          <a:lstStyle/>
+          <a:p>
+            <a:endParaRPr lang="en-US" dirty="0"/>
+          </a:p>
+        </p:txBody>
+      </p:sp>
+      <p:sp>
+        <p:nvSpPr>
+          <p:cNvPr id="4" name="Slide Number Placeholder 3"/>
+          <p:cNvSpPr>
+            <a:spLocks noGrp="1"/>
+          </p:cNvSpPr>
+          <p:nvPr>
+            <p:ph type="sldNum" sz="quarter" idx="12"/>
+          </p:nvPr>
+        </p:nvSpPr>
+        <p:spPr/>
+        <p:txBody>
+          <a:bodyPr/>
+          <a:lstStyle/>
+          <a:p>
+            <a:fld id="{D57F1E4F-1CFF-5643-939E-217C01CDF565}" type="slidenum">
+              <a:rPr lang="en-US" smtClean="0"/>
+              <a:pPr/>
+              <a:t>‹N›</a:t>
+            </a:fld>
+            <a:endParaRPr lang="en-US" dirty="0"/>
+          </a:p>
+        </p:txBody>
+      </p:sp>
+    </p:spTree>
+    <p:extLst>
+      <p:ext uri="{BB962C8B-B14F-4D97-AF65-F5344CB8AC3E}">
+        <p14:creationId xmlns:p14="http://schemas.microsoft.com/office/powerpoint/2010/main" val="348546084"/>
+      </p:ext>
+    </p:extLst>
+  </p:cSld>
+  <p:clrMapOvr>
+    <a:masterClrMapping/>
+  </p:clrMapOvr>
+</p:sldLayout>
+</file>
+
+<file path=ppt/slideLayouts/slideLayout2.xml><?xml version="1.0" encoding="utf-8"?>
+<p:sldLayout xmlns:a="http://schemas.openxmlformats.org/drawingml/2006/main" xmlns:r="http://schemas.openxmlformats.org/officeDocument/2006/relationships" xmlns:p="http://schemas.openxmlformats.org/presentationml/2006/main" type="obj" preserve="1">
+  <p:cSld name="Titolo e contenuto">
+    <p:spTree>
+      <p:nvGrpSpPr>
+        <p:cNvPr id="1" name=""/>
+        <p:cNvGrpSpPr/>
+        <p:nvPr/>
+      </p:nvGrpSpPr>
+      <p:grpSpPr>
+        <a:xfrm>
+          <a:off x="0" y="0"/>
+          <a:ext cx="0" cy="0"/>
+          <a:chOff x="0" y="0"/>
+          <a:chExt cx="0" cy="0"/>
+        </a:xfrm>
+      </p:grpSpPr>
+      <p:sp>
+        <p:nvSpPr>
+          <p:cNvPr id="2" name="Title 1"/>
+          <p:cNvSpPr>
+            <a:spLocks noGrp="1"/>
+          </p:cNvSpPr>
+          <p:nvPr>
+            <p:ph type="title"/>
+          </p:nvPr>
+        </p:nvSpPr>
+        <p:spPr/>
+        <p:txBody>
+          <a:bodyPr/>
+          <a:lstStyle/>
+          <a:p>
+            <a:r>
+              <a:rPr lang="it-IT"/>
+              <a:t>Fare clic per modificare lo stile del titolo dello schema</a:t>
+            </a:r>
+            <a:endParaRPr lang="en-US" dirty="0"/>
+          </a:p>
+        </p:txBody>
+      </p:sp>
+      <p:sp>
+        <p:nvSpPr>
+          <p:cNvPr id="3" name="Content Placeholder 2"/>
+          <p:cNvSpPr>
+            <a:spLocks noGrp="1"/>
+          </p:cNvSpPr>
+          <p:nvPr>
+            <p:ph idx="1"/>
+          </p:nvPr>
+        </p:nvSpPr>
+        <p:spPr/>
+        <p:txBody>
+          <a:bodyPr/>
+          <a:lstStyle/>
+          <a:p>
+            <a:pPr lvl="0"/>
+            <a:r>
+              <a:rPr lang="it-IT"/>
+              <a:t>Fare clic per modificare gli stili del testo dello schema</a:t>
+            </a:r>
+          </a:p>
+          <a:p>
+            <a:pPr lvl="1"/>
+            <a:r>
+              <a:rPr lang="it-IT"/>
+              <a:t>Secondo livello</a:t>
+            </a:r>
+          </a:p>
+          <a:p>
+            <a:pPr lvl="2"/>
+            <a:r>
+              <a:rPr lang="it-IT"/>
+              <a:t>Terzo livello</a:t>
+            </a:r>
+          </a:p>
+          <a:p>
+            <a:pPr lvl="3"/>
+            <a:r>
+              <a:rPr lang="it-IT"/>
+              <a:t>Quarto livello</a:t>
+            </a:r>
+          </a:p>
+          <a:p>
+            <a:pPr lvl="4"/>
+            <a:r>
+              <a:rPr lang="it-IT"/>
+              <a:t>Quinto livello</a:t>
+            </a:r>
+            <a:endParaRPr lang="en-US" dirty="0"/>
+          </a:p>
+        </p:txBody>
+      </p:sp>
+      <p:sp>
+        <p:nvSpPr>
+          <p:cNvPr id="4" name="Date Placeholder 3"/>
+          <p:cNvSpPr>
+            <a:spLocks noGrp="1"/>
+          </p:cNvSpPr>
+          <p:nvPr>
+            <p:ph type="dt" sz="half" idx="10"/>
+          </p:nvPr>
+        </p:nvSpPr>
+        <p:spPr/>
+        <p:txBody>
+          <a:bodyPr/>
+          <a:lstStyle/>
+          <a:p>
+            <a:fld id="{B61BEF0D-F0BB-DE4B-95CE-6DB70DBA9567}" type="datetimeFigureOut">
+              <a:rPr lang="en-US" smtClean="0"/>
+              <a:pPr/>
+              <a:t>5/9/2019</a:t>
+            </a:fld>
+            <a:endParaRPr lang="en-US" dirty="0"/>
+          </a:p>
+        </p:txBody>
+      </p:sp>
+      <p:sp>
+        <p:nvSpPr>
+          <p:cNvPr id="5" name="Footer Placeholder 4"/>
+          <p:cNvSpPr>
+            <a:spLocks noGrp="1"/>
+          </p:cNvSpPr>
+          <p:nvPr>
+            <p:ph type="ftr" sz="quarter" idx="11"/>
+          </p:nvPr>
+        </p:nvSpPr>
+        <p:spPr/>
+        <p:txBody>
+          <a:bodyPr/>
+          <a:lstStyle/>
+          <a:p>
+            <a:endParaRPr lang="en-US" dirty="0"/>
+          </a:p>
+        </p:txBody>
+      </p:sp>
+      <p:sp>
+        <p:nvSpPr>
+          <p:cNvPr id="6" name="Slide Number Placeholder 5"/>
+          <p:cNvSpPr>
+            <a:spLocks noGrp="1"/>
+          </p:cNvSpPr>
+          <p:nvPr>
+            <p:ph type="sldNum" sz="quarter" idx="12"/>
+          </p:nvPr>
+        </p:nvSpPr>
+        <p:spPr/>
+        <p:txBody>
+          <a:bodyPr/>
+          <a:lstStyle/>
+          <a:p>
+            <a:fld id="{D57F1E4F-1CFF-5643-939E-217C01CDF565}" type="slidenum">
+              <a:rPr lang="en-US" smtClean="0"/>
+              <a:pPr/>
+              <a:t>‹N›</a:t>
+            </a:fld>
+            <a:endParaRPr lang="en-US" dirty="0"/>
+          </a:p>
+        </p:txBody>
+      </p:sp>
+    </p:spTree>
+    <p:extLst>
+      <p:ext uri="{BB962C8B-B14F-4D97-AF65-F5344CB8AC3E}">
+        <p14:creationId xmlns:p14="http://schemas.microsoft.com/office/powerpoint/2010/main" val="427422341"/>
+      </p:ext>
+    </p:extLst>
+  </p:cSld>
+  <p:clrMapOvr>
+    <a:masterClrMapping/>
+  </p:clrMapOvr>
+</p:sldLayout>
+</file>
+
+<file path=ppt/slideLayouts/slideLayout20.xml><?xml version="1.0" encoding="utf-8"?>
+<p:sldLayout xmlns:a="http://schemas.openxmlformats.org/drawingml/2006/main" xmlns:r="http://schemas.openxmlformats.org/officeDocument/2006/relationships" xmlns:p="http://schemas.openxmlformats.org/presentationml/2006/main" type="objTx" preserve="1">
+  <p:cSld name="Contenuto con didascalia">
+    <p:spTree>
+      <p:nvGrpSpPr>
+        <p:cNvPr id="1" name=""/>
+        <p:cNvGrpSpPr/>
+        <p:nvPr/>
+      </p:nvGrpSpPr>
+      <p:grpSpPr>
+        <a:xfrm>
+          <a:off x="0" y="0"/>
+          <a:ext cx="0" cy="0"/>
+          <a:chOff x="0" y="0"/>
+          <a:chExt cx="0" cy="0"/>
+        </a:xfrm>
+      </p:grpSpPr>
+      <p:sp>
+        <p:nvSpPr>
+          <p:cNvPr id="2" name="Title 1"/>
+          <p:cNvSpPr>
+            <a:spLocks noGrp="1"/>
+          </p:cNvSpPr>
+          <p:nvPr>
+            <p:ph type="title"/>
+          </p:nvPr>
+        </p:nvSpPr>
+        <p:spPr>
+          <a:xfrm>
+            <a:off x="685800" y="1524000"/>
+            <a:ext cx="4114800" cy="1600200"/>
+          </a:xfrm>
+        </p:spPr>
+        <p:txBody>
+          <a:bodyPr anchor="b"/>
+          <a:lstStyle>
+            <a:lvl1pPr algn="l">
+              <a:defRPr sz="3200"/>
+            </a:lvl1pPr>
+          </a:lstStyle>
+          <a:p>
+            <a:r>
+              <a:rPr lang="it-IT"/>
+              <a:t>Fare clic per modificare lo stile del titolo dello schema</a:t>
+            </a:r>
+            <a:endParaRPr lang="en-US" dirty="0"/>
+          </a:p>
+        </p:txBody>
+      </p:sp>
+      <p:sp>
+        <p:nvSpPr>
+          <p:cNvPr id="3" name="Content Placeholder 2"/>
+          <p:cNvSpPr>
+            <a:spLocks noGrp="1"/>
+          </p:cNvSpPr>
+          <p:nvPr>
+            <p:ph idx="1"/>
+          </p:nvPr>
+        </p:nvSpPr>
+        <p:spPr>
+          <a:xfrm>
+            <a:off x="4995582" y="746759"/>
+            <a:ext cx="6510618" cy="5471925"/>
+          </a:xfrm>
+        </p:spPr>
+        <p:txBody>
+          <a:bodyPr anchor="ctr"/>
+          <a:lstStyle/>
+          <a:p>
+            <a:pPr lvl="0"/>
+            <a:r>
+              <a:rPr lang="it-IT"/>
+              <a:t>Fare clic per modificare gli stili del testo dello schema</a:t>
+            </a:r>
+          </a:p>
+          <a:p>
+            <a:pPr lvl="1"/>
+            <a:r>
+              <a:rPr lang="it-IT"/>
+              <a:t>Secondo livello</a:t>
+            </a:r>
+          </a:p>
+          <a:p>
+            <a:pPr lvl="2"/>
+            <a:r>
+              <a:rPr lang="it-IT"/>
+              <a:t>Terzo livello</a:t>
+            </a:r>
+          </a:p>
+          <a:p>
+            <a:pPr lvl="3"/>
+            <a:r>
+              <a:rPr lang="it-IT"/>
+              <a:t>Quarto livello</a:t>
+            </a:r>
+          </a:p>
+          <a:p>
+            <a:pPr lvl="4"/>
+            <a:r>
+              <a:rPr lang="it-IT"/>
+              <a:t>Quinto livello</a:t>
+            </a:r>
+            <a:endParaRPr lang="en-US" dirty="0"/>
+          </a:p>
+        </p:txBody>
+      </p:sp>
+      <p:sp>
+        <p:nvSpPr>
+          <p:cNvPr id="4" name="Text Placeholder 3"/>
+          <p:cNvSpPr>
+            <a:spLocks noGrp="1"/>
+          </p:cNvSpPr>
+          <p:nvPr>
+            <p:ph type="body" sz="half" idx="2"/>
+          </p:nvPr>
+        </p:nvSpPr>
+        <p:spPr>
+          <a:xfrm>
+            <a:off x="685800" y="3124199"/>
+            <a:ext cx="4114800" cy="3094485"/>
+          </a:xfrm>
+        </p:spPr>
+        <p:txBody>
+          <a:bodyPr/>
+          <a:lstStyle>
+            <a:lvl1pPr marL="0" indent="0">
+              <a:buNone/>
+              <a:defRPr sz="1600"/>
+            </a:lvl1pPr>
+            <a:lvl2pPr marL="457200" indent="0">
+              <a:buNone/>
+              <a:defRPr sz="1400"/>
+            </a:lvl2pPr>
+            <a:lvl3pPr marL="914400" indent="0">
+              <a:buNone/>
+              <a:defRPr sz="1200"/>
+            </a:lvl3pPr>
+            <a:lvl4pPr marL="1371600" indent="0">
+              <a:buNone/>
+              <a:defRPr sz="1000"/>
+            </a:lvl4pPr>
+            <a:lvl5pPr marL="1828800" indent="0">
+              <a:buNone/>
+              <a:defRPr sz="1000"/>
+            </a:lvl5pPr>
+            <a:lvl6pPr marL="2286000" indent="0">
+              <a:buNone/>
+              <a:defRPr sz="1000"/>
+            </a:lvl6pPr>
+            <a:lvl7pPr marL="2743200" indent="0">
+              <a:buNone/>
+              <a:defRPr sz="1000"/>
+            </a:lvl7pPr>
+            <a:lvl8pPr marL="3200400" indent="0">
+              <a:buNone/>
+              <a:defRPr sz="1000"/>
+            </a:lvl8pPr>
+            <a:lvl9pPr marL="3657600" indent="0">
+              <a:buNone/>
+              <a:defRPr sz="1000"/>
+            </a:lvl9pPr>
+          </a:lstStyle>
+          <a:p>
+            <a:pPr lvl="0"/>
+            <a:r>
+              <a:rPr lang="it-IT"/>
+              <a:t>Fare clic per modificare gli stili del testo dello schema</a:t>
+            </a:r>
+          </a:p>
+        </p:txBody>
+      </p:sp>
+      <p:sp>
+        <p:nvSpPr>
+          <p:cNvPr id="5" name="Date Placeholder 4"/>
+          <p:cNvSpPr>
+            <a:spLocks noGrp="1"/>
+          </p:cNvSpPr>
+          <p:nvPr>
+            <p:ph type="dt" sz="half" idx="10"/>
+          </p:nvPr>
+        </p:nvSpPr>
+        <p:spPr/>
+        <p:txBody>
+          <a:bodyPr/>
+          <a:lstStyle/>
+          <a:p>
+            <a:fld id="{B61BEF0D-F0BB-DE4B-95CE-6DB70DBA9567}" type="datetimeFigureOut">
+              <a:rPr lang="en-US" smtClean="0"/>
+              <a:pPr/>
+              <a:t>5/9/2019</a:t>
+            </a:fld>
+            <a:endParaRPr lang="en-US" dirty="0"/>
+          </a:p>
+        </p:txBody>
+      </p:sp>
+      <p:sp>
+        <p:nvSpPr>
+          <p:cNvPr id="6" name="Footer Placeholder 5"/>
+          <p:cNvSpPr>
+            <a:spLocks noGrp="1"/>
+          </p:cNvSpPr>
+          <p:nvPr>
+            <p:ph type="ftr" sz="quarter" idx="11"/>
+          </p:nvPr>
+        </p:nvSpPr>
+        <p:spPr/>
+        <p:txBody>
+          <a:bodyPr/>
+          <a:lstStyle/>
+          <a:p>
+            <a:endParaRPr lang="en-US" dirty="0"/>
+          </a:p>
+        </p:txBody>
+      </p:sp>
+      <p:sp>
+        <p:nvSpPr>
+          <p:cNvPr id="7" name="Slide Number Placeholder 6"/>
+          <p:cNvSpPr>
+            <a:spLocks noGrp="1"/>
+          </p:cNvSpPr>
+          <p:nvPr>
+            <p:ph type="sldNum" sz="quarter" idx="12"/>
+          </p:nvPr>
+        </p:nvSpPr>
+        <p:spPr/>
+        <p:txBody>
+          <a:bodyPr/>
+          <a:lstStyle/>
+          <a:p>
+            <a:fld id="{D57F1E4F-1CFF-5643-939E-217C01CDF565}" type="slidenum">
+              <a:rPr lang="en-US" smtClean="0"/>
+              <a:pPr/>
+              <a:t>‹N›</a:t>
+            </a:fld>
+            <a:endParaRPr lang="en-US" dirty="0"/>
+          </a:p>
+        </p:txBody>
+      </p:sp>
+    </p:spTree>
+    <p:extLst>
+      <p:ext uri="{BB962C8B-B14F-4D97-AF65-F5344CB8AC3E}">
+        <p14:creationId xmlns:p14="http://schemas.microsoft.com/office/powerpoint/2010/main" val="1244889469"/>
+      </p:ext>
+    </p:extLst>
+  </p:cSld>
+  <p:clrMapOvr>
+    <a:masterClrMapping/>
+  </p:clrMapOvr>
+</p:sldLayout>
+</file>
+
+<file path=ppt/slideLayouts/slideLayout21.xml><?xml version="1.0" encoding="utf-8"?>
+<p:sldLayout xmlns:a="http://schemas.openxmlformats.org/drawingml/2006/main" xmlns:r="http://schemas.openxmlformats.org/officeDocument/2006/relationships" xmlns:p="http://schemas.openxmlformats.org/presentationml/2006/main" type="picTx" preserve="1">
+  <p:cSld name="Immagine con didascalia">
+    <p:spTree>
+      <p:nvGrpSpPr>
+        <p:cNvPr id="1" name=""/>
+        <p:cNvGrpSpPr/>
+        <p:nvPr/>
+      </p:nvGrpSpPr>
+      <p:grpSpPr>
+        <a:xfrm>
+          <a:off x="0" y="0"/>
+          <a:ext cx="0" cy="0"/>
+          <a:chOff x="0" y="0"/>
+          <a:chExt cx="0" cy="0"/>
+        </a:xfrm>
+      </p:grpSpPr>
+      <p:sp>
+        <p:nvSpPr>
+          <p:cNvPr id="2" name="Title 1"/>
+          <p:cNvSpPr>
+            <a:spLocks noGrp="1"/>
+          </p:cNvSpPr>
+          <p:nvPr>
+            <p:ph type="title"/>
+          </p:nvPr>
+        </p:nvSpPr>
+        <p:spPr>
+          <a:xfrm>
+            <a:off x="685800" y="1524000"/>
+            <a:ext cx="6873240" cy="1600200"/>
+          </a:xfrm>
+        </p:spPr>
+        <p:txBody>
+          <a:bodyPr anchor="b"/>
+          <a:lstStyle>
+            <a:lvl1pPr algn="l">
+              <a:defRPr sz="3200"/>
+            </a:lvl1pPr>
+          </a:lstStyle>
+          <a:p>
+            <a:r>
+              <a:rPr lang="it-IT"/>
+              <a:t>Fare clic per modificare lo stile del titolo dello schema</a:t>
+            </a:r>
+            <a:endParaRPr lang="en-US" dirty="0"/>
+          </a:p>
+        </p:txBody>
+      </p:sp>
+      <p:sp>
+        <p:nvSpPr>
+          <p:cNvPr id="3" name="Picture Placeholder 2"/>
+          <p:cNvSpPr>
+            <a:spLocks noGrp="1" noChangeAspect="1"/>
+          </p:cNvSpPr>
+          <p:nvPr>
+            <p:ph type="pic" idx="1"/>
+          </p:nvPr>
+        </p:nvSpPr>
+        <p:spPr>
+          <a:xfrm>
+            <a:off x="7861238" y="751241"/>
+            <a:ext cx="3644962" cy="5467443"/>
+          </a:xfrm>
+        </p:spPr>
+        <p:txBody>
+          <a:bodyPr anchor="t"/>
+          <a:lstStyle>
+            <a:lvl1pPr marL="0" indent="0">
+              <a:buNone/>
+              <a:defRPr sz="3200"/>
+            </a:lvl1pPr>
+            <a:lvl2pPr marL="457200" indent="0">
+              <a:buNone/>
+              <a:defRPr sz="2800"/>
+            </a:lvl2pPr>
+            <a:lvl3pPr marL="914400" indent="0">
+              <a:buNone/>
+              <a:defRPr sz="2400"/>
+            </a:lvl3pPr>
+            <a:lvl4pPr marL="1371600" indent="0">
+              <a:buNone/>
+              <a:defRPr sz="2000"/>
+            </a:lvl4pPr>
+            <a:lvl5pPr marL="1828800" indent="0">
+              <a:buNone/>
+              <a:defRPr sz="2000"/>
+            </a:lvl5pPr>
+            <a:lvl6pPr marL="2286000" indent="0">
+              <a:buNone/>
+              <a:defRPr sz="2000"/>
+            </a:lvl6pPr>
+            <a:lvl7pPr marL="2743200" indent="0">
+              <a:buNone/>
+              <a:defRPr sz="2000"/>
+            </a:lvl7pPr>
+            <a:lvl8pPr marL="3200400" indent="0">
+              <a:buNone/>
+              <a:defRPr sz="2000"/>
+            </a:lvl8pPr>
+            <a:lvl9pPr marL="3657600" indent="0">
+              <a:buNone/>
+              <a:defRPr sz="2000"/>
+            </a:lvl9pPr>
+          </a:lstStyle>
+          <a:p>
+            <a:r>
+              <a:rPr lang="it-IT"/>
+              <a:t>Fare clic sull'icona per inserire un'immagine</a:t>
+            </a:r>
+            <a:endParaRPr lang="en-US" dirty="0"/>
+          </a:p>
+        </p:txBody>
+      </p:sp>
+      <p:sp>
+        <p:nvSpPr>
+          <p:cNvPr id="4" name="Text Placeholder 3"/>
+          <p:cNvSpPr>
+            <a:spLocks noGrp="1"/>
+          </p:cNvSpPr>
+          <p:nvPr>
+            <p:ph type="body" sz="half" idx="2"/>
+          </p:nvPr>
+        </p:nvSpPr>
+        <p:spPr>
+          <a:xfrm>
+            <a:off x="685800" y="3124199"/>
+            <a:ext cx="6873240" cy="3094485"/>
+          </a:xfrm>
+        </p:spPr>
+        <p:txBody>
+          <a:bodyPr/>
+          <a:lstStyle>
+            <a:lvl1pPr marL="0" indent="0">
+              <a:buNone/>
+              <a:defRPr sz="1600"/>
+            </a:lvl1pPr>
+            <a:lvl2pPr marL="457200" indent="0">
+              <a:buNone/>
+              <a:defRPr sz="1400"/>
+            </a:lvl2pPr>
+            <a:lvl3pPr marL="914400" indent="0">
+              <a:buNone/>
+              <a:defRPr sz="1200"/>
+            </a:lvl3pPr>
+            <a:lvl4pPr marL="1371600" indent="0">
+              <a:buNone/>
+              <a:defRPr sz="1000"/>
+            </a:lvl4pPr>
+            <a:lvl5pPr marL="1828800" indent="0">
+              <a:buNone/>
+              <a:defRPr sz="1000"/>
+            </a:lvl5pPr>
+            <a:lvl6pPr marL="2286000" indent="0">
+              <a:buNone/>
+              <a:defRPr sz="1000"/>
+            </a:lvl6pPr>
+            <a:lvl7pPr marL="2743200" indent="0">
+              <a:buNone/>
+              <a:defRPr sz="1000"/>
+            </a:lvl7pPr>
+            <a:lvl8pPr marL="3200400" indent="0">
+              <a:buNone/>
+              <a:defRPr sz="1000"/>
+            </a:lvl8pPr>
+            <a:lvl9pPr marL="3657600" indent="0">
+              <a:buNone/>
+              <a:defRPr sz="1000"/>
+            </a:lvl9pPr>
+          </a:lstStyle>
+          <a:p>
+            <a:pPr lvl="0"/>
+            <a:r>
+              <a:rPr lang="it-IT"/>
+              <a:t>Fare clic per modificare gli stili del testo dello schema</a:t>
+            </a:r>
+          </a:p>
+        </p:txBody>
+      </p:sp>
+      <p:sp>
+        <p:nvSpPr>
+          <p:cNvPr id="5" name="Date Placeholder 4"/>
+          <p:cNvSpPr>
+            <a:spLocks noGrp="1"/>
+          </p:cNvSpPr>
+          <p:nvPr>
+            <p:ph type="dt" sz="half" idx="10"/>
+          </p:nvPr>
+        </p:nvSpPr>
+        <p:spPr/>
+        <p:txBody>
+          <a:bodyPr/>
+          <a:lstStyle/>
+          <a:p>
+            <a:fld id="{B61BEF0D-F0BB-DE4B-95CE-6DB70DBA9567}" type="datetimeFigureOut">
+              <a:rPr lang="en-US" smtClean="0"/>
+              <a:pPr/>
+              <a:t>5/9/2019</a:t>
+            </a:fld>
+            <a:endParaRPr lang="en-US" dirty="0"/>
+          </a:p>
+        </p:txBody>
+      </p:sp>
+      <p:sp>
+        <p:nvSpPr>
+          <p:cNvPr id="6" name="Footer Placeholder 5"/>
+          <p:cNvSpPr>
+            <a:spLocks noGrp="1"/>
+          </p:cNvSpPr>
+          <p:nvPr>
+            <p:ph type="ftr" sz="quarter" idx="11"/>
+          </p:nvPr>
+        </p:nvSpPr>
+        <p:spPr/>
+        <p:txBody>
+          <a:bodyPr/>
+          <a:lstStyle/>
+          <a:p>
+            <a:endParaRPr lang="en-US" dirty="0"/>
+          </a:p>
+        </p:txBody>
+      </p:sp>
+      <p:sp>
+        <p:nvSpPr>
+          <p:cNvPr id="7" name="Slide Number Placeholder 6"/>
+          <p:cNvSpPr>
+            <a:spLocks noGrp="1"/>
+          </p:cNvSpPr>
+          <p:nvPr>
+            <p:ph type="sldNum" sz="quarter" idx="12"/>
+          </p:nvPr>
+        </p:nvSpPr>
+        <p:spPr/>
+        <p:txBody>
+          <a:bodyPr/>
+          <a:lstStyle/>
+          <a:p>
+            <a:fld id="{D57F1E4F-1CFF-5643-939E-217C01CDF565}" type="slidenum">
+              <a:rPr lang="en-US" smtClean="0"/>
+              <a:pPr/>
+              <a:t>‹N›</a:t>
+            </a:fld>
+            <a:endParaRPr lang="en-US" dirty="0"/>
+          </a:p>
+        </p:txBody>
+      </p:sp>
+    </p:spTree>
+    <p:extLst>
+      <p:ext uri="{BB962C8B-B14F-4D97-AF65-F5344CB8AC3E}">
+        <p14:creationId xmlns:p14="http://schemas.microsoft.com/office/powerpoint/2010/main" val="768504662"/>
+      </p:ext>
+    </p:extLst>
+  </p:cSld>
+  <p:clrMapOvr>
+    <a:masterClrMapping/>
+  </p:clrMapOvr>
+</p:sldLayout>
+</file>
+
+<file path=ppt/slideLayouts/slideLayout22.xml><?xml version="1.0" encoding="utf-8"?>
 <p:sldLayout xmlns:a="http://schemas.openxmlformats.org/drawingml/2006/main" xmlns:r="http://schemas.openxmlformats.org/officeDocument/2006/relationships" xmlns:p="http://schemas.openxmlformats.org/presentationml/2006/main" preserve="1">
   <p:cSld name="Immagine panoramica con didascalia">
     <p:spTree>
@@ -974,7 +3713,7 @@
     </p:spTree>
     <p:extLst>
       <p:ext uri="{BB962C8B-B14F-4D97-AF65-F5344CB8AC3E}">
-        <p14:creationId xmlns:p14="http://schemas.microsoft.com/office/powerpoint/2010/main" val="489945659"/>
+        <p14:creationId xmlns:p14="http://schemas.microsoft.com/office/powerpoint/2010/main" val="3610114175"/>
       </p:ext>
     </p:extLst>
   </p:cSld>
@@ -984,7 +3723,7 @@
 </p:sldLayout>
 </file>
 
-<file path=ppt/slideLayouts/slideLayout11.xml><?xml version="1.0" encoding="utf-8"?>
+<file path=ppt/slideLayouts/slideLayout23.xml><?xml version="1.0" encoding="utf-8"?>
 <p:sldLayout xmlns:a="http://schemas.openxmlformats.org/drawingml/2006/main" xmlns:r="http://schemas.openxmlformats.org/officeDocument/2006/relationships" xmlns:p="http://schemas.openxmlformats.org/presentationml/2006/main" showMasterSp="0" preserve="1">
   <p:cSld name="Titolo e sottotitolo">
     <p:spTree>
@@ -1217,7 +3956,7 @@
     </p:spTree>
     <p:extLst>
       <p:ext uri="{BB962C8B-B14F-4D97-AF65-F5344CB8AC3E}">
-        <p14:creationId xmlns:p14="http://schemas.microsoft.com/office/powerpoint/2010/main" val="2233245636"/>
+        <p14:creationId xmlns:p14="http://schemas.microsoft.com/office/powerpoint/2010/main" val="1630959839"/>
       </p:ext>
     </p:extLst>
   </p:cSld>
@@ -1227,7 +3966,7 @@
 </p:sldLayout>
 </file>
 
-<file path=ppt/slideLayouts/slideLayout12.xml><?xml version="1.0" encoding="utf-8"?>
+<file path=ppt/slideLayouts/slideLayout24.xml><?xml version="1.0" encoding="utf-8"?>
 <p:sldLayout xmlns:a="http://schemas.openxmlformats.org/drawingml/2006/main" xmlns:r="http://schemas.openxmlformats.org/officeDocument/2006/relationships" xmlns:p="http://schemas.openxmlformats.org/presentationml/2006/main" showMasterSp="0" preserve="1">
   <p:cSld name="Citazione con didascalia">
     <p:spTree>
@@ -1761,7 +4500,7 @@
     </p:spTree>
     <p:extLst>
       <p:ext uri="{BB962C8B-B14F-4D97-AF65-F5344CB8AC3E}">
-        <p14:creationId xmlns:p14="http://schemas.microsoft.com/office/powerpoint/2010/main" val="1646454185"/>
+        <p14:creationId xmlns:p14="http://schemas.microsoft.com/office/powerpoint/2010/main" val="1774161469"/>
       </p:ext>
     </p:extLst>
   </p:cSld>
@@ -1771,7 +4510,7 @@
 </p:sldLayout>
 </file>
 
-<file path=ppt/slideLayouts/slideLayout13.xml><?xml version="1.0" encoding="utf-8"?>
+<file path=ppt/slideLayouts/slideLayout25.xml><?xml version="1.0" encoding="utf-8"?>
 <p:sldLayout xmlns:a="http://schemas.openxmlformats.org/drawingml/2006/main" xmlns:r="http://schemas.openxmlformats.org/officeDocument/2006/relationships" xmlns:p="http://schemas.openxmlformats.org/presentationml/2006/main" showMasterSp="0" preserve="1">
   <p:cSld name="Scheda nome">
     <p:spTree>
@@ -2004,7 +4743,7 @@
     </p:spTree>
     <p:extLst>
       <p:ext uri="{BB962C8B-B14F-4D97-AF65-F5344CB8AC3E}">
-        <p14:creationId xmlns:p14="http://schemas.microsoft.com/office/powerpoint/2010/main" val="2118128552"/>
+        <p14:creationId xmlns:p14="http://schemas.microsoft.com/office/powerpoint/2010/main" val="2324934469"/>
       </p:ext>
     </p:extLst>
   </p:cSld>
@@ -2014,7 +4753,7 @@
 </p:sldLayout>
 </file>
 
-<file path=ppt/slideLayouts/slideLayout14.xml><?xml version="1.0" encoding="utf-8"?>
+<file path=ppt/slideLayouts/slideLayout26.xml><?xml version="1.0" encoding="utf-8"?>
 <p:sldLayout xmlns:a="http://schemas.openxmlformats.org/drawingml/2006/main" xmlns:r="http://schemas.openxmlformats.org/officeDocument/2006/relationships" xmlns:p="http://schemas.openxmlformats.org/presentationml/2006/main" preserve="1">
   <p:cSld name="3 colonne">
     <p:spTree>
@@ -2543,7 +5282,7 @@
     </p:spTree>
     <p:extLst>
       <p:ext uri="{BB962C8B-B14F-4D97-AF65-F5344CB8AC3E}">
-        <p14:creationId xmlns:p14="http://schemas.microsoft.com/office/powerpoint/2010/main" val="910897874"/>
+        <p14:creationId xmlns:p14="http://schemas.microsoft.com/office/powerpoint/2010/main" val="835549392"/>
       </p:ext>
     </p:extLst>
   </p:cSld>
@@ -2553,7 +5292,7 @@
 </p:sldLayout>
 </file>
 
-<file path=ppt/slideLayouts/slideLayout15.xml><?xml version="1.0" encoding="utf-8"?>
+<file path=ppt/slideLayouts/slideLayout27.xml><?xml version="1.0" encoding="utf-8"?>
 <p:sldLayout xmlns:a="http://schemas.openxmlformats.org/drawingml/2006/main" xmlns:r="http://schemas.openxmlformats.org/officeDocument/2006/relationships" xmlns:p="http://schemas.openxmlformats.org/presentationml/2006/main" preserve="1">
   <p:cSld name="3 colonne immagine">
     <p:spTree>
@@ -3319,7 +6058,7 @@
     </p:spTree>
     <p:extLst>
       <p:ext uri="{BB962C8B-B14F-4D97-AF65-F5344CB8AC3E}">
-        <p14:creationId xmlns:p14="http://schemas.microsoft.com/office/powerpoint/2010/main" val="3942872449"/>
+        <p14:creationId xmlns:p14="http://schemas.microsoft.com/office/powerpoint/2010/main" val="2995250413"/>
       </p:ext>
     </p:extLst>
   </p:cSld>
@@ -3329,7 +6068,7 @@
 </p:sldLayout>
 </file>
 
-<file path=ppt/slideLayouts/slideLayout16.xml><?xml version="1.0" encoding="utf-8"?>
+<file path=ppt/slideLayouts/slideLayout28.xml><?xml version="1.0" encoding="utf-8"?>
 <p:sldLayout xmlns:a="http://schemas.openxmlformats.org/drawingml/2006/main" xmlns:r="http://schemas.openxmlformats.org/officeDocument/2006/relationships" xmlns:p="http://schemas.openxmlformats.org/presentationml/2006/main" type="vertTx" preserve="1">
   <p:cSld name="Titolo e testo verticale">
     <p:spTree>
@@ -3496,7 +6235,7 @@
     </p:spTree>
     <p:extLst>
       <p:ext uri="{BB962C8B-B14F-4D97-AF65-F5344CB8AC3E}">
-        <p14:creationId xmlns:p14="http://schemas.microsoft.com/office/powerpoint/2010/main" val="4017295527"/>
+        <p14:creationId xmlns:p14="http://schemas.microsoft.com/office/powerpoint/2010/main" val="2217034549"/>
       </p:ext>
     </p:extLst>
   </p:cSld>
@@ -3506,7 +6245,7 @@
 </p:sldLayout>
 </file>
 
-<file path=ppt/slideLayouts/slideLayout17.xml><?xml version="1.0" encoding="utf-8"?>
+<file path=ppt/slideLayouts/slideLayout29.xml><?xml version="1.0" encoding="utf-8"?>
 <p:sldLayout xmlns:a="http://schemas.openxmlformats.org/drawingml/2006/main" xmlns:r="http://schemas.openxmlformats.org/officeDocument/2006/relationships" xmlns:p="http://schemas.openxmlformats.org/presentationml/2006/main" showMasterSp="0" type="vertTitleAndTx" preserve="1">
   <p:cSld name="1_Titolo e testo verticale">
     <p:spTree>
@@ -3731,179 +6470,7 @@
     </p:spTree>
     <p:extLst>
       <p:ext uri="{BB962C8B-B14F-4D97-AF65-F5344CB8AC3E}">
-        <p14:creationId xmlns:p14="http://schemas.microsoft.com/office/powerpoint/2010/main" val="1327494144"/>
-      </p:ext>
-    </p:extLst>
-  </p:cSld>
-  <p:clrMapOvr>
-    <a:masterClrMapping/>
-  </p:clrMapOvr>
-</p:sldLayout>
-</file>
-
-<file path=ppt/slideLayouts/slideLayout2.xml><?xml version="1.0" encoding="utf-8"?>
-<p:sldLayout xmlns:a="http://schemas.openxmlformats.org/drawingml/2006/main" xmlns:r="http://schemas.openxmlformats.org/officeDocument/2006/relationships" xmlns:p="http://schemas.openxmlformats.org/presentationml/2006/main" type="obj" preserve="1">
-  <p:cSld name="Titolo e contenuto">
-    <p:spTree>
-      <p:nvGrpSpPr>
-        <p:cNvPr id="1" name=""/>
-        <p:cNvGrpSpPr/>
-        <p:nvPr/>
-      </p:nvGrpSpPr>
-      <p:grpSpPr>
-        <a:xfrm>
-          <a:off x="0" y="0"/>
-          <a:ext cx="0" cy="0"/>
-          <a:chOff x="0" y="0"/>
-          <a:chExt cx="0" cy="0"/>
-        </a:xfrm>
-      </p:grpSpPr>
-      <p:sp>
-        <p:nvSpPr>
-          <p:cNvPr id="2" name="Title 1"/>
-          <p:cNvSpPr>
-            <a:spLocks noGrp="1"/>
-          </p:cNvSpPr>
-          <p:nvPr>
-            <p:ph type="title"/>
-          </p:nvPr>
-        </p:nvSpPr>
-        <p:spPr/>
-        <p:txBody>
-          <a:bodyPr/>
-          <a:lstStyle/>
-          <a:p>
-            <a:r>
-              <a:rPr lang="it-IT"/>
-              <a:t>Fare clic per modificare lo stile del titolo dello schema</a:t>
-            </a:r>
-            <a:endParaRPr lang="en-US" dirty="0"/>
-          </a:p>
-        </p:txBody>
-      </p:sp>
-      <p:sp>
-        <p:nvSpPr>
-          <p:cNvPr id="3" name="Content Placeholder 2"/>
-          <p:cNvSpPr>
-            <a:spLocks noGrp="1"/>
-          </p:cNvSpPr>
-          <p:nvPr>
-            <p:ph idx="1"/>
-          </p:nvPr>
-        </p:nvSpPr>
-        <p:spPr/>
-        <p:txBody>
-          <a:bodyPr/>
-          <a:lstStyle/>
-          <a:p>
-            <a:pPr lvl="0"/>
-            <a:r>
-              <a:rPr lang="it-IT"/>
-              <a:t>Fare clic per modificare gli stili del testo dello schema</a:t>
-            </a:r>
-          </a:p>
-          <a:p>
-            <a:pPr lvl="1"/>
-            <a:r>
-              <a:rPr lang="it-IT"/>
-              <a:t>Secondo livello</a:t>
-            </a:r>
-          </a:p>
-          <a:p>
-            <a:pPr lvl="2"/>
-            <a:r>
-              <a:rPr lang="it-IT"/>
-              <a:t>Terzo livello</a:t>
-            </a:r>
-          </a:p>
-          <a:p>
-            <a:pPr lvl="3"/>
-            <a:r>
-              <a:rPr lang="it-IT"/>
-              <a:t>Quarto livello</a:t>
-            </a:r>
-          </a:p>
-          <a:p>
-            <a:pPr lvl="4"/>
-            <a:r>
-              <a:rPr lang="it-IT"/>
-              <a:t>Quinto livello</a:t>
-            </a:r>
-            <a:endParaRPr lang="en-US" dirty="0"/>
-          </a:p>
-        </p:txBody>
-      </p:sp>
-      <p:sp>
-        <p:nvSpPr>
-          <p:cNvPr id="4" name="Date Placeholder 3"/>
-          <p:cNvSpPr>
-            <a:spLocks noGrp="1"/>
-          </p:cNvSpPr>
-          <p:nvPr>
-            <p:ph type="dt" sz="half" idx="10"/>
-          </p:nvPr>
-        </p:nvSpPr>
-        <p:spPr/>
-        <p:txBody>
-          <a:bodyPr/>
-          <a:lstStyle/>
-          <a:p>
-            <a:fld id="{B61BEF0D-F0BB-DE4B-95CE-6DB70DBA9567}" type="datetimeFigureOut">
-              <a:rPr lang="en-US" smtClean="0"/>
-              <a:pPr/>
-              <a:t>5/9/2019</a:t>
-            </a:fld>
-            <a:endParaRPr lang="en-US" dirty="0"/>
-          </a:p>
-        </p:txBody>
-      </p:sp>
-      <p:sp>
-        <p:nvSpPr>
-          <p:cNvPr id="5" name="Footer Placeholder 4"/>
-          <p:cNvSpPr>
-            <a:spLocks noGrp="1"/>
-          </p:cNvSpPr>
-          <p:nvPr>
-            <p:ph type="ftr" sz="quarter" idx="11"/>
-          </p:nvPr>
-        </p:nvSpPr>
-        <p:spPr/>
-        <p:txBody>
-          <a:bodyPr/>
-          <a:lstStyle/>
-          <a:p>
-            <a:endParaRPr lang="en-US" dirty="0"/>
-          </a:p>
-        </p:txBody>
-      </p:sp>
-      <p:sp>
-        <p:nvSpPr>
-          <p:cNvPr id="6" name="Slide Number Placeholder 5"/>
-          <p:cNvSpPr>
-            <a:spLocks noGrp="1"/>
-          </p:cNvSpPr>
-          <p:nvPr>
-            <p:ph type="sldNum" sz="quarter" idx="12"/>
-          </p:nvPr>
-        </p:nvSpPr>
-        <p:spPr/>
-        <p:txBody>
-          <a:bodyPr/>
-          <a:lstStyle/>
-          <a:p>
-            <a:fld id="{D57F1E4F-1CFF-5643-939E-217C01CDF565}" type="slidenum">
-              <a:rPr lang="en-US" smtClean="0"/>
-              <a:pPr/>
-              <a:t>‹N›</a:t>
-            </a:fld>
-            <a:endParaRPr lang="en-US" dirty="0"/>
-          </a:p>
-        </p:txBody>
-      </p:sp>
-    </p:spTree>
-    <p:extLst>
-      <p:ext uri="{BB962C8B-B14F-4D97-AF65-F5344CB8AC3E}">
-        <p14:creationId xmlns:p14="http://schemas.microsoft.com/office/powerpoint/2010/main" val="975434959"/>
+        <p14:creationId xmlns:p14="http://schemas.microsoft.com/office/powerpoint/2010/main" val="3355832228"/>
       </p:ext>
     </p:extLst>
   </p:cSld>
@@ -3914,7 +6481,7 @@
 </file>
 
 <file path=ppt/slideLayouts/slideLayout3.xml><?xml version="1.0" encoding="utf-8"?>
-<p:sldLayout xmlns:a="http://schemas.openxmlformats.org/drawingml/2006/main" xmlns:r="http://schemas.openxmlformats.org/officeDocument/2006/relationships" xmlns:p="http://schemas.openxmlformats.org/presentationml/2006/main" showMasterSp="0" type="secHead" preserve="1">
+<p:sldLayout xmlns:a="http://schemas.openxmlformats.org/drawingml/2006/main" xmlns:r="http://schemas.openxmlformats.org/officeDocument/2006/relationships" xmlns:p="http://schemas.openxmlformats.org/presentationml/2006/main" type="secHead" preserve="1">
   <p:cSld name="Intestazione sezione">
     <p:spTree>
       <p:nvGrpSpPr>
@@ -3930,36 +6497,6 @@
           <a:chExt cx="0" cy="0"/>
         </a:xfrm>
       </p:grpSpPr>
-      <p:pic>
-        <p:nvPicPr>
-          <p:cNvPr id="9" name="Picture 8" descr="C0-HD-BTM.png"/>
-          <p:cNvPicPr>
-            <a:picLocks noChangeAspect="1"/>
-          </p:cNvPicPr>
-          <p:nvPr/>
-        </p:nvPicPr>
-        <p:blipFill>
-          <a:blip r:embed="rId2">
-            <a:extLst>
-              <a:ext uri="{28A0092B-C50C-407E-A947-70E740481C1C}">
-                <a14:useLocalDpi xmlns:a14="http://schemas.microsoft.com/office/drawing/2010/main" val="0"/>
-              </a:ext>
-            </a:extLst>
-          </a:blip>
-          <a:stretch>
-            <a:fillRect/>
-          </a:stretch>
-        </p:blipFill>
-        <p:spPr>
-          <a:xfrm>
-            <a:off x="0" y="4375150"/>
-            <a:ext cx="12192000" cy="2482850"/>
-          </a:xfrm>
-          <a:prstGeom prst="rect">
-            <a:avLst/>
-          </a:prstGeom>
-        </p:spPr>
-      </p:pic>
       <p:sp>
         <p:nvSpPr>
           <p:cNvPr id="2" name="Title 1"/>
@@ -3972,8 +6509,8 @@
         </p:nvSpPr>
         <p:spPr>
           <a:xfrm>
-            <a:off x="685800" y="753533"/>
-            <a:ext cx="10820399" cy="2801935"/>
+            <a:off x="831850" y="1712423"/>
+            <a:ext cx="10515600" cy="2851208"/>
           </a:xfrm>
         </p:spPr>
         <p:txBody>
@@ -3981,8 +6518,8 @@
             <a:normAutofit/>
           </a:bodyPr>
           <a:lstStyle>
-            <a:lvl1pPr algn="r">
-              <a:defRPr sz="4000"/>
+            <a:lvl1pPr>
+              <a:defRPr sz="6000" b="0"/>
             </a:lvl1pPr>
           </a:lstStyle>
           <a:p>
@@ -4006,104 +6543,105 @@
         </p:nvSpPr>
         <p:spPr>
           <a:xfrm>
-            <a:off x="1024467" y="3641725"/>
-            <a:ext cx="10490200" cy="955675"/>
-          </a:xfrm>
-        </p:spPr>
-        <p:txBody>
-          <a:bodyPr>
+            <a:off x="831850" y="4552633"/>
+            <a:ext cx="10515600" cy="1500187"/>
+          </a:xfrm>
+        </p:spPr>
+        <p:txBody>
+          <a:bodyPr anchor="t">
             <a:normAutofit/>
           </a:bodyPr>
           <a:lstStyle>
-            <a:lvl1pPr marL="0" indent="0" algn="r">
-              <a:buNone/>
-              <a:defRPr sz="2200">
+            <a:lvl1pPr marL="0" indent="0">
+              <a:buNone/>
+              <a:defRPr sz="2400">
+                <a:solidFill>
+                  <a:schemeClr val="tx1">
+                    <a:lumMod val="75000"/>
+                    <a:lumOff val="25000"/>
+                  </a:schemeClr>
+                </a:solidFill>
+              </a:defRPr>
+            </a:lvl1pPr>
+            <a:lvl2pPr marL="457200" indent="0">
+              <a:buNone/>
+              <a:defRPr sz="1800">
                 <a:solidFill>
                   <a:schemeClr val="tx1">
                     <a:tint val="75000"/>
                   </a:schemeClr>
                 </a:solidFill>
               </a:defRPr>
-            </a:lvl1pPr>
-            <a:lvl2pPr marL="457200" indent="0">
-              <a:buNone/>
-              <a:defRPr sz="2000">
+            </a:lvl2pPr>
+            <a:lvl3pPr marL="914400" indent="0">
+              <a:buNone/>
+              <a:defRPr sz="1600">
                 <a:solidFill>
                   <a:schemeClr val="tx1">
                     <a:tint val="75000"/>
                   </a:schemeClr>
                 </a:solidFill>
               </a:defRPr>
-            </a:lvl2pPr>
-            <a:lvl3pPr marL="914400" indent="0">
-              <a:buNone/>
-              <a:defRPr sz="1800">
+            </a:lvl3pPr>
+            <a:lvl4pPr marL="1371600" indent="0">
+              <a:buNone/>
+              <a:defRPr sz="1400">
                 <a:solidFill>
                   <a:schemeClr val="tx1">
                     <a:tint val="75000"/>
                   </a:schemeClr>
                 </a:solidFill>
               </a:defRPr>
-            </a:lvl3pPr>
-            <a:lvl4pPr marL="1371600" indent="0">
-              <a:buNone/>
-              <a:defRPr sz="1600">
+            </a:lvl4pPr>
+            <a:lvl5pPr marL="1828800" indent="0">
+              <a:buNone/>
+              <a:defRPr sz="1400">
                 <a:solidFill>
                   <a:schemeClr val="tx1">
                     <a:tint val="75000"/>
                   </a:schemeClr>
                 </a:solidFill>
               </a:defRPr>
-            </a:lvl4pPr>
-            <a:lvl5pPr marL="1828800" indent="0">
-              <a:buNone/>
-              <a:defRPr sz="1600">
+            </a:lvl5pPr>
+            <a:lvl6pPr marL="2286000" indent="0">
+              <a:buNone/>
+              <a:defRPr sz="1400">
                 <a:solidFill>
                   <a:schemeClr val="tx1">
                     <a:tint val="75000"/>
                   </a:schemeClr>
                 </a:solidFill>
               </a:defRPr>
-            </a:lvl5pPr>
-            <a:lvl6pPr marL="2286000" indent="0">
-              <a:buNone/>
-              <a:defRPr sz="1600">
+            </a:lvl6pPr>
+            <a:lvl7pPr marL="2743200" indent="0">
+              <a:buNone/>
+              <a:defRPr sz="1400">
                 <a:solidFill>
                   <a:schemeClr val="tx1">
                     <a:tint val="75000"/>
                   </a:schemeClr>
                 </a:solidFill>
               </a:defRPr>
-            </a:lvl6pPr>
-            <a:lvl7pPr marL="2743200" indent="0">
-              <a:buNone/>
-              <a:defRPr sz="1600">
+            </a:lvl7pPr>
+            <a:lvl8pPr marL="3200400" indent="0">
+              <a:buNone/>
+              <a:defRPr sz="1400">
                 <a:solidFill>
                   <a:schemeClr val="tx1">
                     <a:tint val="75000"/>
                   </a:schemeClr>
                 </a:solidFill>
               </a:defRPr>
-            </a:lvl7pPr>
-            <a:lvl8pPr marL="3200400" indent="0">
-              <a:buNone/>
-              <a:defRPr sz="1600">
+            </a:lvl8pPr>
+            <a:lvl9pPr marL="3657600" indent="0">
+              <a:buNone/>
+              <a:defRPr sz="1400">
                 <a:solidFill>
                   <a:schemeClr val="tx1">
                     <a:tint val="75000"/>
                   </a:schemeClr>
                 </a:solidFill>
               </a:defRPr>
-            </a:lvl8pPr>
-            <a:lvl9pPr marL="3657600" indent="0">
-              <a:buNone/>
-              <a:defRPr sz="1600">
-                <a:solidFill>
-                  <a:schemeClr val="tx1">
-                    <a:tint val="75000"/>
-                  </a:schemeClr>
-                </a:solidFill>
-              </a:defRPr>
             </a:lvl9pPr>
           </a:lstStyle>
           <a:p>
@@ -4125,19 +6663,10 @@
             <p:ph type="dt" sz="half" idx="10"/>
           </p:nvPr>
         </p:nvSpPr>
-        <p:spPr>
-          <a:xfrm>
-            <a:off x="7814452" y="381000"/>
-            <a:ext cx="2910840" cy="365125"/>
-          </a:xfrm>
-        </p:spPr>
+        <p:spPr/>
         <p:txBody>
           <a:bodyPr/>
-          <a:lstStyle>
-            <a:lvl1pPr algn="r">
-              <a:defRPr/>
-            </a:lvl1pPr>
-          </a:lstStyle>
+          <a:lstStyle/>
           <a:p>
             <a:fld id="{B61BEF0D-F0BB-DE4B-95CE-6DB70DBA9567}" type="datetimeFigureOut">
               <a:rPr lang="en-US" smtClean="0"/>
@@ -4158,12 +6687,7 @@
             <p:ph type="ftr" sz="quarter" idx="11"/>
           </p:nvPr>
         </p:nvSpPr>
-        <p:spPr>
-          <a:xfrm>
-            <a:off x="685800" y="381001"/>
-            <a:ext cx="6991492" cy="364065"/>
-          </a:xfrm>
-        </p:spPr>
+        <p:spPr/>
         <p:txBody>
           <a:bodyPr/>
           <a:lstStyle/>
@@ -4182,12 +6706,7 @@
             <p:ph type="sldNum" sz="quarter" idx="12"/>
           </p:nvPr>
         </p:nvSpPr>
-        <p:spPr>
-          <a:xfrm>
-            <a:off x="10862452" y="381000"/>
-            <a:ext cx="643748" cy="365125"/>
-          </a:xfrm>
-        </p:spPr>
+        <p:spPr/>
         <p:txBody>
           <a:bodyPr/>
           <a:lstStyle/>
@@ -4204,13 +6723,25 @@
     </p:spTree>
     <p:extLst>
       <p:ext uri="{BB962C8B-B14F-4D97-AF65-F5344CB8AC3E}">
-        <p14:creationId xmlns:p14="http://schemas.microsoft.com/office/powerpoint/2010/main" val="3128705693"/>
+        <p14:creationId xmlns:p14="http://schemas.microsoft.com/office/powerpoint/2010/main" val="3708107721"/>
       </p:ext>
     </p:extLst>
   </p:cSld>
   <p:clrMapOvr>
     <a:masterClrMapping/>
   </p:clrMapOvr>
+  <mc:AlternateContent xmlns:mc="http://schemas.openxmlformats.org/markup-compatibility/2006" xmlns:p14="http://schemas.microsoft.com/office/powerpoint/2010/main">
+    <mc:Choice Requires="p14">
+      <p:transition spd="med" p14:dur="700">
+        <p:fade/>
+      </p:transition>
+    </mc:Choice>
+    <mc:Fallback xmlns="">
+      <p:transition spd="med">
+        <p:fade/>
+      </p:transition>
+    </mc:Fallback>
+  </mc:AlternateContent>
 </p:sldLayout>
 </file>
 
@@ -4266,8 +6797,8 @@
         </p:nvSpPr>
         <p:spPr>
           <a:xfrm>
-            <a:off x="685800" y="2194559"/>
-            <a:ext cx="5334000" cy="4024125"/>
+            <a:off x="845127" y="1828800"/>
+            <a:ext cx="5181600" cy="4351337"/>
           </a:xfrm>
         </p:spPr>
         <p:txBody>
@@ -4323,8 +6854,8 @@
         </p:nvSpPr>
         <p:spPr>
           <a:xfrm>
-            <a:off x="6172200" y="2194559"/>
-            <a:ext cx="5334000" cy="4024125"/>
+            <a:off x="6172200" y="1828800"/>
+            <a:ext cx="5181600" cy="4351337"/>
           </a:xfrm>
         </p:spPr>
         <p:txBody>
@@ -4438,7 +6969,7 @@
     </p:spTree>
     <p:extLst>
       <p:ext uri="{BB962C8B-B14F-4D97-AF65-F5344CB8AC3E}">
-        <p14:creationId xmlns:p14="http://schemas.microsoft.com/office/powerpoint/2010/main" val="2320457270"/>
+        <p14:creationId xmlns:p14="http://schemas.microsoft.com/office/powerpoint/2010/main" val="527357165"/>
       </p:ext>
     </p:extLst>
   </p:cSld>
@@ -4449,7 +6980,7 @@
 </file>
 
 <file path=ppt/slideLayouts/slideLayout5.xml><?xml version="1.0" encoding="utf-8"?>
-<p:sldLayout xmlns:a="http://schemas.openxmlformats.org/drawingml/2006/main" xmlns:r="http://schemas.openxmlformats.org/officeDocument/2006/relationships" xmlns:p="http://schemas.openxmlformats.org/presentationml/2006/main" type="twoTxTwoObj" preserve="1">
+<p:sldLayout xmlns:a="http://schemas.openxmlformats.org/drawingml/2006/main" xmlns:r="http://schemas.openxmlformats.org/officeDocument/2006/relationships" xmlns:p="http://schemas.openxmlformats.org/presentationml/2006/main" preserve="1">
   <p:cSld name="Confronto">
     <p:spTree>
       <p:nvGrpSpPr>
@@ -4467,34 +6998,6 @@
       </p:grpSpPr>
       <p:sp>
         <p:nvSpPr>
-          <p:cNvPr id="2" name="Title 1"/>
-          <p:cNvSpPr>
-            <a:spLocks noGrp="1"/>
-          </p:cNvSpPr>
-          <p:nvPr>
-            <p:ph type="title"/>
-          </p:nvPr>
-        </p:nvSpPr>
-        <p:spPr>
-          <a:xfrm>
-            <a:off x="2895600" y="762000"/>
-            <a:ext cx="8610600" cy="1295400"/>
-          </a:xfrm>
-        </p:spPr>
-        <p:txBody>
-          <a:bodyPr/>
-          <a:lstStyle/>
-          <a:p>
-            <a:r>
-              <a:rPr lang="it-IT"/>
-              <a:t>Fare clic per modificare lo stile del titolo dello schema</a:t>
-            </a:r>
-            <a:endParaRPr lang="en-US" dirty="0"/>
-          </a:p>
-        </p:txBody>
-      </p:sp>
-      <p:sp>
-        <p:nvSpPr>
           <p:cNvPr id="3" name="Text Placeholder 2"/>
           <p:cNvSpPr>
             <a:spLocks noGrp="1"/>
@@ -4505,8 +7008,8 @@
         </p:nvSpPr>
         <p:spPr>
           <a:xfrm>
-            <a:off x="914409" y="2183802"/>
-            <a:ext cx="5079991" cy="823912"/>
+            <a:off x="845127" y="1681850"/>
+            <a:ext cx="5156200" cy="825699"/>
           </a:xfrm>
         </p:spPr>
         <p:txBody>
@@ -4515,12 +7018,11 @@
           </a:bodyPr>
           <a:lstStyle>
             <a:lvl1pPr marL="0" indent="0">
-              <a:buNone/>
-              <a:defRPr sz="2800" b="0">
-                <a:solidFill>
-                  <a:schemeClr val="tx1"/>
-                </a:solidFill>
-              </a:defRPr>
+              <a:spcBef>
+                <a:spcPts val="0"/>
+              </a:spcBef>
+              <a:buNone/>
+              <a:defRPr sz="2400" b="1"/>
             </a:lvl1pPr>
             <a:lvl2pPr marL="457200" indent="0">
               <a:buNone/>
@@ -4576,8 +7078,8 @@
         </p:nvSpPr>
         <p:spPr>
           <a:xfrm>
-            <a:off x="685800" y="3132666"/>
-            <a:ext cx="5311775" cy="3086019"/>
+            <a:off x="845127" y="2507550"/>
+            <a:ext cx="5156200" cy="3680525"/>
           </a:xfrm>
         </p:spPr>
         <p:txBody>
@@ -4633,22 +7135,19 @@
         </p:nvSpPr>
         <p:spPr>
           <a:xfrm>
-            <a:off x="6400800" y="2183802"/>
-            <a:ext cx="5105400" cy="823912"/>
-          </a:xfrm>
-        </p:spPr>
-        <p:txBody>
-          <a:bodyPr anchor="b">
-            <a:normAutofit/>
-          </a:bodyPr>
+            <a:off x="6172200" y="1681851"/>
+            <a:ext cx="5181601" cy="825698"/>
+          </a:xfrm>
+        </p:spPr>
+        <p:txBody>
+          <a:bodyPr anchor="b"/>
           <a:lstStyle>
             <a:lvl1pPr marL="0" indent="0">
-              <a:buNone/>
-              <a:defRPr sz="2800" b="0">
-                <a:solidFill>
-                  <a:schemeClr val="tx1"/>
-                </a:solidFill>
-              </a:defRPr>
+              <a:spcBef>
+                <a:spcPts val="0"/>
+              </a:spcBef>
+              <a:buNone/>
+              <a:defRPr sz="2400" b="1"/>
             </a:lvl1pPr>
             <a:lvl2pPr marL="457200" indent="0">
               <a:buNone/>
@@ -4704,8 +7203,8 @@
         </p:nvSpPr>
         <p:spPr>
           <a:xfrm>
-            <a:off x="6172200" y="3132666"/>
-            <a:ext cx="5334000" cy="3086019"/>
+            <a:off x="6172200" y="2507550"/>
+            <a:ext cx="5181601" cy="3680525"/>
           </a:xfrm>
         </p:spPr>
         <p:txBody>
@@ -4745,7 +7244,7 @@
               <a:rPr lang="it-IT"/>
               <a:t>Quinto livello</a:t>
             </a:r>
-            <a:endParaRPr lang="en-US" dirty="0"/>
+            <a:endParaRPr lang="en-US"/>
           </a:p>
         </p:txBody>
       </p:sp>
@@ -4816,10 +7315,33 @@
           </a:p>
         </p:txBody>
       </p:sp>
+      <p:sp>
+        <p:nvSpPr>
+          <p:cNvPr id="10" name="Title 9"/>
+          <p:cNvSpPr>
+            <a:spLocks noGrp="1"/>
+          </p:cNvSpPr>
+          <p:nvPr>
+            <p:ph type="title"/>
+          </p:nvPr>
+        </p:nvSpPr>
+        <p:spPr/>
+        <p:txBody>
+          <a:bodyPr/>
+          <a:lstStyle/>
+          <a:p>
+            <a:r>
+              <a:rPr lang="it-IT"/>
+              <a:t>Fare clic per modificare lo stile del titolo dello schema</a:t>
+            </a:r>
+            <a:endParaRPr lang="en-US" dirty="0"/>
+          </a:p>
+        </p:txBody>
+      </p:sp>
     </p:spTree>
     <p:extLst>
       <p:ext uri="{BB962C8B-B14F-4D97-AF65-F5344CB8AC3E}">
-        <p14:creationId xmlns:p14="http://schemas.microsoft.com/office/powerpoint/2010/main" val="3777846817"/>
+        <p14:creationId xmlns:p14="http://schemas.microsoft.com/office/powerpoint/2010/main" val="2019750935"/>
       </p:ext>
     </p:extLst>
   </p:cSld>
@@ -4830,7 +7352,7 @@
 </file>
 
 <file path=ppt/slideLayouts/slideLayout6.xml><?xml version="1.0" encoding="utf-8"?>
-<p:sldLayout xmlns:a="http://schemas.openxmlformats.org/drawingml/2006/main" xmlns:r="http://schemas.openxmlformats.org/officeDocument/2006/relationships" xmlns:p="http://schemas.openxmlformats.org/presentationml/2006/main" type="titleOnly" preserve="1">
+<p:sldLayout xmlns:a="http://schemas.openxmlformats.org/drawingml/2006/main" xmlns:r="http://schemas.openxmlformats.org/officeDocument/2006/relationships" xmlns:p="http://schemas.openxmlformats.org/presentationml/2006/main" preserve="1">
   <p:cSld name="Solo titolo">
     <p:spTree>
       <p:nvGrpSpPr>
@@ -4848,29 +7370,6 @@
       </p:grpSpPr>
       <p:sp>
         <p:nvSpPr>
-          <p:cNvPr id="2" name="Title 1"/>
-          <p:cNvSpPr>
-            <a:spLocks noGrp="1"/>
-          </p:cNvSpPr>
-          <p:nvPr>
-            <p:ph type="title"/>
-          </p:nvPr>
-        </p:nvSpPr>
-        <p:spPr/>
-        <p:txBody>
-          <a:bodyPr/>
-          <a:lstStyle/>
-          <a:p>
-            <a:r>
-              <a:rPr lang="it-IT"/>
-              <a:t>Fare clic per modificare lo stile del titolo dello schema</a:t>
-            </a:r>
-            <a:endParaRPr lang="en-US" dirty="0"/>
-          </a:p>
-        </p:txBody>
-      </p:sp>
-      <p:sp>
-        <p:nvSpPr>
           <p:cNvPr id="3" name="Date Placeholder 2"/>
           <p:cNvSpPr>
             <a:spLocks noGrp="1"/>
@@ -4936,16 +7435,51 @@
           </a:p>
         </p:txBody>
       </p:sp>
+      <p:sp>
+        <p:nvSpPr>
+          <p:cNvPr id="6" name="Title 5"/>
+          <p:cNvSpPr>
+            <a:spLocks noGrp="1"/>
+          </p:cNvSpPr>
+          <p:nvPr>
+            <p:ph type="title"/>
+          </p:nvPr>
+        </p:nvSpPr>
+        <p:spPr/>
+        <p:txBody>
+          <a:bodyPr/>
+          <a:lstStyle/>
+          <a:p>
+            <a:r>
+              <a:rPr lang="it-IT"/>
+              <a:t>Fare clic per modificare lo stile del titolo dello schema</a:t>
+            </a:r>
+            <a:endParaRPr lang="en-US"/>
+          </a:p>
+        </p:txBody>
+      </p:sp>
     </p:spTree>
     <p:extLst>
       <p:ext uri="{BB962C8B-B14F-4D97-AF65-F5344CB8AC3E}">
-        <p14:creationId xmlns:p14="http://schemas.microsoft.com/office/powerpoint/2010/main" val="43190379"/>
+        <p14:creationId xmlns:p14="http://schemas.microsoft.com/office/powerpoint/2010/main" val="240968054"/>
       </p:ext>
     </p:extLst>
   </p:cSld>
   <p:clrMapOvr>
     <a:masterClrMapping/>
   </p:clrMapOvr>
+  <mc:AlternateContent xmlns:mc="http://schemas.openxmlformats.org/markup-compatibility/2006" xmlns:p14="http://schemas.microsoft.com/office/powerpoint/2010/main">
+    <mc:Choice Requires="p14">
+      <p:transition spd="med" p14:dur="700">
+        <p:fade/>
+      </p:transition>
+    </mc:Choice>
+    <mc:Fallback xmlns="">
+      <p:transition spd="med">
+        <p:fade/>
+      </p:transition>
+    </mc:Fallback>
+  </mc:AlternateContent>
 </p:sldLayout>
 </file>
 
@@ -5036,7 +7570,7 @@
     </p:spTree>
     <p:extLst>
       <p:ext uri="{BB962C8B-B14F-4D97-AF65-F5344CB8AC3E}">
-        <p14:creationId xmlns:p14="http://schemas.microsoft.com/office/powerpoint/2010/main" val="188200430"/>
+        <p14:creationId xmlns:p14="http://schemas.microsoft.com/office/powerpoint/2010/main" val="2755037869"/>
       </p:ext>
     </p:extLst>
   </p:cSld>
@@ -5075,21 +7609,108 @@
         </p:nvSpPr>
         <p:spPr>
           <a:xfrm>
-            <a:off x="685800" y="1524000"/>
-            <a:ext cx="4114800" cy="1600200"/>
-          </a:xfrm>
-        </p:spPr>
-        <p:txBody>
-          <a:bodyPr anchor="b"/>
+            <a:off x="841248" y="457200"/>
+            <a:ext cx="3931920" cy="1600197"/>
+          </a:xfrm>
+        </p:spPr>
+        <p:txBody>
+          <a:bodyPr anchor="b">
+            <a:normAutofit/>
+          </a:bodyPr>
           <a:lstStyle>
-            <a:lvl1pPr algn="l">
+            <a:lvl1pPr>
+              <a:defRPr sz="3200" b="0"/>
+            </a:lvl1pPr>
+          </a:lstStyle>
+          <a:p>
+            <a:r>
+              <a:rPr lang="it-IT"/>
+              <a:t>Fare clic per modificare lo stile del titolo dello schema</a:t>
+            </a:r>
+            <a:endParaRPr lang="en-US" dirty="0"/>
+          </a:p>
+        </p:txBody>
+      </p:sp>
+      <p:sp>
+        <p:nvSpPr>
+          <p:cNvPr id="3" name="Content Placeholder 2"/>
+          <p:cNvSpPr>
+            <a:spLocks noGrp="1"/>
+          </p:cNvSpPr>
+          <p:nvPr>
+            <p:ph idx="1"/>
+          </p:nvPr>
+        </p:nvSpPr>
+        <p:spPr>
+          <a:xfrm>
+            <a:off x="5181600" y="990600"/>
+            <a:ext cx="6172200" cy="4876800"/>
+          </a:xfrm>
+        </p:spPr>
+        <p:txBody>
+          <a:bodyPr/>
+          <a:lstStyle>
+            <a:lvl1pPr>
               <a:defRPr sz="3200"/>
             </a:lvl1pPr>
+            <a:lvl2pPr>
+              <a:defRPr sz="2800"/>
+            </a:lvl2pPr>
+            <a:lvl3pPr>
+              <a:defRPr sz="2400"/>
+            </a:lvl3pPr>
+            <a:lvl4pPr>
+              <a:defRPr sz="2000"/>
+            </a:lvl4pPr>
+            <a:lvl5pPr>
+              <a:defRPr sz="2000"/>
+            </a:lvl5pPr>
+            <a:lvl6pPr>
+              <a:defRPr sz="2000"/>
+            </a:lvl6pPr>
+            <a:lvl7pPr>
+              <a:defRPr sz="2000"/>
+            </a:lvl7pPr>
+            <a:lvl8pPr>
+              <a:defRPr sz="2000"/>
+            </a:lvl8pPr>
+            <a:lvl9pPr>
+              <a:defRPr sz="2000"/>
+            </a:lvl9pPr>
           </a:lstStyle>
           <a:p>
-            <a:r>
-              <a:rPr lang="it-IT"/>
-              <a:t>Fare clic per modificare lo stile del titolo dello schema</a:t>
+            <a:pPr lvl="0"/>
+            <a:r>
+              <a:rPr lang="it-IT"/>
+              <a:t>Fare clic per modificare gli stili del testo dello schema</a:t>
+            </a:r>
+          </a:p>
+          <a:p>
+            <a:pPr lvl="1"/>
+            <a:r>
+              <a:rPr lang="it-IT"/>
+              <a:t>Secondo livello</a:t>
+            </a:r>
+          </a:p>
+          <a:p>
+            <a:pPr lvl="2"/>
+            <a:r>
+              <a:rPr lang="it-IT"/>
+              <a:t>Terzo livello</a:t>
+            </a:r>
+          </a:p>
+          <a:p>
+            <a:pPr lvl="3"/>
+            <a:r>
+              <a:rPr lang="it-IT"/>
+              <a:t>Quarto livello</a:t>
+            </a:r>
+          </a:p>
+          <a:p>
+            <a:pPr lvl="4"/>
+            <a:r>
+              <a:rPr lang="it-IT"/>
+              <a:t>Quinto livello</a:t>
             </a:r>
             <a:endParaRPr lang="en-US" dirty="0"/>
           </a:p>
@@ -5097,63 +7718,6 @@
       </p:sp>
       <p:sp>
         <p:nvSpPr>
-          <p:cNvPr id="3" name="Content Placeholder 2"/>
-          <p:cNvSpPr>
-            <a:spLocks noGrp="1"/>
-          </p:cNvSpPr>
-          <p:nvPr>
-            <p:ph idx="1"/>
-          </p:nvPr>
-        </p:nvSpPr>
-        <p:spPr>
-          <a:xfrm>
-            <a:off x="4995582" y="746759"/>
-            <a:ext cx="6510618" cy="5471925"/>
-          </a:xfrm>
-        </p:spPr>
-        <p:txBody>
-          <a:bodyPr anchor="ctr"/>
-          <a:lstStyle/>
-          <a:p>
-            <a:pPr lvl="0"/>
-            <a:r>
-              <a:rPr lang="it-IT"/>
-              <a:t>Fare clic per modificare gli stili del testo dello schema</a:t>
-            </a:r>
-          </a:p>
-          <a:p>
-            <a:pPr lvl="1"/>
-            <a:r>
-              <a:rPr lang="it-IT"/>
-              <a:t>Secondo livello</a:t>
-            </a:r>
-          </a:p>
-          <a:p>
-            <a:pPr lvl="2"/>
-            <a:r>
-              <a:rPr lang="it-IT"/>
-              <a:t>Terzo livello</a:t>
-            </a:r>
-          </a:p>
-          <a:p>
-            <a:pPr lvl="3"/>
-            <a:r>
-              <a:rPr lang="it-IT"/>
-              <a:t>Quarto livello</a:t>
-            </a:r>
-          </a:p>
-          <a:p>
-            <a:pPr lvl="4"/>
-            <a:r>
-              <a:rPr lang="it-IT"/>
-              <a:t>Quinto livello</a:t>
-            </a:r>
-            <a:endParaRPr lang="en-US" dirty="0"/>
-          </a:p>
-        </p:txBody>
-      </p:sp>
-      <p:sp>
-        <p:nvSpPr>
           <p:cNvPr id="4" name="Text Placeholder 3"/>
           <p:cNvSpPr>
             <a:spLocks noGrp="1"/>
@@ -5164,48 +7728,53 @@
         </p:nvSpPr>
         <p:spPr>
           <a:xfrm>
-            <a:off x="685800" y="3124199"/>
-            <a:ext cx="4114800" cy="3094485"/>
-          </a:xfrm>
-        </p:spPr>
-        <p:txBody>
-          <a:bodyPr/>
+            <a:off x="841248" y="2057399"/>
+            <a:ext cx="3931920" cy="3810001"/>
+          </a:xfrm>
+        </p:spPr>
+        <p:txBody>
+          <a:bodyPr>
+            <a:normAutofit/>
+          </a:bodyPr>
           <a:lstStyle>
             <a:lvl1pPr marL="0" indent="0">
+              <a:lnSpc>
+                <a:spcPct val="90000"/>
+              </a:lnSpc>
               <a:buNone/>
               <a:defRPr sz="1600"/>
             </a:lvl1pPr>
             <a:lvl2pPr marL="457200" indent="0">
               <a:buNone/>
-              <a:defRPr sz="1400"/>
+              <a:defRPr sz="1200"/>
             </a:lvl2pPr>
             <a:lvl3pPr marL="914400" indent="0">
               <a:buNone/>
-              <a:defRPr sz="1200"/>
+              <a:defRPr sz="1000"/>
             </a:lvl3pPr>
             <a:lvl4pPr marL="1371600" indent="0">
               <a:buNone/>
-              <a:defRPr sz="1000"/>
+              <a:defRPr sz="900"/>
             </a:lvl4pPr>
             <a:lvl5pPr marL="1828800" indent="0">
               <a:buNone/>
-              <a:defRPr sz="1000"/>
+              <a:defRPr sz="900"/>
             </a:lvl5pPr>
             <a:lvl6pPr marL="2286000" indent="0">
               <a:buNone/>
-              <a:defRPr sz="1000"/>
+              <a:defRPr sz="900"/>
             </a:lvl6pPr>
             <a:lvl7pPr marL="2743200" indent="0">
               <a:buNone/>
-              <a:defRPr sz="1000"/>
+              <a:defRPr sz="900"/>
             </a:lvl7pPr>
             <a:lvl8pPr marL="3200400" indent="0">
               <a:buNone/>
-              <a:defRPr sz="1000"/>
+              <a:defRPr sz="900"/>
             </a:lvl8pPr>
             <a:lvl9pPr marL="3657600" indent="0">
               <a:buNone/>
-              <a:defRPr sz="1000"/>
+              <a:defRPr sz="900"/>
             </a:lvl9pPr>
           </a:lstStyle>
           <a:p>
@@ -5287,7 +7856,7 @@
     </p:spTree>
     <p:extLst>
       <p:ext uri="{BB962C8B-B14F-4D97-AF65-F5344CB8AC3E}">
-        <p14:creationId xmlns:p14="http://schemas.microsoft.com/office/powerpoint/2010/main" val="260825236"/>
+        <p14:creationId xmlns:p14="http://schemas.microsoft.com/office/powerpoint/2010/main" val="1038427658"/>
       </p:ext>
     </p:extLst>
   </p:cSld>
@@ -5326,15 +7895,17 @@
         </p:nvSpPr>
         <p:spPr>
           <a:xfrm>
-            <a:off x="685800" y="1524000"/>
-            <a:ext cx="6873240" cy="1600200"/>
-          </a:xfrm>
-        </p:spPr>
-        <p:txBody>
-          <a:bodyPr anchor="b"/>
+            <a:off x="841248" y="457200"/>
+            <a:ext cx="3931920" cy="1600200"/>
+          </a:xfrm>
+        </p:spPr>
+        <p:txBody>
+          <a:bodyPr anchor="b">
+            <a:normAutofit/>
+          </a:bodyPr>
           <a:lstStyle>
-            <a:lvl1pPr algn="l">
-              <a:defRPr sz="3200"/>
+            <a:lvl1pPr>
+              <a:defRPr sz="3200" b="0"/>
             </a:lvl1pPr>
           </a:lstStyle>
           <a:p>
@@ -5350,7 +7921,7 @@
         <p:nvSpPr>
           <p:cNvPr id="3" name="Picture Placeholder 2"/>
           <p:cNvSpPr>
-            <a:spLocks noGrp="1" noChangeAspect="1"/>
+            <a:spLocks noGrp="1"/>
           </p:cNvSpPr>
           <p:nvPr>
             <p:ph type="pic" idx="1"/>
@@ -5358,12 +7929,12 @@
         </p:nvSpPr>
         <p:spPr>
           <a:xfrm>
-            <a:off x="7861238" y="751241"/>
-            <a:ext cx="3644962" cy="5467443"/>
-          </a:xfrm>
-        </p:spPr>
-        <p:txBody>
-          <a:bodyPr anchor="t"/>
+            <a:off x="5181600" y="990600"/>
+            <a:ext cx="6172200" cy="4876800"/>
+          </a:xfrm>
+        </p:spPr>
+        <p:txBody>
+          <a:bodyPr/>
           <a:lstStyle>
             <a:lvl1pPr marL="0" indent="0">
               <a:buNone/>
@@ -5423,48 +7994,53 @@
         </p:nvSpPr>
         <p:spPr>
           <a:xfrm>
-            <a:off x="685800" y="3124199"/>
-            <a:ext cx="6873240" cy="3094485"/>
-          </a:xfrm>
-        </p:spPr>
-        <p:txBody>
-          <a:bodyPr/>
+            <a:off x="841248" y="2057400"/>
+            <a:ext cx="3931920" cy="3810000"/>
+          </a:xfrm>
+        </p:spPr>
+        <p:txBody>
+          <a:bodyPr>
+            <a:normAutofit/>
+          </a:bodyPr>
           <a:lstStyle>
             <a:lvl1pPr marL="0" indent="0">
+              <a:lnSpc>
+                <a:spcPct val="90000"/>
+              </a:lnSpc>
               <a:buNone/>
               <a:defRPr sz="1600"/>
             </a:lvl1pPr>
             <a:lvl2pPr marL="457200" indent="0">
               <a:buNone/>
-              <a:defRPr sz="1400"/>
+              <a:defRPr sz="1200"/>
             </a:lvl2pPr>
             <a:lvl3pPr marL="914400" indent="0">
               <a:buNone/>
-              <a:defRPr sz="1200"/>
+              <a:defRPr sz="1000"/>
             </a:lvl3pPr>
             <a:lvl4pPr marL="1371600" indent="0">
               <a:buNone/>
-              <a:defRPr sz="1000"/>
+              <a:defRPr sz="900"/>
             </a:lvl4pPr>
             <a:lvl5pPr marL="1828800" indent="0">
               <a:buNone/>
-              <a:defRPr sz="1000"/>
+              <a:defRPr sz="900"/>
             </a:lvl5pPr>
             <a:lvl6pPr marL="2286000" indent="0">
               <a:buNone/>
-              <a:defRPr sz="1000"/>
+              <a:defRPr sz="900"/>
             </a:lvl6pPr>
             <a:lvl7pPr marL="2743200" indent="0">
               <a:buNone/>
-              <a:defRPr sz="1000"/>
+              <a:defRPr sz="900"/>
             </a:lvl7pPr>
             <a:lvl8pPr marL="3200400" indent="0">
               <a:buNone/>
-              <a:defRPr sz="1000"/>
+              <a:defRPr sz="900"/>
             </a:lvl8pPr>
             <a:lvl9pPr marL="3657600" indent="0">
               <a:buNone/>
-              <a:defRPr sz="1000"/>
+              <a:defRPr sz="900"/>
             </a:lvl9pPr>
           </a:lstStyle>
           <a:p>
@@ -5546,17 +8122,579 @@
     </p:spTree>
     <p:extLst>
       <p:ext uri="{BB962C8B-B14F-4D97-AF65-F5344CB8AC3E}">
-        <p14:creationId xmlns:p14="http://schemas.microsoft.com/office/powerpoint/2010/main" val="603697026"/>
+        <p14:creationId xmlns:p14="http://schemas.microsoft.com/office/powerpoint/2010/main" val="3075081649"/>
       </p:ext>
     </p:extLst>
   </p:cSld>
   <p:clrMapOvr>
     <a:masterClrMapping/>
   </p:clrMapOvr>
+  <mc:AlternateContent xmlns:mc="http://schemas.openxmlformats.org/markup-compatibility/2006" xmlns:p14="http://schemas.microsoft.com/office/powerpoint/2010/main">
+    <mc:Choice Requires="p14">
+      <p:transition spd="med" p14:dur="700">
+        <p:fade/>
+      </p:transition>
+    </mc:Choice>
+    <mc:Fallback xmlns="">
+      <p:transition spd="med">
+        <p:fade/>
+      </p:transition>
+    </mc:Fallback>
+  </mc:AlternateContent>
 </p:sldLayout>
 </file>
 
 <file path=ppt/slideMasters/slideMaster1.xml><?xml version="1.0" encoding="utf-8"?>
+<p:sldMaster xmlns:a="http://schemas.openxmlformats.org/drawingml/2006/main" xmlns:r="http://schemas.openxmlformats.org/officeDocument/2006/relationships" xmlns:p="http://schemas.openxmlformats.org/presentationml/2006/main" preserve="1">
+  <p:cSld>
+    <p:bg>
+      <p:bgRef idx="1001">
+        <a:schemeClr val="bg1"/>
+      </p:bgRef>
+    </p:bg>
+    <p:spTree>
+      <p:nvGrpSpPr>
+        <p:cNvPr id="1" name=""/>
+        <p:cNvGrpSpPr/>
+        <p:nvPr/>
+      </p:nvGrpSpPr>
+      <p:grpSpPr>
+        <a:xfrm>
+          <a:off x="0" y="0"/>
+          <a:ext cx="0" cy="0"/>
+          <a:chOff x="0" y="0"/>
+          <a:chExt cx="0" cy="0"/>
+        </a:xfrm>
+      </p:grpSpPr>
+      <p:sp>
+        <p:nvSpPr>
+          <p:cNvPr id="2" name="Title Placeholder 1"/>
+          <p:cNvSpPr>
+            <a:spLocks noGrp="1"/>
+          </p:cNvSpPr>
+          <p:nvPr>
+            <p:ph type="title"/>
+          </p:nvPr>
+        </p:nvSpPr>
+        <p:spPr>
+          <a:xfrm>
+            <a:off x="845127" y="365760"/>
+            <a:ext cx="10515600" cy="1325562"/>
+          </a:xfrm>
+          <a:prstGeom prst="rect">
+            <a:avLst/>
+          </a:prstGeom>
+        </p:spPr>
+        <p:txBody>
+          <a:bodyPr vert="horz" lIns="91440" tIns="45720" rIns="91440" bIns="45720" rtlCol="0" anchor="ctr">
+            <a:normAutofit/>
+          </a:bodyPr>
+          <a:lstStyle/>
+          <a:p>
+            <a:r>
+              <a:rPr lang="it-IT"/>
+              <a:t>Fare clic per modificare lo stile del titolo dello schema</a:t>
+            </a:r>
+            <a:endParaRPr lang="en-US" dirty="0"/>
+          </a:p>
+        </p:txBody>
+      </p:sp>
+      <p:sp>
+        <p:nvSpPr>
+          <p:cNvPr id="3" name="Text Placeholder 2"/>
+          <p:cNvSpPr>
+            <a:spLocks noGrp="1"/>
+          </p:cNvSpPr>
+          <p:nvPr>
+            <p:ph type="body" idx="1"/>
+          </p:nvPr>
+        </p:nvSpPr>
+        <p:spPr>
+          <a:xfrm>
+            <a:off x="845127" y="1828800"/>
+            <a:ext cx="10515600" cy="4351337"/>
+          </a:xfrm>
+          <a:prstGeom prst="rect">
+            <a:avLst/>
+          </a:prstGeom>
+        </p:spPr>
+        <p:txBody>
+          <a:bodyPr vert="horz" lIns="91440" tIns="45720" rIns="91440" bIns="45720" rtlCol="0">
+            <a:normAutofit/>
+          </a:bodyPr>
+          <a:lstStyle/>
+          <a:p>
+            <a:pPr lvl="0"/>
+            <a:r>
+              <a:rPr lang="it-IT"/>
+              <a:t>Fare clic per modificare gli stili del testo dello schema</a:t>
+            </a:r>
+          </a:p>
+          <a:p>
+            <a:pPr lvl="1"/>
+            <a:r>
+              <a:rPr lang="it-IT"/>
+              <a:t>Secondo livello</a:t>
+            </a:r>
+          </a:p>
+          <a:p>
+            <a:pPr lvl="2"/>
+            <a:r>
+              <a:rPr lang="it-IT"/>
+              <a:t>Terzo livello</a:t>
+            </a:r>
+          </a:p>
+          <a:p>
+            <a:pPr lvl="3"/>
+            <a:r>
+              <a:rPr lang="it-IT"/>
+              <a:t>Quarto livello</a:t>
+            </a:r>
+          </a:p>
+          <a:p>
+            <a:pPr lvl="4"/>
+            <a:r>
+              <a:rPr lang="it-IT"/>
+              <a:t>Quinto livello</a:t>
+            </a:r>
+            <a:endParaRPr lang="en-US" dirty="0"/>
+          </a:p>
+        </p:txBody>
+      </p:sp>
+      <p:sp>
+        <p:nvSpPr>
+          <p:cNvPr id="4" name="Date Placeholder 3"/>
+          <p:cNvSpPr>
+            <a:spLocks noGrp="1"/>
+          </p:cNvSpPr>
+          <p:nvPr>
+            <p:ph type="dt" sz="half" idx="2"/>
+          </p:nvPr>
+        </p:nvSpPr>
+        <p:spPr>
+          <a:xfrm>
+            <a:off x="838200" y="6356350"/>
+            <a:ext cx="2743200" cy="365125"/>
+          </a:xfrm>
+          <a:prstGeom prst="rect">
+            <a:avLst/>
+          </a:prstGeom>
+        </p:spPr>
+        <p:txBody>
+          <a:bodyPr vert="horz" lIns="91440" tIns="45720" rIns="91440" bIns="45720" rtlCol="0" anchor="ctr"/>
+          <a:lstStyle>
+            <a:lvl1pPr algn="l">
+              <a:defRPr sz="1100">
+                <a:solidFill>
+                  <a:schemeClr val="tx1">
+                    <a:lumMod val="65000"/>
+                    <a:lumOff val="35000"/>
+                  </a:schemeClr>
+                </a:solidFill>
+              </a:defRPr>
+            </a:lvl1pPr>
+          </a:lstStyle>
+          <a:p>
+            <a:fld id="{B61BEF0D-F0BB-DE4B-95CE-6DB70DBA9567}" type="datetimeFigureOut">
+              <a:rPr lang="en-US" smtClean="0"/>
+              <a:pPr/>
+              <a:t>5/9/2019</a:t>
+            </a:fld>
+            <a:endParaRPr lang="en-US" dirty="0"/>
+          </a:p>
+        </p:txBody>
+      </p:sp>
+      <p:sp>
+        <p:nvSpPr>
+          <p:cNvPr id="5" name="Footer Placeholder 4"/>
+          <p:cNvSpPr>
+            <a:spLocks noGrp="1"/>
+          </p:cNvSpPr>
+          <p:nvPr>
+            <p:ph type="ftr" sz="quarter" idx="3"/>
+          </p:nvPr>
+        </p:nvSpPr>
+        <p:spPr>
+          <a:xfrm>
+            <a:off x="4038600" y="6356350"/>
+            <a:ext cx="4114800" cy="365125"/>
+          </a:xfrm>
+          <a:prstGeom prst="rect">
+            <a:avLst/>
+          </a:prstGeom>
+        </p:spPr>
+        <p:txBody>
+          <a:bodyPr vert="horz" lIns="91440" tIns="45720" rIns="91440" bIns="45720" rtlCol="0" anchor="ctr"/>
+          <a:lstStyle>
+            <a:lvl1pPr algn="ctr">
+              <a:defRPr sz="1100">
+                <a:solidFill>
+                  <a:schemeClr val="tx1">
+                    <a:lumMod val="65000"/>
+                    <a:lumOff val="35000"/>
+                  </a:schemeClr>
+                </a:solidFill>
+              </a:defRPr>
+            </a:lvl1pPr>
+          </a:lstStyle>
+          <a:p>
+            <a:endParaRPr lang="en-US" dirty="0"/>
+          </a:p>
+        </p:txBody>
+      </p:sp>
+      <p:sp>
+        <p:nvSpPr>
+          <p:cNvPr id="6" name="Slide Number Placeholder 5"/>
+          <p:cNvSpPr>
+            <a:spLocks noGrp="1"/>
+          </p:cNvSpPr>
+          <p:nvPr>
+            <p:ph type="sldNum" sz="quarter" idx="4"/>
+          </p:nvPr>
+        </p:nvSpPr>
+        <p:spPr>
+          <a:xfrm>
+            <a:off x="8617527" y="6356350"/>
+            <a:ext cx="2743200" cy="365125"/>
+          </a:xfrm>
+          <a:prstGeom prst="rect">
+            <a:avLst/>
+          </a:prstGeom>
+        </p:spPr>
+        <p:txBody>
+          <a:bodyPr vert="horz" lIns="91440" tIns="45720" rIns="91440" bIns="45720" rtlCol="0" anchor="ctr"/>
+          <a:lstStyle>
+            <a:lvl1pPr algn="r">
+              <a:defRPr sz="1100">
+                <a:solidFill>
+                  <a:schemeClr val="tx1">
+                    <a:tint val="75000"/>
+                  </a:schemeClr>
+                </a:solidFill>
+              </a:defRPr>
+            </a:lvl1pPr>
+          </a:lstStyle>
+          <a:p>
+            <a:fld id="{D57F1E4F-1CFF-5643-939E-217C01CDF565}" type="slidenum">
+              <a:rPr lang="en-US" smtClean="0"/>
+              <a:pPr/>
+              <a:t>‹N›</a:t>
+            </a:fld>
+            <a:endParaRPr lang="en-US" dirty="0"/>
+          </a:p>
+        </p:txBody>
+      </p:sp>
+    </p:spTree>
+    <p:extLst>
+      <p:ext uri="{BB962C8B-B14F-4D97-AF65-F5344CB8AC3E}">
+        <p14:creationId xmlns:p14="http://schemas.microsoft.com/office/powerpoint/2010/main" val="3988893654"/>
+      </p:ext>
+    </p:extLst>
+  </p:cSld>
+  <p:clrMap bg1="lt1" tx1="dk1" bg2="lt2" tx2="dk2" accent1="accent1" accent2="accent2" accent3="accent3" accent4="accent4" accent5="accent5" accent6="accent6" hlink="hlink" folHlink="folHlink"/>
+  <p:sldLayoutIdLst>
+    <p:sldLayoutId id="2147484265" r:id="rId1"/>
+    <p:sldLayoutId id="2147484266" r:id="rId2"/>
+    <p:sldLayoutId id="2147484267" r:id="rId3"/>
+    <p:sldLayoutId id="2147484268" r:id="rId4"/>
+    <p:sldLayoutId id="2147484269" r:id="rId5"/>
+    <p:sldLayoutId id="2147484270" r:id="rId6"/>
+    <p:sldLayoutId id="2147484271" r:id="rId7"/>
+    <p:sldLayoutId id="2147484272" r:id="rId8"/>
+    <p:sldLayoutId id="2147484273" r:id="rId9"/>
+    <p:sldLayoutId id="2147484274" r:id="rId10"/>
+    <p:sldLayoutId id="2147484275" r:id="rId11"/>
+    <p:sldLayoutId id="2147484276" r:id="rId12"/>
+  </p:sldLayoutIdLst>
+  <mc:AlternateContent xmlns:mc="http://schemas.openxmlformats.org/markup-compatibility/2006" xmlns:p14="http://schemas.microsoft.com/office/powerpoint/2010/main">
+    <mc:Choice Requires="p14">
+      <p:transition spd="med" p14:dur="700">
+        <p:fade/>
+      </p:transition>
+    </mc:Choice>
+    <mc:Fallback xmlns="">
+      <p:transition spd="med">
+        <p:fade/>
+      </p:transition>
+    </mc:Fallback>
+  </mc:AlternateContent>
+  <p:txStyles>
+    <p:titleStyle>
+      <a:lvl1pPr algn="l" defTabSz="914400" rtl="0" eaLnBrk="1" latinLnBrk="0" hangingPunct="1">
+        <a:lnSpc>
+          <a:spcPct val="90000"/>
+        </a:lnSpc>
+        <a:spcBef>
+          <a:spcPct val="0"/>
+        </a:spcBef>
+        <a:buNone/>
+        <a:defRPr sz="4400" kern="1200">
+          <a:solidFill>
+            <a:schemeClr val="tx1"/>
+          </a:solidFill>
+          <a:latin typeface="+mj-lt"/>
+          <a:ea typeface="+mj-ea"/>
+          <a:cs typeface="+mj-cs"/>
+        </a:defRPr>
+      </a:lvl1pPr>
+    </p:titleStyle>
+    <p:bodyStyle>
+      <a:lvl1pPr marL="228600" indent="-228600" algn="l" defTabSz="914400" rtl="0" eaLnBrk="1" latinLnBrk="0" hangingPunct="1">
+        <a:lnSpc>
+          <a:spcPct val="90000"/>
+        </a:lnSpc>
+        <a:spcBef>
+          <a:spcPts val="1000"/>
+        </a:spcBef>
+        <a:buFont typeface="Wingdings 2" pitchFamily="18" charset="2"/>
+        <a:buChar char=""/>
+        <a:defRPr sz="2800" kern="1200">
+          <a:solidFill>
+            <a:schemeClr val="tx1"/>
+          </a:solidFill>
+          <a:latin typeface="+mn-lt"/>
+          <a:ea typeface="+mn-ea"/>
+          <a:cs typeface="+mn-cs"/>
+        </a:defRPr>
+      </a:lvl1pPr>
+      <a:lvl2pPr marL="685800" indent="-228600" algn="l" defTabSz="914400" rtl="0" eaLnBrk="1" latinLnBrk="0" hangingPunct="1">
+        <a:lnSpc>
+          <a:spcPct val="90000"/>
+        </a:lnSpc>
+        <a:spcBef>
+          <a:spcPts val="500"/>
+        </a:spcBef>
+        <a:buFont typeface="Wingdings 2" pitchFamily="18" charset="2"/>
+        <a:buChar char=""/>
+        <a:defRPr sz="2400" kern="1200">
+          <a:solidFill>
+            <a:schemeClr val="tx1"/>
+          </a:solidFill>
+          <a:latin typeface="+mn-lt"/>
+          <a:ea typeface="+mn-ea"/>
+          <a:cs typeface="+mn-cs"/>
+        </a:defRPr>
+      </a:lvl2pPr>
+      <a:lvl3pPr marL="1143000" indent="-228600" algn="l" defTabSz="914400" rtl="0" eaLnBrk="1" latinLnBrk="0" hangingPunct="1">
+        <a:lnSpc>
+          <a:spcPct val="90000"/>
+        </a:lnSpc>
+        <a:spcBef>
+          <a:spcPts val="500"/>
+        </a:spcBef>
+        <a:buFont typeface="Wingdings 2" pitchFamily="18" charset="2"/>
+        <a:buChar char=""/>
+        <a:defRPr sz="2000" kern="1200">
+          <a:solidFill>
+            <a:schemeClr val="tx1"/>
+          </a:solidFill>
+          <a:latin typeface="+mn-lt"/>
+          <a:ea typeface="+mn-ea"/>
+          <a:cs typeface="+mn-cs"/>
+        </a:defRPr>
+      </a:lvl3pPr>
+      <a:lvl4pPr marL="1600200" indent="-228600" algn="l" defTabSz="914400" rtl="0" eaLnBrk="1" latinLnBrk="0" hangingPunct="1">
+        <a:lnSpc>
+          <a:spcPct val="90000"/>
+        </a:lnSpc>
+        <a:spcBef>
+          <a:spcPts val="500"/>
+        </a:spcBef>
+        <a:buFont typeface="Wingdings 2" pitchFamily="18" charset="2"/>
+        <a:buChar char=""/>
+        <a:defRPr sz="1800" kern="1200">
+          <a:solidFill>
+            <a:schemeClr val="tx1"/>
+          </a:solidFill>
+          <a:latin typeface="+mn-lt"/>
+          <a:ea typeface="+mn-ea"/>
+          <a:cs typeface="+mn-cs"/>
+        </a:defRPr>
+      </a:lvl4pPr>
+      <a:lvl5pPr marL="2057400" indent="-228600" algn="l" defTabSz="914400" rtl="0" eaLnBrk="1" latinLnBrk="0" hangingPunct="1">
+        <a:lnSpc>
+          <a:spcPct val="90000"/>
+        </a:lnSpc>
+        <a:spcBef>
+          <a:spcPts val="500"/>
+        </a:spcBef>
+        <a:buFont typeface="Wingdings 2" pitchFamily="18" charset="2"/>
+        <a:buChar char=""/>
+        <a:defRPr sz="1800" kern="1200">
+          <a:solidFill>
+            <a:schemeClr val="tx1"/>
+          </a:solidFill>
+          <a:latin typeface="+mn-lt"/>
+          <a:ea typeface="+mn-ea"/>
+          <a:cs typeface="+mn-cs"/>
+        </a:defRPr>
+      </a:lvl5pPr>
+      <a:lvl6pPr marL="2514600" indent="-228600" algn="l" defTabSz="914400" rtl="0" eaLnBrk="1" latinLnBrk="0" hangingPunct="1">
+        <a:spcBef>
+          <a:spcPct val="20000"/>
+        </a:spcBef>
+        <a:buFont typeface="Wingdings 2" pitchFamily="18" charset="2"/>
+        <a:buChar char=""/>
+        <a:defRPr sz="1800" kern="1200">
+          <a:solidFill>
+            <a:schemeClr val="tx1"/>
+          </a:solidFill>
+          <a:latin typeface="+mn-lt"/>
+          <a:ea typeface="+mn-ea"/>
+          <a:cs typeface="+mn-cs"/>
+        </a:defRPr>
+      </a:lvl6pPr>
+      <a:lvl7pPr marL="2971800" indent="-228600" algn="l" defTabSz="914400" rtl="0" eaLnBrk="1" latinLnBrk="0" hangingPunct="1">
+        <a:spcBef>
+          <a:spcPct val="20000"/>
+        </a:spcBef>
+        <a:buFont typeface="Wingdings 2" pitchFamily="18" charset="2"/>
+        <a:buChar char=""/>
+        <a:defRPr sz="1800" kern="1200">
+          <a:solidFill>
+            <a:schemeClr val="tx1"/>
+          </a:solidFill>
+          <a:latin typeface="+mn-lt"/>
+          <a:ea typeface="+mn-ea"/>
+          <a:cs typeface="+mn-cs"/>
+        </a:defRPr>
+      </a:lvl7pPr>
+      <a:lvl8pPr marL="3429000" indent="-228600" algn="l" defTabSz="914400" rtl="0" eaLnBrk="1" latinLnBrk="0" hangingPunct="1">
+        <a:spcBef>
+          <a:spcPct val="20000"/>
+        </a:spcBef>
+        <a:buFont typeface="Wingdings 2" pitchFamily="18" charset="2"/>
+        <a:buChar char=""/>
+        <a:defRPr sz="1800" kern="1200">
+          <a:solidFill>
+            <a:schemeClr val="tx1"/>
+          </a:solidFill>
+          <a:latin typeface="+mn-lt"/>
+          <a:ea typeface="+mn-ea"/>
+          <a:cs typeface="+mn-cs"/>
+        </a:defRPr>
+      </a:lvl8pPr>
+      <a:lvl9pPr marL="3886200" indent="-228600" algn="l" defTabSz="914400" rtl="0" eaLnBrk="1" latinLnBrk="0" hangingPunct="1">
+        <a:spcBef>
+          <a:spcPct val="20000"/>
+        </a:spcBef>
+        <a:buFont typeface="Wingdings 2" pitchFamily="18" charset="2"/>
+        <a:buChar char=""/>
+        <a:defRPr sz="1800" kern="1200">
+          <a:solidFill>
+            <a:schemeClr val="tx1"/>
+          </a:solidFill>
+          <a:latin typeface="+mn-lt"/>
+          <a:ea typeface="+mn-ea"/>
+          <a:cs typeface="+mn-cs"/>
+        </a:defRPr>
+      </a:lvl9pPr>
+    </p:bodyStyle>
+    <p:otherStyle>
+      <a:defPPr>
+        <a:defRPr lang="en-US"/>
+      </a:defPPr>
+      <a:lvl1pPr marL="0" algn="l" defTabSz="914400" rtl="0" eaLnBrk="1" latinLnBrk="0" hangingPunct="1">
+        <a:defRPr sz="1800" kern="1200">
+          <a:solidFill>
+            <a:schemeClr val="tx1"/>
+          </a:solidFill>
+          <a:latin typeface="+mn-lt"/>
+          <a:ea typeface="+mn-ea"/>
+          <a:cs typeface="+mn-cs"/>
+        </a:defRPr>
+      </a:lvl1pPr>
+      <a:lvl2pPr marL="457200" algn="l" defTabSz="914400" rtl="0" eaLnBrk="1" latinLnBrk="0" hangingPunct="1">
+        <a:defRPr sz="1800" kern="1200">
+          <a:solidFill>
+            <a:schemeClr val="tx1"/>
+          </a:solidFill>
+          <a:latin typeface="+mn-lt"/>
+          <a:ea typeface="+mn-ea"/>
+          <a:cs typeface="+mn-cs"/>
+        </a:defRPr>
+      </a:lvl2pPr>
+      <a:lvl3pPr marL="914400" algn="l" defTabSz="914400" rtl="0" eaLnBrk="1" latinLnBrk="0" hangingPunct="1">
+        <a:defRPr sz="1800" kern="1200">
+          <a:solidFill>
+            <a:schemeClr val="tx1"/>
+          </a:solidFill>
+          <a:latin typeface="+mn-lt"/>
+          <a:ea typeface="+mn-ea"/>
+          <a:cs typeface="+mn-cs"/>
+        </a:defRPr>
+      </a:lvl3pPr>
+      <a:lvl4pPr marL="1371600" algn="l" defTabSz="914400" rtl="0" eaLnBrk="1" latinLnBrk="0" hangingPunct="1">
+        <a:defRPr sz="1800" kern="1200">
+          <a:solidFill>
+            <a:schemeClr val="tx1"/>
+          </a:solidFill>
+          <a:latin typeface="+mn-lt"/>
+          <a:ea typeface="+mn-ea"/>
+          <a:cs typeface="+mn-cs"/>
+        </a:defRPr>
+      </a:lvl4pPr>
+      <a:lvl5pPr marL="1828800" algn="l" defTabSz="914400" rtl="0" eaLnBrk="1" latinLnBrk="0" hangingPunct="1">
+        <a:defRPr sz="1800" kern="1200">
+          <a:solidFill>
+            <a:schemeClr val="tx1"/>
+          </a:solidFill>
+          <a:latin typeface="+mn-lt"/>
+          <a:ea typeface="+mn-ea"/>
+          <a:cs typeface="+mn-cs"/>
+        </a:defRPr>
+      </a:lvl5pPr>
+      <a:lvl6pPr marL="2286000" algn="l" defTabSz="914400" rtl="0" eaLnBrk="1" latinLnBrk="0" hangingPunct="1">
+        <a:defRPr sz="1800" kern="1200">
+          <a:solidFill>
+            <a:schemeClr val="tx1"/>
+          </a:solidFill>
+          <a:latin typeface="+mn-lt"/>
+          <a:ea typeface="+mn-ea"/>
+          <a:cs typeface="+mn-cs"/>
+        </a:defRPr>
+      </a:lvl6pPr>
+      <a:lvl7pPr marL="2743200" algn="l" defTabSz="914400" rtl="0" eaLnBrk="1" latinLnBrk="0" hangingPunct="1">
+        <a:defRPr sz="1800" kern="1200">
+          <a:solidFill>
+            <a:schemeClr val="tx1"/>
+          </a:solidFill>
+          <a:latin typeface="+mn-lt"/>
+          <a:ea typeface="+mn-ea"/>
+          <a:cs typeface="+mn-cs"/>
+        </a:defRPr>
+      </a:lvl7pPr>
+      <a:lvl8pPr marL="3200400" algn="l" defTabSz="914400" rtl="0" eaLnBrk="1" latinLnBrk="0" hangingPunct="1">
+        <a:defRPr sz="1800" kern="1200">
+          <a:solidFill>
+            <a:schemeClr val="tx1"/>
+          </a:solidFill>
+          <a:latin typeface="+mn-lt"/>
+          <a:ea typeface="+mn-ea"/>
+          <a:cs typeface="+mn-cs"/>
+        </a:defRPr>
+      </a:lvl8pPr>
+      <a:lvl9pPr marL="3657600" algn="l" defTabSz="914400" rtl="0" eaLnBrk="1" latinLnBrk="0" hangingPunct="1">
+        <a:defRPr sz="1800" kern="1200">
+          <a:solidFill>
+            <a:schemeClr val="tx1"/>
+          </a:solidFill>
+          <a:latin typeface="+mn-lt"/>
+          <a:ea typeface="+mn-ea"/>
+          <a:cs typeface="+mn-cs"/>
+        </a:defRPr>
+      </a:lvl9pPr>
+    </p:otherStyle>
+  </p:txStyles>
+  <p:extLst>
+    <p:ext uri="{27BBF7A9-308A-43DC-89C8-2F10F3537804}">
+      <p15:sldGuideLst xmlns:p15="http://schemas.microsoft.com/office/powerpoint/2012/main"/>
+    </p:ext>
+  </p:extLst>
+</p:sldMaster>
+</file>
+
+<file path=ppt/slideMasters/slideMaster2.xml><?xml version="1.0" encoding="utf-8"?>
 <p:sldMaster xmlns:a="http://schemas.openxmlformats.org/drawingml/2006/main" xmlns:r="http://schemas.openxmlformats.org/officeDocument/2006/relationships" xmlns:p="http://schemas.openxmlformats.org/presentationml/2006/main">
   <p:cSld>
     <p:bg>
@@ -5827,29 +8965,29 @@
     </p:spTree>
     <p:extLst>
       <p:ext uri="{BB962C8B-B14F-4D97-AF65-F5344CB8AC3E}">
-        <p14:creationId xmlns:p14="http://schemas.microsoft.com/office/powerpoint/2010/main" val="3896728019"/>
+        <p14:creationId xmlns:p14="http://schemas.microsoft.com/office/powerpoint/2010/main" val="3828510607"/>
       </p:ext>
     </p:extLst>
   </p:cSld>
-  <p:clrMap bg1="lt1" tx1="dk1" bg2="lt2" tx2="dk2" accent1="accent1" accent2="accent2" accent3="accent3" accent4="accent4" accent5="accent5" accent6="accent6" hlink="hlink" folHlink="folHlink"/>
+  <p:clrMap bg1="dk1" tx1="lt1" bg2="dk2" tx2="lt2" accent1="accent1" accent2="accent2" accent3="accent3" accent4="accent4" accent5="accent5" accent6="accent6" hlink="hlink" folHlink="folHlink"/>
   <p:sldLayoutIdLst>
-    <p:sldLayoutId id="2147483860" r:id="rId1"/>
-    <p:sldLayoutId id="2147483861" r:id="rId2"/>
-    <p:sldLayoutId id="2147483862" r:id="rId3"/>
-    <p:sldLayoutId id="2147483863" r:id="rId4"/>
-    <p:sldLayoutId id="2147483864" r:id="rId5"/>
-    <p:sldLayoutId id="2147483865" r:id="rId6"/>
-    <p:sldLayoutId id="2147483866" r:id="rId7"/>
-    <p:sldLayoutId id="2147483867" r:id="rId8"/>
-    <p:sldLayoutId id="2147483868" r:id="rId9"/>
-    <p:sldLayoutId id="2147483869" r:id="rId10"/>
-    <p:sldLayoutId id="2147483870" r:id="rId11"/>
-    <p:sldLayoutId id="2147483871" r:id="rId12"/>
-    <p:sldLayoutId id="2147483872" r:id="rId13"/>
-    <p:sldLayoutId id="2147483873" r:id="rId14"/>
-    <p:sldLayoutId id="2147483874" r:id="rId15"/>
-    <p:sldLayoutId id="2147483875" r:id="rId16"/>
-    <p:sldLayoutId id="2147483876" r:id="rId17"/>
+    <p:sldLayoutId id="2147484598" r:id="rId1"/>
+    <p:sldLayoutId id="2147484599" r:id="rId2"/>
+    <p:sldLayoutId id="2147484600" r:id="rId3"/>
+    <p:sldLayoutId id="2147484601" r:id="rId4"/>
+    <p:sldLayoutId id="2147484602" r:id="rId5"/>
+    <p:sldLayoutId id="2147484603" r:id="rId6"/>
+    <p:sldLayoutId id="2147484604" r:id="rId7"/>
+    <p:sldLayoutId id="2147484605" r:id="rId8"/>
+    <p:sldLayoutId id="2147484606" r:id="rId9"/>
+    <p:sldLayoutId id="2147484607" r:id="rId10"/>
+    <p:sldLayoutId id="2147484608" r:id="rId11"/>
+    <p:sldLayoutId id="2147484609" r:id="rId12"/>
+    <p:sldLayoutId id="2147484610" r:id="rId13"/>
+    <p:sldLayoutId id="2147484611" r:id="rId14"/>
+    <p:sldLayoutId id="2147484612" r:id="rId15"/>
+    <p:sldLayoutId id="2147484613" r:id="rId16"/>
+    <p:sldLayoutId id="2147484614" r:id="rId17"/>
   </p:sldLayoutIdLst>
   <p:txStyles>
     <p:titleStyle>
@@ -6206,12 +9344,14 @@
         </p:nvSpPr>
         <p:spPr>
           <a:xfrm>
-            <a:off x="2589211" y="4114924"/>
+            <a:off x="2589211" y="3429000"/>
             <a:ext cx="8915399" cy="1126283"/>
           </a:xfrm>
         </p:spPr>
         <p:txBody>
-          <a:bodyPr/>
+          <a:bodyPr>
+            <a:normAutofit/>
+          </a:bodyPr>
           <a:lstStyle/>
           <a:p>
             <a:r>
@@ -6289,8 +9429,8 @@
         </p:nvSpPr>
         <p:spPr>
           <a:xfrm>
-            <a:off x="773723" y="942108"/>
-            <a:ext cx="3528846" cy="4969113"/>
+            <a:off x="532660" y="942108"/>
+            <a:ext cx="3769909" cy="4969113"/>
           </a:xfrm>
         </p:spPr>
         <p:txBody>
@@ -6538,6 +9678,18 @@
   <p:clrMapOvr>
     <a:masterClrMapping/>
   </p:clrMapOvr>
+  <mc:AlternateContent xmlns:mc="http://schemas.openxmlformats.org/markup-compatibility/2006" xmlns:p14="http://schemas.microsoft.com/office/powerpoint/2010/main">
+    <mc:Choice Requires="p14">
+      <p:transition spd="med" p14:dur="700">
+        <p:fade/>
+      </p:transition>
+    </mc:Choice>
+    <mc:Fallback xmlns="">
+      <p:transition spd="med">
+        <p:fade/>
+      </p:transition>
+    </mc:Fallback>
+  </mc:AlternateContent>
 </p:sld>
 </file>
 
@@ -6576,7 +9728,7 @@
         </p:nvSpPr>
         <p:spPr>
           <a:xfrm>
-            <a:off x="2324169" y="1402672"/>
+            <a:off x="1951307" y="1278385"/>
             <a:ext cx="8915400" cy="632728"/>
           </a:xfrm>
         </p:spPr>
@@ -6611,14 +9763,17 @@
         </p:nvSpPr>
         <p:spPr>
           <a:xfrm>
-            <a:off x="2324169" y="2699378"/>
+            <a:off x="1951307" y="2299883"/>
             <a:ext cx="8915400" cy="729622"/>
           </a:xfrm>
         </p:spPr>
         <p:txBody>
-          <a:bodyPr/>
-          <a:lstStyle/>
-          <a:p>
+          <a:bodyPr>
+            <a:normAutofit/>
+          </a:bodyPr>
+          <a:lstStyle/>
+          <a:p>
+            <a:pPr algn="just"/>
             <a:r>
               <a:rPr lang="it-IT" sz="2000" dirty="0"/>
               <a:t>Dai test si nota che il modello annuale migliore è il </a:t>
@@ -6691,7 +9846,7 @@
         </p:nvSpPr>
         <p:spPr>
           <a:xfrm>
-            <a:off x="1640155" y="536598"/>
+            <a:off x="1640155" y="660885"/>
             <a:ext cx="8911687" cy="1280890"/>
           </a:xfrm>
         </p:spPr>
@@ -6709,10 +9864,10 @@
       </p:sp>
       <p:pic>
         <p:nvPicPr>
-          <p:cNvPr id="5" name="Immagine 4" descr="Immagine che contiene testo, mappa, documento&#10;&#10;Descrizione generata automaticamente">
+          <p:cNvPr id="4" name="Immagine 3">
             <a:extLst>
               <a:ext uri="{FF2B5EF4-FFF2-40B4-BE49-F238E27FC236}">
-                <a16:creationId xmlns:a16="http://schemas.microsoft.com/office/drawing/2014/main" id="{027E09CC-229E-4BC4-8F02-DC017675701B}"/>
+                <a16:creationId xmlns:a16="http://schemas.microsoft.com/office/drawing/2014/main" id="{5818E2B6-77B3-46EB-91D7-2C94B8F0E80C}"/>
               </a:ext>
             </a:extLst>
           </p:cNvPr>
@@ -6729,8 +9884,8 @@
         </p:blipFill>
         <p:spPr>
           <a:xfrm>
-            <a:off x="531187" y="1432308"/>
-            <a:ext cx="11129625" cy="5425692"/>
+            <a:off x="605587" y="1504849"/>
+            <a:ext cx="10980821" cy="5353151"/>
           </a:xfrm>
           <a:prstGeom prst="rect">
             <a:avLst/>
@@ -6747,6 +9902,18 @@
   <p:clrMapOvr>
     <a:masterClrMapping/>
   </p:clrMapOvr>
+  <mc:AlternateContent xmlns:mc="http://schemas.openxmlformats.org/markup-compatibility/2006" xmlns:p14="http://schemas.microsoft.com/office/powerpoint/2010/main">
+    <mc:Choice Requires="p14">
+      <p:transition spd="med" p14:dur="700">
+        <p:fade/>
+      </p:transition>
+    </mc:Choice>
+    <mc:Fallback xmlns="">
+      <p:transition spd="med">
+        <p:fade/>
+      </p:transition>
+    </mc:Fallback>
+  </mc:AlternateContent>
 </p:sld>
 </file>
 
@@ -6785,7 +9952,7 @@
         </p:nvSpPr>
         <p:spPr>
           <a:xfrm>
-            <a:off x="1640155" y="554354"/>
+            <a:off x="1640156" y="572109"/>
             <a:ext cx="8911687" cy="1280890"/>
           </a:xfrm>
         </p:spPr>
@@ -6803,10 +9970,10 @@
       </p:sp>
       <p:pic>
         <p:nvPicPr>
-          <p:cNvPr id="4" name="Immagine 3" descr="Immagine che contiene mappa, testo&#10;&#10;Descrizione generata automaticamente">
+          <p:cNvPr id="5" name="Immagine 4">
             <a:extLst>
               <a:ext uri="{FF2B5EF4-FFF2-40B4-BE49-F238E27FC236}">
-                <a16:creationId xmlns:a16="http://schemas.microsoft.com/office/drawing/2014/main" id="{3EA17297-27EA-4065-B46A-9B3DDFEE83B3}"/>
+                <a16:creationId xmlns:a16="http://schemas.microsoft.com/office/drawing/2014/main" id="{9E2ABA8B-ECA4-4699-82C2-946BD71006C3}"/>
               </a:ext>
             </a:extLst>
           </p:cNvPr>
@@ -6823,8 +9990,8 @@
         </p:blipFill>
         <p:spPr>
           <a:xfrm>
-            <a:off x="549080" y="1449754"/>
-            <a:ext cx="11093838" cy="5408246"/>
+            <a:off x="473241" y="1375811"/>
+            <a:ext cx="11245516" cy="5482189"/>
           </a:xfrm>
           <a:prstGeom prst="rect">
             <a:avLst/>
@@ -6841,12 +10008,50 @@
   <p:clrMapOvr>
     <a:masterClrMapping/>
   </p:clrMapOvr>
+  <mc:AlternateContent xmlns:mc="http://schemas.openxmlformats.org/markup-compatibility/2006" xmlns:p14="http://schemas.microsoft.com/office/powerpoint/2010/main">
+    <mc:Choice Requires="p14">
+      <p:transition spd="med" p14:dur="700">
+        <p:fade/>
+      </p:transition>
+    </mc:Choice>
+    <mc:Fallback xmlns="">
+      <p:transition spd="med">
+        <p:fade/>
+      </p:transition>
+    </mc:Fallback>
+  </mc:AlternateContent>
 </p:sld>
 </file>
 
 <file path=ppt/slides/slide14.xml><?xml version="1.0" encoding="utf-8"?>
 <p:sld xmlns:a="http://schemas.openxmlformats.org/drawingml/2006/main" xmlns:r="http://schemas.openxmlformats.org/officeDocument/2006/relationships" xmlns:p="http://schemas.openxmlformats.org/presentationml/2006/main">
   <p:cSld>
+    <p:bg>
+      <p:bgPr>
+        <a:gradFill rotWithShape="1">
+          <a:gsLst>
+            <a:gs pos="0">
+              <a:schemeClr val="bg2">
+                <a:tint val="90000"/>
+                <a:satMod val="92000"/>
+                <a:lumMod val="120000"/>
+              </a:schemeClr>
+            </a:gs>
+            <a:gs pos="100000">
+              <a:schemeClr val="bg2">
+                <a:shade val="98000"/>
+                <a:satMod val="120000"/>
+                <a:lumMod val="98000"/>
+              </a:schemeClr>
+            </a:gs>
+          </a:gsLst>
+          <a:path path="circle">
+            <a:fillToRect l="50000" t="50000" r="100000" b="100000"/>
+          </a:path>
+        </a:gradFill>
+        <a:effectLst/>
+      </p:bgPr>
+    </p:bg>
     <p:spTree>
       <p:nvGrpSpPr>
         <p:cNvPr id="1" name=""/>
@@ -6889,7 +10094,7 @@
           </a:bodyPr>
           <a:lstStyle/>
           <a:p>
-            <a:pPr algn="ctr"/>
+            <a:pPr algn="r"/>
             <a:r>
               <a:rPr lang="it-IT" sz="6600" dirty="0">
                 <a:solidFill>
@@ -6972,7 +10177,7 @@
               <a:tabLst/>
             </a:pPr>
             <a:r>
-              <a:rPr lang="it-IT" altLang="it-IT" sz="2400" u="sng" dirty="0">
+              <a:rPr lang="it-IT" altLang="it-IT" b="1" dirty="0">
                 <a:solidFill>
                   <a:schemeClr val="tx2">
                     <a:lumMod val="75000"/>
@@ -6982,7 +10187,7 @@
               </a:rPr>
               <a:t>Problema delle festività</a:t>
             </a:r>
-            <a:endParaRPr kumimoji="0" lang="it-IT" altLang="it-IT" sz="2400" b="0" i="0" u="sng" strike="noStrike" cap="none" normalizeH="0" baseline="0" dirty="0">
+            <a:endParaRPr kumimoji="0" lang="it-IT" altLang="it-IT" b="1" i="0" strike="noStrike" cap="none" normalizeH="0" baseline="0" dirty="0">
               <a:ln>
                 <a:noFill/>
               </a:ln>
@@ -7045,8 +10250,8 @@
         </p:nvSpPr>
         <p:spPr>
           <a:xfrm>
-            <a:off x="649225" y="1838853"/>
-            <a:ext cx="3650279" cy="1259894"/>
+            <a:off x="649226" y="1590278"/>
+            <a:ext cx="3820110" cy="1259894"/>
           </a:xfrm>
         </p:spPr>
         <p:txBody>
@@ -7055,8 +10260,9 @@
           </a:bodyPr>
           <a:lstStyle/>
           <a:p>
-            <a:r>
-              <a:rPr lang="it-IT" dirty="0"/>
+            <a:pPr algn="l"/>
+            <a:r>
+              <a:rPr lang="it-IT" sz="2800" b="1" dirty="0"/>
               <a:t>Istogramma degli errori</a:t>
             </a:r>
           </a:p>
@@ -7080,7 +10286,7 @@
         </p:nvSpPr>
         <p:spPr>
           <a:xfrm>
-            <a:off x="649226" y="3098747"/>
+            <a:off x="649226" y="3411685"/>
             <a:ext cx="3650278" cy="3759253"/>
           </a:xfrm>
         </p:spPr>
@@ -7105,9 +10311,6 @@
               <a:t>festivitá</a:t>
             </a:r>
             <a:endParaRPr lang="it-IT" sz="1800" dirty="0"/>
-          </a:p>
-          <a:p>
-            <a:endParaRPr lang="it-IT" sz="1700" dirty="0"/>
           </a:p>
         </p:txBody>
       </p:sp>
@@ -7151,6 +10354,18 @@
   <p:clrMapOvr>
     <a:masterClrMapping/>
   </p:clrMapOvr>
+  <mc:AlternateContent xmlns:mc="http://schemas.openxmlformats.org/markup-compatibility/2006" xmlns:p14="http://schemas.microsoft.com/office/powerpoint/2010/main">
+    <mc:Choice Requires="p14">
+      <p:transition spd="med" p14:dur="700">
+        <p:fade/>
+      </p:transition>
+    </mc:Choice>
+    <mc:Fallback xmlns="">
+      <p:transition spd="med">
+        <p:fade/>
+      </p:transition>
+    </mc:Fallback>
+  </mc:AlternateContent>
 </p:sld>
 </file>
 
@@ -7189,7 +10404,7 @@
         </p:nvSpPr>
         <p:spPr>
           <a:xfrm>
-            <a:off x="924269" y="1782674"/>
+            <a:off x="924269" y="1454200"/>
             <a:ext cx="3650279" cy="1259894"/>
           </a:xfrm>
         </p:spPr>
@@ -7201,7 +10416,7 @@
           <a:p>
             <a:pPr algn="ctr"/>
             <a:r>
-              <a:rPr lang="it-IT" dirty="0"/>
+              <a:rPr lang="it-IT" sz="2800" b="1" dirty="0"/>
               <a:t>Plot dell’epsilon</a:t>
             </a:r>
           </a:p>
@@ -7225,7 +10440,7 @@
         </p:nvSpPr>
         <p:spPr>
           <a:xfrm>
-            <a:off x="924270" y="3202873"/>
+            <a:off x="924270" y="2714094"/>
             <a:ext cx="3650278" cy="3759253"/>
           </a:xfrm>
         </p:spPr>
@@ -7318,6 +10533,18 @@
   <p:clrMapOvr>
     <a:masterClrMapping/>
   </p:clrMapOvr>
+  <mc:AlternateContent xmlns:mc="http://schemas.openxmlformats.org/markup-compatibility/2006" xmlns:p14="http://schemas.microsoft.com/office/powerpoint/2010/main">
+    <mc:Choice Requires="p14">
+      <p:transition spd="med" p14:dur="700">
+        <p:fade/>
+      </p:transition>
+    </mc:Choice>
+    <mc:Fallback xmlns="">
+      <p:transition spd="med">
+        <p:fade/>
+      </p:transition>
+    </mc:Fallback>
+  </mc:AlternateContent>
 </p:sld>
 </file>
 
@@ -7356,19 +10583,19 @@
         </p:nvSpPr>
         <p:spPr>
           <a:xfrm>
-            <a:off x="649225" y="1690897"/>
+            <a:off x="649224" y="1531099"/>
             <a:ext cx="3650279" cy="1259894"/>
           </a:xfrm>
         </p:spPr>
         <p:txBody>
           <a:bodyPr>
-            <a:normAutofit fontScale="90000"/>
+            <a:normAutofit/>
           </a:bodyPr>
           <a:lstStyle/>
           <a:p>
-            <a:pPr algn="ctr"/>
-            <a:r>
-              <a:rPr lang="it-IT" dirty="0"/>
+            <a:pPr algn="l"/>
+            <a:r>
+              <a:rPr lang="it-IT" sz="2800" b="1" dirty="0"/>
               <a:t>Problema delle festività</a:t>
             </a:r>
           </a:p>
@@ -7392,7 +10619,7 @@
         </p:nvSpPr>
         <p:spPr>
           <a:xfrm>
-            <a:off x="649225" y="3040007"/>
+            <a:off x="649225" y="3098747"/>
             <a:ext cx="3650278" cy="3759253"/>
           </a:xfrm>
         </p:spPr>
@@ -7425,10 +10652,10 @@
       </p:sp>
       <p:pic>
         <p:nvPicPr>
-          <p:cNvPr id="4" name="Immagine 3">
+          <p:cNvPr id="5" name="Immagine 4">
             <a:extLst>
               <a:ext uri="{FF2B5EF4-FFF2-40B4-BE49-F238E27FC236}">
-                <a16:creationId xmlns:a16="http://schemas.microsoft.com/office/drawing/2014/main" id="{405DD0C6-7664-4C63-8556-89E33663F6FD}"/>
+                <a16:creationId xmlns:a16="http://schemas.microsoft.com/office/drawing/2014/main" id="{AC5E4D5A-1499-4D4D-AA57-5FB26E3C7FAB}"/>
               </a:ext>
             </a:extLst>
           </p:cNvPr>
@@ -7445,8 +10672,8 @@
         </p:blipFill>
         <p:spPr>
           <a:xfrm>
-            <a:off x="4823822" y="759187"/>
-            <a:ext cx="7119501" cy="5339626"/>
+            <a:off x="4976060" y="753101"/>
+            <a:ext cx="7135729" cy="5351797"/>
           </a:xfrm>
           <a:prstGeom prst="rect">
             <a:avLst/>
@@ -7463,6 +10690,18 @@
   <p:clrMapOvr>
     <a:masterClrMapping/>
   </p:clrMapOvr>
+  <mc:AlternateContent xmlns:mc="http://schemas.openxmlformats.org/markup-compatibility/2006" xmlns:p14="http://schemas.microsoft.com/office/powerpoint/2010/main">
+    <mc:Choice Requires="p14">
+      <p:transition spd="med" p14:dur="700">
+        <p:fade/>
+      </p:transition>
+    </mc:Choice>
+    <mc:Fallback xmlns="">
+      <p:transition spd="med">
+        <p:fade/>
+      </p:transition>
+    </mc:Fallback>
+  </mc:AlternateContent>
 </p:sld>
 </file>
 
@@ -7548,7 +10787,9 @@
           </a:xfrm>
         </p:spPr>
         <p:txBody>
-          <a:bodyPr/>
+          <a:bodyPr>
+            <a:normAutofit/>
+          </a:bodyPr>
           <a:lstStyle/>
           <a:p>
             <a:r>
@@ -7732,6 +10973,18 @@
   <p:clrMapOvr>
     <a:masterClrMapping/>
   </p:clrMapOvr>
+  <mc:AlternateContent xmlns:mc="http://schemas.openxmlformats.org/markup-compatibility/2006" xmlns:p14="http://schemas.microsoft.com/office/powerpoint/2010/main">
+    <mc:Choice Requires="p14">
+      <p:transition spd="med" p14:dur="700">
+        <p:fade/>
+      </p:transition>
+    </mc:Choice>
+    <mc:Fallback xmlns="">
+      <p:transition spd="med">
+        <p:fade/>
+      </p:transition>
+    </mc:Fallback>
+  </mc:AlternateContent>
 </p:sld>
 </file>
 
@@ -7770,7 +11023,7 @@
         </p:nvSpPr>
         <p:spPr>
           <a:xfrm>
-            <a:off x="518622" y="1813480"/>
+            <a:off x="668201" y="1422863"/>
             <a:ext cx="3911483" cy="1259894"/>
           </a:xfrm>
         </p:spPr>
@@ -7780,7 +11033,7 @@
           </a:bodyPr>
           <a:lstStyle/>
           <a:p>
-            <a:pPr algn="ctr">
+            <a:pPr algn="l">
               <a:lnSpc>
                 <a:spcPct val="90000"/>
               </a:lnSpc>
@@ -7838,7 +11091,7 @@
         </p:nvSpPr>
         <p:spPr>
           <a:xfrm>
-            <a:off x="649224" y="3073374"/>
+            <a:off x="798803" y="3028986"/>
             <a:ext cx="3650278" cy="3759253"/>
           </a:xfrm>
         </p:spPr>
@@ -7916,10 +11169,10 @@
       </p:sp>
       <p:pic>
         <p:nvPicPr>
-          <p:cNvPr id="4" name="Immagine 3">
+          <p:cNvPr id="5" name="Immagine 4">
             <a:extLst>
               <a:ext uri="{FF2B5EF4-FFF2-40B4-BE49-F238E27FC236}">
-                <a16:creationId xmlns:a16="http://schemas.microsoft.com/office/drawing/2014/main" id="{C9600DBF-2D0A-4D65-9FB8-B9D3BCA72CBB}"/>
+                <a16:creationId xmlns:a16="http://schemas.microsoft.com/office/drawing/2014/main" id="{A096D85F-F37A-4A5B-980A-2F17C11CE5FF}"/>
               </a:ext>
             </a:extLst>
           </p:cNvPr>
@@ -7936,8 +11189,8 @@
         </p:blipFill>
         <p:spPr>
           <a:xfrm>
-            <a:off x="4299502" y="614820"/>
-            <a:ext cx="7504479" cy="5628359"/>
+            <a:off x="4721727" y="688933"/>
+            <a:ext cx="7306844" cy="5480133"/>
           </a:xfrm>
           <a:prstGeom prst="rect">
             <a:avLst/>
@@ -7954,6 +11207,18 @@
   <p:clrMapOvr>
     <a:masterClrMapping/>
   </p:clrMapOvr>
+  <mc:AlternateContent xmlns:mc="http://schemas.openxmlformats.org/markup-compatibility/2006" xmlns:p14="http://schemas.microsoft.com/office/powerpoint/2010/main">
+    <mc:Choice Requires="p14">
+      <p:transition spd="med" p14:dur="700">
+        <p:fade/>
+      </p:transition>
+    </mc:Choice>
+    <mc:Fallback xmlns="">
+      <p:transition spd="med">
+        <p:fade/>
+      </p:transition>
+    </mc:Fallback>
+  </mc:AlternateContent>
 </p:sld>
 </file>
 
@@ -8111,10 +11376,10 @@
       </p:sp>
       <p:pic>
         <p:nvPicPr>
-          <p:cNvPr id="4" name="Immagine 3">
+          <p:cNvPr id="5" name="Immagine 4">
             <a:extLst>
               <a:ext uri="{FF2B5EF4-FFF2-40B4-BE49-F238E27FC236}">
-                <a16:creationId xmlns:a16="http://schemas.microsoft.com/office/drawing/2014/main" id="{AD3E3923-B826-45E2-B6CC-7221C35D1759}"/>
+                <a16:creationId xmlns:a16="http://schemas.microsoft.com/office/drawing/2014/main" id="{EB6C43A1-9FDA-4251-984C-F3E8DA5DBEC1}"/>
               </a:ext>
             </a:extLst>
           </p:cNvPr>
@@ -8131,8 +11396,8 @@
         </p:blipFill>
         <p:spPr>
           <a:xfrm>
-            <a:off x="4634643" y="745386"/>
-            <a:ext cx="7156303" cy="5367227"/>
+            <a:off x="4678949" y="672891"/>
+            <a:ext cx="7349623" cy="5512217"/>
           </a:xfrm>
           <a:prstGeom prst="rect">
             <a:avLst/>
@@ -8149,12 +11414,50 @@
   <p:clrMapOvr>
     <a:masterClrMapping/>
   </p:clrMapOvr>
+  <mc:AlternateContent xmlns:mc="http://schemas.openxmlformats.org/markup-compatibility/2006" xmlns:p14="http://schemas.microsoft.com/office/powerpoint/2010/main">
+    <mc:Choice Requires="p14">
+      <p:transition spd="med" p14:dur="700">
+        <p:fade/>
+      </p:transition>
+    </mc:Choice>
+    <mc:Fallback xmlns="">
+      <p:transition spd="med">
+        <p:fade/>
+      </p:transition>
+    </mc:Fallback>
+  </mc:AlternateContent>
 </p:sld>
 </file>
 
 <file path=ppt/slides/slide4.xml><?xml version="1.0" encoding="utf-8"?>
 <p:sld xmlns:a="http://schemas.openxmlformats.org/drawingml/2006/main" xmlns:r="http://schemas.openxmlformats.org/officeDocument/2006/relationships" xmlns:p="http://schemas.openxmlformats.org/presentationml/2006/main">
   <p:cSld>
+    <p:bg>
+      <p:bgPr>
+        <a:gradFill rotWithShape="1">
+          <a:gsLst>
+            <a:gs pos="0">
+              <a:schemeClr val="bg2">
+                <a:tint val="90000"/>
+                <a:satMod val="92000"/>
+                <a:lumMod val="120000"/>
+              </a:schemeClr>
+            </a:gs>
+            <a:gs pos="100000">
+              <a:schemeClr val="bg2">
+                <a:shade val="98000"/>
+                <a:satMod val="120000"/>
+                <a:lumMod val="98000"/>
+              </a:schemeClr>
+            </a:gs>
+          </a:gsLst>
+          <a:path path="circle">
+            <a:fillToRect l="50000" t="50000" r="100000" b="100000"/>
+          </a:path>
+        </a:gradFill>
+        <a:effectLst/>
+      </p:bgPr>
+    </p:bg>
     <p:spTree>
       <p:nvGrpSpPr>
         <p:cNvPr id="1" name=""/>
@@ -8396,19 +11699,19 @@
         </p:nvSpPr>
         <p:spPr>
           <a:xfrm>
-            <a:off x="3774619" y="901120"/>
-            <a:ext cx="4642762" cy="1416725"/>
+            <a:off x="1702474" y="824011"/>
+            <a:ext cx="9675856" cy="1416725"/>
           </a:xfrm>
         </p:spPr>
         <p:txBody>
           <a:bodyPr>
-            <a:normAutofit fontScale="90000"/>
+            <a:normAutofit/>
           </a:bodyPr>
           <a:lstStyle/>
           <a:p>
             <a:pPr algn="ctr"/>
             <a:r>
-              <a:rPr lang="it-IT" dirty="0"/>
+              <a:rPr lang="it-IT" sz="3600" dirty="0"/>
               <a:t>Modello Periodicità Settimanale</a:t>
             </a:r>
           </a:p>
@@ -8432,7 +11735,7 @@
         </p:nvSpPr>
         <p:spPr>
           <a:xfrm>
-            <a:off x="2589211" y="2929880"/>
+            <a:off x="2082702" y="2625861"/>
             <a:ext cx="8915400" cy="1130105"/>
           </a:xfrm>
         </p:spPr>
@@ -8524,8 +11827,8 @@
         </p:nvSpPr>
         <p:spPr>
           <a:xfrm>
-            <a:off x="2589211" y="3755966"/>
-            <a:ext cx="7256493" cy="1384995"/>
+            <a:off x="2128422" y="3755966"/>
+            <a:ext cx="8869680" cy="1569660"/>
           </a:xfrm>
           <a:prstGeom prst="rect">
             <a:avLst/>
@@ -8538,7 +11841,7 @@
           <a:lstStyle/>
           <a:p>
             <a:r>
-              <a:rPr lang="it-IT" sz="1400" dirty="0" err="1">
+              <a:rPr lang="it-IT" sz="1600" dirty="0" err="1">
                 <a:solidFill>
                   <a:srgbClr val="000000"/>
                 </a:solidFill>
@@ -8547,7 +11850,7 @@
               <a:t>Phi_settimanale</a:t>
             </a:r>
             <a:r>
-              <a:rPr lang="it-IT" sz="1400" dirty="0">
+              <a:rPr lang="it-IT" sz="1600" dirty="0">
                 <a:solidFill>
                   <a:srgbClr val="000000"/>
                 </a:solidFill>
@@ -8556,7 +11859,7 @@
               <a:t> = [cos(</a:t>
             </a:r>
             <a:r>
-              <a:rPr lang="it-IT" sz="1400" dirty="0" err="1">
+              <a:rPr lang="it-IT" sz="1600" dirty="0" err="1">
                 <a:solidFill>
                   <a:srgbClr val="000000"/>
                 </a:solidFill>
@@ -8565,7 +11868,7 @@
               <a:t>w_settimanale</a:t>
             </a:r>
             <a:r>
-              <a:rPr lang="it-IT" sz="1400" dirty="0">
+              <a:rPr lang="it-IT" sz="1600" dirty="0">
                 <a:solidFill>
                   <a:srgbClr val="000000"/>
                 </a:solidFill>
@@ -8574,7 +11877,7 @@
               <a:t>*</a:t>
             </a:r>
             <a:r>
-              <a:rPr lang="it-IT" sz="1400" dirty="0" err="1">
+              <a:rPr lang="it-IT" sz="1600" dirty="0" err="1">
                 <a:solidFill>
                   <a:srgbClr val="000000"/>
                 </a:solidFill>
@@ -8583,7 +11886,7 @@
               <a:t>giorni_settimana_modello</a:t>
             </a:r>
             <a:r>
-              <a:rPr lang="it-IT" sz="1400" dirty="0">
+              <a:rPr lang="it-IT" sz="1600" dirty="0">
                 <a:solidFill>
                   <a:srgbClr val="000000"/>
                 </a:solidFill>
@@ -8592,7 +11895,7 @@
               <a:t>) </a:t>
             </a:r>
             <a:r>
-              <a:rPr lang="it-IT" sz="1400" dirty="0">
+              <a:rPr lang="it-IT" sz="1600" dirty="0">
                 <a:solidFill>
                   <a:srgbClr val="0000FF"/>
                 </a:solidFill>
@@ -8600,7 +11903,7 @@
               </a:rPr>
               <a:t>...</a:t>
             </a:r>
-            <a:endParaRPr lang="it-IT" sz="1400" dirty="0">
+            <a:endParaRPr lang="it-IT" sz="1600" dirty="0">
               <a:solidFill>
                 <a:srgbClr val="000000"/>
               </a:solidFill>
@@ -8609,7 +11912,7 @@
           </a:p>
           <a:p>
             <a:r>
-              <a:rPr lang="it-IT" sz="1400" dirty="0">
+              <a:rPr lang="it-IT" sz="1600" dirty="0">
                 <a:solidFill>
                   <a:srgbClr val="000000"/>
                 </a:solidFill>
@@ -8618,7 +11921,7 @@
               <a:t>	sin(</a:t>
             </a:r>
             <a:r>
-              <a:rPr lang="it-IT" sz="1400" dirty="0" err="1">
+              <a:rPr lang="it-IT" sz="1600" dirty="0" err="1">
                 <a:solidFill>
                   <a:srgbClr val="000000"/>
                 </a:solidFill>
@@ -8627,7 +11930,7 @@
               <a:t>w_settimanale</a:t>
             </a:r>
             <a:r>
-              <a:rPr lang="it-IT" sz="1400" dirty="0">
+              <a:rPr lang="it-IT" sz="1600" dirty="0">
                 <a:solidFill>
                   <a:srgbClr val="000000"/>
                 </a:solidFill>
@@ -8636,7 +11939,7 @@
               <a:t>*</a:t>
             </a:r>
             <a:r>
-              <a:rPr lang="it-IT" sz="1400" dirty="0" err="1">
+              <a:rPr lang="it-IT" sz="1600" dirty="0" err="1">
                 <a:solidFill>
                   <a:srgbClr val="000000"/>
                 </a:solidFill>
@@ -8645,7 +11948,7 @@
               <a:t>giorni_settimana_modello</a:t>
             </a:r>
             <a:r>
-              <a:rPr lang="it-IT" sz="1400" dirty="0">
+              <a:rPr lang="it-IT" sz="1600" dirty="0">
                 <a:solidFill>
                   <a:srgbClr val="000000"/>
                 </a:solidFill>
@@ -8654,7 +11957,7 @@
               <a:t>) </a:t>
             </a:r>
             <a:r>
-              <a:rPr lang="it-IT" sz="1400" dirty="0">
+              <a:rPr lang="it-IT" sz="1600" dirty="0">
                 <a:solidFill>
                   <a:srgbClr val="0000FF"/>
                 </a:solidFill>
@@ -8665,16 +11968,16 @@
           </a:p>
           <a:p>
             <a:r>
-              <a:rPr lang="it-IT" sz="1400" dirty="0">
+              <a:rPr lang="it-IT" sz="1600" dirty="0">
                 <a:solidFill>
                   <a:srgbClr val="000000"/>
                 </a:solidFill>
                 <a:latin typeface="Courier New" panose="02070309020205020404" pitchFamily="49" charset="0"/>
               </a:rPr>
-              <a:t>    cos(2*</a:t>
-            </a:r>
-            <a:r>
-              <a:rPr lang="it-IT" sz="1400" dirty="0" err="1">
+              <a:t>    	cos(2*</a:t>
+            </a:r>
+            <a:r>
+              <a:rPr lang="it-IT" sz="1600" dirty="0" err="1">
                 <a:solidFill>
                   <a:srgbClr val="000000"/>
                 </a:solidFill>
@@ -8683,7 +11986,7 @@
               <a:t>w_settimanale</a:t>
             </a:r>
             <a:r>
-              <a:rPr lang="it-IT" sz="1400" dirty="0">
+              <a:rPr lang="it-IT" sz="1600" dirty="0">
                 <a:solidFill>
                   <a:srgbClr val="000000"/>
                 </a:solidFill>
@@ -8692,7 +11995,7 @@
               <a:t>*</a:t>
             </a:r>
             <a:r>
-              <a:rPr lang="it-IT" sz="1400" dirty="0" err="1">
+              <a:rPr lang="it-IT" sz="1600" dirty="0" err="1">
                 <a:solidFill>
                   <a:srgbClr val="000000"/>
                 </a:solidFill>
@@ -8701,7 +12004,7 @@
               <a:t>giorni_settimana_modello</a:t>
             </a:r>
             <a:r>
-              <a:rPr lang="it-IT" sz="1400" dirty="0">
+              <a:rPr lang="it-IT" sz="1600" dirty="0">
                 <a:solidFill>
                   <a:srgbClr val="000000"/>
                 </a:solidFill>
@@ -8710,7 +12013,7 @@
               <a:t>) </a:t>
             </a:r>
             <a:r>
-              <a:rPr lang="it-IT" sz="1400" dirty="0">
+              <a:rPr lang="it-IT" sz="1600" dirty="0">
                 <a:solidFill>
                   <a:srgbClr val="0000FF"/>
                 </a:solidFill>
@@ -8718,7 +12021,7 @@
               </a:rPr>
               <a:t>...</a:t>
             </a:r>
-            <a:endParaRPr lang="it-IT" sz="1400" dirty="0">
+            <a:endParaRPr lang="it-IT" sz="1600" dirty="0">
               <a:solidFill>
                 <a:srgbClr val="000000"/>
               </a:solidFill>
@@ -8727,7 +12030,7 @@
           </a:p>
           <a:p>
             <a:r>
-              <a:rPr lang="it-IT" sz="1400" dirty="0">
+              <a:rPr lang="it-IT" sz="1600" dirty="0">
                 <a:solidFill>
                   <a:srgbClr val="000000"/>
                 </a:solidFill>
@@ -8736,7 +12039,7 @@
               <a:t>	sin(2*</a:t>
             </a:r>
             <a:r>
-              <a:rPr lang="it-IT" sz="1400" dirty="0" err="1">
+              <a:rPr lang="it-IT" sz="1600" dirty="0" err="1">
                 <a:solidFill>
                   <a:srgbClr val="000000"/>
                 </a:solidFill>
@@ -8745,7 +12048,7 @@
               <a:t>w_settimanale</a:t>
             </a:r>
             <a:r>
-              <a:rPr lang="it-IT" sz="1400" dirty="0">
+              <a:rPr lang="it-IT" sz="1600" dirty="0">
                 <a:solidFill>
                   <a:srgbClr val="000000"/>
                 </a:solidFill>
@@ -8754,7 +12057,7 @@
               <a:t>*</a:t>
             </a:r>
             <a:r>
-              <a:rPr lang="it-IT" sz="1400" dirty="0" err="1">
+              <a:rPr lang="it-IT" sz="1600" dirty="0" err="1">
                 <a:solidFill>
                   <a:srgbClr val="000000"/>
                 </a:solidFill>
@@ -8763,7 +12066,7 @@
               <a:t>giorni_settimana_modello</a:t>
             </a:r>
             <a:r>
-              <a:rPr lang="it-IT" sz="1400" dirty="0">
+              <a:rPr lang="it-IT" sz="1600" dirty="0">
                 <a:solidFill>
                   <a:srgbClr val="000000"/>
                 </a:solidFill>
@@ -8772,7 +12075,7 @@
               <a:t>) </a:t>
             </a:r>
             <a:r>
-              <a:rPr lang="it-IT" sz="1400" dirty="0">
+              <a:rPr lang="it-IT" sz="1600" dirty="0">
                 <a:solidFill>
                   <a:srgbClr val="0000FF"/>
                 </a:solidFill>
@@ -8783,16 +12086,16 @@
           </a:p>
           <a:p>
             <a:r>
-              <a:rPr lang="it-IT" sz="1400" dirty="0">
+              <a:rPr lang="it-IT" sz="1600" dirty="0">
                 <a:solidFill>
                   <a:srgbClr val="000000"/>
                 </a:solidFill>
                 <a:latin typeface="Courier New" panose="02070309020205020404" pitchFamily="49" charset="0"/>
               </a:rPr>
-              <a:t>    cos(3*</a:t>
-            </a:r>
-            <a:r>
-              <a:rPr lang="it-IT" sz="1400" dirty="0" err="1">
+              <a:t>    	cos(3*</a:t>
+            </a:r>
+            <a:r>
+              <a:rPr lang="it-IT" sz="1600" dirty="0" err="1">
                 <a:solidFill>
                   <a:srgbClr val="000000"/>
                 </a:solidFill>
@@ -8801,7 +12104,7 @@
               <a:t>w_settimanale</a:t>
             </a:r>
             <a:r>
-              <a:rPr lang="it-IT" sz="1400" dirty="0">
+              <a:rPr lang="it-IT" sz="1600" dirty="0">
                 <a:solidFill>
                   <a:srgbClr val="000000"/>
                 </a:solidFill>
@@ -8810,7 +12113,7 @@
               <a:t>*</a:t>
             </a:r>
             <a:r>
-              <a:rPr lang="it-IT" sz="1400" dirty="0" err="1">
+              <a:rPr lang="it-IT" sz="1600" dirty="0" err="1">
                 <a:solidFill>
                   <a:srgbClr val="000000"/>
                 </a:solidFill>
@@ -8819,7 +12122,7 @@
               <a:t>giorni_settimana_modello</a:t>
             </a:r>
             <a:r>
-              <a:rPr lang="it-IT" sz="1400" dirty="0">
+              <a:rPr lang="it-IT" sz="1600" dirty="0">
                 <a:solidFill>
                   <a:srgbClr val="000000"/>
                 </a:solidFill>
@@ -8828,7 +12131,7 @@
               <a:t>) </a:t>
             </a:r>
             <a:r>
-              <a:rPr lang="it-IT" sz="1400" dirty="0">
+              <a:rPr lang="it-IT" sz="1600" dirty="0">
                 <a:solidFill>
                   <a:srgbClr val="0000FF"/>
                 </a:solidFill>
@@ -8836,7 +12139,7 @@
               </a:rPr>
               <a:t>...</a:t>
             </a:r>
-            <a:endParaRPr lang="it-IT" sz="1400" dirty="0">
+            <a:endParaRPr lang="it-IT" sz="1600" dirty="0">
               <a:solidFill>
                 <a:srgbClr val="000000"/>
               </a:solidFill>
@@ -8845,7 +12148,7 @@
           </a:p>
           <a:p>
             <a:r>
-              <a:rPr lang="it-IT" sz="1400" dirty="0">
+              <a:rPr lang="it-IT" sz="1600" dirty="0">
                 <a:solidFill>
                   <a:srgbClr val="000000"/>
                 </a:solidFill>
@@ -8854,7 +12157,7 @@
               <a:t>	sin(3*</a:t>
             </a:r>
             <a:r>
-              <a:rPr lang="it-IT" sz="1400" dirty="0" err="1">
+              <a:rPr lang="it-IT" sz="1600" dirty="0" err="1">
                 <a:solidFill>
                   <a:srgbClr val="000000"/>
                 </a:solidFill>
@@ -8863,7 +12166,7 @@
               <a:t>w_settimanale</a:t>
             </a:r>
             <a:r>
-              <a:rPr lang="it-IT" sz="1400" dirty="0">
+              <a:rPr lang="it-IT" sz="1600" dirty="0">
                 <a:solidFill>
                   <a:srgbClr val="000000"/>
                 </a:solidFill>
@@ -8872,7 +12175,7 @@
               <a:t>*</a:t>
             </a:r>
             <a:r>
-              <a:rPr lang="it-IT" sz="1400" dirty="0" err="1">
+              <a:rPr lang="it-IT" sz="1600" dirty="0" err="1">
                 <a:solidFill>
                   <a:srgbClr val="000000"/>
                 </a:solidFill>
@@ -8881,7 +12184,7 @@
               <a:t>giorni_settimana_modello</a:t>
             </a:r>
             <a:r>
-              <a:rPr lang="it-IT" sz="1400" dirty="0">
+              <a:rPr lang="it-IT" sz="1600" dirty="0">
                 <a:solidFill>
                   <a:srgbClr val="000000"/>
                 </a:solidFill>
@@ -8902,6 +12205,18 @@
   <p:clrMapOvr>
     <a:masterClrMapping/>
   </p:clrMapOvr>
+  <mc:AlternateContent xmlns:mc="http://schemas.openxmlformats.org/markup-compatibility/2006" xmlns:p14="http://schemas.microsoft.com/office/powerpoint/2010/main">
+    <mc:Choice Requires="p14">
+      <p:transition spd="med" p14:dur="700">
+        <p:fade/>
+      </p:transition>
+    </mc:Choice>
+    <mc:Fallback xmlns="">
+      <p:transition spd="med">
+        <p:fade/>
+      </p:transition>
+    </mc:Fallback>
+  </mc:AlternateContent>
 </p:sld>
 </file>
 
@@ -8936,8 +12251,8 @@
         </p:nvSpPr>
         <p:spPr>
           <a:xfrm>
-            <a:off x="2347271" y="1330739"/>
-            <a:ext cx="6804544" cy="646331"/>
+            <a:off x="2446899" y="1206660"/>
+            <a:ext cx="8057358" cy="646331"/>
           </a:xfrm>
           <a:prstGeom prst="rect">
             <a:avLst/>
@@ -8951,7 +12266,7 @@
           <a:p>
             <a:r>
               <a:rPr lang="it-IT" sz="3600" dirty="0"/>
-              <a:t>Modello Periodicità Annuale</a:t>
+              <a:t>MODELLO PERIODICITÁ ANNUALE</a:t>
             </a:r>
           </a:p>
         </p:txBody>
@@ -8970,8 +12285,8 @@
         </p:nvSpPr>
         <p:spPr>
           <a:xfrm>
-            <a:off x="2347271" y="2350220"/>
-            <a:ext cx="5437707" cy="369332"/>
+            <a:off x="914400" y="2339567"/>
+            <a:ext cx="7712368" cy="430887"/>
           </a:xfrm>
           <a:prstGeom prst="rect">
             <a:avLst/>
@@ -8985,10 +12300,10 @@
           <a:p>
             <a:pPr algn="just"/>
             <a:r>
-              <a:rPr lang="it-IT" b="1" i="1" dirty="0"/>
+              <a:rPr lang="it-IT" sz="2200" b="1" i="1" dirty="0"/>
               <a:t>Si sono sviluppati 12 modelli annuali, fino 24 armoniche</a:t>
             </a:r>
-            <a:endParaRPr lang="it-IT" b="1" dirty="0"/>
+            <a:endParaRPr lang="it-IT" sz="2200" b="1" dirty="0"/>
           </a:p>
         </p:txBody>
       </p:sp>
@@ -9038,8 +12353,8 @@
         </p:nvSpPr>
         <p:spPr>
           <a:xfrm>
-            <a:off x="2347271" y="3092702"/>
-            <a:ext cx="9724996" cy="2246769"/>
+            <a:off x="914400" y="3216781"/>
+            <a:ext cx="11122356" cy="2554545"/>
           </a:xfrm>
           <a:prstGeom prst="rect">
             <a:avLst/>
@@ -9052,7 +12367,7 @@
           <a:lstStyle/>
           <a:p>
             <a:r>
-              <a:rPr lang="it-IT" sz="1400" dirty="0" err="1">
+              <a:rPr lang="it-IT" sz="1600" dirty="0" err="1">
                 <a:solidFill>
                   <a:srgbClr val="000000"/>
                 </a:solidFill>
@@ -9061,7 +12376,7 @@
               <a:t>Phi_annuale</a:t>
             </a:r>
             <a:r>
-              <a:rPr lang="it-IT" sz="1400" dirty="0">
+              <a:rPr lang="it-IT" sz="1600" dirty="0">
                 <a:solidFill>
                   <a:srgbClr val="000000"/>
                 </a:solidFill>
@@ -9070,7 +12385,7 @@
               <a:t> = [cos(</a:t>
             </a:r>
             <a:r>
-              <a:rPr lang="it-IT" sz="1400" dirty="0" err="1">
+              <a:rPr lang="it-IT" sz="1600" dirty="0" err="1">
                 <a:solidFill>
                   <a:srgbClr val="000000"/>
                 </a:solidFill>
@@ -9079,7 +12394,7 @@
               <a:t>w_annuale</a:t>
             </a:r>
             <a:r>
-              <a:rPr lang="it-IT" sz="1400" dirty="0">
+              <a:rPr lang="it-IT" sz="1600" dirty="0">
                 <a:solidFill>
                   <a:srgbClr val="000000"/>
                 </a:solidFill>
@@ -9088,7 +12403,7 @@
               <a:t>*</a:t>
             </a:r>
             <a:r>
-              <a:rPr lang="it-IT" sz="1400" dirty="0" err="1">
+              <a:rPr lang="it-IT" sz="1600" dirty="0" err="1">
                 <a:solidFill>
                   <a:srgbClr val="000000"/>
                 </a:solidFill>
@@ -9097,7 +12412,7 @@
               <a:t>giorni_anno_modello</a:t>
             </a:r>
             <a:r>
-              <a:rPr lang="it-IT" sz="1400" dirty="0">
+              <a:rPr lang="it-IT" sz="1600" dirty="0">
                 <a:solidFill>
                   <a:srgbClr val="000000"/>
                 </a:solidFill>
@@ -9106,7 +12421,7 @@
               <a:t>)sin(</a:t>
             </a:r>
             <a:r>
-              <a:rPr lang="it-IT" sz="1400" dirty="0" err="1">
+              <a:rPr lang="it-IT" sz="1600" dirty="0" err="1">
                 <a:solidFill>
                   <a:srgbClr val="000000"/>
                 </a:solidFill>
@@ -9115,7 +12430,7 @@
               <a:t>w_annuale</a:t>
             </a:r>
             <a:r>
-              <a:rPr lang="it-IT" sz="1400" dirty="0">
+              <a:rPr lang="it-IT" sz="1600" dirty="0">
                 <a:solidFill>
                   <a:srgbClr val="000000"/>
                 </a:solidFill>
@@ -9124,7 +12439,7 @@
               <a:t>*</a:t>
             </a:r>
             <a:r>
-              <a:rPr lang="it-IT" sz="1400" dirty="0" err="1">
+              <a:rPr lang="it-IT" sz="1600" dirty="0" err="1">
                 <a:solidFill>
                   <a:srgbClr val="000000"/>
                 </a:solidFill>
@@ -9133,7 +12448,7 @@
               <a:t>giorni_anno_modello</a:t>
             </a:r>
             <a:r>
-              <a:rPr lang="it-IT" sz="1400" dirty="0">
+              <a:rPr lang="it-IT" sz="1600" dirty="0">
                 <a:solidFill>
                   <a:srgbClr val="000000"/>
                 </a:solidFill>
@@ -9142,7 +12457,7 @@
               <a:t>) </a:t>
             </a:r>
             <a:r>
-              <a:rPr lang="it-IT" sz="1400" dirty="0">
+              <a:rPr lang="it-IT" sz="1600" dirty="0">
                 <a:solidFill>
                   <a:srgbClr val="0000FF"/>
                 </a:solidFill>
@@ -9151,7 +12466,7 @@
               <a:t>...</a:t>
             </a:r>
             <a:r>
-              <a:rPr lang="it-IT" sz="1400" dirty="0">
+              <a:rPr lang="it-IT" sz="1600" dirty="0">
                 <a:solidFill>
                   <a:srgbClr val="228B22"/>
                 </a:solidFill>
@@ -9162,7 +12477,7 @@
           </a:p>
           <a:p>
             <a:r>
-              <a:rPr lang="it-IT" sz="1400" dirty="0">
+              <a:rPr lang="it-IT" sz="1600" dirty="0">
                 <a:solidFill>
                   <a:srgbClr val="000000"/>
                 </a:solidFill>
@@ -9171,7 +12486,7 @@
               <a:t>    cos(2*</a:t>
             </a:r>
             <a:r>
-              <a:rPr lang="it-IT" sz="1400" dirty="0" err="1">
+              <a:rPr lang="it-IT" sz="1600" dirty="0" err="1">
                 <a:solidFill>
                   <a:srgbClr val="000000"/>
                 </a:solidFill>
@@ -9180,7 +12495,7 @@
               <a:t>w_annuale</a:t>
             </a:r>
             <a:r>
-              <a:rPr lang="it-IT" sz="1400" dirty="0">
+              <a:rPr lang="it-IT" sz="1600" dirty="0">
                 <a:solidFill>
                   <a:srgbClr val="000000"/>
                 </a:solidFill>
@@ -9189,7 +12504,7 @@
               <a:t>*</a:t>
             </a:r>
             <a:r>
-              <a:rPr lang="it-IT" sz="1400" dirty="0" err="1">
+              <a:rPr lang="it-IT" sz="1600" dirty="0" err="1">
                 <a:solidFill>
                   <a:srgbClr val="000000"/>
                 </a:solidFill>
@@ -9198,7 +12513,7 @@
               <a:t>giorni_anno_modello</a:t>
             </a:r>
             <a:r>
-              <a:rPr lang="it-IT" sz="1400" dirty="0">
+              <a:rPr lang="it-IT" sz="1600" dirty="0">
                 <a:solidFill>
                   <a:srgbClr val="000000"/>
                 </a:solidFill>
@@ -9207,7 +12522,7 @@
               <a:t>)sin(2*</a:t>
             </a:r>
             <a:r>
-              <a:rPr lang="it-IT" sz="1400" dirty="0" err="1">
+              <a:rPr lang="it-IT" sz="1600" dirty="0" err="1">
                 <a:solidFill>
                   <a:srgbClr val="000000"/>
                 </a:solidFill>
@@ -9216,7 +12531,7 @@
               <a:t>w_annuale</a:t>
             </a:r>
             <a:r>
-              <a:rPr lang="it-IT" sz="1400" dirty="0">
+              <a:rPr lang="it-IT" sz="1600" dirty="0">
                 <a:solidFill>
                   <a:srgbClr val="000000"/>
                 </a:solidFill>
@@ -9225,7 +12540,7 @@
               <a:t>*</a:t>
             </a:r>
             <a:r>
-              <a:rPr lang="it-IT" sz="1400" dirty="0" err="1">
+              <a:rPr lang="it-IT" sz="1600" dirty="0" err="1">
                 <a:solidFill>
                   <a:srgbClr val="000000"/>
                 </a:solidFill>
@@ -9234,7 +12549,7 @@
               <a:t>giorni_anno_modello</a:t>
             </a:r>
             <a:r>
-              <a:rPr lang="it-IT" sz="1400" dirty="0">
+              <a:rPr lang="it-IT" sz="1600" dirty="0">
                 <a:solidFill>
                   <a:srgbClr val="000000"/>
                 </a:solidFill>
@@ -9243,7 +12558,7 @@
               <a:t>) </a:t>
             </a:r>
             <a:r>
-              <a:rPr lang="it-IT" sz="1400" dirty="0">
+              <a:rPr lang="it-IT" sz="1600" dirty="0">
                 <a:solidFill>
                   <a:srgbClr val="0000FF"/>
                 </a:solidFill>
@@ -9252,7 +12567,7 @@
               <a:t>...</a:t>
             </a:r>
             <a:r>
-              <a:rPr lang="it-IT" sz="1400" dirty="0">
+              <a:rPr lang="it-IT" sz="1600" dirty="0">
                 <a:solidFill>
                   <a:srgbClr val="228B22"/>
                 </a:solidFill>
@@ -9263,7 +12578,7 @@
           </a:p>
           <a:p>
             <a:r>
-              <a:rPr lang="it-IT" sz="1400" dirty="0">
+              <a:rPr lang="it-IT" sz="1600" dirty="0">
                 <a:solidFill>
                   <a:srgbClr val="000000"/>
                 </a:solidFill>
@@ -9272,7 +12587,7 @@
               <a:t>    cos(3*</a:t>
             </a:r>
             <a:r>
-              <a:rPr lang="it-IT" sz="1400" dirty="0" err="1">
+              <a:rPr lang="it-IT" sz="1600" dirty="0" err="1">
                 <a:solidFill>
                   <a:srgbClr val="000000"/>
                 </a:solidFill>
@@ -9281,7 +12596,7 @@
               <a:t>w_annuale</a:t>
             </a:r>
             <a:r>
-              <a:rPr lang="it-IT" sz="1400" dirty="0">
+              <a:rPr lang="it-IT" sz="1600" dirty="0">
                 <a:solidFill>
                   <a:srgbClr val="000000"/>
                 </a:solidFill>
@@ -9290,7 +12605,7 @@
               <a:t>*</a:t>
             </a:r>
             <a:r>
-              <a:rPr lang="it-IT" sz="1400" dirty="0" err="1">
+              <a:rPr lang="it-IT" sz="1600" dirty="0" err="1">
                 <a:solidFill>
                   <a:srgbClr val="000000"/>
                 </a:solidFill>
@@ -9299,7 +12614,7 @@
               <a:t>giorni_anno_modello</a:t>
             </a:r>
             <a:r>
-              <a:rPr lang="it-IT" sz="1400" dirty="0">
+              <a:rPr lang="it-IT" sz="1600" dirty="0">
                 <a:solidFill>
                   <a:srgbClr val="000000"/>
                 </a:solidFill>
@@ -9308,7 +12623,7 @@
               <a:t>) sin(3*</a:t>
             </a:r>
             <a:r>
-              <a:rPr lang="it-IT" sz="1400" dirty="0" err="1">
+              <a:rPr lang="it-IT" sz="1600" dirty="0" err="1">
                 <a:solidFill>
                   <a:srgbClr val="000000"/>
                 </a:solidFill>
@@ -9317,7 +12632,7 @@
               <a:t>w_annuale</a:t>
             </a:r>
             <a:r>
-              <a:rPr lang="it-IT" sz="1400" dirty="0">
+              <a:rPr lang="it-IT" sz="1600" dirty="0">
                 <a:solidFill>
                   <a:srgbClr val="000000"/>
                 </a:solidFill>
@@ -9326,7 +12641,7 @@
               <a:t>*</a:t>
             </a:r>
             <a:r>
-              <a:rPr lang="it-IT" sz="1400" dirty="0" err="1">
+              <a:rPr lang="it-IT" sz="1600" dirty="0" err="1">
                 <a:solidFill>
                   <a:srgbClr val="000000"/>
                 </a:solidFill>
@@ -9335,7 +12650,7 @@
               <a:t>giorni_anno_modello</a:t>
             </a:r>
             <a:r>
-              <a:rPr lang="it-IT" sz="1400" dirty="0">
+              <a:rPr lang="it-IT" sz="1600" dirty="0">
                 <a:solidFill>
                   <a:srgbClr val="000000"/>
                 </a:solidFill>
@@ -9344,7 +12659,7 @@
               <a:t>) </a:t>
             </a:r>
             <a:r>
-              <a:rPr lang="it-IT" sz="1400" dirty="0">
+              <a:rPr lang="it-IT" sz="1600" dirty="0">
                 <a:solidFill>
                   <a:srgbClr val="0000FF"/>
                 </a:solidFill>
@@ -9355,7 +12670,7 @@
           </a:p>
           <a:p>
             <a:r>
-              <a:rPr lang="it-IT" sz="1400" dirty="0">
+              <a:rPr lang="it-IT" sz="1600" dirty="0">
                 <a:solidFill>
                   <a:srgbClr val="000000"/>
                 </a:solidFill>
@@ -9364,7 +12679,7 @@
               <a:t>    cos(4*</a:t>
             </a:r>
             <a:r>
-              <a:rPr lang="it-IT" sz="1400" dirty="0" err="1">
+              <a:rPr lang="it-IT" sz="1600" dirty="0" err="1">
                 <a:solidFill>
                   <a:srgbClr val="000000"/>
                 </a:solidFill>
@@ -9373,7 +12688,7 @@
               <a:t>w_annuale</a:t>
             </a:r>
             <a:r>
-              <a:rPr lang="it-IT" sz="1400" dirty="0">
+              <a:rPr lang="it-IT" sz="1600" dirty="0">
                 <a:solidFill>
                   <a:srgbClr val="000000"/>
                 </a:solidFill>
@@ -9382,7 +12697,7 @@
               <a:t>*</a:t>
             </a:r>
             <a:r>
-              <a:rPr lang="it-IT" sz="1400" dirty="0" err="1">
+              <a:rPr lang="it-IT" sz="1600" dirty="0" err="1">
                 <a:solidFill>
                   <a:srgbClr val="000000"/>
                 </a:solidFill>
@@ -9391,7 +12706,7 @@
               <a:t>giorni_anno_modello</a:t>
             </a:r>
             <a:r>
-              <a:rPr lang="it-IT" sz="1400" dirty="0">
+              <a:rPr lang="it-IT" sz="1600" dirty="0">
                 <a:solidFill>
                   <a:srgbClr val="000000"/>
                 </a:solidFill>
@@ -9400,7 +12715,7 @@
               <a:t>) sin(4*</a:t>
             </a:r>
             <a:r>
-              <a:rPr lang="it-IT" sz="1400" dirty="0" err="1">
+              <a:rPr lang="it-IT" sz="1600" dirty="0" err="1">
                 <a:solidFill>
                   <a:srgbClr val="000000"/>
                 </a:solidFill>
@@ -9409,7 +12724,7 @@
               <a:t>w_annuale</a:t>
             </a:r>
             <a:r>
-              <a:rPr lang="it-IT" sz="1400" dirty="0">
+              <a:rPr lang="it-IT" sz="1600" dirty="0">
                 <a:solidFill>
                   <a:srgbClr val="000000"/>
                 </a:solidFill>
@@ -9418,7 +12733,7 @@
               <a:t>*</a:t>
             </a:r>
             <a:r>
-              <a:rPr lang="it-IT" sz="1400" dirty="0" err="1">
+              <a:rPr lang="it-IT" sz="1600" dirty="0" err="1">
                 <a:solidFill>
                   <a:srgbClr val="000000"/>
                 </a:solidFill>
@@ -9427,7 +12742,7 @@
               <a:t>giorni_anno_modello</a:t>
             </a:r>
             <a:r>
-              <a:rPr lang="it-IT" sz="1400" dirty="0">
+              <a:rPr lang="it-IT" sz="1600" dirty="0">
                 <a:solidFill>
                   <a:srgbClr val="000000"/>
                 </a:solidFill>
@@ -9436,7 +12751,7 @@
               <a:t>) </a:t>
             </a:r>
             <a:r>
-              <a:rPr lang="it-IT" sz="1400" dirty="0">
+              <a:rPr lang="it-IT" sz="1600" dirty="0">
                 <a:solidFill>
                   <a:srgbClr val="0000FF"/>
                 </a:solidFill>
@@ -9447,7 +12762,7 @@
           </a:p>
           <a:p>
             <a:r>
-              <a:rPr lang="it-IT" sz="1400" dirty="0">
+              <a:rPr lang="it-IT" sz="1600" dirty="0">
                 <a:solidFill>
                   <a:srgbClr val="000000"/>
                 </a:solidFill>
@@ -9456,7 +12771,7 @@
               <a:t>    cos(5*</a:t>
             </a:r>
             <a:r>
-              <a:rPr lang="it-IT" sz="1400" dirty="0" err="1">
+              <a:rPr lang="it-IT" sz="1600" dirty="0" err="1">
                 <a:solidFill>
                   <a:srgbClr val="000000"/>
                 </a:solidFill>
@@ -9465,7 +12780,7 @@
               <a:t>w_annuale</a:t>
             </a:r>
             <a:r>
-              <a:rPr lang="it-IT" sz="1400" dirty="0">
+              <a:rPr lang="it-IT" sz="1600" dirty="0">
                 <a:solidFill>
                   <a:srgbClr val="000000"/>
                 </a:solidFill>
@@ -9474,7 +12789,7 @@
               <a:t>*</a:t>
             </a:r>
             <a:r>
-              <a:rPr lang="it-IT" sz="1400" dirty="0" err="1">
+              <a:rPr lang="it-IT" sz="1600" dirty="0" err="1">
                 <a:solidFill>
                   <a:srgbClr val="000000"/>
                 </a:solidFill>
@@ -9483,7 +12798,7 @@
               <a:t>giorni_anno_modello</a:t>
             </a:r>
             <a:r>
-              <a:rPr lang="it-IT" sz="1400" dirty="0">
+              <a:rPr lang="it-IT" sz="1600" dirty="0">
                 <a:solidFill>
                   <a:srgbClr val="000000"/>
                 </a:solidFill>
@@ -9492,7 +12807,7 @@
               <a:t>) sin(5*</a:t>
             </a:r>
             <a:r>
-              <a:rPr lang="it-IT" sz="1400" dirty="0" err="1">
+              <a:rPr lang="it-IT" sz="1600" dirty="0" err="1">
                 <a:solidFill>
                   <a:srgbClr val="000000"/>
                 </a:solidFill>
@@ -9501,7 +12816,7 @@
               <a:t>w_annuale</a:t>
             </a:r>
             <a:r>
-              <a:rPr lang="it-IT" sz="1400" dirty="0">
+              <a:rPr lang="it-IT" sz="1600" dirty="0">
                 <a:solidFill>
                   <a:srgbClr val="000000"/>
                 </a:solidFill>
@@ -9510,7 +12825,7 @@
               <a:t>*</a:t>
             </a:r>
             <a:r>
-              <a:rPr lang="it-IT" sz="1400" dirty="0" err="1">
+              <a:rPr lang="it-IT" sz="1600" dirty="0" err="1">
                 <a:solidFill>
                   <a:srgbClr val="000000"/>
                 </a:solidFill>
@@ -9519,7 +12834,7 @@
               <a:t>giorni_anno_modello</a:t>
             </a:r>
             <a:r>
-              <a:rPr lang="it-IT" sz="1400" dirty="0">
+              <a:rPr lang="it-IT" sz="1600" dirty="0">
                 <a:solidFill>
                   <a:srgbClr val="000000"/>
                 </a:solidFill>
@@ -9528,7 +12843,7 @@
               <a:t>) </a:t>
             </a:r>
             <a:r>
-              <a:rPr lang="it-IT" sz="1400" dirty="0">
+              <a:rPr lang="it-IT" sz="1600" dirty="0">
                 <a:solidFill>
                   <a:srgbClr val="0000FF"/>
                 </a:solidFill>
@@ -9539,7 +12854,7 @@
           </a:p>
           <a:p>
             <a:r>
-              <a:rPr lang="it-IT" sz="1400" dirty="0">
+              <a:rPr lang="it-IT" sz="1600" dirty="0">
                 <a:solidFill>
                   <a:srgbClr val="000000"/>
                 </a:solidFill>
@@ -9548,7 +12863,7 @@
               <a:t>    cos(6*</a:t>
             </a:r>
             <a:r>
-              <a:rPr lang="it-IT" sz="1400" dirty="0" err="1">
+              <a:rPr lang="it-IT" sz="1600" dirty="0" err="1">
                 <a:solidFill>
                   <a:srgbClr val="000000"/>
                 </a:solidFill>
@@ -9557,7 +12872,7 @@
               <a:t>w_annuale</a:t>
             </a:r>
             <a:r>
-              <a:rPr lang="it-IT" sz="1400" dirty="0">
+              <a:rPr lang="it-IT" sz="1600" dirty="0">
                 <a:solidFill>
                   <a:srgbClr val="000000"/>
                 </a:solidFill>
@@ -9566,7 +12881,7 @@
               <a:t>*</a:t>
             </a:r>
             <a:r>
-              <a:rPr lang="it-IT" sz="1400" dirty="0" err="1">
+              <a:rPr lang="it-IT" sz="1600" dirty="0" err="1">
                 <a:solidFill>
                   <a:srgbClr val="000000"/>
                 </a:solidFill>
@@ -9575,7 +12890,7 @@
               <a:t>giorni_anno_modello</a:t>
             </a:r>
             <a:r>
-              <a:rPr lang="it-IT" sz="1400" dirty="0">
+              <a:rPr lang="it-IT" sz="1600" dirty="0">
                 <a:solidFill>
                   <a:srgbClr val="000000"/>
                 </a:solidFill>
@@ -9584,7 +12899,7 @@
               <a:t>) sin(6*</a:t>
             </a:r>
             <a:r>
-              <a:rPr lang="it-IT" sz="1400" dirty="0" err="1">
+              <a:rPr lang="it-IT" sz="1600" dirty="0" err="1">
                 <a:solidFill>
                   <a:srgbClr val="000000"/>
                 </a:solidFill>
@@ -9593,7 +12908,7 @@
               <a:t>w_annuale</a:t>
             </a:r>
             <a:r>
-              <a:rPr lang="it-IT" sz="1400" dirty="0">
+              <a:rPr lang="it-IT" sz="1600" dirty="0">
                 <a:solidFill>
                   <a:srgbClr val="000000"/>
                 </a:solidFill>
@@ -9602,7 +12917,7 @@
               <a:t>*</a:t>
             </a:r>
             <a:r>
-              <a:rPr lang="it-IT" sz="1400" dirty="0" err="1">
+              <a:rPr lang="it-IT" sz="1600" dirty="0" err="1">
                 <a:solidFill>
                   <a:srgbClr val="000000"/>
                 </a:solidFill>
@@ -9611,7 +12926,7 @@
               <a:t>giorni_anno_modello</a:t>
             </a:r>
             <a:r>
-              <a:rPr lang="it-IT" sz="1400" dirty="0">
+              <a:rPr lang="it-IT" sz="1600" dirty="0">
                 <a:solidFill>
                   <a:srgbClr val="000000"/>
                 </a:solidFill>
@@ -9620,7 +12935,7 @@
               <a:t>) </a:t>
             </a:r>
             <a:r>
-              <a:rPr lang="it-IT" sz="1400" dirty="0">
+              <a:rPr lang="it-IT" sz="1600" dirty="0">
                 <a:solidFill>
                   <a:srgbClr val="0000FF"/>
                 </a:solidFill>
@@ -9631,7 +12946,7 @@
           </a:p>
           <a:p>
             <a:r>
-              <a:rPr lang="it-IT" sz="1400" dirty="0">
+              <a:rPr lang="it-IT" sz="1600" dirty="0">
                 <a:solidFill>
                   <a:srgbClr val="000000"/>
                 </a:solidFill>
@@ -9640,7 +12955,7 @@
               <a:t>    cos(7*</a:t>
             </a:r>
             <a:r>
-              <a:rPr lang="it-IT" sz="1400" dirty="0" err="1">
+              <a:rPr lang="it-IT" sz="1600" dirty="0" err="1">
                 <a:solidFill>
                   <a:srgbClr val="000000"/>
                 </a:solidFill>
@@ -9649,7 +12964,7 @@
               <a:t>w_annuale</a:t>
             </a:r>
             <a:r>
-              <a:rPr lang="it-IT" sz="1400" dirty="0">
+              <a:rPr lang="it-IT" sz="1600" dirty="0">
                 <a:solidFill>
                   <a:srgbClr val="000000"/>
                 </a:solidFill>
@@ -9658,7 +12973,7 @@
               <a:t>*</a:t>
             </a:r>
             <a:r>
-              <a:rPr lang="it-IT" sz="1400" dirty="0" err="1">
+              <a:rPr lang="it-IT" sz="1600" dirty="0" err="1">
                 <a:solidFill>
                   <a:srgbClr val="000000"/>
                 </a:solidFill>
@@ -9667,7 +12982,7 @@
               <a:t>giorni_anno_modello</a:t>
             </a:r>
             <a:r>
-              <a:rPr lang="it-IT" sz="1400" dirty="0">
+              <a:rPr lang="it-IT" sz="1600" dirty="0">
                 <a:solidFill>
                   <a:srgbClr val="000000"/>
                 </a:solidFill>
@@ -9676,7 +12991,7 @@
               <a:t>) sin(7*</a:t>
             </a:r>
             <a:r>
-              <a:rPr lang="it-IT" sz="1400" dirty="0" err="1">
+              <a:rPr lang="it-IT" sz="1600" dirty="0" err="1">
                 <a:solidFill>
                   <a:srgbClr val="000000"/>
                 </a:solidFill>
@@ -9685,7 +13000,7 @@
               <a:t>w_annuale</a:t>
             </a:r>
             <a:r>
-              <a:rPr lang="it-IT" sz="1400" dirty="0">
+              <a:rPr lang="it-IT" sz="1600" dirty="0">
                 <a:solidFill>
                   <a:srgbClr val="000000"/>
                 </a:solidFill>
@@ -9694,7 +13009,7 @@
               <a:t>*</a:t>
             </a:r>
             <a:r>
-              <a:rPr lang="it-IT" sz="1400" dirty="0" err="1">
+              <a:rPr lang="it-IT" sz="1600" dirty="0" err="1">
                 <a:solidFill>
                   <a:srgbClr val="000000"/>
                 </a:solidFill>
@@ -9703,7 +13018,7 @@
               <a:t>giorni_anno_modello</a:t>
             </a:r>
             <a:r>
-              <a:rPr lang="it-IT" sz="1400" dirty="0">
+              <a:rPr lang="it-IT" sz="1600" dirty="0">
                 <a:solidFill>
                   <a:srgbClr val="000000"/>
                 </a:solidFill>
@@ -9712,7 +13027,7 @@
               <a:t>) </a:t>
             </a:r>
             <a:r>
-              <a:rPr lang="it-IT" sz="1400" dirty="0">
+              <a:rPr lang="it-IT" sz="1600" dirty="0">
                 <a:solidFill>
                   <a:srgbClr val="0000FF"/>
                 </a:solidFill>
@@ -9723,7 +13038,7 @@
           </a:p>
           <a:p>
             <a:r>
-              <a:rPr lang="it-IT" sz="1400" dirty="0">
+              <a:rPr lang="it-IT" sz="1600" dirty="0">
                 <a:solidFill>
                   <a:srgbClr val="000000"/>
                 </a:solidFill>
@@ -9732,7 +13047,7 @@
               <a:t>    cos(8*</a:t>
             </a:r>
             <a:r>
-              <a:rPr lang="it-IT" sz="1400" dirty="0" err="1">
+              <a:rPr lang="it-IT" sz="1600" dirty="0" err="1">
                 <a:solidFill>
                   <a:srgbClr val="000000"/>
                 </a:solidFill>
@@ -9741,7 +13056,7 @@
               <a:t>w_annuale</a:t>
             </a:r>
             <a:r>
-              <a:rPr lang="it-IT" sz="1400" dirty="0">
+              <a:rPr lang="it-IT" sz="1600" dirty="0">
                 <a:solidFill>
                   <a:srgbClr val="000000"/>
                 </a:solidFill>
@@ -9750,7 +13065,7 @@
               <a:t>*</a:t>
             </a:r>
             <a:r>
-              <a:rPr lang="it-IT" sz="1400" dirty="0" err="1">
+              <a:rPr lang="it-IT" sz="1600" dirty="0" err="1">
                 <a:solidFill>
                   <a:srgbClr val="000000"/>
                 </a:solidFill>
@@ -9759,7 +13074,7 @@
               <a:t>giorni_anno_modello</a:t>
             </a:r>
             <a:r>
-              <a:rPr lang="it-IT" sz="1400" dirty="0">
+              <a:rPr lang="it-IT" sz="1600" dirty="0">
                 <a:solidFill>
                   <a:srgbClr val="000000"/>
                 </a:solidFill>
@@ -9768,7 +13083,7 @@
               <a:t>) sin(8*</a:t>
             </a:r>
             <a:r>
-              <a:rPr lang="it-IT" sz="1400" dirty="0" err="1">
+              <a:rPr lang="it-IT" sz="1600" dirty="0" err="1">
                 <a:solidFill>
                   <a:srgbClr val="000000"/>
                 </a:solidFill>
@@ -9777,7 +13092,7 @@
               <a:t>w_annuale</a:t>
             </a:r>
             <a:r>
-              <a:rPr lang="it-IT" sz="1400" dirty="0">
+              <a:rPr lang="it-IT" sz="1600" dirty="0">
                 <a:solidFill>
                   <a:srgbClr val="000000"/>
                 </a:solidFill>
@@ -9786,7 +13101,7 @@
               <a:t>*</a:t>
             </a:r>
             <a:r>
-              <a:rPr lang="it-IT" sz="1400" dirty="0" err="1">
+              <a:rPr lang="it-IT" sz="1600" dirty="0" err="1">
                 <a:solidFill>
                   <a:srgbClr val="000000"/>
                 </a:solidFill>
@@ -9795,7 +13110,7 @@
               <a:t>giorni_anno_modello</a:t>
             </a:r>
             <a:r>
-              <a:rPr lang="it-IT" sz="1400" dirty="0">
+              <a:rPr lang="it-IT" sz="1600" dirty="0">
                 <a:solidFill>
                   <a:srgbClr val="000000"/>
                 </a:solidFill>
@@ -9804,7 +13119,7 @@
               <a:t>) </a:t>
             </a:r>
             <a:r>
-              <a:rPr lang="it-IT" sz="1400" dirty="0">
+              <a:rPr lang="it-IT" sz="1600" dirty="0">
                 <a:solidFill>
                   <a:srgbClr val="0000FF"/>
                 </a:solidFill>
@@ -9813,7 +13128,7 @@
               <a:t>...</a:t>
             </a:r>
             <a:r>
-              <a:rPr lang="it-IT" sz="1400" dirty="0">
+              <a:rPr lang="it-IT" sz="1600" dirty="0">
                 <a:solidFill>
                   <a:srgbClr val="228B22"/>
                 </a:solidFill>
@@ -9824,7 +13139,7 @@
           </a:p>
           <a:p>
             <a:r>
-              <a:rPr lang="it-IT" sz="1400" dirty="0">
+              <a:rPr lang="it-IT" sz="1600" dirty="0">
                 <a:solidFill>
                   <a:srgbClr val="000000"/>
                 </a:solidFill>
@@ -9833,7 +13148,7 @@
               <a:t>    cos(9*</a:t>
             </a:r>
             <a:r>
-              <a:rPr lang="it-IT" sz="1400" dirty="0" err="1">
+              <a:rPr lang="it-IT" sz="1600" dirty="0" err="1">
                 <a:solidFill>
                   <a:srgbClr val="000000"/>
                 </a:solidFill>
@@ -9842,7 +13157,7 @@
               <a:t>w_annuale</a:t>
             </a:r>
             <a:r>
-              <a:rPr lang="it-IT" sz="1400" dirty="0">
+              <a:rPr lang="it-IT" sz="1600" dirty="0">
                 <a:solidFill>
                   <a:srgbClr val="000000"/>
                 </a:solidFill>
@@ -9851,7 +13166,7 @@
               <a:t>*</a:t>
             </a:r>
             <a:r>
-              <a:rPr lang="it-IT" sz="1400" dirty="0" err="1">
+              <a:rPr lang="it-IT" sz="1600" dirty="0" err="1">
                 <a:solidFill>
                   <a:srgbClr val="000000"/>
                 </a:solidFill>
@@ -9860,7 +13175,7 @@
               <a:t>giorni_anno_modello</a:t>
             </a:r>
             <a:r>
-              <a:rPr lang="it-IT" sz="1400" dirty="0">
+              <a:rPr lang="it-IT" sz="1600" dirty="0">
                 <a:solidFill>
                   <a:srgbClr val="000000"/>
                 </a:solidFill>
@@ -9869,7 +13184,7 @@
               <a:t>) sin(9*</a:t>
             </a:r>
             <a:r>
-              <a:rPr lang="it-IT" sz="1400" dirty="0" err="1">
+              <a:rPr lang="it-IT" sz="1600" dirty="0" err="1">
                 <a:solidFill>
                   <a:srgbClr val="000000"/>
                 </a:solidFill>
@@ -9878,7 +13193,7 @@
               <a:t>w_annuale</a:t>
             </a:r>
             <a:r>
-              <a:rPr lang="it-IT" sz="1400" dirty="0">
+              <a:rPr lang="it-IT" sz="1600" dirty="0">
                 <a:solidFill>
                   <a:srgbClr val="000000"/>
                 </a:solidFill>
@@ -9887,7 +13202,7 @@
               <a:t>*</a:t>
             </a:r>
             <a:r>
-              <a:rPr lang="it-IT" sz="1400" dirty="0" err="1">
+              <a:rPr lang="it-IT" sz="1600" dirty="0" err="1">
                 <a:solidFill>
                   <a:srgbClr val="000000"/>
                 </a:solidFill>
@@ -9896,7 +13211,7 @@
               <a:t>giorni_anno_modello</a:t>
             </a:r>
             <a:r>
-              <a:rPr lang="it-IT" sz="1400" dirty="0">
+              <a:rPr lang="it-IT" sz="1600" dirty="0">
                 <a:solidFill>
                   <a:srgbClr val="000000"/>
                 </a:solidFill>
@@ -9905,7 +13220,7 @@
               <a:t>) </a:t>
             </a:r>
             <a:r>
-              <a:rPr lang="it-IT" sz="1400" dirty="0">
+              <a:rPr lang="it-IT" sz="1600" dirty="0">
                 <a:solidFill>
                   <a:srgbClr val="0000FF"/>
                 </a:solidFill>
@@ -9916,7 +13231,7 @@
           </a:p>
           <a:p>
             <a:r>
-              <a:rPr lang="it-IT" sz="1400" dirty="0">
+              <a:rPr lang="it-IT" sz="1600" dirty="0">
                 <a:solidFill>
                   <a:srgbClr val="000000"/>
                 </a:solidFill>
@@ -9925,7 +13240,7 @@
               <a:t>    cos(10*</a:t>
             </a:r>
             <a:r>
-              <a:rPr lang="it-IT" sz="1400" dirty="0" err="1">
+              <a:rPr lang="it-IT" sz="1600" dirty="0" err="1">
                 <a:solidFill>
                   <a:srgbClr val="000000"/>
                 </a:solidFill>
@@ -9934,7 +13249,7 @@
               <a:t>w_annuale</a:t>
             </a:r>
             <a:r>
-              <a:rPr lang="it-IT" sz="1400" dirty="0">
+              <a:rPr lang="it-IT" sz="1600" dirty="0">
                 <a:solidFill>
                   <a:srgbClr val="000000"/>
                 </a:solidFill>
@@ -9943,7 +13258,7 @@
               <a:t>*</a:t>
             </a:r>
             <a:r>
-              <a:rPr lang="it-IT" sz="1400" dirty="0" err="1">
+              <a:rPr lang="it-IT" sz="1600" dirty="0" err="1">
                 <a:solidFill>
                   <a:srgbClr val="000000"/>
                 </a:solidFill>
@@ -9952,7 +13267,7 @@
               <a:t>giorni_anno_modello</a:t>
             </a:r>
             <a:r>
-              <a:rPr lang="it-IT" sz="1400" dirty="0">
+              <a:rPr lang="it-IT" sz="1600" dirty="0">
                 <a:solidFill>
                   <a:srgbClr val="000000"/>
                 </a:solidFill>
@@ -9961,7 +13276,7 @@
               <a:t>) sin(10*</a:t>
             </a:r>
             <a:r>
-              <a:rPr lang="it-IT" sz="1400" dirty="0" err="1">
+              <a:rPr lang="it-IT" sz="1600" dirty="0" err="1">
                 <a:solidFill>
                   <a:srgbClr val="000000"/>
                 </a:solidFill>
@@ -9970,7 +13285,7 @@
               <a:t>w_annuale</a:t>
             </a:r>
             <a:r>
-              <a:rPr lang="it-IT" sz="1400" dirty="0">
+              <a:rPr lang="it-IT" sz="1600" dirty="0">
                 <a:solidFill>
                   <a:srgbClr val="000000"/>
                 </a:solidFill>
@@ -9979,7 +13294,7 @@
               <a:t>*</a:t>
             </a:r>
             <a:r>
-              <a:rPr lang="it-IT" sz="1400" dirty="0" err="1">
+              <a:rPr lang="it-IT" sz="1600" dirty="0" err="1">
                 <a:solidFill>
                   <a:srgbClr val="000000"/>
                 </a:solidFill>
@@ -9988,7 +13303,7 @@
               <a:t>giorni_anno_modello</a:t>
             </a:r>
             <a:r>
-              <a:rPr lang="it-IT" sz="1400" dirty="0">
+              <a:rPr lang="it-IT" sz="1600" dirty="0">
                 <a:solidFill>
                   <a:srgbClr val="000000"/>
                 </a:solidFill>
@@ -10009,12 +13324,50 @@
   <p:clrMapOvr>
     <a:masterClrMapping/>
   </p:clrMapOvr>
+  <mc:AlternateContent xmlns:mc="http://schemas.openxmlformats.org/markup-compatibility/2006" xmlns:p14="http://schemas.microsoft.com/office/powerpoint/2010/main">
+    <mc:Choice Requires="p14">
+      <p:transition spd="med" p14:dur="700">
+        <p:fade/>
+      </p:transition>
+    </mc:Choice>
+    <mc:Fallback xmlns="">
+      <p:transition spd="med">
+        <p:fade/>
+      </p:transition>
+    </mc:Fallback>
+  </mc:AlternateContent>
 </p:sld>
 </file>
 
 <file path=ppt/slides/slide7.xml><?xml version="1.0" encoding="utf-8"?>
 <p:sld xmlns:a="http://schemas.openxmlformats.org/drawingml/2006/main" xmlns:r="http://schemas.openxmlformats.org/officeDocument/2006/relationships" xmlns:p="http://schemas.openxmlformats.org/presentationml/2006/main">
   <p:cSld>
+    <p:bg>
+      <p:bgPr>
+        <a:gradFill rotWithShape="1">
+          <a:gsLst>
+            <a:gs pos="0">
+              <a:schemeClr val="bg2">
+                <a:tint val="90000"/>
+                <a:satMod val="92000"/>
+                <a:lumMod val="120000"/>
+              </a:schemeClr>
+            </a:gs>
+            <a:gs pos="100000">
+              <a:schemeClr val="bg2">
+                <a:shade val="98000"/>
+                <a:satMod val="120000"/>
+                <a:lumMod val="98000"/>
+              </a:schemeClr>
+            </a:gs>
+          </a:gsLst>
+          <a:path path="circle">
+            <a:fillToRect l="50000" t="50000" r="100000" b="100000"/>
+          </a:path>
+        </a:gradFill>
+        <a:effectLst/>
+      </p:bgPr>
+    </p:bg>
     <p:spTree>
       <p:nvGrpSpPr>
         <p:cNvPr id="1" name=""/>
@@ -10333,6 +13686,18 @@
   <p:clrMapOvr>
     <a:masterClrMapping/>
   </p:clrMapOvr>
+  <mc:AlternateContent xmlns:mc="http://schemas.openxmlformats.org/markup-compatibility/2006" xmlns:p14="http://schemas.microsoft.com/office/powerpoint/2010/main">
+    <mc:Choice Requires="p14">
+      <p:transition spd="med" p14:dur="700">
+        <p:fade/>
+      </p:transition>
+    </mc:Choice>
+    <mc:Fallback xmlns="">
+      <p:transition spd="med">
+        <p:fade/>
+      </p:transition>
+    </mc:Fallback>
+  </mc:AlternateContent>
 </p:sld>
 </file>
 
@@ -10593,13 +13958,25 @@
   <p:clrMapOvr>
     <a:masterClrMapping/>
   </p:clrMapOvr>
+  <mc:AlternateContent xmlns:mc="http://schemas.openxmlformats.org/markup-compatibility/2006" xmlns:p14="http://schemas.microsoft.com/office/powerpoint/2010/main">
+    <mc:Choice Requires="p14">
+      <p:transition spd="med" p14:dur="700">
+        <p:fade/>
+      </p:transition>
+    </mc:Choice>
+    <mc:Fallback xmlns="">
+      <p:transition spd="med">
+        <p:fade/>
+      </p:transition>
+    </mc:Fallback>
+  </mc:AlternateContent>
 </p:sld>
 </file>
 
 <file path=ppt/theme/theme1.xml><?xml version="1.0" encoding="utf-8"?>
-<a:theme xmlns:a="http://schemas.openxmlformats.org/drawingml/2006/main" name="Scia di vapore">
+<a:theme xmlns:a="http://schemas.openxmlformats.org/drawingml/2006/main" name="HDOfficeLightV0">
   <a:themeElements>
-    <a:clrScheme name="Scia di vapore">
+    <a:clrScheme name="Office">
       <a:dk1>
         <a:sysClr val="windowText" lastClr="000000"/>
       </a:dk1>
@@ -10607,10 +13984,263 @@
         <a:sysClr val="window" lastClr="FFFFFF"/>
       </a:lt1>
       <a:dk2>
-        <a:srgbClr val="454545"/>
+        <a:srgbClr val="44546A"/>
       </a:dk2>
       <a:lt2>
-        <a:srgbClr val="DADADA"/>
+        <a:srgbClr val="E7E6E6"/>
+      </a:lt2>
+      <a:accent1>
+        <a:srgbClr val="5B9BD5"/>
+      </a:accent1>
+      <a:accent2>
+        <a:srgbClr val="ED7D31"/>
+      </a:accent2>
+      <a:accent3>
+        <a:srgbClr val="A5A5A5"/>
+      </a:accent3>
+      <a:accent4>
+        <a:srgbClr val="FFC000"/>
+      </a:accent4>
+      <a:accent5>
+        <a:srgbClr val="4472C4"/>
+      </a:accent5>
+      <a:accent6>
+        <a:srgbClr val="70AD47"/>
+      </a:accent6>
+      <a:hlink>
+        <a:srgbClr val="0563C1"/>
+      </a:hlink>
+      <a:folHlink>
+        <a:srgbClr val="954F72"/>
+      </a:folHlink>
+    </a:clrScheme>
+    <a:fontScheme name="Office">
+      <a:majorFont>
+        <a:latin typeface="Calibri Light"/>
+        <a:ea typeface=""/>
+        <a:cs typeface=""/>
+        <a:font script="Jpan" typeface="ＭＳ Ｐゴシック"/>
+        <a:font script="Hang" typeface="맑은 고딕"/>
+        <a:font script="Hans" typeface="宋体"/>
+        <a:font script="Hant" typeface="新細明體"/>
+        <a:font script="Arab" typeface="Times New Roman"/>
+        <a:font script="Hebr" typeface="Times New Roman"/>
+        <a:font script="Thai" typeface="Angsana New"/>
+        <a:font script="Ethi" typeface="Nyala"/>
+        <a:font script="Beng" typeface="Vrinda"/>
+        <a:font script="Gujr" typeface="Shruti"/>
+        <a:font script="Khmr" typeface="MoolBoran"/>
+        <a:font script="Knda" typeface="Tunga"/>
+        <a:font script="Guru" typeface="Raavi"/>
+        <a:font script="Cans" typeface="Euphemia"/>
+        <a:font script="Cher" typeface="Plantagenet Cherokee"/>
+        <a:font script="Yiii" typeface="Microsoft Yi Baiti"/>
+        <a:font script="Tibt" typeface="Microsoft Himalaya"/>
+        <a:font script="Thaa" typeface="MV Boli"/>
+        <a:font script="Deva" typeface="Mangal"/>
+        <a:font script="Telu" typeface="Gautami"/>
+        <a:font script="Taml" typeface="Latha"/>
+        <a:font script="Syrc" typeface="Estrangelo Edessa"/>
+        <a:font script="Orya" typeface="Kalinga"/>
+        <a:font script="Mlym" typeface="Kartika"/>
+        <a:font script="Laoo" typeface="DokChampa"/>
+        <a:font script="Sinh" typeface="Iskoola Pota"/>
+        <a:font script="Mong" typeface="Mongolian Baiti"/>
+        <a:font script="Viet" typeface="Times New Roman"/>
+        <a:font script="Uigh" typeface="Microsoft Uighur"/>
+        <a:font script="Geor" typeface="Sylfaen"/>
+      </a:majorFont>
+      <a:minorFont>
+        <a:latin typeface="Calibri"/>
+        <a:ea typeface=""/>
+        <a:cs typeface=""/>
+        <a:font script="Jpan" typeface="ＭＳ Ｐゴシック"/>
+        <a:font script="Hang" typeface="맑은 고딕"/>
+        <a:font script="Hans" typeface="宋体"/>
+        <a:font script="Hant" typeface="新細明體"/>
+        <a:font script="Arab" typeface="Arial"/>
+        <a:font script="Hebr" typeface="Arial"/>
+        <a:font script="Thai" typeface="Cordia New"/>
+        <a:font script="Ethi" typeface="Nyala"/>
+        <a:font script="Beng" typeface="Vrinda"/>
+        <a:font script="Gujr" typeface="Shruti"/>
+        <a:font script="Khmr" typeface="DaunPenh"/>
+        <a:font script="Knda" typeface="Tunga"/>
+        <a:font script="Guru" typeface="Raavi"/>
+        <a:font script="Cans" typeface="Euphemia"/>
+        <a:font script="Cher" typeface="Plantagenet Cherokee"/>
+        <a:font script="Yiii" typeface="Microsoft Yi Baiti"/>
+        <a:font script="Tibt" typeface="Microsoft Himalaya"/>
+        <a:font script="Thaa" typeface="MV Boli"/>
+        <a:font script="Deva" typeface="Mangal"/>
+        <a:font script="Telu" typeface="Gautami"/>
+        <a:font script="Taml" typeface="Latha"/>
+        <a:font script="Syrc" typeface="Estrangelo Edessa"/>
+        <a:font script="Orya" typeface="Kalinga"/>
+        <a:font script="Mlym" typeface="Kartika"/>
+        <a:font script="Laoo" typeface="DokChampa"/>
+        <a:font script="Sinh" typeface="Iskoola Pota"/>
+        <a:font script="Mong" typeface="Mongolian Baiti"/>
+        <a:font script="Viet" typeface="Arial"/>
+        <a:font script="Uigh" typeface="Microsoft Uighur"/>
+        <a:font script="Geor" typeface="Sylfaen"/>
+      </a:minorFont>
+    </a:fontScheme>
+    <a:fmtScheme name="Office">
+      <a:fillStyleLst>
+        <a:solidFill>
+          <a:schemeClr val="phClr"/>
+        </a:solidFill>
+        <a:gradFill rotWithShape="1">
+          <a:gsLst>
+            <a:gs pos="0">
+              <a:schemeClr val="phClr">
+                <a:tint val="67000"/>
+                <a:satMod val="105000"/>
+                <a:lumMod val="110000"/>
+              </a:schemeClr>
+            </a:gs>
+            <a:gs pos="50000">
+              <a:schemeClr val="phClr">
+                <a:tint val="73000"/>
+                <a:satMod val="103000"/>
+                <a:lumMod val="105000"/>
+              </a:schemeClr>
+            </a:gs>
+            <a:gs pos="100000">
+              <a:schemeClr val="phClr">
+                <a:tint val="81000"/>
+                <a:satMod val="109000"/>
+                <a:lumMod val="105000"/>
+              </a:schemeClr>
+            </a:gs>
+          </a:gsLst>
+          <a:lin ang="5400000" scaled="0"/>
+        </a:gradFill>
+        <a:gradFill rotWithShape="1">
+          <a:gsLst>
+            <a:gs pos="0">
+              <a:schemeClr val="phClr">
+                <a:tint val="94000"/>
+                <a:satMod val="103000"/>
+                <a:lumMod val="102000"/>
+              </a:schemeClr>
+            </a:gs>
+            <a:gs pos="50000">
+              <a:schemeClr val="phClr">
+                <a:shade val="100000"/>
+                <a:satMod val="110000"/>
+                <a:lumMod val="100000"/>
+              </a:schemeClr>
+            </a:gs>
+            <a:gs pos="100000">
+              <a:schemeClr val="phClr">
+                <a:shade val="78000"/>
+                <a:satMod val="120000"/>
+                <a:lumMod val="99000"/>
+              </a:schemeClr>
+            </a:gs>
+          </a:gsLst>
+          <a:lin ang="5400000" scaled="0"/>
+        </a:gradFill>
+      </a:fillStyleLst>
+      <a:lnStyleLst>
+        <a:ln w="6350" cap="flat" cmpd="sng" algn="ctr">
+          <a:solidFill>
+            <a:schemeClr val="phClr"/>
+          </a:solidFill>
+          <a:prstDash val="solid"/>
+        </a:ln>
+        <a:ln w="12700" cap="flat" cmpd="sng" algn="ctr">
+          <a:solidFill>
+            <a:schemeClr val="phClr"/>
+          </a:solidFill>
+          <a:prstDash val="solid"/>
+        </a:ln>
+        <a:ln w="19050" cap="flat" cmpd="sng" algn="ctr">
+          <a:solidFill>
+            <a:schemeClr val="phClr"/>
+          </a:solidFill>
+          <a:prstDash val="solid"/>
+        </a:ln>
+      </a:lnStyleLst>
+      <a:effectStyleLst>
+        <a:effectStyle>
+          <a:effectLst/>
+        </a:effectStyle>
+        <a:effectStyle>
+          <a:effectLst/>
+        </a:effectStyle>
+        <a:effectStyle>
+          <a:effectLst>
+            <a:outerShdw blurRad="57150" dist="19050" dir="5400000" algn="ctr" rotWithShape="0">
+              <a:srgbClr val="000000">
+                <a:alpha val="63000"/>
+              </a:srgbClr>
+            </a:outerShdw>
+          </a:effectLst>
+        </a:effectStyle>
+      </a:effectStyleLst>
+      <a:bgFillStyleLst>
+        <a:solidFill>
+          <a:schemeClr val="phClr"/>
+        </a:solidFill>
+        <a:solidFill>
+          <a:schemeClr val="phClr">
+            <a:tint val="95000"/>
+            <a:satMod val="170000"/>
+          </a:schemeClr>
+        </a:solidFill>
+        <a:gradFill rotWithShape="1">
+          <a:gsLst>
+            <a:gs pos="0">
+              <a:schemeClr val="phClr">
+                <a:tint val="93000"/>
+                <a:shade val="98000"/>
+                <a:satMod val="150000"/>
+                <a:lumMod val="102000"/>
+              </a:schemeClr>
+            </a:gs>
+            <a:gs pos="50000">
+              <a:schemeClr val="phClr">
+                <a:tint val="98000"/>
+                <a:shade val="90000"/>
+                <a:satMod val="130000"/>
+                <a:lumMod val="103000"/>
+              </a:schemeClr>
+            </a:gs>
+            <a:gs pos="100000">
+              <a:schemeClr val="phClr">
+                <a:shade val="63000"/>
+                <a:satMod val="120000"/>
+              </a:schemeClr>
+            </a:gs>
+          </a:gsLst>
+          <a:lin ang="5400000" scaled="0"/>
+        </a:gradFill>
+      </a:bgFillStyleLst>
+    </a:fmtScheme>
+  </a:themeElements>
+  <a:objectDefaults/>
+  <a:extraClrSchemeLst/>
+</a:theme>
+</file>
+
+<file path=ppt/theme/theme2.xml><?xml version="1.0" encoding="utf-8"?>
+<a:theme xmlns:a="http://schemas.openxmlformats.org/drawingml/2006/main" name="Scia di vapore">
+  <a:themeElements>
+    <a:clrScheme name="Personalizzato 14">
+      <a:dk1>
+        <a:srgbClr val="FFFFFF"/>
+      </a:dk1>
+      <a:lt1>
+        <a:srgbClr val="151515"/>
+      </a:lt1>
+      <a:dk2>
+        <a:srgbClr val="FFFFFF"/>
+      </a:dk2>
+      <a:lt2>
+        <a:srgbClr val="151515"/>
       </a:lt2>
       <a:accent1>
         <a:srgbClr val="DF2E28"/>
@@ -10637,22 +14267,22 @@
         <a:srgbClr val="F38B53"/>
       </a:folHlink>
     </a:clrScheme>
-    <a:fontScheme name="Candara">
+    <a:fontScheme name="Scia di vapore">
       <a:majorFont>
-        <a:latin typeface="Candara" panose="020E0502030303020204"/>
+        <a:latin typeface="Century Gothic" panose="020B0502020202020204"/>
         <a:ea typeface=""/>
         <a:cs typeface=""/>
-        <a:font script="Jpan" typeface="HGｺﾞｼｯｸM"/>
-        <a:font script="Hang" typeface="HY엽서L"/>
-        <a:font script="Hans" typeface="华文楷体"/>
+        <a:font script="Jpan" typeface="ＭＳ Ｐゴシック"/>
+        <a:font script="Hang" typeface="맑은 고딕"/>
+        <a:font script="Hans" typeface="宋体"/>
         <a:font script="Hant" typeface="新細明體"/>
-        <a:font script="Arab" typeface="Tahoma"/>
-        <a:font script="Hebr" typeface="Miriam"/>
-        <a:font script="Thai" typeface="DilleniaUPC"/>
+        <a:font script="Arab" typeface="Times New Roman"/>
+        <a:font script="Hebr" typeface="Times New Roman"/>
+        <a:font script="Thai" typeface="Angsana New"/>
         <a:font script="Ethi" typeface="Nyala"/>
         <a:font script="Beng" typeface="Vrinda"/>
         <a:font script="Gujr" typeface="Shruti"/>
-        <a:font script="Khmr" typeface="DaunPenh"/>
+        <a:font script="Khmr" typeface="MoolBoran"/>
         <a:font script="Knda" typeface="Tunga"/>
         <a:font script="Guru" typeface="Raavi"/>
         <a:font script="Cans" typeface="Euphemia"/>
@@ -10669,21 +14299,21 @@
         <a:font script="Laoo" typeface="DokChampa"/>
         <a:font script="Sinh" typeface="Iskoola Pota"/>
         <a:font script="Mong" typeface="Mongolian Baiti"/>
-        <a:font script="Viet" typeface="Arial"/>
+        <a:font script="Viet" typeface="Times New Roman"/>
         <a:font script="Uigh" typeface="Microsoft Uighur"/>
         <a:font script="Geor" typeface="Sylfaen"/>
       </a:majorFont>
       <a:minorFont>
-        <a:latin typeface="Candara" panose="020E0502030303020204"/>
+        <a:latin typeface="Century Gothic" panose="020B0502020202020204"/>
         <a:ea typeface=""/>
         <a:cs typeface=""/>
-        <a:font script="Jpan" typeface="HGｺﾞｼｯｸM"/>
-        <a:font script="Hang" typeface="HY엽서L"/>
-        <a:font script="Hans" typeface="华文楷体"/>
+        <a:font script="Jpan" typeface="ＭＳ Ｐゴシック"/>
+        <a:font script="Hang" typeface="맑은 고딕"/>
+        <a:font script="Hans" typeface="宋体"/>
         <a:font script="Hant" typeface="新細明體"/>
-        <a:font script="Arab" typeface="Tahoma"/>
-        <a:font script="Hebr" typeface="Miriam"/>
-        <a:font script="Thai" typeface="DilleniaUPC"/>
+        <a:font script="Arab" typeface="Arial"/>
+        <a:font script="Hebr" typeface="Arial"/>
+        <a:font script="Thai" typeface="Cordia New"/>
         <a:font script="Ethi" typeface="Nyala"/>
         <a:font script="Beng" typeface="Vrinda"/>
         <a:font script="Gujr" typeface="Shruti"/>
@@ -10866,7 +14496,7 @@
 </a:theme>
 </file>
 
-<file path=ppt/theme/theme2.xml><?xml version="1.0" encoding="utf-8"?>
+<file path=ppt/theme/theme3.xml><?xml version="1.0" encoding="utf-8"?>
 <a:theme xmlns:a="http://schemas.openxmlformats.org/drawingml/2006/main" name="Tema di Office">
   <a:themeElements>
     <a:clrScheme name="Office">

--- a/presentazione_imad.pptx
+++ b/presentazione_imad.pptx
@@ -16295,12 +16295,14 @@
         </p:nvSpPr>
         <p:spPr>
           <a:xfrm>
-            <a:off x="687385" y="1219642"/>
-            <a:ext cx="10817221" cy="2262781"/>
+            <a:off x="687385" y="864105"/>
+            <a:ext cx="10817221" cy="1813421"/>
           </a:xfrm>
         </p:spPr>
         <p:txBody>
-          <a:bodyPr/>
+          <a:bodyPr>
+            <a:normAutofit/>
+          </a:bodyPr>
           <a:lstStyle/>
           <a:p>
             <a:r>
@@ -16352,7 +16354,7 @@
             </a:r>
             <a:r>
               <a:rPr lang="it-IT" dirty="0" err="1"/>
-              <a:t>Identiﬁcare</a:t>
+              <a:t>IdentIFIcare</a:t>
             </a:r>
             <a:r>
               <a:rPr lang="it-IT" dirty="0"/>
@@ -16360,11 +16362,46 @@
             </a:r>
             <a:r>
               <a:rPr lang="it-IT" dirty="0" err="1"/>
-              <a:t>proﬁlo</a:t>
+              <a:t>proFIo</a:t>
             </a:r>
             <a:r>
               <a:rPr lang="it-IT" dirty="0"/>
               <a:t> annuale per la previsione a lungo termine della serie temporale.</a:t>
+            </a:r>
+          </a:p>
+        </p:txBody>
+      </p:sp>
+      <p:sp>
+        <p:nvSpPr>
+          <p:cNvPr id="4" name="CasellaDiTesto 3">
+            <a:extLst>
+              <a:ext uri="{FF2B5EF4-FFF2-40B4-BE49-F238E27FC236}">
+                <a16:creationId xmlns:a16="http://schemas.microsoft.com/office/drawing/2014/main" id="{8E45BEC4-FA96-4AF6-BC60-933409C83011}"/>
+              </a:ext>
+            </a:extLst>
+          </p:cNvPr>
+          <p:cNvSpPr txBox="1"/>
+          <p:nvPr/>
+        </p:nvSpPr>
+        <p:spPr>
+          <a:xfrm>
+            <a:off x="1291643" y="3812583"/>
+            <a:ext cx="9387826" cy="369332"/>
+          </a:xfrm>
+          <a:prstGeom prst="rect">
+            <a:avLst/>
+          </a:prstGeom>
+          <a:noFill/>
+        </p:spPr>
+        <p:txBody>
+          <a:bodyPr wrap="none" rtlCol="0">
+            <a:spAutoFit/>
+          </a:bodyPr>
+          <a:lstStyle/>
+          <a:p>
+            <a:r>
+              <a:rPr lang="it-IT" dirty="0"/>
+              <a:t>BERTOCCHI CHIARA, COLOMBO LUCA, CRESCENTI RICCARDO, DOVERI RICCARDO, GHIAZZI SIMONE</a:t>
             </a:r>
           </a:p>
         </p:txBody>

--- a/presentazione_imad.pptx
+++ b/presentazione_imad.pptx
@@ -8938,7 +8938,7 @@
           <a:p>
             <a:fld id="{7BD18282-EB19-435E-9AF0-4FCC595C3971}" type="datetimeFigureOut">
               <a:rPr lang="it-IT" smtClean="0"/>
-              <a:t>09/05/2019</a:t>
+              <a:t>10/05/2019</a:t>
             </a:fld>
             <a:endParaRPr lang="it-IT"/>
           </a:p>
@@ -9348,7 +9348,7 @@
             <a:fld id="{B61BEF0D-F0BB-DE4B-95CE-6DB70DBA9567}" type="datetimeFigureOut">
               <a:rPr lang="en-US" smtClean="0"/>
               <a:pPr/>
-              <a:t>5/9/2019</a:t>
+              <a:t>5/10/2019</a:t>
             </a:fld>
             <a:endParaRPr lang="en-US" dirty="0"/>
           </a:p>
@@ -9532,7 +9532,7 @@
             <a:fld id="{B61BEF0D-F0BB-DE4B-95CE-6DB70DBA9567}" type="datetimeFigureOut">
               <a:rPr lang="en-US" smtClean="0"/>
               <a:pPr/>
-              <a:t>5/9/2019</a:t>
+              <a:t>5/10/2019</a:t>
             </a:fld>
             <a:endParaRPr lang="en-US" dirty="0"/>
           </a:p>
@@ -9714,7 +9714,7 @@
             <a:fld id="{B61BEF0D-F0BB-DE4B-95CE-6DB70DBA9567}" type="datetimeFigureOut">
               <a:rPr lang="en-US" smtClean="0"/>
               <a:pPr/>
-              <a:t>5/9/2019</a:t>
+              <a:t>5/10/2019</a:t>
             </a:fld>
             <a:endParaRPr lang="en-US" dirty="0"/>
           </a:p>
@@ -9889,7 +9889,7 @@
             <a:fld id="{B61BEF0D-F0BB-DE4B-95CE-6DB70DBA9567}" type="datetimeFigureOut">
               <a:rPr lang="en-US" smtClean="0"/>
               <a:pPr/>
-              <a:t>5/9/2019</a:t>
+              <a:t>5/10/2019</a:t>
             </a:fld>
             <a:endParaRPr lang="en-US" dirty="0"/>
           </a:p>
@@ -10183,7 +10183,7 @@
             <a:fld id="{B61BEF0D-F0BB-DE4B-95CE-6DB70DBA9567}" type="datetimeFigureOut">
               <a:rPr lang="en-US" smtClean="0"/>
               <a:pPr/>
-              <a:t>5/9/2019</a:t>
+              <a:t>5/10/2019</a:t>
             </a:fld>
             <a:endParaRPr lang="en-US" dirty="0"/>
           </a:p>
@@ -10397,7 +10397,7 @@
             <a:fld id="{B61BEF0D-F0BB-DE4B-95CE-6DB70DBA9567}" type="datetimeFigureOut">
               <a:rPr lang="en-US" smtClean="0"/>
               <a:pPr/>
-              <a:t>5/9/2019</a:t>
+              <a:t>5/10/2019</a:t>
             </a:fld>
             <a:endParaRPr lang="en-US" dirty="0"/>
           </a:p>
@@ -10742,7 +10742,7 @@
             <a:fld id="{B61BEF0D-F0BB-DE4B-95CE-6DB70DBA9567}" type="datetimeFigureOut">
               <a:rPr lang="en-US" smtClean="0"/>
               <a:pPr/>
-              <a:t>5/9/2019</a:t>
+              <a:t>5/10/2019</a:t>
             </a:fld>
             <a:endParaRPr lang="en-US" dirty="0"/>
           </a:p>
@@ -11019,7 +11019,7 @@
             <a:fld id="{B61BEF0D-F0BB-DE4B-95CE-6DB70DBA9567}" type="datetimeFigureOut">
               <a:rPr lang="en-US" smtClean="0"/>
               <a:pPr/>
-              <a:t>5/9/2019</a:t>
+              <a:t>5/10/2019</a:t>
             </a:fld>
             <a:endParaRPr lang="en-US" dirty="0"/>
           </a:p>
@@ -11400,7 +11400,7 @@
             <a:fld id="{B61BEF0D-F0BB-DE4B-95CE-6DB70DBA9567}" type="datetimeFigureOut">
               <a:rPr lang="en-US" smtClean="0"/>
               <a:pPr/>
-              <a:t>5/9/2019</a:t>
+              <a:t>5/10/2019</a:t>
             </a:fld>
             <a:endParaRPr lang="en-US" dirty="0"/>
           </a:p>
@@ -11520,7 +11520,7 @@
             <a:fld id="{B61BEF0D-F0BB-DE4B-95CE-6DB70DBA9567}" type="datetimeFigureOut">
               <a:rPr lang="en-US" smtClean="0"/>
               <a:pPr/>
-              <a:t>5/9/2019</a:t>
+              <a:t>5/10/2019</a:t>
             </a:fld>
             <a:endParaRPr lang="en-US" dirty="0"/>
           </a:p>
@@ -11693,7 +11693,7 @@
             <a:fld id="{B61BEF0D-F0BB-DE4B-95CE-6DB70DBA9567}" type="datetimeFigureOut">
               <a:rPr lang="en-US" smtClean="0"/>
               <a:pPr/>
-              <a:t>5/9/2019</a:t>
+              <a:t>5/10/2019</a:t>
             </a:fld>
             <a:endParaRPr lang="en-US" dirty="0"/>
           </a:p>
@@ -11873,7 +11873,7 @@
             <a:fld id="{B61BEF0D-F0BB-DE4B-95CE-6DB70DBA9567}" type="datetimeFigureOut">
               <a:rPr lang="en-US" smtClean="0"/>
               <a:pPr/>
-              <a:t>5/9/2019</a:t>
+              <a:t>5/10/2019</a:t>
             </a:fld>
             <a:endParaRPr lang="en-US" dirty="0"/>
           </a:p>
@@ -12221,7 +12221,7 @@
             <a:fld id="{B61BEF0D-F0BB-DE4B-95CE-6DB70DBA9567}" type="datetimeFigureOut">
               <a:rPr lang="en-US" smtClean="0"/>
               <a:pPr/>
-              <a:t>5/9/2019</a:t>
+              <a:t>5/10/2019</a:t>
             </a:fld>
             <a:endParaRPr lang="en-US" dirty="0"/>
           </a:p>
@@ -12605,7 +12605,7 @@
             <a:fld id="{B61BEF0D-F0BB-DE4B-95CE-6DB70DBA9567}" type="datetimeFigureOut">
               <a:rPr lang="en-US" smtClean="0"/>
               <a:pPr/>
-              <a:t>5/9/2019</a:t>
+              <a:t>5/10/2019</a:t>
             </a:fld>
             <a:endParaRPr lang="en-US" dirty="0"/>
           </a:p>
@@ -12777,7 +12777,7 @@
             <a:fld id="{B61BEF0D-F0BB-DE4B-95CE-6DB70DBA9567}" type="datetimeFigureOut">
               <a:rPr lang="en-US" smtClean="0"/>
               <a:pPr/>
-              <a:t>5/9/2019</a:t>
+              <a:t>5/10/2019</a:t>
             </a:fld>
             <a:endParaRPr lang="en-US" dirty="0"/>
           </a:p>
@@ -13035,7 +13035,7 @@
             <a:fld id="{B61BEF0D-F0BB-DE4B-95CE-6DB70DBA9567}" type="datetimeFigureOut">
               <a:rPr lang="en-US" smtClean="0"/>
               <a:pPr/>
-              <a:t>5/9/2019</a:t>
+              <a:t>5/10/2019</a:t>
             </a:fld>
             <a:endParaRPr lang="en-US" dirty="0"/>
           </a:p>
@@ -13238,7 +13238,7 @@
             <a:fld id="{B61BEF0D-F0BB-DE4B-95CE-6DB70DBA9567}" type="datetimeFigureOut">
               <a:rPr lang="en-US" smtClean="0"/>
               <a:pPr/>
-              <a:t>5/9/2019</a:t>
+              <a:t>5/10/2019</a:t>
             </a:fld>
             <a:endParaRPr lang="en-US" dirty="0"/>
           </a:p>
@@ -13501,7 +13501,7 @@
             <a:fld id="{B61BEF0D-F0BB-DE4B-95CE-6DB70DBA9567}" type="datetimeFigureOut">
               <a:rPr lang="en-US" smtClean="0"/>
               <a:pPr/>
-              <a:t>5/9/2019</a:t>
+              <a:t>5/10/2019</a:t>
             </a:fld>
             <a:endParaRPr lang="en-US" dirty="0"/>
           </a:p>
@@ -13747,7 +13747,7 @@
             <a:fld id="{B61BEF0D-F0BB-DE4B-95CE-6DB70DBA9567}" type="datetimeFigureOut">
               <a:rPr lang="en-US" smtClean="0"/>
               <a:pPr/>
-              <a:t>5/9/2019</a:t>
+              <a:t>5/10/2019</a:t>
             </a:fld>
             <a:endParaRPr lang="en-US" dirty="0"/>
           </a:p>
@@ -14096,7 +14096,7 @@
             <a:fld id="{B61BEF0D-F0BB-DE4B-95CE-6DB70DBA9567}" type="datetimeFigureOut">
               <a:rPr lang="en-US" smtClean="0"/>
               <a:pPr/>
-              <a:t>5/9/2019</a:t>
+              <a:t>5/10/2019</a:t>
             </a:fld>
             <a:endParaRPr lang="en-US" dirty="0"/>
           </a:p>
@@ -14216,7 +14216,7 @@
             <a:fld id="{B61BEF0D-F0BB-DE4B-95CE-6DB70DBA9567}" type="datetimeFigureOut">
               <a:rPr lang="en-US" smtClean="0"/>
               <a:pPr/>
-              <a:t>5/9/2019</a:t>
+              <a:t>5/10/2019</a:t>
             </a:fld>
             <a:endParaRPr lang="en-US" dirty="0"/>
           </a:p>
@@ -14348,7 +14348,7 @@
             <a:fld id="{B61BEF0D-F0BB-DE4B-95CE-6DB70DBA9567}" type="datetimeFigureOut">
               <a:rPr lang="en-US" smtClean="0"/>
               <a:pPr/>
-              <a:t>5/9/2019</a:t>
+              <a:t>5/10/2019</a:t>
             </a:fld>
             <a:endParaRPr lang="en-US" dirty="0"/>
           </a:p>
@@ -14634,7 +14634,7 @@
             <a:fld id="{B61BEF0D-F0BB-DE4B-95CE-6DB70DBA9567}" type="datetimeFigureOut">
               <a:rPr lang="en-US" smtClean="0"/>
               <a:pPr/>
-              <a:t>5/9/2019</a:t>
+              <a:t>5/10/2019</a:t>
             </a:fld>
             <a:endParaRPr lang="en-US" dirty="0"/>
           </a:p>
@@ -14900,7 +14900,7 @@
             <a:fld id="{B61BEF0D-F0BB-DE4B-95CE-6DB70DBA9567}" type="datetimeFigureOut">
               <a:rPr lang="en-US" smtClean="0"/>
               <a:pPr/>
-              <a:t>5/9/2019</a:t>
+              <a:t>5/10/2019</a:t>
             </a:fld>
             <a:endParaRPr lang="en-US" dirty="0"/>
           </a:p>
@@ -15128,7 +15128,7 @@
             <a:fld id="{B61BEF0D-F0BB-DE4B-95CE-6DB70DBA9567}" type="datetimeFigureOut">
               <a:rPr lang="en-US" smtClean="0"/>
               <a:pPr/>
-              <a:t>5/9/2019</a:t>
+              <a:t>5/10/2019</a:t>
             </a:fld>
             <a:endParaRPr lang="en-US" dirty="0"/>
           </a:p>
@@ -15751,7 +15751,7 @@
             <a:fld id="{B61BEF0D-F0BB-DE4B-95CE-6DB70DBA9567}" type="datetimeFigureOut">
               <a:rPr lang="en-US" smtClean="0"/>
               <a:pPr/>
-              <a:t>5/9/2019</a:t>
+              <a:t>5/10/2019</a:t>
             </a:fld>
             <a:endParaRPr lang="en-US" dirty="0"/>
           </a:p>
@@ -17730,36 +17730,6 @@
           </a:p>
         </p:txBody>
       </p:sp>
-      <p:pic>
-        <p:nvPicPr>
-          <p:cNvPr id="4" name="Immagine 3">
-            <a:extLst>
-              <a:ext uri="{FF2B5EF4-FFF2-40B4-BE49-F238E27FC236}">
-                <a16:creationId xmlns:a16="http://schemas.microsoft.com/office/drawing/2014/main" id="{5818E2B6-77B3-46EB-91D7-2C94B8F0E80C}"/>
-              </a:ext>
-            </a:extLst>
-          </p:cNvPr>
-          <p:cNvPicPr>
-            <a:picLocks noChangeAspect="1"/>
-          </p:cNvPicPr>
-          <p:nvPr/>
-        </p:nvPicPr>
-        <p:blipFill>
-          <a:blip r:embed="rId2"/>
-          <a:stretch>
-            <a:fillRect/>
-          </a:stretch>
-        </p:blipFill>
-        <p:spPr>
-          <a:xfrm>
-            <a:off x="495005" y="11327"/>
-            <a:ext cx="11195907" cy="5458005"/>
-          </a:xfrm>
-          <a:prstGeom prst="rect">
-            <a:avLst/>
-          </a:prstGeom>
-        </p:spPr>
-      </p:pic>
       <p:cxnSp>
         <p:nvCxnSpPr>
           <p:cNvPr id="17" name="Straight Connector 16">
@@ -17924,6 +17894,36 @@
           </a:fontRef>
         </p:style>
       </p:sp>
+      <p:pic>
+        <p:nvPicPr>
+          <p:cNvPr id="5" name="Immagine 4" descr="Immagine che contiene testo, mappa, documento&#10;&#10;Descrizione generata automaticamente">
+            <a:extLst>
+              <a:ext uri="{FF2B5EF4-FFF2-40B4-BE49-F238E27FC236}">
+                <a16:creationId xmlns:a16="http://schemas.microsoft.com/office/drawing/2014/main" id="{10595C54-0CC2-4BAE-8B20-EA551698CB04}"/>
+              </a:ext>
+            </a:extLst>
+          </p:cNvPr>
+          <p:cNvPicPr>
+            <a:picLocks noChangeAspect="1"/>
+          </p:cNvPicPr>
+          <p:nvPr/>
+        </p:nvPicPr>
+        <p:blipFill>
+          <a:blip r:embed="rId2"/>
+          <a:stretch>
+            <a:fillRect/>
+          </a:stretch>
+        </p:blipFill>
+        <p:spPr>
+          <a:xfrm>
+            <a:off x="712860" y="176864"/>
+            <a:ext cx="10760197" cy="5245596"/>
+          </a:xfrm>
+          <a:prstGeom prst="rect">
+            <a:avLst/>
+          </a:prstGeom>
+        </p:spPr>
+      </p:pic>
     </p:spTree>
     <p:extLst>
       <p:ext uri="{BB962C8B-B14F-4D97-AF65-F5344CB8AC3E}">
@@ -18275,36 +18275,6 @@
           </a:p>
         </p:txBody>
       </p:sp>
-      <p:pic>
-        <p:nvPicPr>
-          <p:cNvPr id="5" name="Immagine 4">
-            <a:extLst>
-              <a:ext uri="{FF2B5EF4-FFF2-40B4-BE49-F238E27FC236}">
-                <a16:creationId xmlns:a16="http://schemas.microsoft.com/office/drawing/2014/main" id="{9E2ABA8B-ECA4-4699-82C2-946BD71006C3}"/>
-              </a:ext>
-            </a:extLst>
-          </p:cNvPr>
-          <p:cNvPicPr>
-            <a:picLocks noChangeAspect="1"/>
-          </p:cNvPicPr>
-          <p:nvPr/>
-        </p:nvPicPr>
-        <p:blipFill>
-          <a:blip r:embed="rId2"/>
-          <a:stretch>
-            <a:fillRect/>
-          </a:stretch>
-        </p:blipFill>
-        <p:spPr>
-          <a:xfrm>
-            <a:off x="480798" y="-32004"/>
-            <a:ext cx="11329237" cy="5523003"/>
-          </a:xfrm>
-          <a:prstGeom prst="rect">
-            <a:avLst/>
-          </a:prstGeom>
-        </p:spPr>
-      </p:pic>
       <p:cxnSp>
         <p:nvCxnSpPr>
           <p:cNvPr id="18" name="Straight Connector 17">
@@ -18469,6 +18439,36 @@
           </a:fontRef>
         </p:style>
       </p:sp>
+      <p:pic>
+        <p:nvPicPr>
+          <p:cNvPr id="11" name="Immagine 10">
+            <a:extLst>
+              <a:ext uri="{FF2B5EF4-FFF2-40B4-BE49-F238E27FC236}">
+                <a16:creationId xmlns:a16="http://schemas.microsoft.com/office/drawing/2014/main" id="{BC37403C-6B08-4045-BFA4-44EEA1A5FB7B}"/>
+              </a:ext>
+            </a:extLst>
+          </p:cNvPr>
+          <p:cNvPicPr>
+            <a:picLocks noChangeAspect="1"/>
+          </p:cNvPicPr>
+          <p:nvPr/>
+        </p:nvPicPr>
+        <p:blipFill>
+          <a:blip r:embed="rId2"/>
+          <a:stretch>
+            <a:fillRect/>
+          </a:stretch>
+        </p:blipFill>
+        <p:spPr>
+          <a:xfrm>
+            <a:off x="765318" y="169214"/>
+            <a:ext cx="10760197" cy="5245596"/>
+          </a:xfrm>
+          <a:prstGeom prst="rect">
+            <a:avLst/>
+          </a:prstGeom>
+        </p:spPr>
+      </p:pic>
     </p:spTree>
     <p:extLst>
       <p:ext uri="{BB962C8B-B14F-4D97-AF65-F5344CB8AC3E}">
@@ -19617,7 +19617,7 @@
           <a:lstStyle/>
           <a:p>
             <a:r>
-              <a:rPr lang="it-IT" sz="3600" b="1">
+              <a:rPr lang="it-IT" sz="3600" b="1" dirty="0">
                 <a:solidFill>
                   <a:srgbClr val="FFFFFF"/>
                 </a:solidFill>
@@ -19656,32 +19656,58 @@
           <a:lstStyle/>
           <a:p>
             <a:r>
-              <a:rPr lang="it-IT" sz="1500">
+              <a:rPr lang="it-IT" sz="1500" dirty="0">
                 <a:solidFill>
                   <a:srgbClr val="FFFFFF"/>
                 </a:solidFill>
               </a:rPr>
-              <a:t>Modello identificato su dati senza periodi di festivita per migliorare predizione dei giorni «normali»</a:t>
-            </a:r>
-          </a:p>
-          <a:p>
-            <a:r>
-              <a:rPr lang="it-IT" sz="1500">
+              <a:t>Il modello finale è stato identificato sui dati senza i periodi di </a:t>
+            </a:r>
+            <a:r>
+              <a:rPr lang="it-IT" sz="1500" dirty="0" err="1">
                 <a:solidFill>
                   <a:srgbClr val="FFFFFF"/>
                 </a:solidFill>
               </a:rPr>
-              <a:t>Media valori durante periodi di festivita, poi sommati al modello finale nei giorni festivi. SSR di validazione migliora.</a:t>
-            </a:r>
-          </a:p>
-          <a:p>
-            <a:r>
-              <a:rPr lang="it-IT" sz="1500">
+              <a:t>festivià</a:t>
+            </a:r>
+            <a:r>
+              <a:rPr lang="it-IT" sz="1500" dirty="0">
                 <a:solidFill>
                   <a:srgbClr val="FFFFFF"/>
                 </a:solidFill>
               </a:rPr>
-              <a:t>SSR = …</a:t>
+              <a:t> (natale e ferragosto) per migliorare la predizione dei giorni «normali».</a:t>
+            </a:r>
+          </a:p>
+          <a:p>
+            <a:r>
+              <a:rPr lang="it-IT" sz="1500" dirty="0">
+                <a:solidFill>
+                  <a:srgbClr val="FFFFFF"/>
+                </a:solidFill>
+              </a:rPr>
+              <a:t>Sui valori dei dati assunti in questi periodi festivi è stata fatta una media che è stata poi sommata al modello finale come «indice di correzione»</a:t>
+            </a:r>
+          </a:p>
+          <a:p>
+            <a:r>
+              <a:rPr lang="it-IT" sz="1500" dirty="0">
+                <a:solidFill>
+                  <a:srgbClr val="FFFFFF"/>
+                </a:solidFill>
+              </a:rPr>
+              <a:t>L’SSR di validazione in questo modo migliora.</a:t>
+            </a:r>
+          </a:p>
+          <a:p>
+            <a:r>
+              <a:rPr lang="it-IT" sz="1500" b="1" dirty="0">
+                <a:solidFill>
+                  <a:srgbClr val="FFFFFF"/>
+                </a:solidFill>
+              </a:rPr>
+              <a:t>SSR = 1.186772448087091e+03</a:t>
             </a:r>
           </a:p>
         </p:txBody>
@@ -20213,12 +20239,8 @@
               <a:t>Detrendizzazione</a:t>
             </a:r>
             <a:r>
-              <a:rPr lang="it-IT" u="sng" dirty="0"/>
-              <a:t>: </a:t>
-            </a:r>
-            <a:r>
               <a:rPr lang="it-IT" dirty="0"/>
-              <a:t>stima del trend dei 2 anni</a:t>
+              <a:t>: stima del trend dei 2 anni</a:t>
             </a:r>
           </a:p>
           <a:p>
@@ -20228,7 +20250,7 @@
             </a:r>
             <a:r>
               <a:rPr lang="it-IT" u="sng" dirty="0"/>
-              <a:t>sui dati dei 2 anni forniti</a:t>
+              <a:t>sui 2 anni di dati forniti</a:t>
             </a:r>
           </a:p>
           <a:p>
@@ -20257,11 +20279,11 @@
           <a:p>
             <a:r>
               <a:rPr lang="it-IT" u="sng" dirty="0"/>
-              <a:t>Trend: </a:t>
+              <a:t>Trend</a:t>
             </a:r>
             <a:r>
               <a:rPr lang="it-IT" dirty="0"/>
-              <a:t>estensione dell’ultimo valore del trend che viene sommato ai dati di previsione</a:t>
+              <a:t>: estensione dell’ultimo valore del trend che viene sommato ai dati di previsione</a:t>
             </a:r>
           </a:p>
           <a:p>
@@ -21314,7 +21336,7 @@
         </p:spPr>
         <p:txBody>
           <a:bodyPr>
-            <a:normAutofit lnSpcReduction="10000"/>
+            <a:normAutofit fontScale="92500" lnSpcReduction="10000"/>
           </a:bodyPr>
           <a:lstStyle/>
           <a:p>
@@ -21327,7 +21349,7 @@
             </a:r>
             <a:r>
               <a:rPr lang="it-IT" b="1" i="1" dirty="0"/>
-              <a:t> costituita da 6 armoniche, di periodo 7</a:t>
+              <a:t> costituita da 6 armoniche, di periodo 7.</a:t>
             </a:r>
           </a:p>
           <a:p>
@@ -21402,8 +21424,8 @@
         </p:nvSpPr>
         <p:spPr>
           <a:xfrm>
-            <a:off x="2128422" y="3396772"/>
-            <a:ext cx="8869680" cy="1569660"/>
+            <a:off x="2119544" y="2858570"/>
+            <a:ext cx="8869680" cy="2092881"/>
           </a:xfrm>
           <a:prstGeom prst="rect">
             <a:avLst/>
@@ -21414,6 +21436,32 @@
             <a:spAutoFit/>
           </a:bodyPr>
           <a:lstStyle/>
+          <a:p>
+            <a:r>
+              <a:rPr lang="it-IT" dirty="0" err="1"/>
+              <a:t>w_settimanale</a:t>
+            </a:r>
+            <a:r>
+              <a:rPr lang="it-IT" dirty="0"/>
+              <a:t> = 2*</a:t>
+            </a:r>
+            <a:r>
+              <a:rPr lang="it-IT" dirty="0" err="1"/>
+              <a:t>pi</a:t>
+            </a:r>
+            <a:r>
+              <a:rPr lang="it-IT" dirty="0"/>
+              <a:t>/7;</a:t>
+            </a:r>
+          </a:p>
+          <a:p>
+            <a:endParaRPr lang="it-IT" sz="1600" dirty="0">
+              <a:solidFill>
+                <a:srgbClr val="000000"/>
+              </a:solidFill>
+              <a:latin typeface="Courier New" panose="02070309020205020404" pitchFamily="49" charset="0"/>
+            </a:endParaRPr>
+          </a:p>
           <a:p>
             <a:r>
               <a:rPr lang="it-IT" sz="1600" dirty="0" err="1">
@@ -21930,8 +21978,8 @@
         </p:nvSpPr>
         <p:spPr>
           <a:xfrm>
-            <a:off x="887767" y="3032115"/>
-            <a:ext cx="11122356" cy="2554545"/>
+            <a:off x="1069644" y="2657386"/>
+            <a:ext cx="11122356" cy="3077766"/>
           </a:xfrm>
           <a:prstGeom prst="rect">
             <a:avLst/>
@@ -21942,6 +21990,32 @@
             <a:spAutoFit/>
           </a:bodyPr>
           <a:lstStyle/>
+          <a:p>
+            <a:r>
+              <a:rPr lang="it-IT" dirty="0" err="1"/>
+              <a:t>w_annuale</a:t>
+            </a:r>
+            <a:r>
+              <a:rPr lang="it-IT" dirty="0"/>
+              <a:t> = 2*</a:t>
+            </a:r>
+            <a:r>
+              <a:rPr lang="it-IT" dirty="0" err="1"/>
+              <a:t>pi</a:t>
+            </a:r>
+            <a:r>
+              <a:rPr lang="it-IT" dirty="0"/>
+              <a:t>/365;</a:t>
+            </a:r>
+          </a:p>
+          <a:p>
+            <a:endParaRPr lang="it-IT" sz="1600" dirty="0">
+              <a:solidFill>
+                <a:srgbClr val="000000"/>
+              </a:solidFill>
+              <a:latin typeface="Courier New" panose="02070309020205020404" pitchFamily="49" charset="0"/>
+            </a:endParaRPr>
+          </a:p>
           <a:p>
             <a:r>
               <a:rPr lang="it-IT" sz="1600" dirty="0" err="1">

--- a/presentazione_imad.pptx
+++ b/presentazione_imad.pptx
@@ -19992,35 +19992,6 @@
           </a:p>
         </p:txBody>
       </p:sp>
-      <p:pic>
-        <p:nvPicPr>
-          <p:cNvPr id="5" name="Immagine 4">
-            <a:extLst>
-              <a:ext uri="{FF2B5EF4-FFF2-40B4-BE49-F238E27FC236}">
-                <a16:creationId xmlns:a16="http://schemas.microsoft.com/office/drawing/2014/main" id="{AC5E4D5A-1499-4D4D-AA57-5FB26E3C7FAB}"/>
-              </a:ext>
-            </a:extLst>
-          </p:cNvPr>
-          <p:cNvPicPr>
-            <a:picLocks noChangeAspect="1"/>
-          </p:cNvPicPr>
-          <p:nvPr/>
-        </p:nvPicPr>
-        <p:blipFill rotWithShape="1">
-          <a:blip r:embed="rId2"/>
-          <a:srcRect l="950" r="10344"/>
-          <a:stretch/>
-        </p:blipFill>
-        <p:spPr>
-          <a:xfrm>
-            <a:off x="4075043" y="10"/>
-            <a:ext cx="8111272" cy="6857990"/>
-          </a:xfrm>
-          <a:prstGeom prst="rect">
-            <a:avLst/>
-          </a:prstGeom>
-        </p:spPr>
-      </p:pic>
       <p:sp>
         <p:nvSpPr>
           <p:cNvPr id="23" name="Rectangle 22">
@@ -20076,6 +20047,36 @@
           </a:fontRef>
         </p:style>
       </p:sp>
+      <p:pic>
+        <p:nvPicPr>
+          <p:cNvPr id="4" name="Immagine 3" descr="Immagine che contiene oggetto&#10;&#10;Descrizione generata automaticamente">
+            <a:extLst>
+              <a:ext uri="{FF2B5EF4-FFF2-40B4-BE49-F238E27FC236}">
+                <a16:creationId xmlns:a16="http://schemas.microsoft.com/office/drawing/2014/main" id="{0F595A9F-1995-433B-BA14-B5D99E0E58A8}"/>
+              </a:ext>
+            </a:extLst>
+          </p:cNvPr>
+          <p:cNvPicPr>
+            <a:picLocks noChangeAspect="1"/>
+          </p:cNvPicPr>
+          <p:nvPr/>
+        </p:nvPicPr>
+        <p:blipFill>
+          <a:blip r:embed="rId2"/>
+          <a:stretch>
+            <a:fillRect/>
+          </a:stretch>
+        </p:blipFill>
+        <p:spPr>
+          <a:xfrm>
+            <a:off x="4159915" y="419100"/>
+            <a:ext cx="8026400" cy="6019800"/>
+          </a:xfrm>
+          <a:prstGeom prst="rect">
+            <a:avLst/>
+          </a:prstGeom>
+        </p:spPr>
+      </p:pic>
     </p:spTree>
     <p:extLst>
       <p:ext uri="{BB962C8B-B14F-4D97-AF65-F5344CB8AC3E}">
@@ -20466,7 +20467,12 @@
             <p:ph type="title"/>
           </p:nvPr>
         </p:nvSpPr>
-        <p:spPr/>
+        <p:spPr>
+          <a:xfrm>
+            <a:off x="1097280" y="277726"/>
+            <a:ext cx="10058400" cy="1450757"/>
+          </a:xfrm>
+        </p:spPr>
         <p:txBody>
           <a:bodyPr>
             <a:normAutofit/>
@@ -20499,7 +20505,7 @@
         </p:nvSpPr>
         <p:spPr>
           <a:xfrm>
-            <a:off x="532660" y="1845734"/>
+            <a:off x="1097280" y="1961144"/>
             <a:ext cx="11345662" cy="4023360"/>
           </a:xfrm>
         </p:spPr>

--- a/presentazione_imad.pptx
+++ b/presentazione_imad.pptx
@@ -16263,6 +16263,35 @@
 <file path=ppt/slides/slide1.xml><?xml version="1.0" encoding="utf-8"?>
 <p:sld xmlns:a="http://schemas.openxmlformats.org/drawingml/2006/main" xmlns:r="http://schemas.openxmlformats.org/officeDocument/2006/relationships" xmlns:p="http://schemas.openxmlformats.org/presentationml/2006/main">
   <p:cSld>
+    <p:bg>
+      <p:bgPr>
+        <a:gradFill flip="none" rotWithShape="1">
+          <a:gsLst>
+            <a:gs pos="49000">
+              <a:schemeClr val="accent6">
+                <a:lumMod val="0"/>
+                <a:lumOff val="100000"/>
+              </a:schemeClr>
+            </a:gs>
+            <a:gs pos="0">
+              <a:schemeClr val="accent6">
+                <a:lumMod val="45000"/>
+                <a:lumOff val="55000"/>
+              </a:schemeClr>
+            </a:gs>
+            <a:gs pos="100000">
+              <a:schemeClr val="accent6">
+                <a:lumMod val="30000"/>
+                <a:lumOff val="70000"/>
+              </a:schemeClr>
+            </a:gs>
+          </a:gsLst>
+          <a:lin ang="0" scaled="0"/>
+          <a:tileRect/>
+        </a:gradFill>
+        <a:effectLst/>
+      </p:bgPr>
+    </p:bg>
     <p:spTree>
       <p:nvGrpSpPr>
         <p:cNvPr id="1" name=""/>
@@ -19661,23 +19690,7 @@
                   <a:srgbClr val="FFFFFF"/>
                 </a:solidFill>
               </a:rPr>
-              <a:t>Il modello finale è stato identificato sui dati senza i periodi di </a:t>
-            </a:r>
-            <a:r>
-              <a:rPr lang="it-IT" sz="1500" dirty="0" err="1">
-                <a:solidFill>
-                  <a:srgbClr val="FFFFFF"/>
-                </a:solidFill>
-              </a:rPr>
-              <a:t>festivià</a:t>
-            </a:r>
-            <a:r>
-              <a:rPr lang="it-IT" sz="1500" dirty="0">
-                <a:solidFill>
-                  <a:srgbClr val="FFFFFF"/>
-                </a:solidFill>
-              </a:rPr>
-              <a:t> (natale e ferragosto) per migliorare la predizione dei giorni «normali».</a:t>
+              <a:t>Il modello finale è stato identificato sui dati senza i periodi di festività (natale e ferragosto, che hanno una data fissa) per migliorare la predizione dei giorni «normali».</a:t>
             </a:r>
           </a:p>
           <a:p>
@@ -19706,6 +19719,13 @@
                 <a:solidFill>
                   <a:srgbClr val="FFFFFF"/>
                 </a:solidFill>
+                <a:effectLst>
+                  <a:outerShdw blurRad="38100" dist="38100" dir="2700000" algn="tl">
+                    <a:srgbClr val="000000">
+                      <a:alpha val="43137"/>
+                    </a:srgbClr>
+                  </a:outerShdw>
+                </a:effectLst>
               </a:rPr>
               <a:t>SSR = 1.186772448087091e+03</a:t>
             </a:r>
@@ -20217,7 +20237,12 @@
             <p:ph idx="1"/>
           </p:nvPr>
         </p:nvSpPr>
-        <p:spPr/>
+        <p:spPr>
+          <a:xfrm>
+            <a:off x="532660" y="1845734"/>
+            <a:ext cx="11345662" cy="4023360"/>
+          </a:xfrm>
+        </p:spPr>
         <p:txBody>
           <a:bodyPr>
             <a:normAutofit/>
@@ -20264,16 +20289,7 @@
             </a:r>
             <a:r>
               <a:rPr lang="it-IT" dirty="0"/>
-              <a:t>per generare matrice contente tutte le possibili combinazioni </a:t>
-            </a:r>
-          </a:p>
-          <a:p>
-            <a:pPr marL="0" indent="0">
-              <a:buNone/>
-            </a:pPr>
-            <a:r>
-              <a:rPr lang="it-IT" dirty="0"/>
-              <a:t>    giorno anno - giorno settimana</a:t>
+              <a:t>per generare matrice contente tutte le possibili combinazioni giorno anno - giorno settimana</a:t>
             </a:r>
           </a:p>
           <a:p>
@@ -20287,9 +20303,20 @@
             </a:r>
           </a:p>
           <a:p>
+            <a:endParaRPr lang="it-IT" dirty="0"/>
+          </a:p>
+          <a:p>
             <a:r>
               <a:rPr lang="it-IT" dirty="0"/>
-              <a:t>Il dato di previsione viene letto dalla matrice con indici passati alla funzione</a:t>
+              <a:t>Il dato di previsione viene letto dalla matrice </a:t>
+            </a:r>
+            <a:r>
+              <a:rPr lang="it-IT" dirty="0" err="1"/>
+              <a:t>utilzzando</a:t>
+            </a:r>
+            <a:r>
+              <a:rPr lang="it-IT" dirty="0"/>
+              <a:t> gli indici passati alla funzione</a:t>
             </a:r>
           </a:p>
         </p:txBody>
@@ -20477,8 +20504,8 @@
         </p:nvSpPr>
         <p:spPr>
           <a:xfrm>
-            <a:off x="477622" y="712144"/>
-            <a:ext cx="3084844" cy="2103875"/>
+            <a:off x="477622" y="1189608"/>
+            <a:ext cx="3084844" cy="1626411"/>
           </a:xfrm>
         </p:spPr>
         <p:txBody>
@@ -20635,7 +20662,7 @@
                   <a:srgbClr val="FFFFFF"/>
                 </a:solidFill>
               </a:rPr>
-              <a:t>pertanto</a:t>
+              <a:t>sia</a:t>
             </a:r>
             <a:r>
               <a:rPr lang="en-US" dirty="0">
@@ -20643,7 +20670,135 @@
                   <a:srgbClr val="FFFFFF"/>
                 </a:solidFill>
               </a:rPr>
-              <a:t> per lo </a:t>
+              <a:t> </a:t>
+            </a:r>
+            <a:r>
+              <a:rPr lang="en-US" dirty="0" err="1">
+                <a:solidFill>
+                  <a:srgbClr val="FFFFFF"/>
+                </a:solidFill>
+              </a:rPr>
+              <a:t>annuale</a:t>
+            </a:r>
+            <a:r>
+              <a:rPr lang="en-US" dirty="0">
+                <a:solidFill>
+                  <a:srgbClr val="FFFFFF"/>
+                </a:solidFill>
+              </a:rPr>
+              <a:t> </a:t>
+            </a:r>
+            <a:r>
+              <a:rPr lang="en-US" dirty="0" err="1">
+                <a:solidFill>
+                  <a:srgbClr val="FFFFFF"/>
+                </a:solidFill>
+              </a:rPr>
+              <a:t>che</a:t>
+            </a:r>
+            <a:r>
+              <a:rPr lang="en-US" dirty="0">
+                <a:solidFill>
+                  <a:srgbClr val="FFFFFF"/>
+                </a:solidFill>
+              </a:rPr>
+              <a:t> </a:t>
+            </a:r>
+            <a:r>
+              <a:rPr lang="en-US" dirty="0" err="1">
+                <a:solidFill>
+                  <a:srgbClr val="FFFFFF"/>
+                </a:solidFill>
+              </a:rPr>
+              <a:t>settimanale</a:t>
+            </a:r>
+            <a:r>
+              <a:rPr lang="en-US" dirty="0">
+                <a:solidFill>
+                  <a:srgbClr val="FFFFFF"/>
+                </a:solidFill>
+              </a:rPr>
+              <a:t>. Per </a:t>
+            </a:r>
+            <a:r>
+              <a:rPr lang="en-US" dirty="0" err="1">
+                <a:solidFill>
+                  <a:srgbClr val="FFFFFF"/>
+                </a:solidFill>
+              </a:rPr>
+              <a:t>questo</a:t>
+            </a:r>
+            <a:r>
+              <a:rPr lang="en-US" dirty="0">
+                <a:solidFill>
+                  <a:srgbClr val="FFFFFF"/>
+                </a:solidFill>
+              </a:rPr>
+              <a:t> </a:t>
+            </a:r>
+            <a:r>
+              <a:rPr lang="en-US" dirty="0" err="1">
+                <a:solidFill>
+                  <a:srgbClr val="FFFFFF"/>
+                </a:solidFill>
+              </a:rPr>
+              <a:t>motivo</a:t>
+            </a:r>
+            <a:r>
+              <a:rPr lang="en-US" dirty="0">
+                <a:solidFill>
+                  <a:srgbClr val="FFFFFF"/>
+                </a:solidFill>
+              </a:rPr>
+              <a:t> </a:t>
+            </a:r>
+            <a:r>
+              <a:rPr lang="en-US" dirty="0" err="1">
+                <a:solidFill>
+                  <a:srgbClr val="FFFFFF"/>
+                </a:solidFill>
+              </a:rPr>
+              <a:t>si</a:t>
+            </a:r>
+            <a:r>
+              <a:rPr lang="en-US" dirty="0">
+                <a:solidFill>
+                  <a:srgbClr val="FFFFFF"/>
+                </a:solidFill>
+              </a:rPr>
+              <a:t> </a:t>
+            </a:r>
+            <a:r>
+              <a:rPr lang="en-US" dirty="0" err="1">
+                <a:solidFill>
+                  <a:srgbClr val="FFFFFF"/>
+                </a:solidFill>
+              </a:rPr>
+              <a:t>utilizzeranno</a:t>
+            </a:r>
+            <a:r>
+              <a:rPr lang="en-US" dirty="0">
+                <a:solidFill>
+                  <a:srgbClr val="FFFFFF"/>
+                </a:solidFill>
+              </a:rPr>
+              <a:t> le Serie di Fourier </a:t>
+            </a:r>
+            <a:r>
+              <a:rPr lang="en-US" dirty="0" err="1">
+                <a:solidFill>
+                  <a:srgbClr val="FFFFFF"/>
+                </a:solidFill>
+              </a:rPr>
+              <a:t>nello</a:t>
+            </a:r>
+            <a:r>
+              <a:rPr lang="en-US" dirty="0">
+                <a:solidFill>
+                  <a:srgbClr val="FFFFFF"/>
+                </a:solidFill>
+              </a:rPr>
+              <a:t> </a:t>
             </a:r>
             <a:r>
               <a:rPr lang="en-US" dirty="0" err="1">
@@ -20675,39 +20830,7 @@
                   <a:srgbClr val="FFFFFF"/>
                 </a:solidFill>
               </a:rPr>
-              <a:t> </a:t>
-            </a:r>
-            <a:r>
-              <a:rPr lang="en-US" dirty="0" err="1">
-                <a:solidFill>
-                  <a:srgbClr val="FFFFFF"/>
-                </a:solidFill>
-              </a:rPr>
-              <a:t>si</a:t>
-            </a:r>
-            <a:r>
-              <a:rPr lang="en-US" dirty="0">
-                <a:solidFill>
-                  <a:srgbClr val="FFFFFF"/>
-                </a:solidFill>
-              </a:rPr>
-              <a:t> </a:t>
-            </a:r>
-            <a:r>
-              <a:rPr lang="en-US" dirty="0" err="1">
-                <a:solidFill>
-                  <a:srgbClr val="FFFFFF"/>
-                </a:solidFill>
-              </a:rPr>
-              <a:t>utilizzeranno</a:t>
-            </a:r>
-            <a:r>
-              <a:rPr lang="en-US" dirty="0">
-                <a:solidFill>
-                  <a:srgbClr val="FFFFFF"/>
-                </a:solidFill>
-              </a:rPr>
-              <a:t> le Serie di Fourier</a:t>
+              <a:t>. </a:t>
             </a:r>
           </a:p>
         </p:txBody>

--- a/presentazione_imad.pptx
+++ b/presentazione_imad.pptx
@@ -19635,8 +19635,8 @@
         </p:nvSpPr>
         <p:spPr>
           <a:xfrm>
-            <a:off x="492370" y="516835"/>
-            <a:ext cx="3084844" cy="2103875"/>
+            <a:off x="477622" y="308489"/>
+            <a:ext cx="3084844" cy="1120384"/>
           </a:xfrm>
         </p:spPr>
         <p:txBody>
@@ -19674,8 +19674,8 @@
         </p:nvSpPr>
         <p:spPr>
           <a:xfrm>
-            <a:off x="492371" y="2653800"/>
-            <a:ext cx="3084844" cy="3335519"/>
+            <a:off x="477622" y="1526336"/>
+            <a:ext cx="3084844" cy="5140794"/>
           </a:xfrm>
         </p:spPr>
         <p:txBody>
@@ -19729,6 +19729,252 @@
               </a:rPr>
               <a:t>SSR = 1.186772448087091e+03</a:t>
             </a:r>
+            <a:endParaRPr lang="it-IT" sz="1500" dirty="0">
+              <a:solidFill>
+                <a:srgbClr val="FFFFFF"/>
+              </a:solidFill>
+              <a:effectLst>
+                <a:outerShdw blurRad="38100" dist="38100" dir="2700000" algn="tl">
+                  <a:srgbClr val="000000">
+                    <a:alpha val="43137"/>
+                  </a:srgbClr>
+                </a:outerShdw>
+              </a:effectLst>
+            </a:endParaRPr>
+          </a:p>
+          <a:p>
+            <a:r>
+              <a:rPr lang="it-IT" sz="1500" dirty="0">
+                <a:solidFill>
+                  <a:srgbClr val="FFFFFF"/>
+                </a:solidFill>
+                <a:effectLst>
+                  <a:outerShdw blurRad="38100" dist="38100" dir="2700000" algn="tl">
+                    <a:srgbClr val="000000">
+                      <a:alpha val="43137"/>
+                    </a:srgbClr>
+                  </a:outerShdw>
+                </a:effectLst>
+              </a:rPr>
+              <a:t>Abbiamo inoltre calcolato altri due indici, ovvero </a:t>
+            </a:r>
+            <a:r>
+              <a:rPr lang="it-IT" sz="1500" dirty="0" err="1">
+                <a:solidFill>
+                  <a:srgbClr val="FFFFFF"/>
+                </a:solidFill>
+                <a:effectLst>
+                  <a:outerShdw blurRad="38100" dist="38100" dir="2700000" algn="tl">
+                    <a:srgbClr val="000000">
+                      <a:alpha val="43137"/>
+                    </a:srgbClr>
+                  </a:outerShdw>
+                </a:effectLst>
+              </a:rPr>
+              <a:t>Mean</a:t>
+            </a:r>
+            <a:r>
+              <a:rPr lang="it-IT" sz="1500" dirty="0">
+                <a:solidFill>
+                  <a:srgbClr val="FFFFFF"/>
+                </a:solidFill>
+                <a:effectLst>
+                  <a:outerShdw blurRad="38100" dist="38100" dir="2700000" algn="tl">
+                    <a:srgbClr val="000000">
+                      <a:alpha val="43137"/>
+                    </a:srgbClr>
+                  </a:outerShdw>
+                </a:effectLst>
+              </a:rPr>
+              <a:t> </a:t>
+            </a:r>
+            <a:r>
+              <a:rPr lang="it-IT" sz="1500" dirty="0" err="1">
+                <a:solidFill>
+                  <a:srgbClr val="FFFFFF"/>
+                </a:solidFill>
+                <a:effectLst>
+                  <a:outerShdw blurRad="38100" dist="38100" dir="2700000" algn="tl">
+                    <a:srgbClr val="000000">
+                      <a:alpha val="43137"/>
+                    </a:srgbClr>
+                  </a:outerShdw>
+                </a:effectLst>
+              </a:rPr>
+              <a:t>Square</a:t>
+            </a:r>
+            <a:r>
+              <a:rPr lang="it-IT" sz="1500" dirty="0">
+                <a:solidFill>
+                  <a:srgbClr val="FFFFFF"/>
+                </a:solidFill>
+                <a:effectLst>
+                  <a:outerShdw blurRad="38100" dist="38100" dir="2700000" algn="tl">
+                    <a:srgbClr val="000000">
+                      <a:alpha val="43137"/>
+                    </a:srgbClr>
+                  </a:outerShdw>
+                </a:effectLst>
+              </a:rPr>
+              <a:t> </a:t>
+            </a:r>
+            <a:r>
+              <a:rPr lang="it-IT" sz="1500" dirty="0" err="1">
+                <a:solidFill>
+                  <a:srgbClr val="FFFFFF"/>
+                </a:solidFill>
+                <a:effectLst>
+                  <a:outerShdw blurRad="38100" dist="38100" dir="2700000" algn="tl">
+                    <a:srgbClr val="000000">
+                      <a:alpha val="43137"/>
+                    </a:srgbClr>
+                  </a:outerShdw>
+                </a:effectLst>
+              </a:rPr>
+              <a:t>Error</a:t>
+            </a:r>
+            <a:r>
+              <a:rPr lang="it-IT" sz="1500" dirty="0">
+                <a:solidFill>
+                  <a:srgbClr val="FFFFFF"/>
+                </a:solidFill>
+                <a:effectLst>
+                  <a:outerShdw blurRad="38100" dist="38100" dir="2700000" algn="tl">
+                    <a:srgbClr val="000000">
+                      <a:alpha val="43137"/>
+                    </a:srgbClr>
+                  </a:outerShdw>
+                </a:effectLst>
+              </a:rPr>
+              <a:t> e la sua radice Root </a:t>
+            </a:r>
+            <a:r>
+              <a:rPr lang="it-IT" sz="1500" dirty="0" err="1">
+                <a:solidFill>
+                  <a:srgbClr val="FFFFFF"/>
+                </a:solidFill>
+                <a:effectLst>
+                  <a:outerShdw blurRad="38100" dist="38100" dir="2700000" algn="tl">
+                    <a:srgbClr val="000000">
+                      <a:alpha val="43137"/>
+                    </a:srgbClr>
+                  </a:outerShdw>
+                </a:effectLst>
+              </a:rPr>
+              <a:t>Mean</a:t>
+            </a:r>
+            <a:r>
+              <a:rPr lang="it-IT" sz="1500" dirty="0">
+                <a:solidFill>
+                  <a:srgbClr val="FFFFFF"/>
+                </a:solidFill>
+                <a:effectLst>
+                  <a:outerShdw blurRad="38100" dist="38100" dir="2700000" algn="tl">
+                    <a:srgbClr val="000000">
+                      <a:alpha val="43137"/>
+                    </a:srgbClr>
+                  </a:outerShdw>
+                </a:effectLst>
+              </a:rPr>
+              <a:t> </a:t>
+            </a:r>
+            <a:r>
+              <a:rPr lang="it-IT" sz="1500" dirty="0" err="1">
+                <a:solidFill>
+                  <a:srgbClr val="FFFFFF"/>
+                </a:solidFill>
+                <a:effectLst>
+                  <a:outerShdw blurRad="38100" dist="38100" dir="2700000" algn="tl">
+                    <a:srgbClr val="000000">
+                      <a:alpha val="43137"/>
+                    </a:srgbClr>
+                  </a:outerShdw>
+                </a:effectLst>
+              </a:rPr>
+              <a:t>Square</a:t>
+            </a:r>
+            <a:r>
+              <a:rPr lang="it-IT" sz="1500" dirty="0">
+                <a:solidFill>
+                  <a:srgbClr val="FFFFFF"/>
+                </a:solidFill>
+                <a:effectLst>
+                  <a:outerShdw blurRad="38100" dist="38100" dir="2700000" algn="tl">
+                    <a:srgbClr val="000000">
+                      <a:alpha val="43137"/>
+                    </a:srgbClr>
+                  </a:outerShdw>
+                </a:effectLst>
+              </a:rPr>
+              <a:t> </a:t>
+            </a:r>
+            <a:r>
+              <a:rPr lang="it-IT" sz="1500" dirty="0" err="1">
+                <a:solidFill>
+                  <a:srgbClr val="FFFFFF"/>
+                </a:solidFill>
+                <a:effectLst>
+                  <a:outerShdw blurRad="38100" dist="38100" dir="2700000" algn="tl">
+                    <a:srgbClr val="000000">
+                      <a:alpha val="43137"/>
+                    </a:srgbClr>
+                  </a:outerShdw>
+                </a:effectLst>
+              </a:rPr>
+              <a:t>Error</a:t>
+            </a:r>
+            <a:r>
+              <a:rPr lang="it-IT" sz="1500" dirty="0">
+                <a:solidFill>
+                  <a:srgbClr val="FFFFFF"/>
+                </a:solidFill>
+                <a:effectLst>
+                  <a:outerShdw blurRad="38100" dist="38100" dir="2700000" algn="tl">
+                    <a:srgbClr val="000000">
+                      <a:alpha val="43137"/>
+                    </a:srgbClr>
+                  </a:outerShdw>
+                </a:effectLst>
+              </a:rPr>
+              <a:t>:</a:t>
+            </a:r>
+          </a:p>
+          <a:p>
+            <a:r>
+              <a:rPr lang="it-IT" sz="1500" b="1" dirty="0">
+                <a:solidFill>
+                  <a:srgbClr val="FFFFFF"/>
+                </a:solidFill>
+              </a:rPr>
+              <a:t>MSE = 3.251431364622168</a:t>
+            </a:r>
+          </a:p>
+          <a:p>
+            <a:r>
+              <a:rPr lang="it-IT" sz="1500" b="1" dirty="0">
+                <a:solidFill>
+                  <a:srgbClr val="FFFFFF"/>
+                </a:solidFill>
+              </a:rPr>
+              <a:t>RMSE = 1.803172583149535</a:t>
+            </a:r>
+          </a:p>
+          <a:p>
+            <a:pPr marL="0" indent="0">
+              <a:buNone/>
+            </a:pPr>
+            <a:endParaRPr lang="it-IT" sz="1500" b="1" dirty="0">
+              <a:solidFill>
+                <a:srgbClr val="FFFFFF"/>
+              </a:solidFill>
+              <a:effectLst>
+                <a:outerShdw blurRad="38100" dist="38100" dir="2700000" algn="tl">
+                  <a:srgbClr val="000000">
+                    <a:alpha val="43137"/>
+                  </a:srgbClr>
+                </a:outerShdw>
+              </a:effectLst>
+            </a:endParaRPr>
           </a:p>
         </p:txBody>
       </p:sp>

--- a/presentazione_imad.pptx
+++ b/presentazione_imad.pptx
@@ -19945,6 +19945,13 @@
                 <a:solidFill>
                   <a:srgbClr val="FFFFFF"/>
                 </a:solidFill>
+                <a:effectLst>
+                  <a:outerShdw blurRad="38100" dist="38100" dir="2700000" algn="tl">
+                    <a:srgbClr val="000000">
+                      <a:alpha val="43137"/>
+                    </a:srgbClr>
+                  </a:outerShdw>
+                </a:effectLst>
               </a:rPr>
               <a:t>MSE = 3.251431364622168</a:t>
             </a:r>
@@ -19955,6 +19962,13 @@
                 <a:solidFill>
                   <a:srgbClr val="FFFFFF"/>
                 </a:solidFill>
+                <a:effectLst>
+                  <a:outerShdw blurRad="38100" dist="38100" dir="2700000" algn="tl">
+                    <a:srgbClr val="000000">
+                      <a:alpha val="43137"/>
+                    </a:srgbClr>
+                  </a:outerShdw>
+                </a:effectLst>
               </a:rPr>
               <a:t>RMSE = 1.803172583149535</a:t>
             </a:r>

--- a/presentazione_imad.pptx
+++ b/presentazione_imad.pptx
@@ -8938,7 +8938,7 @@
           <a:p>
             <a:fld id="{7BD18282-EB19-435E-9AF0-4FCC595C3971}" type="datetimeFigureOut">
               <a:rPr lang="it-IT" smtClean="0"/>
-              <a:t>10/05/2019</a:t>
+              <a:t>17/05/2019</a:t>
             </a:fld>
             <a:endParaRPr lang="it-IT"/>
           </a:p>
@@ -9348,7 +9348,7 @@
             <a:fld id="{B61BEF0D-F0BB-DE4B-95CE-6DB70DBA9567}" type="datetimeFigureOut">
               <a:rPr lang="en-US" smtClean="0"/>
               <a:pPr/>
-              <a:t>5/10/2019</a:t>
+              <a:t>5/17/2019</a:t>
             </a:fld>
             <a:endParaRPr lang="en-US" dirty="0"/>
           </a:p>
@@ -9532,7 +9532,7 @@
             <a:fld id="{B61BEF0D-F0BB-DE4B-95CE-6DB70DBA9567}" type="datetimeFigureOut">
               <a:rPr lang="en-US" smtClean="0"/>
               <a:pPr/>
-              <a:t>5/10/2019</a:t>
+              <a:t>5/17/2019</a:t>
             </a:fld>
             <a:endParaRPr lang="en-US" dirty="0"/>
           </a:p>
@@ -9714,7 +9714,7 @@
             <a:fld id="{B61BEF0D-F0BB-DE4B-95CE-6DB70DBA9567}" type="datetimeFigureOut">
               <a:rPr lang="en-US" smtClean="0"/>
               <a:pPr/>
-              <a:t>5/10/2019</a:t>
+              <a:t>5/17/2019</a:t>
             </a:fld>
             <a:endParaRPr lang="en-US" dirty="0"/>
           </a:p>
@@ -9889,7 +9889,7 @@
             <a:fld id="{B61BEF0D-F0BB-DE4B-95CE-6DB70DBA9567}" type="datetimeFigureOut">
               <a:rPr lang="en-US" smtClean="0"/>
               <a:pPr/>
-              <a:t>5/10/2019</a:t>
+              <a:t>5/17/2019</a:t>
             </a:fld>
             <a:endParaRPr lang="en-US" dirty="0"/>
           </a:p>
@@ -10183,7 +10183,7 @@
             <a:fld id="{B61BEF0D-F0BB-DE4B-95CE-6DB70DBA9567}" type="datetimeFigureOut">
               <a:rPr lang="en-US" smtClean="0"/>
               <a:pPr/>
-              <a:t>5/10/2019</a:t>
+              <a:t>5/17/2019</a:t>
             </a:fld>
             <a:endParaRPr lang="en-US" dirty="0"/>
           </a:p>
@@ -10397,7 +10397,7 @@
             <a:fld id="{B61BEF0D-F0BB-DE4B-95CE-6DB70DBA9567}" type="datetimeFigureOut">
               <a:rPr lang="en-US" smtClean="0"/>
               <a:pPr/>
-              <a:t>5/10/2019</a:t>
+              <a:t>5/17/2019</a:t>
             </a:fld>
             <a:endParaRPr lang="en-US" dirty="0"/>
           </a:p>
@@ -10742,7 +10742,7 @@
             <a:fld id="{B61BEF0D-F0BB-DE4B-95CE-6DB70DBA9567}" type="datetimeFigureOut">
               <a:rPr lang="en-US" smtClean="0"/>
               <a:pPr/>
-              <a:t>5/10/2019</a:t>
+              <a:t>5/17/2019</a:t>
             </a:fld>
             <a:endParaRPr lang="en-US" dirty="0"/>
           </a:p>
@@ -11019,7 +11019,7 @@
             <a:fld id="{B61BEF0D-F0BB-DE4B-95CE-6DB70DBA9567}" type="datetimeFigureOut">
               <a:rPr lang="en-US" smtClean="0"/>
               <a:pPr/>
-              <a:t>5/10/2019</a:t>
+              <a:t>5/17/2019</a:t>
             </a:fld>
             <a:endParaRPr lang="en-US" dirty="0"/>
           </a:p>
@@ -11400,7 +11400,7 @@
             <a:fld id="{B61BEF0D-F0BB-DE4B-95CE-6DB70DBA9567}" type="datetimeFigureOut">
               <a:rPr lang="en-US" smtClean="0"/>
               <a:pPr/>
-              <a:t>5/10/2019</a:t>
+              <a:t>5/17/2019</a:t>
             </a:fld>
             <a:endParaRPr lang="en-US" dirty="0"/>
           </a:p>
@@ -11520,7 +11520,7 @@
             <a:fld id="{B61BEF0D-F0BB-DE4B-95CE-6DB70DBA9567}" type="datetimeFigureOut">
               <a:rPr lang="en-US" smtClean="0"/>
               <a:pPr/>
-              <a:t>5/10/2019</a:t>
+              <a:t>5/17/2019</a:t>
             </a:fld>
             <a:endParaRPr lang="en-US" dirty="0"/>
           </a:p>
@@ -11693,7 +11693,7 @@
             <a:fld id="{B61BEF0D-F0BB-DE4B-95CE-6DB70DBA9567}" type="datetimeFigureOut">
               <a:rPr lang="en-US" smtClean="0"/>
               <a:pPr/>
-              <a:t>5/10/2019</a:t>
+              <a:t>5/17/2019</a:t>
             </a:fld>
             <a:endParaRPr lang="en-US" dirty="0"/>
           </a:p>
@@ -11873,7 +11873,7 @@
             <a:fld id="{B61BEF0D-F0BB-DE4B-95CE-6DB70DBA9567}" type="datetimeFigureOut">
               <a:rPr lang="en-US" smtClean="0"/>
               <a:pPr/>
-              <a:t>5/10/2019</a:t>
+              <a:t>5/17/2019</a:t>
             </a:fld>
             <a:endParaRPr lang="en-US" dirty="0"/>
           </a:p>
@@ -12221,7 +12221,7 @@
             <a:fld id="{B61BEF0D-F0BB-DE4B-95CE-6DB70DBA9567}" type="datetimeFigureOut">
               <a:rPr lang="en-US" smtClean="0"/>
               <a:pPr/>
-              <a:t>5/10/2019</a:t>
+              <a:t>5/17/2019</a:t>
             </a:fld>
             <a:endParaRPr lang="en-US" dirty="0"/>
           </a:p>
@@ -12605,7 +12605,7 @@
             <a:fld id="{B61BEF0D-F0BB-DE4B-95CE-6DB70DBA9567}" type="datetimeFigureOut">
               <a:rPr lang="en-US" smtClean="0"/>
               <a:pPr/>
-              <a:t>5/10/2019</a:t>
+              <a:t>5/17/2019</a:t>
             </a:fld>
             <a:endParaRPr lang="en-US" dirty="0"/>
           </a:p>
@@ -12777,7 +12777,7 @@
             <a:fld id="{B61BEF0D-F0BB-DE4B-95CE-6DB70DBA9567}" type="datetimeFigureOut">
               <a:rPr lang="en-US" smtClean="0"/>
               <a:pPr/>
-              <a:t>5/10/2019</a:t>
+              <a:t>5/17/2019</a:t>
             </a:fld>
             <a:endParaRPr lang="en-US" dirty="0"/>
           </a:p>
@@ -13035,7 +13035,7 @@
             <a:fld id="{B61BEF0D-F0BB-DE4B-95CE-6DB70DBA9567}" type="datetimeFigureOut">
               <a:rPr lang="en-US" smtClean="0"/>
               <a:pPr/>
-              <a:t>5/10/2019</a:t>
+              <a:t>5/17/2019</a:t>
             </a:fld>
             <a:endParaRPr lang="en-US" dirty="0"/>
           </a:p>
@@ -13238,7 +13238,7 @@
             <a:fld id="{B61BEF0D-F0BB-DE4B-95CE-6DB70DBA9567}" type="datetimeFigureOut">
               <a:rPr lang="en-US" smtClean="0"/>
               <a:pPr/>
-              <a:t>5/10/2019</a:t>
+              <a:t>5/17/2019</a:t>
             </a:fld>
             <a:endParaRPr lang="en-US" dirty="0"/>
           </a:p>
@@ -13501,7 +13501,7 @@
             <a:fld id="{B61BEF0D-F0BB-DE4B-95CE-6DB70DBA9567}" type="datetimeFigureOut">
               <a:rPr lang="en-US" smtClean="0"/>
               <a:pPr/>
-              <a:t>5/10/2019</a:t>
+              <a:t>5/17/2019</a:t>
             </a:fld>
             <a:endParaRPr lang="en-US" dirty="0"/>
           </a:p>
@@ -13747,7 +13747,7 @@
             <a:fld id="{B61BEF0D-F0BB-DE4B-95CE-6DB70DBA9567}" type="datetimeFigureOut">
               <a:rPr lang="en-US" smtClean="0"/>
               <a:pPr/>
-              <a:t>5/10/2019</a:t>
+              <a:t>5/17/2019</a:t>
             </a:fld>
             <a:endParaRPr lang="en-US" dirty="0"/>
           </a:p>
@@ -14096,7 +14096,7 @@
             <a:fld id="{B61BEF0D-F0BB-DE4B-95CE-6DB70DBA9567}" type="datetimeFigureOut">
               <a:rPr lang="en-US" smtClean="0"/>
               <a:pPr/>
-              <a:t>5/10/2019</a:t>
+              <a:t>5/17/2019</a:t>
             </a:fld>
             <a:endParaRPr lang="en-US" dirty="0"/>
           </a:p>
@@ -14216,7 +14216,7 @@
             <a:fld id="{B61BEF0D-F0BB-DE4B-95CE-6DB70DBA9567}" type="datetimeFigureOut">
               <a:rPr lang="en-US" smtClean="0"/>
               <a:pPr/>
-              <a:t>5/10/2019</a:t>
+              <a:t>5/17/2019</a:t>
             </a:fld>
             <a:endParaRPr lang="en-US" dirty="0"/>
           </a:p>
@@ -14348,7 +14348,7 @@
             <a:fld id="{B61BEF0D-F0BB-DE4B-95CE-6DB70DBA9567}" type="datetimeFigureOut">
               <a:rPr lang="en-US" smtClean="0"/>
               <a:pPr/>
-              <a:t>5/10/2019</a:t>
+              <a:t>5/17/2019</a:t>
             </a:fld>
             <a:endParaRPr lang="en-US" dirty="0"/>
           </a:p>
@@ -14634,7 +14634,7 @@
             <a:fld id="{B61BEF0D-F0BB-DE4B-95CE-6DB70DBA9567}" type="datetimeFigureOut">
               <a:rPr lang="en-US" smtClean="0"/>
               <a:pPr/>
-              <a:t>5/10/2019</a:t>
+              <a:t>5/17/2019</a:t>
             </a:fld>
             <a:endParaRPr lang="en-US" dirty="0"/>
           </a:p>
@@ -14900,7 +14900,7 @@
             <a:fld id="{B61BEF0D-F0BB-DE4B-95CE-6DB70DBA9567}" type="datetimeFigureOut">
               <a:rPr lang="en-US" smtClean="0"/>
               <a:pPr/>
-              <a:t>5/10/2019</a:t>
+              <a:t>5/17/2019</a:t>
             </a:fld>
             <a:endParaRPr lang="en-US" dirty="0"/>
           </a:p>
@@ -15128,7 +15128,7 @@
             <a:fld id="{B61BEF0D-F0BB-DE4B-95CE-6DB70DBA9567}" type="datetimeFigureOut">
               <a:rPr lang="en-US" smtClean="0"/>
               <a:pPr/>
-              <a:t>5/10/2019</a:t>
+              <a:t>5/17/2019</a:t>
             </a:fld>
             <a:endParaRPr lang="en-US" dirty="0"/>
           </a:p>
@@ -15751,7 +15751,7 @@
             <a:fld id="{B61BEF0D-F0BB-DE4B-95CE-6DB70DBA9567}" type="datetimeFigureOut">
               <a:rPr lang="en-US" smtClean="0"/>
               <a:pPr/>
-              <a:t>5/10/2019</a:t>
+              <a:t>5/17/2019</a:t>
             </a:fld>
             <a:endParaRPr lang="en-US" dirty="0"/>
           </a:p>
@@ -16391,7 +16391,7 @@
             </a:r>
             <a:r>
               <a:rPr lang="it-IT" dirty="0" err="1"/>
-              <a:t>proFIo</a:t>
+              <a:t>proFIlo</a:t>
             </a:r>
             <a:r>
               <a:rPr lang="it-IT" dirty="0"/>
@@ -17060,8 +17060,8 @@
         </p:nvSpPr>
         <p:spPr>
           <a:xfrm>
-            <a:off x="7870995" y="643467"/>
-            <a:ext cx="3341488" cy="5054008"/>
+            <a:off x="7870994" y="643467"/>
+            <a:ext cx="3847523" cy="5054008"/>
           </a:xfrm>
         </p:spPr>
         <p:txBody>
@@ -17282,7 +17282,129 @@
               </a:rPr>
               <a:t>.</a:t>
             </a:r>
-            <a:endParaRPr lang="en-US" sz="2400" b="1" i="1" cap="all" spc="200" dirty="0">
+          </a:p>
+          <a:p>
+            <a:r>
+              <a:rPr lang="en-US" sz="2400" cap="all" spc="200" dirty="0">
+                <a:solidFill>
+                  <a:schemeClr val="tx2"/>
+                </a:solidFill>
+                <a:latin typeface="+mj-lt"/>
+              </a:rPr>
+              <a:t>Per </a:t>
+            </a:r>
+            <a:r>
+              <a:rPr lang="en-US" sz="2400" cap="all" spc="200" dirty="0" err="1">
+                <a:solidFill>
+                  <a:schemeClr val="tx2"/>
+                </a:solidFill>
+                <a:latin typeface="+mj-lt"/>
+              </a:rPr>
+              <a:t>questo</a:t>
+            </a:r>
+            <a:r>
+              <a:rPr lang="en-US" sz="2400" cap="all" spc="200" dirty="0">
+                <a:solidFill>
+                  <a:schemeClr val="tx2"/>
+                </a:solidFill>
+                <a:latin typeface="+mj-lt"/>
+              </a:rPr>
+              <a:t> </a:t>
+            </a:r>
+            <a:r>
+              <a:rPr lang="en-US" sz="2400" cap="all" spc="200" dirty="0" err="1">
+                <a:solidFill>
+                  <a:schemeClr val="tx2"/>
+                </a:solidFill>
+                <a:latin typeface="+mj-lt"/>
+              </a:rPr>
+              <a:t>modello</a:t>
+            </a:r>
+            <a:r>
+              <a:rPr lang="en-US" sz="2400" cap="all" spc="200" dirty="0">
+                <a:solidFill>
+                  <a:schemeClr val="tx2"/>
+                </a:solidFill>
+                <a:latin typeface="+mj-lt"/>
+              </a:rPr>
+              <a:t> </a:t>
+            </a:r>
+            <a:r>
+              <a:rPr lang="en-US" sz="2400" cap="all" spc="200" dirty="0" err="1">
+                <a:solidFill>
+                  <a:schemeClr val="tx2"/>
+                </a:solidFill>
+                <a:latin typeface="+mj-lt"/>
+              </a:rPr>
+              <a:t>abbiamo</a:t>
+            </a:r>
+            <a:r>
+              <a:rPr lang="en-US" sz="2400" cap="all" spc="200" dirty="0">
+                <a:solidFill>
+                  <a:schemeClr val="tx2"/>
+                </a:solidFill>
+                <a:latin typeface="+mj-lt"/>
+              </a:rPr>
+              <a:t> </a:t>
+            </a:r>
+            <a:r>
+              <a:rPr lang="en-US" sz="2400" cap="all" spc="200" dirty="0" err="1">
+                <a:solidFill>
+                  <a:schemeClr val="tx2"/>
+                </a:solidFill>
+                <a:latin typeface="+mj-lt"/>
+              </a:rPr>
+              <a:t>calcolato</a:t>
+            </a:r>
+            <a:r>
+              <a:rPr lang="en-US" sz="2400" cap="all" spc="200" dirty="0">
+                <a:solidFill>
+                  <a:schemeClr val="tx2"/>
+                </a:solidFill>
+                <a:latin typeface="+mj-lt"/>
+              </a:rPr>
+              <a:t>:</a:t>
+            </a:r>
+          </a:p>
+          <a:p>
+            <a:pPr marL="342900" indent="-342900">
+              <a:buFont typeface="Arial" panose="020B0604020202020204" pitchFamily="34" charset="0"/>
+              <a:buChar char="•"/>
+            </a:pPr>
+            <a:r>
+              <a:rPr lang="en-US" sz="2400" cap="all" spc="200" dirty="0">
+                <a:solidFill>
+                  <a:schemeClr val="tx2"/>
+                </a:solidFill>
+                <a:latin typeface="+mj-lt"/>
+              </a:rPr>
+              <a:t>MSE= 3.836955832</a:t>
+            </a:r>
+          </a:p>
+          <a:p>
+            <a:pPr marL="342900" indent="-342900">
+              <a:buFont typeface="Arial" panose="020B0604020202020204" pitchFamily="34" charset="0"/>
+              <a:buChar char="•"/>
+            </a:pPr>
+            <a:r>
+              <a:rPr lang="en-US" sz="2400" cap="all" spc="200" dirty="0">
+                <a:solidFill>
+                  <a:schemeClr val="tx2"/>
+                </a:solidFill>
+                <a:latin typeface="+mj-lt"/>
+              </a:rPr>
+              <a:t>RMSE</a:t>
+            </a:r>
+            <a:r>
+              <a:rPr lang="en-US" sz="2400" cap="all" spc="200">
+                <a:solidFill>
+                  <a:schemeClr val="tx2"/>
+                </a:solidFill>
+                <a:latin typeface="+mj-lt"/>
+              </a:rPr>
+              <a:t>= 1.958814904</a:t>
+            </a:r>
+            <a:endParaRPr lang="en-US" sz="2400" cap="all" spc="200" dirty="0">
               <a:solidFill>
                 <a:schemeClr val="tx2"/>
               </a:solidFill>
@@ -19674,7 +19796,7 @@
         </p:nvSpPr>
         <p:spPr>
           <a:xfrm>
-            <a:off x="477622" y="1526336"/>
+            <a:off x="477622" y="1428873"/>
             <a:ext cx="3084844" cy="5140794"/>
           </a:xfrm>
         </p:spPr>
@@ -19756,7 +19878,7 @@
                   </a:outerShdw>
                 </a:effectLst>
               </a:rPr>
-              <a:t>Abbiamo inoltre calcolato altri due indici, ovvero </a:t>
+              <a:t>Abbiamo inoltre calcolato nuovamente </a:t>
             </a:r>
             <a:r>
               <a:rPr lang="it-IT" sz="1500" dirty="0" err="1">
@@ -19936,7 +20058,7 @@
                   </a:outerShdw>
                 </a:effectLst>
               </a:rPr>
-              <a:t>:</a:t>
+              <a:t> che migliorano:</a:t>
             </a:r>
           </a:p>
           <a:p>
@@ -20574,15 +20696,7 @@
           <a:p>
             <a:r>
               <a:rPr lang="it-IT" dirty="0"/>
-              <a:t>Il dato di previsione viene letto dalla matrice </a:t>
-            </a:r>
-            <a:r>
-              <a:rPr lang="it-IT" dirty="0" err="1"/>
-              <a:t>utilzzando</a:t>
-            </a:r>
-            <a:r>
-              <a:rPr lang="it-IT" dirty="0"/>
-              <a:t> gli indici passati alla funzione</a:t>
+              <a:t>Il dato di previsione viene letto dalla matrice utilizzando gli indici passati alla funzione</a:t>
             </a:r>
           </a:p>
         </p:txBody>

--- a/presentazione_imad.pptx
+++ b/presentazione_imad.pptx
@@ -17393,23 +17393,8 @@
                 </a:solidFill>
                 <a:latin typeface="+mj-lt"/>
               </a:rPr>
-              <a:t>RMSE</a:t>
-            </a:r>
-            <a:r>
-              <a:rPr lang="en-US" sz="2400" cap="all" spc="200">
-                <a:solidFill>
-                  <a:schemeClr val="tx2"/>
-                </a:solidFill>
-                <a:latin typeface="+mj-lt"/>
-              </a:rPr>
-              <a:t>= 1.958814904</a:t>
-            </a:r>
-            <a:endParaRPr lang="en-US" sz="2400" cap="all" spc="200" dirty="0">
-              <a:solidFill>
-                <a:schemeClr val="tx2"/>
-              </a:solidFill>
-              <a:latin typeface="+mj-lt"/>
-            </a:endParaRPr>
+              <a:t>RMSE= 1.958814904</a:t>
+            </a:r>
           </a:p>
         </p:txBody>
       </p:sp>
@@ -20668,16 +20653,8 @@
           </a:p>
           <a:p>
             <a:r>
-              <a:rPr lang="it-IT" u="sng" dirty="0" err="1"/>
-              <a:t>Meshgrid</a:t>
-            </a:r>
-            <a:r>
-              <a:rPr lang="it-IT" u="sng" dirty="0"/>
-              <a:t> </a:t>
-            </a:r>
-            <a:r>
               <a:rPr lang="it-IT" dirty="0"/>
-              <a:t>per generare matrice contente tutte le possibili combinazioni giorno anno - giorno settimana</a:t>
+              <a:t>Generazione matrice contente tutte le possibili combinazioni giorno anno - giorno settimana</a:t>
             </a:r>
           </a:p>
           <a:p>

--- a/presentazione_imad.pptx
+++ b/presentazione_imad.pptx
@@ -21472,7 +21472,7 @@
         </p:blipFill>
         <p:spPr>
           <a:xfrm>
-            <a:off x="4510274" y="672891"/>
+            <a:off x="4572600" y="672891"/>
             <a:ext cx="7349623" cy="5512217"/>
           </a:xfrm>
           <a:prstGeom prst="rect">
